--- a/Dokumente/Präsentationen/2019-01-24_DA_Feldkemper_Treffen_Krzywinski.pptx
+++ b/Dokumente/Präsentationen/2019-01-24_DA_Feldkemper_Treffen_Krzywinski.pptx
@@ -5,45 +5,46 @@
     <p:sldMasterId id="2147483891" r:id="rId1"/>
   </p:sldMasterIdLst>
   <p:notesMasterIdLst>
-    <p:notesMasterId r:id="rId18"/>
+    <p:notesMasterId r:id="rId19"/>
   </p:notesMasterIdLst>
   <p:handoutMasterIdLst>
-    <p:handoutMasterId r:id="rId19"/>
+    <p:handoutMasterId r:id="rId20"/>
   </p:handoutMasterIdLst>
   <p:sldIdLst>
     <p:sldId id="319" r:id="rId2"/>
     <p:sldId id="337" r:id="rId3"/>
-    <p:sldId id="338" r:id="rId4"/>
+    <p:sldId id="341" r:id="rId4"/>
     <p:sldId id="339" r:id="rId5"/>
     <p:sldId id="340" r:id="rId6"/>
-    <p:sldId id="327" r:id="rId7"/>
-    <p:sldId id="320" r:id="rId8"/>
-    <p:sldId id="322" r:id="rId9"/>
-    <p:sldId id="325" r:id="rId10"/>
-    <p:sldId id="336" r:id="rId11"/>
-    <p:sldId id="331" r:id="rId12"/>
-    <p:sldId id="332" r:id="rId13"/>
-    <p:sldId id="329" r:id="rId14"/>
-    <p:sldId id="324" r:id="rId15"/>
-    <p:sldId id="330" r:id="rId16"/>
-    <p:sldId id="326" r:id="rId17"/>
+    <p:sldId id="338" r:id="rId7"/>
+    <p:sldId id="327" r:id="rId8"/>
+    <p:sldId id="320" r:id="rId9"/>
+    <p:sldId id="322" r:id="rId10"/>
+    <p:sldId id="325" r:id="rId11"/>
+    <p:sldId id="336" r:id="rId12"/>
+    <p:sldId id="331" r:id="rId13"/>
+    <p:sldId id="332" r:id="rId14"/>
+    <p:sldId id="329" r:id="rId15"/>
+    <p:sldId id="324" r:id="rId16"/>
+    <p:sldId id="330" r:id="rId17"/>
+    <p:sldId id="326" r:id="rId18"/>
   </p:sldIdLst>
   <p:sldSz cx="12192000" cy="6858000"/>
   <p:notesSz cx="6858000" cy="9144000"/>
   <p:embeddedFontLst>
     <p:embeddedFont>
-      <p:font typeface="Calibri" panose="020F0502020204030204" pitchFamily="34" charset="0"/>
-      <p:regular r:id="rId20"/>
-      <p:bold r:id="rId21"/>
-      <p:italic r:id="rId22"/>
-      <p:boldItalic r:id="rId23"/>
+      <p:font typeface="Open Sans" panose="020B0604020202020204" charset="0"/>
+      <p:regular r:id="rId21"/>
+      <p:bold r:id="rId22"/>
+      <p:italic r:id="rId23"/>
+      <p:boldItalic r:id="rId24"/>
     </p:embeddedFont>
     <p:embeddedFont>
-      <p:font typeface="Open Sans" panose="020B0604020202020204" charset="0"/>
-      <p:regular r:id="rId24"/>
-      <p:bold r:id="rId25"/>
-      <p:italic r:id="rId26"/>
-      <p:boldItalic r:id="rId27"/>
+      <p:font typeface="Calibri" panose="020F0502020204030204" pitchFamily="34" charset="0"/>
+      <p:regular r:id="rId25"/>
+      <p:bold r:id="rId26"/>
+      <p:italic r:id="rId27"/>
+      <p:boldItalic r:id="rId28"/>
     </p:embeddedFont>
   </p:embeddedFontLst>
   <p:defaultTextStyle>
@@ -148,13 +149,14 @@
           <p14:sldIdLst>
             <p14:sldId id="319"/>
             <p14:sldId id="337"/>
-            <p14:sldId id="338"/>
+            <p14:sldId id="341"/>
             <p14:sldId id="339"/>
             <p14:sldId id="340"/>
           </p14:sldIdLst>
         </p14:section>
         <p14:section name="Backup" id="{11E1ABF5-BE9C-4ED3-BFED-F3FA90A74AB7}">
           <p14:sldIdLst>
+            <p14:sldId id="338"/>
             <p14:sldId id="327"/>
             <p14:sldId id="320"/>
             <p14:sldId id="322"/>
@@ -271,7 +273,7 @@
           <a:p>
             <a:fld id="{C6AC6211-610F-44E5-BF19-D3CDF6EDD281}" type="datetimeFigureOut">
               <a:rPr lang="de-DE" smtClean="0"/>
-              <a:t>22.01.2019</a:t>
+              <a:t>24.01.2019</a:t>
             </a:fld>
             <a:endParaRPr lang="de-DE"/>
           </a:p>
@@ -437,7 +439,7 @@
           <a:p>
             <a:fld id="{347435D3-23A6-45D3-8DFA-7317DC1E7A64}" type="datetimeFigureOut">
               <a:rPr lang="de-DE" smtClean="0"/>
-              <a:t>22.01.2019</a:t>
+              <a:t>24.01.2019</a:t>
             </a:fld>
             <a:endParaRPr lang="de-DE"/>
           </a:p>
@@ -789,7 +791,7 @@
 </p:notes>
 </file>
 
-<file path=ppt/notesSlides/notesSlide2.xml><?xml version="1.0" encoding="utf-8"?>
+<file path=ppt/notesSlides/notesSlide10.xml><?xml version="1.0" encoding="utf-8"?>
 <p:notes xmlns:a="http://schemas.openxmlformats.org/drawingml/2006/main" xmlns:r="http://schemas.openxmlformats.org/officeDocument/2006/relationships" xmlns:p="http://schemas.openxmlformats.org/presentationml/2006/main">
   <p:cSld>
     <p:spTree>
@@ -854,7 +856,7 @@
           <a:p>
             <a:fld id="{2969AC09-DF60-43F4-96BF-67D4D9A74094}" type="slidenum">
               <a:rPr lang="de-DE" smtClean="0"/>
-              <a:t>6</a:t>
+              <a:t>17</a:t>
             </a:fld>
             <a:endParaRPr lang="de-DE"/>
           </a:p>
@@ -863,7 +865,7 @@
     </p:spTree>
     <p:extLst>
       <p:ext uri="{BB962C8B-B14F-4D97-AF65-F5344CB8AC3E}">
-        <p14:creationId xmlns:p14="http://schemas.microsoft.com/office/powerpoint/2010/main" val="105658726"/>
+        <p14:creationId xmlns:p14="http://schemas.microsoft.com/office/powerpoint/2010/main" val="3814103017"/>
       </p:ext>
     </p:extLst>
   </p:cSld>
@@ -873,100 +875,7 @@
 </p:notes>
 </file>
 
-<file path=ppt/notesSlides/notesSlide3.xml><?xml version="1.0" encoding="utf-8"?>
-<p:notes xmlns:a="http://schemas.openxmlformats.org/drawingml/2006/main" xmlns:r="http://schemas.openxmlformats.org/officeDocument/2006/relationships" xmlns:p="http://schemas.openxmlformats.org/presentationml/2006/main">
-  <p:cSld>
-    <p:spTree>
-      <p:nvGrpSpPr>
-        <p:cNvPr id="1" name=""/>
-        <p:cNvGrpSpPr/>
-        <p:nvPr/>
-      </p:nvGrpSpPr>
-      <p:grpSpPr>
-        <a:xfrm>
-          <a:off x="0" y="0"/>
-          <a:ext cx="0" cy="0"/>
-          <a:chOff x="0" y="0"/>
-          <a:chExt cx="0" cy="0"/>
-        </a:xfrm>
-      </p:grpSpPr>
-      <p:sp>
-        <p:nvSpPr>
-          <p:cNvPr id="2" name="Folienbildplatzhalter 1"/>
-          <p:cNvSpPr>
-            <a:spLocks noGrp="1" noRot="1" noChangeAspect="1"/>
-          </p:cNvSpPr>
-          <p:nvPr>
-            <p:ph type="sldImg"/>
-          </p:nvPr>
-        </p:nvSpPr>
-        <p:spPr/>
-      </p:sp>
-      <p:sp>
-        <p:nvSpPr>
-          <p:cNvPr id="3" name="Notizenplatzhalter 2"/>
-          <p:cNvSpPr>
-            <a:spLocks noGrp="1"/>
-          </p:cNvSpPr>
-          <p:nvPr>
-            <p:ph type="body" idx="1"/>
-          </p:nvPr>
-        </p:nvSpPr>
-        <p:spPr/>
-        <p:txBody>
-          <a:bodyPr/>
-          <a:lstStyle/>
-          <a:p>
-            <a:r>
-              <a:rPr lang="de-DE" dirty="0"/>
-              <a:t>Welche Informationen müssen dem Menschen zur Verfügung gestellt werden?</a:t>
-            </a:r>
-          </a:p>
-          <a:p>
-            <a:r>
-              <a:rPr lang="de-DE" dirty="0"/>
-              <a:t>Wie werden diese zur Verfügung gestellt?</a:t>
-            </a:r>
-          </a:p>
-        </p:txBody>
-      </p:sp>
-      <p:sp>
-        <p:nvSpPr>
-          <p:cNvPr id="4" name="Foliennummernplatzhalter 3"/>
-          <p:cNvSpPr>
-            <a:spLocks noGrp="1"/>
-          </p:cNvSpPr>
-          <p:nvPr>
-            <p:ph type="sldNum" sz="quarter" idx="10"/>
-          </p:nvPr>
-        </p:nvSpPr>
-        <p:spPr/>
-        <p:txBody>
-          <a:bodyPr/>
-          <a:lstStyle/>
-          <a:p>
-            <a:fld id="{2969AC09-DF60-43F4-96BF-67D4D9A74094}" type="slidenum">
-              <a:rPr lang="de-DE" smtClean="0"/>
-              <a:t>7</a:t>
-            </a:fld>
-            <a:endParaRPr lang="de-DE"/>
-          </a:p>
-        </p:txBody>
-      </p:sp>
-    </p:spTree>
-    <p:extLst>
-      <p:ext uri="{BB962C8B-B14F-4D97-AF65-F5344CB8AC3E}">
-        <p14:creationId xmlns:p14="http://schemas.microsoft.com/office/powerpoint/2010/main" val="6661220"/>
-      </p:ext>
-    </p:extLst>
-  </p:cSld>
-  <p:clrMapOvr>
-    <a:masterClrMapping/>
-  </p:clrMapOvr>
-</p:notes>
-</file>
-
-<file path=ppt/notesSlides/notesSlide4.xml><?xml version="1.0" encoding="utf-8"?>
+<file path=ppt/notesSlides/notesSlide2.xml><?xml version="1.0" encoding="utf-8"?>
 <p:notes xmlns:a="http://schemas.openxmlformats.org/drawingml/2006/main" xmlns:r="http://schemas.openxmlformats.org/officeDocument/2006/relationships" xmlns:p="http://schemas.openxmlformats.org/presentationml/2006/main">
   <p:cSld>
     <p:spTree>
@@ -1031,7 +940,268 @@
           <a:p>
             <a:fld id="{2969AC09-DF60-43F4-96BF-67D4D9A74094}" type="slidenum">
               <a:rPr lang="de-DE" smtClean="0"/>
+              <a:t>2</a:t>
+            </a:fld>
+            <a:endParaRPr lang="de-DE"/>
+          </a:p>
+        </p:txBody>
+      </p:sp>
+    </p:spTree>
+    <p:extLst>
+      <p:ext uri="{BB962C8B-B14F-4D97-AF65-F5344CB8AC3E}">
+        <p14:creationId xmlns:p14="http://schemas.microsoft.com/office/powerpoint/2010/main" val="1043683360"/>
+      </p:ext>
+    </p:extLst>
+  </p:cSld>
+  <p:clrMapOvr>
+    <a:masterClrMapping/>
+  </p:clrMapOvr>
+</p:notes>
+</file>
+
+<file path=ppt/notesSlides/notesSlide3.xml><?xml version="1.0" encoding="utf-8"?>
+<p:notes xmlns:a="http://schemas.openxmlformats.org/drawingml/2006/main" xmlns:r="http://schemas.openxmlformats.org/officeDocument/2006/relationships" xmlns:p="http://schemas.openxmlformats.org/presentationml/2006/main">
+  <p:cSld>
+    <p:spTree>
+      <p:nvGrpSpPr>
+        <p:cNvPr id="1" name=""/>
+        <p:cNvGrpSpPr/>
+        <p:nvPr/>
+      </p:nvGrpSpPr>
+      <p:grpSpPr>
+        <a:xfrm>
+          <a:off x="0" y="0"/>
+          <a:ext cx="0" cy="0"/>
+          <a:chOff x="0" y="0"/>
+          <a:chExt cx="0" cy="0"/>
+        </a:xfrm>
+      </p:grpSpPr>
+      <p:sp>
+        <p:nvSpPr>
+          <p:cNvPr id="2" name="Folienbildplatzhalter 1"/>
+          <p:cNvSpPr>
+            <a:spLocks noGrp="1" noRot="1" noChangeAspect="1"/>
+          </p:cNvSpPr>
+          <p:nvPr>
+            <p:ph type="sldImg"/>
+          </p:nvPr>
+        </p:nvSpPr>
+        <p:spPr/>
+      </p:sp>
+      <p:sp>
+        <p:nvSpPr>
+          <p:cNvPr id="3" name="Notizenplatzhalter 2"/>
+          <p:cNvSpPr>
+            <a:spLocks noGrp="1"/>
+          </p:cNvSpPr>
+          <p:nvPr>
+            <p:ph type="body" idx="1"/>
+          </p:nvPr>
+        </p:nvSpPr>
+        <p:spPr/>
+        <p:txBody>
+          <a:bodyPr/>
+          <a:lstStyle/>
+          <a:p>
+            <a:endParaRPr lang="de-DE" dirty="0"/>
+          </a:p>
+        </p:txBody>
+      </p:sp>
+      <p:sp>
+        <p:nvSpPr>
+          <p:cNvPr id="4" name="Foliennummernplatzhalter 3"/>
+          <p:cNvSpPr>
+            <a:spLocks noGrp="1"/>
+          </p:cNvSpPr>
+          <p:nvPr>
+            <p:ph type="sldNum" sz="quarter" idx="5"/>
+          </p:nvPr>
+        </p:nvSpPr>
+        <p:spPr/>
+        <p:txBody>
+          <a:bodyPr/>
+          <a:lstStyle/>
+          <a:p>
+            <a:fld id="{2969AC09-DF60-43F4-96BF-67D4D9A74094}" type="slidenum">
+              <a:rPr lang="de-DE" smtClean="0"/>
+              <a:t>7</a:t>
+            </a:fld>
+            <a:endParaRPr lang="de-DE"/>
+          </a:p>
+        </p:txBody>
+      </p:sp>
+    </p:spTree>
+    <p:extLst>
+      <p:ext uri="{BB962C8B-B14F-4D97-AF65-F5344CB8AC3E}">
+        <p14:creationId xmlns:p14="http://schemas.microsoft.com/office/powerpoint/2010/main" val="105658726"/>
+      </p:ext>
+    </p:extLst>
+  </p:cSld>
+  <p:clrMapOvr>
+    <a:masterClrMapping/>
+  </p:clrMapOvr>
+</p:notes>
+</file>
+
+<file path=ppt/notesSlides/notesSlide4.xml><?xml version="1.0" encoding="utf-8"?>
+<p:notes xmlns:a="http://schemas.openxmlformats.org/drawingml/2006/main" xmlns:r="http://schemas.openxmlformats.org/officeDocument/2006/relationships" xmlns:p="http://schemas.openxmlformats.org/presentationml/2006/main">
+  <p:cSld>
+    <p:spTree>
+      <p:nvGrpSpPr>
+        <p:cNvPr id="1" name=""/>
+        <p:cNvGrpSpPr/>
+        <p:nvPr/>
+      </p:nvGrpSpPr>
+      <p:grpSpPr>
+        <a:xfrm>
+          <a:off x="0" y="0"/>
+          <a:ext cx="0" cy="0"/>
+          <a:chOff x="0" y="0"/>
+          <a:chExt cx="0" cy="0"/>
+        </a:xfrm>
+      </p:grpSpPr>
+      <p:sp>
+        <p:nvSpPr>
+          <p:cNvPr id="2" name="Folienbildplatzhalter 1"/>
+          <p:cNvSpPr>
+            <a:spLocks noGrp="1" noRot="1" noChangeAspect="1"/>
+          </p:cNvSpPr>
+          <p:nvPr>
+            <p:ph type="sldImg"/>
+          </p:nvPr>
+        </p:nvSpPr>
+        <p:spPr/>
+      </p:sp>
+      <p:sp>
+        <p:nvSpPr>
+          <p:cNvPr id="3" name="Notizenplatzhalter 2"/>
+          <p:cNvSpPr>
+            <a:spLocks noGrp="1"/>
+          </p:cNvSpPr>
+          <p:nvPr>
+            <p:ph type="body" idx="1"/>
+          </p:nvPr>
+        </p:nvSpPr>
+        <p:spPr/>
+        <p:txBody>
+          <a:bodyPr/>
+          <a:lstStyle/>
+          <a:p>
+            <a:r>
+              <a:rPr lang="de-DE" dirty="0"/>
+              <a:t>Welche Informationen müssen dem Menschen zur Verfügung gestellt werden?</a:t>
+            </a:r>
+          </a:p>
+          <a:p>
+            <a:r>
+              <a:rPr lang="de-DE" dirty="0"/>
+              <a:t>Wie werden diese zur Verfügung gestellt?</a:t>
+            </a:r>
+          </a:p>
+        </p:txBody>
+      </p:sp>
+      <p:sp>
+        <p:nvSpPr>
+          <p:cNvPr id="4" name="Foliennummernplatzhalter 3"/>
+          <p:cNvSpPr>
+            <a:spLocks noGrp="1"/>
+          </p:cNvSpPr>
+          <p:nvPr>
+            <p:ph type="sldNum" sz="quarter" idx="10"/>
+          </p:nvPr>
+        </p:nvSpPr>
+        <p:spPr/>
+        <p:txBody>
+          <a:bodyPr/>
+          <a:lstStyle/>
+          <a:p>
+            <a:fld id="{2969AC09-DF60-43F4-96BF-67D4D9A74094}" type="slidenum">
+              <a:rPr lang="de-DE" smtClean="0"/>
               <a:t>8</a:t>
+            </a:fld>
+            <a:endParaRPr lang="de-DE"/>
+          </a:p>
+        </p:txBody>
+      </p:sp>
+    </p:spTree>
+    <p:extLst>
+      <p:ext uri="{BB962C8B-B14F-4D97-AF65-F5344CB8AC3E}">
+        <p14:creationId xmlns:p14="http://schemas.microsoft.com/office/powerpoint/2010/main" val="6661220"/>
+      </p:ext>
+    </p:extLst>
+  </p:cSld>
+  <p:clrMapOvr>
+    <a:masterClrMapping/>
+  </p:clrMapOvr>
+</p:notes>
+</file>
+
+<file path=ppt/notesSlides/notesSlide5.xml><?xml version="1.0" encoding="utf-8"?>
+<p:notes xmlns:a="http://schemas.openxmlformats.org/drawingml/2006/main" xmlns:r="http://schemas.openxmlformats.org/officeDocument/2006/relationships" xmlns:p="http://schemas.openxmlformats.org/presentationml/2006/main">
+  <p:cSld>
+    <p:spTree>
+      <p:nvGrpSpPr>
+        <p:cNvPr id="1" name=""/>
+        <p:cNvGrpSpPr/>
+        <p:nvPr/>
+      </p:nvGrpSpPr>
+      <p:grpSpPr>
+        <a:xfrm>
+          <a:off x="0" y="0"/>
+          <a:ext cx="0" cy="0"/>
+          <a:chOff x="0" y="0"/>
+          <a:chExt cx="0" cy="0"/>
+        </a:xfrm>
+      </p:grpSpPr>
+      <p:sp>
+        <p:nvSpPr>
+          <p:cNvPr id="2" name="Folienbildplatzhalter 1"/>
+          <p:cNvSpPr>
+            <a:spLocks noGrp="1" noRot="1" noChangeAspect="1"/>
+          </p:cNvSpPr>
+          <p:nvPr>
+            <p:ph type="sldImg"/>
+          </p:nvPr>
+        </p:nvSpPr>
+        <p:spPr/>
+      </p:sp>
+      <p:sp>
+        <p:nvSpPr>
+          <p:cNvPr id="3" name="Notizenplatzhalter 2"/>
+          <p:cNvSpPr>
+            <a:spLocks noGrp="1"/>
+          </p:cNvSpPr>
+          <p:nvPr>
+            <p:ph type="body" idx="1"/>
+          </p:nvPr>
+        </p:nvSpPr>
+        <p:spPr/>
+        <p:txBody>
+          <a:bodyPr/>
+          <a:lstStyle/>
+          <a:p>
+            <a:endParaRPr lang="de-DE" dirty="0"/>
+          </a:p>
+        </p:txBody>
+      </p:sp>
+      <p:sp>
+        <p:nvSpPr>
+          <p:cNvPr id="4" name="Foliennummernplatzhalter 3"/>
+          <p:cNvSpPr>
+            <a:spLocks noGrp="1"/>
+          </p:cNvSpPr>
+          <p:nvPr>
+            <p:ph type="sldNum" sz="quarter" idx="10"/>
+          </p:nvPr>
+        </p:nvSpPr>
+        <p:spPr/>
+        <p:txBody>
+          <a:bodyPr/>
+          <a:lstStyle/>
+          <a:p>
+            <a:fld id="{2969AC09-DF60-43F4-96BF-67D4D9A74094}" type="slidenum">
+              <a:rPr lang="de-DE" smtClean="0"/>
+              <a:t>9</a:t>
             </a:fld>
             <a:endParaRPr lang="de-DE"/>
           </a:p>
@@ -1050,7 +1220,7 @@
 </p:notes>
 </file>
 
-<file path=ppt/notesSlides/notesSlide5.xml><?xml version="1.0" encoding="utf-8"?>
+<file path=ppt/notesSlides/notesSlide6.xml><?xml version="1.0" encoding="utf-8"?>
 <p:notes xmlns:a="http://schemas.openxmlformats.org/drawingml/2006/main" xmlns:r="http://schemas.openxmlformats.org/officeDocument/2006/relationships" xmlns:p="http://schemas.openxmlformats.org/presentationml/2006/main">
   <p:cSld>
     <p:spTree>
@@ -1115,7 +1285,7 @@
           <a:p>
             <a:fld id="{2969AC09-DF60-43F4-96BF-67D4D9A74094}" type="slidenum">
               <a:rPr lang="de-DE" smtClean="0"/>
-              <a:t>11</a:t>
+              <a:t>12</a:t>
             </a:fld>
             <a:endParaRPr lang="de-DE"/>
           </a:p>
@@ -1125,90 +1295,6 @@
     <p:extLst>
       <p:ext uri="{BB962C8B-B14F-4D97-AF65-F5344CB8AC3E}">
         <p14:creationId xmlns:p14="http://schemas.microsoft.com/office/powerpoint/2010/main" val="594324531"/>
-      </p:ext>
-    </p:extLst>
-  </p:cSld>
-  <p:clrMapOvr>
-    <a:masterClrMapping/>
-  </p:clrMapOvr>
-</p:notes>
-</file>
-
-<file path=ppt/notesSlides/notesSlide6.xml><?xml version="1.0" encoding="utf-8"?>
-<p:notes xmlns:a="http://schemas.openxmlformats.org/drawingml/2006/main" xmlns:r="http://schemas.openxmlformats.org/officeDocument/2006/relationships" xmlns:p="http://schemas.openxmlformats.org/presentationml/2006/main">
-  <p:cSld>
-    <p:spTree>
-      <p:nvGrpSpPr>
-        <p:cNvPr id="1" name=""/>
-        <p:cNvGrpSpPr/>
-        <p:nvPr/>
-      </p:nvGrpSpPr>
-      <p:grpSpPr>
-        <a:xfrm>
-          <a:off x="0" y="0"/>
-          <a:ext cx="0" cy="0"/>
-          <a:chOff x="0" y="0"/>
-          <a:chExt cx="0" cy="0"/>
-        </a:xfrm>
-      </p:grpSpPr>
-      <p:sp>
-        <p:nvSpPr>
-          <p:cNvPr id="2" name="Folienbildplatzhalter 1"/>
-          <p:cNvSpPr>
-            <a:spLocks noGrp="1" noRot="1" noChangeAspect="1"/>
-          </p:cNvSpPr>
-          <p:nvPr>
-            <p:ph type="sldImg"/>
-          </p:nvPr>
-        </p:nvSpPr>
-        <p:spPr/>
-      </p:sp>
-      <p:sp>
-        <p:nvSpPr>
-          <p:cNvPr id="3" name="Notizenplatzhalter 2"/>
-          <p:cNvSpPr>
-            <a:spLocks noGrp="1"/>
-          </p:cNvSpPr>
-          <p:nvPr>
-            <p:ph type="body" idx="1"/>
-          </p:nvPr>
-        </p:nvSpPr>
-        <p:spPr/>
-        <p:txBody>
-          <a:bodyPr/>
-          <a:lstStyle/>
-          <a:p>
-            <a:endParaRPr lang="de-DE" dirty="0"/>
-          </a:p>
-        </p:txBody>
-      </p:sp>
-      <p:sp>
-        <p:nvSpPr>
-          <p:cNvPr id="4" name="Foliennummernplatzhalter 3"/>
-          <p:cNvSpPr>
-            <a:spLocks noGrp="1"/>
-          </p:cNvSpPr>
-          <p:nvPr>
-            <p:ph type="sldNum" sz="quarter" idx="10"/>
-          </p:nvPr>
-        </p:nvSpPr>
-        <p:spPr/>
-        <p:txBody>
-          <a:bodyPr/>
-          <a:lstStyle/>
-          <a:p>
-            <a:fld id="{2969AC09-DF60-43F4-96BF-67D4D9A74094}" type="slidenum">
-              <a:rPr lang="de-DE" smtClean="0"/>
-              <a:t>13</a:t>
-            </a:fld>
-            <a:endParaRPr lang="de-DE"/>
-          </a:p>
-        </p:txBody>
-      </p:sp>
-    </p:spTree>
-    <p:extLst>
-      <p:ext uri="{BB962C8B-B14F-4D97-AF65-F5344CB8AC3E}">
-        <p14:creationId xmlns:p14="http://schemas.microsoft.com/office/powerpoint/2010/main" val="1125391251"/>
       </p:ext>
     </p:extLst>
   </p:cSld>
@@ -1292,7 +1378,7 @@
     </p:spTree>
     <p:extLst>
       <p:ext uri="{BB962C8B-B14F-4D97-AF65-F5344CB8AC3E}">
-        <p14:creationId xmlns:p14="http://schemas.microsoft.com/office/powerpoint/2010/main" val="796060570"/>
+        <p14:creationId xmlns:p14="http://schemas.microsoft.com/office/powerpoint/2010/main" val="1125391251"/>
       </p:ext>
     </p:extLst>
   </p:cSld>
@@ -1303,114 +1389,6 @@
 </file>
 
 <file path=ppt/notesSlides/notesSlide8.xml><?xml version="1.0" encoding="utf-8"?>
-<p:notes xmlns:a="http://schemas.openxmlformats.org/drawingml/2006/main" xmlns:r="http://schemas.openxmlformats.org/officeDocument/2006/relationships" xmlns:p="http://schemas.openxmlformats.org/presentationml/2006/main">
-  <p:cSld>
-    <p:spTree>
-      <p:nvGrpSpPr>
-        <p:cNvPr id="1" name=""/>
-        <p:cNvGrpSpPr/>
-        <p:nvPr/>
-      </p:nvGrpSpPr>
-      <p:grpSpPr>
-        <a:xfrm>
-          <a:off x="0" y="0"/>
-          <a:ext cx="0" cy="0"/>
-          <a:chOff x="0" y="0"/>
-          <a:chExt cx="0" cy="0"/>
-        </a:xfrm>
-      </p:grpSpPr>
-      <p:sp>
-        <p:nvSpPr>
-          <p:cNvPr id="2" name="Folienbildplatzhalter 1"/>
-          <p:cNvSpPr>
-            <a:spLocks noGrp="1" noRot="1" noChangeAspect="1"/>
-          </p:cNvSpPr>
-          <p:nvPr>
-            <p:ph type="sldImg"/>
-          </p:nvPr>
-        </p:nvSpPr>
-        <p:spPr/>
-      </p:sp>
-      <p:sp>
-        <p:nvSpPr>
-          <p:cNvPr id="3" name="Notizenplatzhalter 2"/>
-          <p:cNvSpPr>
-            <a:spLocks noGrp="1"/>
-          </p:cNvSpPr>
-          <p:nvPr>
-            <p:ph type="body" idx="1"/>
-          </p:nvPr>
-        </p:nvSpPr>
-        <p:spPr/>
-        <p:txBody>
-          <a:bodyPr/>
-          <a:lstStyle/>
-          <a:p>
-            <a:r>
-              <a:rPr lang="de-DE" dirty="0"/>
-              <a:t>Wir wissen jetzt mit WAS Mensch und Maschine</a:t>
-            </a:r>
-            <a:r>
-              <a:rPr lang="de-DE" baseline="0" dirty="0"/>
-              <a:t> interagieren können, aber sie reden nach wie vor nicht miteinander.</a:t>
-            </a:r>
-          </a:p>
-          <a:p>
-            <a:r>
-              <a:rPr lang="de-DE" baseline="0" dirty="0"/>
-              <a:t>Um Informationen austauschen zu können müssen entsprechende Möglichkeiten vorhanden sein.</a:t>
-            </a:r>
-          </a:p>
-          <a:p>
-            <a:r>
-              <a:rPr lang="de-DE" baseline="0" dirty="0"/>
-              <a:t>Das System stellt dem Mensch entsprechende Optionen </a:t>
-            </a:r>
-            <a:r>
-              <a:rPr lang="de-DE" baseline="0"/>
-              <a:t>zur Verfügung.</a:t>
-            </a:r>
-            <a:endParaRPr lang="de-DE" dirty="0"/>
-          </a:p>
-        </p:txBody>
-      </p:sp>
-      <p:sp>
-        <p:nvSpPr>
-          <p:cNvPr id="4" name="Foliennummernplatzhalter 3"/>
-          <p:cNvSpPr>
-            <a:spLocks noGrp="1"/>
-          </p:cNvSpPr>
-          <p:nvPr>
-            <p:ph type="sldNum" sz="quarter" idx="10"/>
-          </p:nvPr>
-        </p:nvSpPr>
-        <p:spPr/>
-        <p:txBody>
-          <a:bodyPr/>
-          <a:lstStyle/>
-          <a:p>
-            <a:fld id="{2969AC09-DF60-43F4-96BF-67D4D9A74094}" type="slidenum">
-              <a:rPr lang="de-DE" smtClean="0"/>
-              <a:t>15</a:t>
-            </a:fld>
-            <a:endParaRPr lang="de-DE"/>
-          </a:p>
-        </p:txBody>
-      </p:sp>
-    </p:spTree>
-    <p:extLst>
-      <p:ext uri="{BB962C8B-B14F-4D97-AF65-F5344CB8AC3E}">
-        <p14:creationId xmlns:p14="http://schemas.microsoft.com/office/powerpoint/2010/main" val="2790543334"/>
-      </p:ext>
-    </p:extLst>
-  </p:cSld>
-  <p:clrMapOvr>
-    <a:masterClrMapping/>
-  </p:clrMapOvr>
-</p:notes>
-</file>
-
-<file path=ppt/notesSlides/notesSlide9.xml><?xml version="1.0" encoding="utf-8"?>
 <p:notes xmlns:a="http://schemas.openxmlformats.org/drawingml/2006/main" xmlns:r="http://schemas.openxmlformats.org/officeDocument/2006/relationships" xmlns:p="http://schemas.openxmlformats.org/presentationml/2006/main">
   <p:cSld>
     <p:spTree>
@@ -1465,7 +1443,115 @@
             <a:spLocks noGrp="1"/>
           </p:cNvSpPr>
           <p:nvPr>
-            <p:ph type="sldNum" sz="quarter" idx="5"/>
+            <p:ph type="sldNum" sz="quarter" idx="10"/>
+          </p:nvPr>
+        </p:nvSpPr>
+        <p:spPr/>
+        <p:txBody>
+          <a:bodyPr/>
+          <a:lstStyle/>
+          <a:p>
+            <a:fld id="{2969AC09-DF60-43F4-96BF-67D4D9A74094}" type="slidenum">
+              <a:rPr lang="de-DE" smtClean="0"/>
+              <a:t>15</a:t>
+            </a:fld>
+            <a:endParaRPr lang="de-DE"/>
+          </a:p>
+        </p:txBody>
+      </p:sp>
+    </p:spTree>
+    <p:extLst>
+      <p:ext uri="{BB962C8B-B14F-4D97-AF65-F5344CB8AC3E}">
+        <p14:creationId xmlns:p14="http://schemas.microsoft.com/office/powerpoint/2010/main" val="796060570"/>
+      </p:ext>
+    </p:extLst>
+  </p:cSld>
+  <p:clrMapOvr>
+    <a:masterClrMapping/>
+  </p:clrMapOvr>
+</p:notes>
+</file>
+
+<file path=ppt/notesSlides/notesSlide9.xml><?xml version="1.0" encoding="utf-8"?>
+<p:notes xmlns:a="http://schemas.openxmlformats.org/drawingml/2006/main" xmlns:r="http://schemas.openxmlformats.org/officeDocument/2006/relationships" xmlns:p="http://schemas.openxmlformats.org/presentationml/2006/main">
+  <p:cSld>
+    <p:spTree>
+      <p:nvGrpSpPr>
+        <p:cNvPr id="1" name=""/>
+        <p:cNvGrpSpPr/>
+        <p:nvPr/>
+      </p:nvGrpSpPr>
+      <p:grpSpPr>
+        <a:xfrm>
+          <a:off x="0" y="0"/>
+          <a:ext cx="0" cy="0"/>
+          <a:chOff x="0" y="0"/>
+          <a:chExt cx="0" cy="0"/>
+        </a:xfrm>
+      </p:grpSpPr>
+      <p:sp>
+        <p:nvSpPr>
+          <p:cNvPr id="2" name="Folienbildplatzhalter 1"/>
+          <p:cNvSpPr>
+            <a:spLocks noGrp="1" noRot="1" noChangeAspect="1"/>
+          </p:cNvSpPr>
+          <p:nvPr>
+            <p:ph type="sldImg"/>
+          </p:nvPr>
+        </p:nvSpPr>
+        <p:spPr/>
+      </p:sp>
+      <p:sp>
+        <p:nvSpPr>
+          <p:cNvPr id="3" name="Notizenplatzhalter 2"/>
+          <p:cNvSpPr>
+            <a:spLocks noGrp="1"/>
+          </p:cNvSpPr>
+          <p:nvPr>
+            <p:ph type="body" idx="1"/>
+          </p:nvPr>
+        </p:nvSpPr>
+        <p:spPr/>
+        <p:txBody>
+          <a:bodyPr/>
+          <a:lstStyle/>
+          <a:p>
+            <a:r>
+              <a:rPr lang="de-DE" dirty="0"/>
+              <a:t>Wir wissen jetzt mit WAS Mensch und Maschine</a:t>
+            </a:r>
+            <a:r>
+              <a:rPr lang="de-DE" baseline="0" dirty="0"/>
+              <a:t> interagieren können, aber sie reden nach wie vor nicht miteinander.</a:t>
+            </a:r>
+          </a:p>
+          <a:p>
+            <a:r>
+              <a:rPr lang="de-DE" baseline="0" dirty="0"/>
+              <a:t>Um Informationen austauschen zu können müssen entsprechende Möglichkeiten vorhanden sein.</a:t>
+            </a:r>
+          </a:p>
+          <a:p>
+            <a:r>
+              <a:rPr lang="de-DE" baseline="0" dirty="0"/>
+              <a:t>Das System stellt dem Mensch entsprechende Optionen </a:t>
+            </a:r>
+            <a:r>
+              <a:rPr lang="de-DE" baseline="0"/>
+              <a:t>zur Verfügung.</a:t>
+            </a:r>
+            <a:endParaRPr lang="de-DE" dirty="0"/>
+          </a:p>
+        </p:txBody>
+      </p:sp>
+      <p:sp>
+        <p:nvSpPr>
+          <p:cNvPr id="4" name="Foliennummernplatzhalter 3"/>
+          <p:cNvSpPr>
+            <a:spLocks noGrp="1"/>
+          </p:cNvSpPr>
+          <p:nvPr>
+            <p:ph type="sldNum" sz="quarter" idx="10"/>
           </p:nvPr>
         </p:nvSpPr>
         <p:spPr/>
@@ -1484,7 +1570,7 @@
     </p:spTree>
     <p:extLst>
       <p:ext uri="{BB962C8B-B14F-4D97-AF65-F5344CB8AC3E}">
-        <p14:creationId xmlns:p14="http://schemas.microsoft.com/office/powerpoint/2010/main" val="3814103017"/>
+        <p14:creationId xmlns:p14="http://schemas.microsoft.com/office/powerpoint/2010/main" val="2790543334"/>
       </p:ext>
     </p:extLst>
   </p:cSld>
@@ -1516,7 +1602,7 @@
           <p:cNvPr id="15" name="Rechteck 14">
             <a:extLst>
               <a:ext uri="{FF2B5EF4-FFF2-40B4-BE49-F238E27FC236}">
-                <a16:creationId xmlns="" xmlns:a16="http://schemas.microsoft.com/office/drawing/2014/main" id="{F770C3AA-244C-A141-BC22-D074823F4293}"/>
+                <a16:creationId xmlns:a16="http://schemas.microsoft.com/office/drawing/2014/main" xmlns="" id="{F770C3AA-244C-A141-BC22-D074823F4293}"/>
               </a:ext>
             </a:extLst>
           </p:cNvPr>
@@ -1756,7 +1842,7 @@
           <p:cNvPr id="5" name="Grafik 4">
             <a:extLst>
               <a:ext uri="{FF2B5EF4-FFF2-40B4-BE49-F238E27FC236}">
-                <a16:creationId xmlns="" xmlns:a16="http://schemas.microsoft.com/office/drawing/2014/main" id="{C0F785FA-BB6E-6347-A8C6-9846216D4CBB}"/>
+                <a16:creationId xmlns:a16="http://schemas.microsoft.com/office/drawing/2014/main" xmlns="" id="{C0F785FA-BB6E-6347-A8C6-9846216D4CBB}"/>
               </a:ext>
             </a:extLst>
           </p:cNvPr>
@@ -1945,7 +2031,7 @@
           <p:cNvPr id="12" name="Grafik 11" hidden="1">
             <a:extLst>
               <a:ext uri="{FF2B5EF4-FFF2-40B4-BE49-F238E27FC236}">
-                <a16:creationId xmlns="" xmlns:a16="http://schemas.microsoft.com/office/drawing/2014/main" id="{CFC0D4A5-64CF-6D49-98B1-9FF6119E60EC}"/>
+                <a16:creationId xmlns:a16="http://schemas.microsoft.com/office/drawing/2014/main" xmlns="" id="{CFC0D4A5-64CF-6D49-98B1-9FF6119E60EC}"/>
               </a:ext>
             </a:extLst>
           </p:cNvPr>
@@ -1975,7 +2061,7 @@
           <p:cNvPr id="17" name="Grafik 16">
             <a:extLst>
               <a:ext uri="{FF2B5EF4-FFF2-40B4-BE49-F238E27FC236}">
-                <a16:creationId xmlns="" xmlns:a16="http://schemas.microsoft.com/office/drawing/2014/main" id="{22ECE872-F4EF-2A49-BA96-6065BC99D769}"/>
+                <a16:creationId xmlns:a16="http://schemas.microsoft.com/office/drawing/2014/main" xmlns="" id="{22ECE872-F4EF-2A49-BA96-6065BC99D769}"/>
               </a:ext>
             </a:extLst>
           </p:cNvPr>
@@ -2245,7 +2331,7 @@
           <p:cNvPr id="24" name="Bildplatzhalter 23">
             <a:extLst>
               <a:ext uri="{FF2B5EF4-FFF2-40B4-BE49-F238E27FC236}">
-                <a16:creationId xmlns="" xmlns:a16="http://schemas.microsoft.com/office/drawing/2014/main" id="{24A56C48-CA8D-D349-89CC-35C3A65DC4D5}"/>
+                <a16:creationId xmlns:a16="http://schemas.microsoft.com/office/drawing/2014/main" xmlns="" id="{24A56C48-CA8D-D349-89CC-35C3A65DC4D5}"/>
               </a:ext>
             </a:extLst>
           </p:cNvPr>
@@ -2559,7 +2645,7 @@
           <p:cNvPr id="6" name="Textplatzhalter 5">
             <a:extLst>
               <a:ext uri="{FF2B5EF4-FFF2-40B4-BE49-F238E27FC236}">
-                <a16:creationId xmlns="" xmlns:a16="http://schemas.microsoft.com/office/drawing/2014/main" id="{2E77FCEF-52F5-324B-A583-005ABCE0E622}"/>
+                <a16:creationId xmlns:a16="http://schemas.microsoft.com/office/drawing/2014/main" xmlns="" id="{2E77FCEF-52F5-324B-A583-005ABCE0E622}"/>
               </a:ext>
             </a:extLst>
           </p:cNvPr>
@@ -2597,7 +2683,7 @@
           <p:cNvPr id="13" name="Grafik 12">
             <a:extLst>
               <a:ext uri="{FF2B5EF4-FFF2-40B4-BE49-F238E27FC236}">
-                <a16:creationId xmlns="" xmlns:a16="http://schemas.microsoft.com/office/drawing/2014/main" id="{F84F96E3-FAED-E24A-9E01-BBA4824F0E34}"/>
+                <a16:creationId xmlns:a16="http://schemas.microsoft.com/office/drawing/2014/main" xmlns="" id="{F84F96E3-FAED-E24A-9E01-BBA4824F0E34}"/>
               </a:ext>
             </a:extLst>
           </p:cNvPr>
@@ -2768,7 +2854,7 @@
           <p:cNvPr id="6" name="Rechteck 5">
             <a:extLst>
               <a:ext uri="{FF2B5EF4-FFF2-40B4-BE49-F238E27FC236}">
-                <a16:creationId xmlns="" xmlns:a16="http://schemas.microsoft.com/office/drawing/2014/main" id="{2447D286-D9F9-E84F-9173-2C8D2D2068E1}"/>
+                <a16:creationId xmlns:a16="http://schemas.microsoft.com/office/drawing/2014/main" xmlns="" id="{2447D286-D9F9-E84F-9173-2C8D2D2068E1}"/>
               </a:ext>
             </a:extLst>
           </p:cNvPr>
@@ -2835,7 +2921,7 @@
           <p:cNvPr id="10" name="Grafik 9">
             <a:extLst>
               <a:ext uri="{FF2B5EF4-FFF2-40B4-BE49-F238E27FC236}">
-                <a16:creationId xmlns="" xmlns:a16="http://schemas.microsoft.com/office/drawing/2014/main" id="{E4DBCC79-CA26-C240-B119-9127A62CDBA8}"/>
+                <a16:creationId xmlns:a16="http://schemas.microsoft.com/office/drawing/2014/main" xmlns="" id="{E4DBCC79-CA26-C240-B119-9127A62CDBA8}"/>
               </a:ext>
             </a:extLst>
           </p:cNvPr>
@@ -2937,7 +3023,7 @@
           <p:cNvPr id="5" name="Rechteck 4">
             <a:extLst>
               <a:ext uri="{FF2B5EF4-FFF2-40B4-BE49-F238E27FC236}">
-                <a16:creationId xmlns="" xmlns:a16="http://schemas.microsoft.com/office/drawing/2014/main" id="{FD770378-5F2D-DE46-8D66-09007E946AD3}"/>
+                <a16:creationId xmlns:a16="http://schemas.microsoft.com/office/drawing/2014/main" xmlns="" id="{FD770378-5F2D-DE46-8D66-09007E946AD3}"/>
               </a:ext>
             </a:extLst>
           </p:cNvPr>
@@ -3001,7 +3087,7 @@
           <p:cNvPr id="4" name="Grafik 3">
             <a:extLst>
               <a:ext uri="{FF2B5EF4-FFF2-40B4-BE49-F238E27FC236}">
-                <a16:creationId xmlns="" xmlns:a16="http://schemas.microsoft.com/office/drawing/2014/main" id="{4FE30B28-5777-FC40-9C3F-81738D289A6A}"/>
+                <a16:creationId xmlns:a16="http://schemas.microsoft.com/office/drawing/2014/main" xmlns="" id="{4FE30B28-5777-FC40-9C3F-81738D289A6A}"/>
               </a:ext>
             </a:extLst>
           </p:cNvPr>
@@ -4146,7 +4232,7 @@
           <p:cNvPr id="13" name="Grafik 12">
             <a:extLst>
               <a:ext uri="{FF2B5EF4-FFF2-40B4-BE49-F238E27FC236}">
-                <a16:creationId xmlns="" xmlns:a16="http://schemas.microsoft.com/office/drawing/2014/main" id="{2DC3CACD-C7C8-274E-BCD4-043370996A48}"/>
+                <a16:creationId xmlns:a16="http://schemas.microsoft.com/office/drawing/2014/main" xmlns="" id="{2DC3CACD-C7C8-274E-BCD4-043370996A48}"/>
               </a:ext>
             </a:extLst>
           </p:cNvPr>
@@ -4776,10 +4862,633 @@
       </p:grpSpPr>
       <p:sp>
         <p:nvSpPr>
+          <p:cNvPr id="2" name="Titel 1"/>
+          <p:cNvSpPr>
+            <a:spLocks noGrp="1"/>
+          </p:cNvSpPr>
+          <p:nvPr>
+            <p:ph type="title"/>
+          </p:nvPr>
+        </p:nvSpPr>
+        <p:spPr/>
+        <p:txBody>
+          <a:bodyPr/>
+          <a:lstStyle/>
+          <a:p>
+            <a:r>
+              <a:rPr lang="de-DE" dirty="0">
+                <a:solidFill>
+                  <a:schemeClr val="accent4"/>
+                </a:solidFill>
+              </a:rPr>
+              <a:t>Digitale Assistenz </a:t>
+            </a:r>
+            <a:r>
+              <a:rPr lang="de-DE" dirty="0"/>
+              <a:t>unterstützt den Menschen</a:t>
+            </a:r>
+          </a:p>
+        </p:txBody>
+      </p:sp>
+      <p:sp>
+        <p:nvSpPr>
+          <p:cNvPr id="4" name="Wolke 3"/>
+          <p:cNvSpPr/>
+          <p:nvPr/>
+        </p:nvSpPr>
+        <p:spPr>
+          <a:xfrm>
+            <a:off x="11655552" y="84725"/>
+            <a:ext cx="436174" cy="498316"/>
+          </a:xfrm>
+          <a:prstGeom prst="cloud">
+            <a:avLst/>
+          </a:prstGeom>
+          <a:solidFill>
+            <a:schemeClr val="bg1"/>
+          </a:solidFill>
+          <a:ln w="19050">
+            <a:solidFill>
+              <a:schemeClr val="tx1"/>
+            </a:solidFill>
+          </a:ln>
+        </p:spPr>
+        <p:style>
+          <a:lnRef idx="2">
+            <a:schemeClr val="accent1">
+              <a:shade val="50000"/>
+            </a:schemeClr>
+          </a:lnRef>
+          <a:fillRef idx="1">
+            <a:schemeClr val="accent1"/>
+          </a:fillRef>
+          <a:effectRef idx="0">
+            <a:schemeClr val="accent1"/>
+          </a:effectRef>
+          <a:fontRef idx="minor">
+            <a:schemeClr val="lt1"/>
+          </a:fontRef>
+        </p:style>
+        <p:txBody>
+          <a:bodyPr rtlCol="0" anchor="ctr"/>
+          <a:lstStyle/>
+          <a:p>
+            <a:pPr algn="ctr"/>
+            <a:endParaRPr lang="de-DE"/>
+          </a:p>
+        </p:txBody>
+      </p:sp>
+      <p:grpSp>
+        <p:nvGrpSpPr>
+          <p:cNvPr id="8" name="Gruppieren 7">
+            <a:extLst>
+              <a:ext uri="{FF2B5EF4-FFF2-40B4-BE49-F238E27FC236}">
+                <a16:creationId xmlns:a16="http://schemas.microsoft.com/office/drawing/2014/main" xmlns="" id="{55DEAA25-08DE-234A-9F7E-6DA95517E4AB}"/>
+              </a:ext>
+            </a:extLst>
+          </p:cNvPr>
+          <p:cNvGrpSpPr/>
+          <p:nvPr/>
+        </p:nvGrpSpPr>
+        <p:grpSpPr>
+          <a:xfrm>
+            <a:off x="6677452" y="1605774"/>
+            <a:ext cx="4639397" cy="3520414"/>
+            <a:chOff x="1780031" y="1414270"/>
+            <a:chExt cx="4639397" cy="3520414"/>
+          </a:xfrm>
+        </p:grpSpPr>
+        <p:sp>
+          <p:nvSpPr>
+            <p:cNvPr id="9" name="Rechteck 8">
+              <a:extLst>
+                <a:ext uri="{FF2B5EF4-FFF2-40B4-BE49-F238E27FC236}">
+                  <a16:creationId xmlns:a16="http://schemas.microsoft.com/office/drawing/2014/main" xmlns="" id="{CBE4218A-6735-2946-A3C0-E23809B7CEDF}"/>
+                </a:ext>
+              </a:extLst>
+            </p:cNvPr>
+            <p:cNvSpPr/>
+            <p:nvPr/>
+          </p:nvSpPr>
+          <p:spPr>
+            <a:xfrm>
+              <a:off x="1780031" y="1583285"/>
+              <a:ext cx="4639397" cy="3351399"/>
+            </a:xfrm>
+            <a:prstGeom prst="rect">
+              <a:avLst/>
+            </a:prstGeom>
+            <a:solidFill>
+              <a:schemeClr val="bg1"/>
+            </a:solidFill>
+          </p:spPr>
+          <p:style>
+            <a:lnRef idx="2">
+              <a:schemeClr val="accent1">
+                <a:shade val="50000"/>
+              </a:schemeClr>
+            </a:lnRef>
+            <a:fillRef idx="1">
+              <a:schemeClr val="accent1"/>
+            </a:fillRef>
+            <a:effectRef idx="0">
+              <a:schemeClr val="accent1"/>
+            </a:effectRef>
+            <a:fontRef idx="minor">
+              <a:schemeClr val="lt1"/>
+            </a:fontRef>
+          </p:style>
+          <p:txBody>
+            <a:bodyPr tIns="251999" rtlCol="0" anchor="t"/>
+            <a:lstStyle/>
+            <a:p>
+              <a:pPr marL="285750" indent="-285750">
+                <a:buFont typeface="Arial" panose="020B0604020202020204" pitchFamily="34" charset="0"/>
+                <a:buChar char="•"/>
+              </a:pPr>
+              <a:r>
+                <a:rPr lang="de-DE" b="1" dirty="0">
+                  <a:solidFill>
+                    <a:schemeClr val="tx1"/>
+                  </a:solidFill>
+                </a:rPr>
+                <a:t>Interaktivität</a:t>
+              </a:r>
+            </a:p>
+            <a:p>
+              <a:pPr marL="697230" lvl="1" indent="-285750">
+                <a:buFont typeface="Arial" panose="020B0604020202020204" pitchFamily="34" charset="0"/>
+                <a:buChar char="•"/>
+              </a:pPr>
+              <a:r>
+                <a:rPr lang="de-DE" dirty="0">
+                  <a:solidFill>
+                    <a:schemeClr val="tx1"/>
+                  </a:solidFill>
+                </a:rPr>
+                <a:t>Möglichkeit zur Interaktion</a:t>
+              </a:r>
+            </a:p>
+            <a:p>
+              <a:pPr marL="285750" indent="-285750">
+                <a:buFont typeface="Arial" panose="020B0604020202020204" pitchFamily="34" charset="0"/>
+                <a:buChar char="•"/>
+              </a:pPr>
+              <a:endParaRPr lang="de-DE" b="1" dirty="0">
+                <a:solidFill>
+                  <a:schemeClr val="tx1"/>
+                </a:solidFill>
+              </a:endParaRPr>
+            </a:p>
+            <a:p>
+              <a:pPr marL="285750" indent="-285750">
+                <a:buFont typeface="Arial" panose="020B0604020202020204" pitchFamily="34" charset="0"/>
+                <a:buChar char="•"/>
+              </a:pPr>
+              <a:r>
+                <a:rPr lang="de-DE" b="1" dirty="0">
+                  <a:solidFill>
+                    <a:schemeClr val="tx1"/>
+                  </a:solidFill>
+                </a:rPr>
+                <a:t>Diagnose</a:t>
+              </a:r>
+            </a:p>
+            <a:p>
+              <a:pPr marL="697230" lvl="1" indent="-285750">
+                <a:buFont typeface="Arial" panose="020B0604020202020204" pitchFamily="34" charset="0"/>
+                <a:buChar char="•"/>
+              </a:pPr>
+              <a:r>
+                <a:rPr lang="de-DE" dirty="0">
+                  <a:solidFill>
+                    <a:schemeClr val="tx1"/>
+                  </a:solidFill>
+                </a:rPr>
+                <a:t>Effekte bei fehlerhaften Eingaben müssen bekannt sein</a:t>
+              </a:r>
+            </a:p>
+            <a:p>
+              <a:pPr marL="697230" lvl="1" indent="-285750">
+                <a:buFont typeface="Arial" panose="020B0604020202020204" pitchFamily="34" charset="0"/>
+                <a:buChar char="•"/>
+              </a:pPr>
+              <a:endParaRPr lang="de-DE" b="1" dirty="0">
+                <a:solidFill>
+                  <a:schemeClr val="tx1"/>
+                </a:solidFill>
+              </a:endParaRPr>
+            </a:p>
+            <a:p>
+              <a:pPr marL="285750" indent="-285750">
+                <a:buFont typeface="Arial" panose="020B0604020202020204" pitchFamily="34" charset="0"/>
+                <a:buChar char="•"/>
+              </a:pPr>
+              <a:r>
+                <a:rPr lang="de-DE" b="1" dirty="0">
+                  <a:solidFill>
+                    <a:schemeClr val="tx1"/>
+                  </a:solidFill>
+                </a:rPr>
+                <a:t>Korrektur</a:t>
+              </a:r>
+            </a:p>
+            <a:p>
+              <a:pPr marL="697230" lvl="1" indent="-285750">
+                <a:buFont typeface="Arial" panose="020B0604020202020204" pitchFamily="34" charset="0"/>
+                <a:buChar char="•"/>
+              </a:pPr>
+              <a:r>
+                <a:rPr lang="de-DE" dirty="0">
+                  <a:solidFill>
+                    <a:schemeClr val="tx1"/>
+                  </a:solidFill>
+                </a:rPr>
+                <a:t>Die Assistenz muss den Nutzer auf bei abweichenden Handlungen geeignet unterstützen können</a:t>
+              </a:r>
+            </a:p>
+          </p:txBody>
+        </p:sp>
+        <p:sp>
+          <p:nvSpPr>
+            <p:cNvPr id="10" name="Rechteck 9">
+              <a:extLst>
+                <a:ext uri="{FF2B5EF4-FFF2-40B4-BE49-F238E27FC236}">
+                  <a16:creationId xmlns:a16="http://schemas.microsoft.com/office/drawing/2014/main" xmlns="" id="{5ECE2600-E242-0A47-A437-E1A9C7F07343}"/>
+                </a:ext>
+              </a:extLst>
+            </p:cNvPr>
+            <p:cNvSpPr/>
+            <p:nvPr/>
+          </p:nvSpPr>
+          <p:spPr>
+            <a:xfrm>
+              <a:off x="1977039" y="1414270"/>
+              <a:ext cx="2518922" cy="338027"/>
+            </a:xfrm>
+            <a:prstGeom prst="rect">
+              <a:avLst/>
+            </a:prstGeom>
+            <a:solidFill>
+              <a:schemeClr val="bg1"/>
+            </a:solidFill>
+            <a:ln>
+              <a:noFill/>
+            </a:ln>
+          </p:spPr>
+          <p:style>
+            <a:lnRef idx="2">
+              <a:schemeClr val="accent1">
+                <a:shade val="50000"/>
+              </a:schemeClr>
+            </a:lnRef>
+            <a:fillRef idx="1">
+              <a:schemeClr val="accent1"/>
+            </a:fillRef>
+            <a:effectRef idx="0">
+              <a:schemeClr val="accent1"/>
+            </a:effectRef>
+            <a:fontRef idx="minor">
+              <a:schemeClr val="lt1"/>
+            </a:fontRef>
+          </p:style>
+          <p:txBody>
+            <a:bodyPr rtlCol="0" anchor="ctr"/>
+            <a:lstStyle/>
+            <a:p>
+              <a:r>
+                <a:rPr lang="de-DE" sz="2000" b="1" dirty="0">
+                  <a:solidFill>
+                    <a:schemeClr val="accent4"/>
+                  </a:solidFill>
+                </a:rPr>
+                <a:t>Anforderungen </a:t>
+              </a:r>
+              <a:r>
+                <a:rPr lang="de-DE" sz="2000" dirty="0">
+                  <a:solidFill>
+                    <a:schemeClr val="accent4"/>
+                  </a:solidFill>
+                </a:rPr>
+                <a:t>[5]</a:t>
+              </a:r>
+            </a:p>
+          </p:txBody>
+        </p:sp>
+      </p:grpSp>
+      <p:grpSp>
+        <p:nvGrpSpPr>
+          <p:cNvPr id="11" name="Gruppieren 10">
+            <a:extLst>
+              <a:ext uri="{FF2B5EF4-FFF2-40B4-BE49-F238E27FC236}">
+                <a16:creationId xmlns:a16="http://schemas.microsoft.com/office/drawing/2014/main" xmlns="" id="{2A9CBD64-DABE-DB44-8CC9-7ED3D3F42599}"/>
+              </a:ext>
+            </a:extLst>
+          </p:cNvPr>
+          <p:cNvGrpSpPr/>
+          <p:nvPr/>
+        </p:nvGrpSpPr>
+        <p:grpSpPr>
+          <a:xfrm>
+            <a:off x="874712" y="1605774"/>
+            <a:ext cx="4639397" cy="3520414"/>
+            <a:chOff x="1780031" y="1414270"/>
+            <a:chExt cx="4639397" cy="3520414"/>
+          </a:xfrm>
+        </p:grpSpPr>
+        <p:sp>
+          <p:nvSpPr>
+            <p:cNvPr id="12" name="Rechteck 11">
+              <a:extLst>
+                <a:ext uri="{FF2B5EF4-FFF2-40B4-BE49-F238E27FC236}">
+                  <a16:creationId xmlns:a16="http://schemas.microsoft.com/office/drawing/2014/main" xmlns="" id="{880AB37D-6202-FE47-84F8-2DB9C99F0992}"/>
+                </a:ext>
+              </a:extLst>
+            </p:cNvPr>
+            <p:cNvSpPr/>
+            <p:nvPr/>
+          </p:nvSpPr>
+          <p:spPr>
+            <a:xfrm>
+              <a:off x="1780031" y="1583285"/>
+              <a:ext cx="4639397" cy="3351399"/>
+            </a:xfrm>
+            <a:prstGeom prst="rect">
+              <a:avLst/>
+            </a:prstGeom>
+            <a:solidFill>
+              <a:schemeClr val="bg1"/>
+            </a:solidFill>
+          </p:spPr>
+          <p:style>
+            <a:lnRef idx="2">
+              <a:schemeClr val="accent1">
+                <a:shade val="50000"/>
+              </a:schemeClr>
+            </a:lnRef>
+            <a:fillRef idx="1">
+              <a:schemeClr val="accent1"/>
+            </a:fillRef>
+            <a:effectRef idx="0">
+              <a:schemeClr val="accent1"/>
+            </a:effectRef>
+            <a:fontRef idx="minor">
+              <a:schemeClr val="lt1"/>
+            </a:fontRef>
+          </p:style>
+          <p:txBody>
+            <a:bodyPr tIns="251999" rtlCol="0" anchor="t"/>
+            <a:lstStyle/>
+            <a:p>
+              <a:pPr marL="285750" indent="-285750">
+                <a:buFont typeface="Arial" panose="020B0604020202020204" pitchFamily="34" charset="0"/>
+                <a:buChar char="•"/>
+              </a:pPr>
+              <a:r>
+                <a:rPr lang="de-DE" b="1" dirty="0">
+                  <a:solidFill>
+                    <a:schemeClr val="tx1"/>
+                  </a:solidFill>
+                </a:rPr>
+                <a:t>Aufmerksamkeit aktivieren</a:t>
+              </a:r>
+            </a:p>
+            <a:p>
+              <a:pPr marL="697230" lvl="1" indent="-285750">
+                <a:buFont typeface="Arial" panose="020B0604020202020204" pitchFamily="34" charset="0"/>
+                <a:buChar char="•"/>
+              </a:pPr>
+              <a:r>
+                <a:rPr lang="de-DE" dirty="0">
+                  <a:solidFill>
+                    <a:schemeClr val="tx1"/>
+                  </a:solidFill>
+                </a:rPr>
+                <a:t>Steuern der Aufmerksamkeit des Nutzers</a:t>
+              </a:r>
+            </a:p>
+            <a:p>
+              <a:pPr marL="697230" lvl="1" indent="-285750">
+                <a:buFont typeface="Arial" panose="020B0604020202020204" pitchFamily="34" charset="0"/>
+                <a:buChar char="•"/>
+              </a:pPr>
+              <a:endParaRPr lang="de-DE" dirty="0">
+                <a:solidFill>
+                  <a:schemeClr val="tx1"/>
+                </a:solidFill>
+              </a:endParaRPr>
+            </a:p>
+            <a:p>
+              <a:pPr marL="285750" indent="-285750">
+                <a:buFont typeface="Arial" panose="020B0604020202020204" pitchFamily="34" charset="0"/>
+                <a:buChar char="•"/>
+              </a:pPr>
+              <a:r>
+                <a:rPr lang="de-DE" b="1" dirty="0">
+                  <a:solidFill>
+                    <a:schemeClr val="tx1"/>
+                  </a:solidFill>
+                </a:rPr>
+                <a:t>Informationen integrieren</a:t>
+              </a:r>
+            </a:p>
+            <a:p>
+              <a:pPr marL="697230" lvl="1" indent="-285750">
+                <a:buFont typeface="Arial" panose="020B0604020202020204" pitchFamily="34" charset="0"/>
+                <a:buChar char="•"/>
+              </a:pPr>
+              <a:r>
+                <a:rPr lang="de-DE" dirty="0">
+                  <a:solidFill>
+                    <a:schemeClr val="tx1"/>
+                  </a:solidFill>
+                </a:rPr>
+                <a:t>Erklärung von Symbolen</a:t>
+              </a:r>
+            </a:p>
+            <a:p>
+              <a:pPr marL="697230" lvl="1" indent="-285750">
+                <a:buFont typeface="Arial" panose="020B0604020202020204" pitchFamily="34" charset="0"/>
+                <a:buChar char="•"/>
+              </a:pPr>
+              <a:r>
+                <a:rPr lang="de-DE" dirty="0">
+                  <a:solidFill>
+                    <a:schemeClr val="tx1"/>
+                  </a:solidFill>
+                </a:rPr>
+                <a:t>Erläutern von Konsequenzen</a:t>
+              </a:r>
+            </a:p>
+            <a:p>
+              <a:pPr marL="697230" lvl="1" indent="-285750">
+                <a:buFont typeface="Arial" panose="020B0604020202020204" pitchFamily="34" charset="0"/>
+                <a:buChar char="•"/>
+              </a:pPr>
+              <a:endParaRPr lang="de-DE" dirty="0">
+                <a:solidFill>
+                  <a:schemeClr val="tx1"/>
+                </a:solidFill>
+              </a:endParaRPr>
+            </a:p>
+            <a:p>
+              <a:pPr marL="285750" indent="-285750">
+                <a:buFont typeface="Arial" panose="020B0604020202020204" pitchFamily="34" charset="0"/>
+                <a:buChar char="•"/>
+              </a:pPr>
+              <a:r>
+                <a:rPr lang="de-DE" b="1" dirty="0">
+                  <a:solidFill>
+                    <a:schemeClr val="tx1"/>
+                  </a:solidFill>
+                </a:rPr>
+                <a:t>Entscheidungen unterstützen</a:t>
+              </a:r>
+            </a:p>
+            <a:p>
+              <a:pPr marL="697230" lvl="1" indent="-285750">
+                <a:buFont typeface="Arial" panose="020B0604020202020204" pitchFamily="34" charset="0"/>
+                <a:buChar char="•"/>
+              </a:pPr>
+              <a:r>
+                <a:rPr lang="de-DE" dirty="0">
+                  <a:solidFill>
+                    <a:schemeClr val="tx1"/>
+                  </a:solidFill>
+                </a:rPr>
+                <a:t>Bereitstellen aller Informationen</a:t>
+              </a:r>
+            </a:p>
+            <a:p>
+              <a:pPr marL="697230" lvl="1" indent="-285750">
+                <a:buFont typeface="Arial" panose="020B0604020202020204" pitchFamily="34" charset="0"/>
+                <a:buChar char="•"/>
+              </a:pPr>
+              <a:r>
+                <a:rPr lang="de-DE" dirty="0">
+                  <a:solidFill>
+                    <a:schemeClr val="tx1"/>
+                  </a:solidFill>
+                </a:rPr>
+                <a:t>Vorschlag von Lösungsansätzen</a:t>
+              </a:r>
+            </a:p>
+            <a:p>
+              <a:pPr marL="697230" lvl="1" indent="-285750">
+                <a:buFont typeface="Arial" panose="020B0604020202020204" pitchFamily="34" charset="0"/>
+                <a:buChar char="•"/>
+              </a:pPr>
+              <a:endParaRPr lang="de-DE" b="1" dirty="0">
+                <a:solidFill>
+                  <a:schemeClr val="tx1"/>
+                </a:solidFill>
+              </a:endParaRPr>
+            </a:p>
+          </p:txBody>
+        </p:sp>
+        <p:sp>
+          <p:nvSpPr>
+            <p:cNvPr id="13" name="Rechteck 12">
+              <a:extLst>
+                <a:ext uri="{FF2B5EF4-FFF2-40B4-BE49-F238E27FC236}">
+                  <a16:creationId xmlns:a16="http://schemas.microsoft.com/office/drawing/2014/main" xmlns="" id="{6E6D6DF1-8063-C749-A415-29613D3195D5}"/>
+                </a:ext>
+              </a:extLst>
+            </p:cNvPr>
+            <p:cNvSpPr/>
+            <p:nvPr/>
+          </p:nvSpPr>
+          <p:spPr>
+            <a:xfrm>
+              <a:off x="1977037" y="1414270"/>
+              <a:ext cx="1781209" cy="338027"/>
+            </a:xfrm>
+            <a:prstGeom prst="rect">
+              <a:avLst/>
+            </a:prstGeom>
+            <a:solidFill>
+              <a:schemeClr val="bg1"/>
+            </a:solidFill>
+            <a:ln>
+              <a:noFill/>
+            </a:ln>
+          </p:spPr>
+          <p:style>
+            <a:lnRef idx="2">
+              <a:schemeClr val="accent1">
+                <a:shade val="50000"/>
+              </a:schemeClr>
+            </a:lnRef>
+            <a:fillRef idx="1">
+              <a:schemeClr val="accent1"/>
+            </a:fillRef>
+            <a:effectRef idx="0">
+              <a:schemeClr val="accent1"/>
+            </a:effectRef>
+            <a:fontRef idx="minor">
+              <a:schemeClr val="lt1"/>
+            </a:fontRef>
+          </p:style>
+          <p:txBody>
+            <a:bodyPr rtlCol="0" anchor="ctr"/>
+            <a:lstStyle/>
+            <a:p>
+              <a:r>
+                <a:rPr lang="de-DE" sz="2000" b="1" dirty="0" smtClean="0">
+                  <a:solidFill>
+                    <a:schemeClr val="accent4"/>
+                  </a:solidFill>
+                </a:rPr>
+                <a:t>Aufgaben </a:t>
+              </a:r>
+              <a:r>
+                <a:rPr lang="de-DE" sz="2000" dirty="0">
+                  <a:solidFill>
+                    <a:schemeClr val="accent4"/>
+                  </a:solidFill>
+                </a:rPr>
+                <a:t>[4]</a:t>
+              </a:r>
+            </a:p>
+          </p:txBody>
+        </p:sp>
+      </p:grpSp>
+    </p:spTree>
+    <p:extLst>
+      <p:ext uri="{BB962C8B-B14F-4D97-AF65-F5344CB8AC3E}">
+        <p14:creationId xmlns:p14="http://schemas.microsoft.com/office/powerpoint/2010/main" val="3268873986"/>
+      </p:ext>
+    </p:extLst>
+  </p:cSld>
+  <p:clrMapOvr>
+    <a:masterClrMapping/>
+  </p:clrMapOvr>
+</p:sld>
+</file>
+
+<file path=ppt/slides/slide11.xml><?xml version="1.0" encoding="utf-8"?>
+<p:sld xmlns:a="http://schemas.openxmlformats.org/drawingml/2006/main" xmlns:r="http://schemas.openxmlformats.org/officeDocument/2006/relationships" xmlns:p="http://schemas.openxmlformats.org/presentationml/2006/main">
+  <p:cSld>
+    <p:spTree>
+      <p:nvGrpSpPr>
+        <p:cNvPr id="1" name=""/>
+        <p:cNvGrpSpPr/>
+        <p:nvPr/>
+      </p:nvGrpSpPr>
+      <p:grpSpPr>
+        <a:xfrm>
+          <a:off x="0" y="0"/>
+          <a:ext cx="0" cy="0"/>
+          <a:chOff x="0" y="0"/>
+          <a:chExt cx="0" cy="0"/>
+        </a:xfrm>
+      </p:grpSpPr>
+      <p:sp>
+        <p:nvSpPr>
           <p:cNvPr id="2" name="Titel 1">
             <a:extLst>
               <a:ext uri="{FF2B5EF4-FFF2-40B4-BE49-F238E27FC236}">
-                <a16:creationId xmlns="" xmlns:a16="http://schemas.microsoft.com/office/drawing/2014/main" id="{0E63EF50-EEA4-0D49-A35C-C36F045D035E}"/>
+                <a16:creationId xmlns:a16="http://schemas.microsoft.com/office/drawing/2014/main" xmlns="" id="{0E63EF50-EEA4-0D49-A35C-C36F045D035E}"/>
               </a:ext>
             </a:extLst>
           </p:cNvPr>
@@ -4824,7 +5533,7 @@
           <p:cNvPr id="5" name="Gruppieren 4">
             <a:extLst>
               <a:ext uri="{FF2B5EF4-FFF2-40B4-BE49-F238E27FC236}">
-                <a16:creationId xmlns="" xmlns:a16="http://schemas.microsoft.com/office/drawing/2014/main" id="{82067C57-47CC-BC4A-911D-C058CB8E64C1}"/>
+                <a16:creationId xmlns:a16="http://schemas.microsoft.com/office/drawing/2014/main" xmlns="" id="{82067C57-47CC-BC4A-911D-C058CB8E64C1}"/>
               </a:ext>
             </a:extLst>
           </p:cNvPr>
@@ -4844,7 +5553,7 @@
             <p:cNvPr id="6" name="Rechteck 5">
               <a:extLst>
                 <a:ext uri="{FF2B5EF4-FFF2-40B4-BE49-F238E27FC236}">
-                  <a16:creationId xmlns="" xmlns:a16="http://schemas.microsoft.com/office/drawing/2014/main" id="{1F74AAB6-FEC2-E040-AE2F-389C01E41200}"/>
+                  <a16:creationId xmlns:a16="http://schemas.microsoft.com/office/drawing/2014/main" xmlns="" id="{1F74AAB6-FEC2-E040-AE2F-389C01E41200}"/>
                 </a:ext>
               </a:extLst>
             </p:cNvPr>
@@ -4972,7 +5681,7 @@
             <p:cNvPr id="7" name="Rechteck 6">
               <a:extLst>
                 <a:ext uri="{FF2B5EF4-FFF2-40B4-BE49-F238E27FC236}">
-                  <a16:creationId xmlns="" xmlns:a16="http://schemas.microsoft.com/office/drawing/2014/main" id="{D9A91609-F78E-9C45-BCA7-7DF954BC0A1A}"/>
+                  <a16:creationId xmlns:a16="http://schemas.microsoft.com/office/drawing/2014/main" xmlns="" id="{D9A91609-F78E-9C45-BCA7-7DF954BC0A1A}"/>
                 </a:ext>
               </a:extLst>
             </p:cNvPr>
@@ -5031,7 +5740,7 @@
           <p:cNvPr id="8" name="Gruppieren 7">
             <a:extLst>
               <a:ext uri="{FF2B5EF4-FFF2-40B4-BE49-F238E27FC236}">
-                <a16:creationId xmlns="" xmlns:a16="http://schemas.microsoft.com/office/drawing/2014/main" id="{64401E1E-557D-5D4F-AE09-187A0802411B}"/>
+                <a16:creationId xmlns:a16="http://schemas.microsoft.com/office/drawing/2014/main" xmlns="" id="{64401E1E-557D-5D4F-AE09-187A0802411B}"/>
               </a:ext>
             </a:extLst>
           </p:cNvPr>
@@ -5051,7 +5760,7 @@
             <p:cNvPr id="9" name="Rechteck 8">
               <a:extLst>
                 <a:ext uri="{FF2B5EF4-FFF2-40B4-BE49-F238E27FC236}">
-                  <a16:creationId xmlns="" xmlns:a16="http://schemas.microsoft.com/office/drawing/2014/main" id="{35A0EAB9-4039-6448-AC03-B60DE38901D0}"/>
+                  <a16:creationId xmlns:a16="http://schemas.microsoft.com/office/drawing/2014/main" xmlns="" id="{35A0EAB9-4039-6448-AC03-B60DE38901D0}"/>
                 </a:ext>
               </a:extLst>
             </p:cNvPr>
@@ -5135,7 +5844,7 @@
             <p:cNvPr id="10" name="Rechteck 9">
               <a:extLst>
                 <a:ext uri="{FF2B5EF4-FFF2-40B4-BE49-F238E27FC236}">
-                  <a16:creationId xmlns="" xmlns:a16="http://schemas.microsoft.com/office/drawing/2014/main" id="{FCCEA108-686B-BB4F-95FB-4BCE5EB529F1}"/>
+                  <a16:creationId xmlns:a16="http://schemas.microsoft.com/office/drawing/2014/main" xmlns="" id="{FCCEA108-686B-BB4F-95FB-4BCE5EB529F1}"/>
                 </a:ext>
               </a:extLst>
             </p:cNvPr>
@@ -5194,7 +5903,7 @@
           <p:cNvPr id="11" name="Rechteck 10">
             <a:extLst>
               <a:ext uri="{FF2B5EF4-FFF2-40B4-BE49-F238E27FC236}">
-                <a16:creationId xmlns="" xmlns:a16="http://schemas.microsoft.com/office/drawing/2014/main" id="{96BDAF81-30A4-1E4E-959F-95E9EB7F7C7A}"/>
+                <a16:creationId xmlns:a16="http://schemas.microsoft.com/office/drawing/2014/main" xmlns="" id="{96BDAF81-30A4-1E4E-959F-95E9EB7F7C7A}"/>
               </a:ext>
             </a:extLst>
           </p:cNvPr>
@@ -5261,7 +5970,7 @@
           <p:cNvPr id="12" name="Rechteck 11">
             <a:extLst>
               <a:ext uri="{FF2B5EF4-FFF2-40B4-BE49-F238E27FC236}">
-                <a16:creationId xmlns="" xmlns:a16="http://schemas.microsoft.com/office/drawing/2014/main" id="{E6C50A77-89BD-8744-8E4D-4BE35B73D833}"/>
+                <a16:creationId xmlns:a16="http://schemas.microsoft.com/office/drawing/2014/main" xmlns="" id="{E6C50A77-89BD-8744-8E4D-4BE35B73D833}"/>
               </a:ext>
             </a:extLst>
           </p:cNvPr>
@@ -5328,7 +6037,7 @@
           <p:cNvPr id="13" name="Gruppieren 12">
             <a:extLst>
               <a:ext uri="{FF2B5EF4-FFF2-40B4-BE49-F238E27FC236}">
-                <a16:creationId xmlns="" xmlns:a16="http://schemas.microsoft.com/office/drawing/2014/main" id="{5B6A8D9F-A9F8-264C-B489-24AFD5A8596D}"/>
+                <a16:creationId xmlns:a16="http://schemas.microsoft.com/office/drawing/2014/main" xmlns="" id="{5B6A8D9F-A9F8-264C-B489-24AFD5A8596D}"/>
               </a:ext>
             </a:extLst>
           </p:cNvPr>
@@ -5348,7 +6057,7 @@
             <p:cNvPr id="14" name="Rechteck 13">
               <a:extLst>
                 <a:ext uri="{FF2B5EF4-FFF2-40B4-BE49-F238E27FC236}">
-                  <a16:creationId xmlns="" xmlns:a16="http://schemas.microsoft.com/office/drawing/2014/main" id="{8766CB30-3942-9E46-8CAC-FC33876B35F3}"/>
+                  <a16:creationId xmlns:a16="http://schemas.microsoft.com/office/drawing/2014/main" xmlns="" id="{8766CB30-3942-9E46-8CAC-FC33876B35F3}"/>
                 </a:ext>
               </a:extLst>
             </p:cNvPr>
@@ -5432,7 +6141,7 @@
             <p:cNvPr id="15" name="Rechteck 14">
               <a:extLst>
                 <a:ext uri="{FF2B5EF4-FFF2-40B4-BE49-F238E27FC236}">
-                  <a16:creationId xmlns="" xmlns:a16="http://schemas.microsoft.com/office/drawing/2014/main" id="{79F41613-6C39-9547-8B51-B50E6A35E505}"/>
+                  <a16:creationId xmlns:a16="http://schemas.microsoft.com/office/drawing/2014/main" xmlns="" id="{79F41613-6C39-9547-8B51-B50E6A35E505}"/>
                 </a:ext>
               </a:extLst>
             </p:cNvPr>
@@ -5491,7 +6200,7 @@
           <p:cNvPr id="16" name="Gruppieren 15">
             <a:extLst>
               <a:ext uri="{FF2B5EF4-FFF2-40B4-BE49-F238E27FC236}">
-                <a16:creationId xmlns="" xmlns:a16="http://schemas.microsoft.com/office/drawing/2014/main" id="{3EAAE737-A1E8-BD49-A661-00C0D54A60DD}"/>
+                <a16:creationId xmlns:a16="http://schemas.microsoft.com/office/drawing/2014/main" xmlns="" id="{3EAAE737-A1E8-BD49-A661-00C0D54A60DD}"/>
               </a:ext>
             </a:extLst>
           </p:cNvPr>
@@ -5511,7 +6220,7 @@
             <p:cNvPr id="17" name="Rechteck 16">
               <a:extLst>
                 <a:ext uri="{FF2B5EF4-FFF2-40B4-BE49-F238E27FC236}">
-                  <a16:creationId xmlns="" xmlns:a16="http://schemas.microsoft.com/office/drawing/2014/main" id="{A12CF216-7A5B-B546-8D15-3FFD047539D4}"/>
+                  <a16:creationId xmlns:a16="http://schemas.microsoft.com/office/drawing/2014/main" xmlns="" id="{A12CF216-7A5B-B546-8D15-3FFD047539D4}"/>
                 </a:ext>
               </a:extLst>
             </p:cNvPr>
@@ -5609,7 +6318,7 @@
             <p:cNvPr id="18" name="Rechteck 17">
               <a:extLst>
                 <a:ext uri="{FF2B5EF4-FFF2-40B4-BE49-F238E27FC236}">
-                  <a16:creationId xmlns="" xmlns:a16="http://schemas.microsoft.com/office/drawing/2014/main" id="{91008A0C-F66B-104F-B3C9-118DB994F72D}"/>
+                  <a16:creationId xmlns:a16="http://schemas.microsoft.com/office/drawing/2014/main" xmlns="" id="{91008A0C-F66B-104F-B3C9-118DB994F72D}"/>
                 </a:ext>
               </a:extLst>
             </p:cNvPr>
@@ -5676,7 +6385,7 @@
 </p:sld>
 </file>
 
-<file path=ppt/slides/slide11.xml><?xml version="1.0" encoding="utf-8"?>
+<file path=ppt/slides/slide12.xml><?xml version="1.0" encoding="utf-8"?>
 <p:sld xmlns:a="http://schemas.openxmlformats.org/drawingml/2006/main" xmlns:r="http://schemas.openxmlformats.org/officeDocument/2006/relationships" xmlns:p="http://schemas.openxmlformats.org/presentationml/2006/main">
   <p:cSld>
     <p:spTree>
@@ -5698,7 +6407,7 @@
           <p:cNvPr id="2" name="Titel 1">
             <a:extLst>
               <a:ext uri="{FF2B5EF4-FFF2-40B4-BE49-F238E27FC236}">
-                <a16:creationId xmlns="" xmlns:a16="http://schemas.microsoft.com/office/drawing/2014/main" id="{7BA8FE41-0B04-6748-9CA8-05F0AE81883B}"/>
+                <a16:creationId xmlns:a16="http://schemas.microsoft.com/office/drawing/2014/main" xmlns="" id="{7BA8FE41-0B04-6748-9CA8-05F0AE81883B}"/>
               </a:ext>
             </a:extLst>
           </p:cNvPr>
@@ -5726,7 +6435,7 @@
           <p:cNvPr id="12" name="Gruppieren 11">
             <a:extLst>
               <a:ext uri="{FF2B5EF4-FFF2-40B4-BE49-F238E27FC236}">
-                <a16:creationId xmlns="" xmlns:a16="http://schemas.microsoft.com/office/drawing/2014/main" id="{995F115A-CBCD-7A4D-8C0A-281259A5A3C1}"/>
+                <a16:creationId xmlns:a16="http://schemas.microsoft.com/office/drawing/2014/main" xmlns="" id="{995F115A-CBCD-7A4D-8C0A-281259A5A3C1}"/>
               </a:ext>
             </a:extLst>
           </p:cNvPr>
@@ -5746,7 +6455,7 @@
             <p:cNvPr id="4" name="Gruppieren 3">
               <a:extLst>
                 <a:ext uri="{FF2B5EF4-FFF2-40B4-BE49-F238E27FC236}">
-                  <a16:creationId xmlns="" xmlns:a16="http://schemas.microsoft.com/office/drawing/2014/main" id="{783A73D2-C025-644E-A194-3438D291D352}"/>
+                  <a16:creationId xmlns:a16="http://schemas.microsoft.com/office/drawing/2014/main" xmlns="" id="{783A73D2-C025-644E-A194-3438D291D352}"/>
                 </a:ext>
               </a:extLst>
             </p:cNvPr>
@@ -5766,7 +6475,7 @@
               <p:cNvPr id="5" name="Rechteck 4">
                 <a:extLst>
                   <a:ext uri="{FF2B5EF4-FFF2-40B4-BE49-F238E27FC236}">
-                    <a16:creationId xmlns="" xmlns:a16="http://schemas.microsoft.com/office/drawing/2014/main" id="{4F68B8E9-417E-0141-AE27-E298ED29929C}"/>
+                    <a16:creationId xmlns:a16="http://schemas.microsoft.com/office/drawing/2014/main" xmlns="" id="{4F68B8E9-417E-0141-AE27-E298ED29929C}"/>
                   </a:ext>
                 </a:extLst>
               </p:cNvPr>
@@ -5858,7 +6567,7 @@
               <p:cNvPr id="6" name="Rechteck 5">
                 <a:extLst>
                   <a:ext uri="{FF2B5EF4-FFF2-40B4-BE49-F238E27FC236}">
-                    <a16:creationId xmlns="" xmlns:a16="http://schemas.microsoft.com/office/drawing/2014/main" id="{B2717A64-B61E-B44C-B23D-CB509FB519CA}"/>
+                    <a16:creationId xmlns:a16="http://schemas.microsoft.com/office/drawing/2014/main" xmlns="" id="{B2717A64-B61E-B44C-B23D-CB509FB519CA}"/>
                   </a:ext>
                 </a:extLst>
               </p:cNvPr>
@@ -5917,7 +6626,7 @@
             <p:cNvPr id="7" name="Rechteck 6">
               <a:extLst>
                 <a:ext uri="{FF2B5EF4-FFF2-40B4-BE49-F238E27FC236}">
-                  <a16:creationId xmlns="" xmlns:a16="http://schemas.microsoft.com/office/drawing/2014/main" id="{6F92A16E-30FA-A34D-A87A-AD884881288C}"/>
+                  <a16:creationId xmlns:a16="http://schemas.microsoft.com/office/drawing/2014/main" xmlns="" id="{6F92A16E-30FA-A34D-A87A-AD884881288C}"/>
                 </a:ext>
               </a:extLst>
             </p:cNvPr>
@@ -5977,7 +6686,7 @@
           <p:cNvPr id="13" name="Gruppieren 12">
             <a:extLst>
               <a:ext uri="{FF2B5EF4-FFF2-40B4-BE49-F238E27FC236}">
-                <a16:creationId xmlns="" xmlns:a16="http://schemas.microsoft.com/office/drawing/2014/main" id="{214C6E04-BA76-3048-B247-843530C6F237}"/>
+                <a16:creationId xmlns:a16="http://schemas.microsoft.com/office/drawing/2014/main" xmlns="" id="{214C6E04-BA76-3048-B247-843530C6F237}"/>
               </a:ext>
             </a:extLst>
           </p:cNvPr>
@@ -5997,7 +6706,7 @@
             <p:cNvPr id="14" name="Gruppieren 13">
               <a:extLst>
                 <a:ext uri="{FF2B5EF4-FFF2-40B4-BE49-F238E27FC236}">
-                  <a16:creationId xmlns="" xmlns:a16="http://schemas.microsoft.com/office/drawing/2014/main" id="{CF154C31-9B1A-6844-82C6-BEC64AE64B76}"/>
+                  <a16:creationId xmlns:a16="http://schemas.microsoft.com/office/drawing/2014/main" xmlns="" id="{CF154C31-9B1A-6844-82C6-BEC64AE64B76}"/>
                 </a:ext>
               </a:extLst>
             </p:cNvPr>
@@ -6017,7 +6726,7 @@
               <p:cNvPr id="16" name="Rechteck 15">
                 <a:extLst>
                   <a:ext uri="{FF2B5EF4-FFF2-40B4-BE49-F238E27FC236}">
-                    <a16:creationId xmlns="" xmlns:a16="http://schemas.microsoft.com/office/drawing/2014/main" id="{5D41E86D-96E1-F64F-B645-811FEF9C3566}"/>
+                    <a16:creationId xmlns:a16="http://schemas.microsoft.com/office/drawing/2014/main" xmlns="" id="{5D41E86D-96E1-F64F-B645-811FEF9C3566}"/>
                   </a:ext>
                 </a:extLst>
               </p:cNvPr>
@@ -6148,7 +6857,7 @@
               <p:cNvPr id="17" name="Rechteck 16">
                 <a:extLst>
                   <a:ext uri="{FF2B5EF4-FFF2-40B4-BE49-F238E27FC236}">
-                    <a16:creationId xmlns="" xmlns:a16="http://schemas.microsoft.com/office/drawing/2014/main" id="{829E215D-25C5-FE42-A84B-E10BE5590901}"/>
+                    <a16:creationId xmlns:a16="http://schemas.microsoft.com/office/drawing/2014/main" xmlns="" id="{829E215D-25C5-FE42-A84B-E10BE5590901}"/>
                   </a:ext>
                 </a:extLst>
               </p:cNvPr>
@@ -6207,7 +6916,7 @@
             <p:cNvPr id="15" name="Rechteck 14">
               <a:extLst>
                 <a:ext uri="{FF2B5EF4-FFF2-40B4-BE49-F238E27FC236}">
-                  <a16:creationId xmlns="" xmlns:a16="http://schemas.microsoft.com/office/drawing/2014/main" id="{3D7F9058-E672-2A4D-9BB1-013BCCC5ACE0}"/>
+                  <a16:creationId xmlns:a16="http://schemas.microsoft.com/office/drawing/2014/main" xmlns="" id="{3D7F9058-E672-2A4D-9BB1-013BCCC5ACE0}"/>
                 </a:ext>
               </a:extLst>
             </p:cNvPr>
@@ -6267,7 +6976,7 @@
           <p:cNvPr id="18" name="Gruppieren 17">
             <a:extLst>
               <a:ext uri="{FF2B5EF4-FFF2-40B4-BE49-F238E27FC236}">
-                <a16:creationId xmlns="" xmlns:a16="http://schemas.microsoft.com/office/drawing/2014/main" id="{76C873CF-9A61-9B4A-9A7F-7A0A6A11ECCC}"/>
+                <a16:creationId xmlns:a16="http://schemas.microsoft.com/office/drawing/2014/main" xmlns="" id="{76C873CF-9A61-9B4A-9A7F-7A0A6A11ECCC}"/>
               </a:ext>
             </a:extLst>
           </p:cNvPr>
@@ -6287,7 +6996,7 @@
             <p:cNvPr id="19" name="Gruppieren 18">
               <a:extLst>
                 <a:ext uri="{FF2B5EF4-FFF2-40B4-BE49-F238E27FC236}">
-                  <a16:creationId xmlns="" xmlns:a16="http://schemas.microsoft.com/office/drawing/2014/main" id="{02621200-51DD-6A4C-86C6-6B2A72D512E2}"/>
+                  <a16:creationId xmlns:a16="http://schemas.microsoft.com/office/drawing/2014/main" xmlns="" id="{02621200-51DD-6A4C-86C6-6B2A72D512E2}"/>
                 </a:ext>
               </a:extLst>
             </p:cNvPr>
@@ -6307,7 +7016,7 @@
               <p:cNvPr id="21" name="Rechteck 20">
                 <a:extLst>
                   <a:ext uri="{FF2B5EF4-FFF2-40B4-BE49-F238E27FC236}">
-                    <a16:creationId xmlns="" xmlns:a16="http://schemas.microsoft.com/office/drawing/2014/main" id="{ED0E09EA-1DC6-1249-841E-901E17F3D0B6}"/>
+                    <a16:creationId xmlns:a16="http://schemas.microsoft.com/office/drawing/2014/main" xmlns="" id="{ED0E09EA-1DC6-1249-841E-901E17F3D0B6}"/>
                   </a:ext>
                 </a:extLst>
               </p:cNvPr>
@@ -6396,7 +7105,7 @@
               <p:cNvPr id="22" name="Rechteck 21">
                 <a:extLst>
                   <a:ext uri="{FF2B5EF4-FFF2-40B4-BE49-F238E27FC236}">
-                    <a16:creationId xmlns="" xmlns:a16="http://schemas.microsoft.com/office/drawing/2014/main" id="{753356B5-7EB8-3F4A-96E1-8FF10B332D06}"/>
+                    <a16:creationId xmlns:a16="http://schemas.microsoft.com/office/drawing/2014/main" xmlns="" id="{753356B5-7EB8-3F4A-96E1-8FF10B332D06}"/>
                   </a:ext>
                 </a:extLst>
               </p:cNvPr>
@@ -6455,7 +7164,7 @@
             <p:cNvPr id="20" name="Rechteck 19">
               <a:extLst>
                 <a:ext uri="{FF2B5EF4-FFF2-40B4-BE49-F238E27FC236}">
-                  <a16:creationId xmlns="" xmlns:a16="http://schemas.microsoft.com/office/drawing/2014/main" id="{63DF4C62-579D-3249-9CFF-878DBD32F80A}"/>
+                  <a16:creationId xmlns:a16="http://schemas.microsoft.com/office/drawing/2014/main" xmlns="" id="{63DF4C62-579D-3249-9CFF-878DBD32F80A}"/>
                 </a:ext>
               </a:extLst>
             </p:cNvPr>
@@ -6515,7 +7224,7 @@
           <p:cNvPr id="23" name="Gruppieren 22">
             <a:extLst>
               <a:ext uri="{FF2B5EF4-FFF2-40B4-BE49-F238E27FC236}">
-                <a16:creationId xmlns="" xmlns:a16="http://schemas.microsoft.com/office/drawing/2014/main" id="{8E929239-873F-A040-A4FF-CF41E574A33B}"/>
+                <a16:creationId xmlns:a16="http://schemas.microsoft.com/office/drawing/2014/main" xmlns="" id="{8E929239-873F-A040-A4FF-CF41E574A33B}"/>
               </a:ext>
             </a:extLst>
           </p:cNvPr>
@@ -6535,7 +7244,7 @@
             <p:cNvPr id="24" name="Gruppieren 23">
               <a:extLst>
                 <a:ext uri="{FF2B5EF4-FFF2-40B4-BE49-F238E27FC236}">
-                  <a16:creationId xmlns="" xmlns:a16="http://schemas.microsoft.com/office/drawing/2014/main" id="{F47E6093-9AA6-8F4B-B80B-776943FCB73D}"/>
+                  <a16:creationId xmlns:a16="http://schemas.microsoft.com/office/drawing/2014/main" xmlns="" id="{F47E6093-9AA6-8F4B-B80B-776943FCB73D}"/>
                 </a:ext>
               </a:extLst>
             </p:cNvPr>
@@ -6555,7 +7264,7 @@
               <p:cNvPr id="26" name="Rechteck 25">
                 <a:extLst>
                   <a:ext uri="{FF2B5EF4-FFF2-40B4-BE49-F238E27FC236}">
-                    <a16:creationId xmlns="" xmlns:a16="http://schemas.microsoft.com/office/drawing/2014/main" id="{4059FEBC-2EFF-ED47-98FF-010C8401FADA}"/>
+                    <a16:creationId xmlns:a16="http://schemas.microsoft.com/office/drawing/2014/main" xmlns="" id="{4059FEBC-2EFF-ED47-98FF-010C8401FADA}"/>
                   </a:ext>
                 </a:extLst>
               </p:cNvPr>
@@ -6644,7 +7353,7 @@
               <p:cNvPr id="27" name="Rechteck 26">
                 <a:extLst>
                   <a:ext uri="{FF2B5EF4-FFF2-40B4-BE49-F238E27FC236}">
-                    <a16:creationId xmlns="" xmlns:a16="http://schemas.microsoft.com/office/drawing/2014/main" id="{A6C74FE9-D83D-2346-A400-58BA4229E830}"/>
+                    <a16:creationId xmlns:a16="http://schemas.microsoft.com/office/drawing/2014/main" xmlns="" id="{A6C74FE9-D83D-2346-A400-58BA4229E830}"/>
                   </a:ext>
                 </a:extLst>
               </p:cNvPr>
@@ -6703,7 +7412,7 @@
             <p:cNvPr id="25" name="Rechteck 24">
               <a:extLst>
                 <a:ext uri="{FF2B5EF4-FFF2-40B4-BE49-F238E27FC236}">
-                  <a16:creationId xmlns="" xmlns:a16="http://schemas.microsoft.com/office/drawing/2014/main" id="{1EDE063D-852E-324C-A77E-EFB1A1CCD783}"/>
+                  <a16:creationId xmlns:a16="http://schemas.microsoft.com/office/drawing/2014/main" xmlns="" id="{1EDE063D-852E-324C-A77E-EFB1A1CCD783}"/>
                 </a:ext>
               </a:extLst>
             </p:cNvPr>
@@ -6763,7 +7472,7 @@
           <p:cNvPr id="28" name="Gruppieren 27">
             <a:extLst>
               <a:ext uri="{FF2B5EF4-FFF2-40B4-BE49-F238E27FC236}">
-                <a16:creationId xmlns="" xmlns:a16="http://schemas.microsoft.com/office/drawing/2014/main" id="{076AA3C9-476D-4D45-B8BE-E0951E23CBCF}"/>
+                <a16:creationId xmlns:a16="http://schemas.microsoft.com/office/drawing/2014/main" xmlns="" id="{076AA3C9-476D-4D45-B8BE-E0951E23CBCF}"/>
               </a:ext>
             </a:extLst>
           </p:cNvPr>
@@ -6783,7 +7492,7 @@
             <p:cNvPr id="29" name="Gruppieren 28">
               <a:extLst>
                 <a:ext uri="{FF2B5EF4-FFF2-40B4-BE49-F238E27FC236}">
-                  <a16:creationId xmlns="" xmlns:a16="http://schemas.microsoft.com/office/drawing/2014/main" id="{B404C1CC-6DF7-B648-9CCB-5E2E9AFEB672}"/>
+                  <a16:creationId xmlns:a16="http://schemas.microsoft.com/office/drawing/2014/main" xmlns="" id="{B404C1CC-6DF7-B648-9CCB-5E2E9AFEB672}"/>
                 </a:ext>
               </a:extLst>
             </p:cNvPr>
@@ -6803,7 +7512,7 @@
               <p:cNvPr id="31" name="Rechteck 30">
                 <a:extLst>
                   <a:ext uri="{FF2B5EF4-FFF2-40B4-BE49-F238E27FC236}">
-                    <a16:creationId xmlns="" xmlns:a16="http://schemas.microsoft.com/office/drawing/2014/main" id="{4BDB37D7-D054-A942-8D6D-F9B2EF0F9FF6}"/>
+                    <a16:creationId xmlns:a16="http://schemas.microsoft.com/office/drawing/2014/main" xmlns="" id="{4BDB37D7-D054-A942-8D6D-F9B2EF0F9FF6}"/>
                   </a:ext>
                 </a:extLst>
               </p:cNvPr>
@@ -6867,7 +7576,7 @@
               <p:cNvPr id="32" name="Rechteck 31">
                 <a:extLst>
                   <a:ext uri="{FF2B5EF4-FFF2-40B4-BE49-F238E27FC236}">
-                    <a16:creationId xmlns="" xmlns:a16="http://schemas.microsoft.com/office/drawing/2014/main" id="{3A6CCD76-DF2E-A745-8BA8-2A2DA3CA1050}"/>
+                    <a16:creationId xmlns:a16="http://schemas.microsoft.com/office/drawing/2014/main" xmlns="" id="{3A6CCD76-DF2E-A745-8BA8-2A2DA3CA1050}"/>
                   </a:ext>
                 </a:extLst>
               </p:cNvPr>
@@ -6926,7 +7635,7 @@
             <p:cNvPr id="30" name="Rechteck 29">
               <a:extLst>
                 <a:ext uri="{FF2B5EF4-FFF2-40B4-BE49-F238E27FC236}">
-                  <a16:creationId xmlns="" xmlns:a16="http://schemas.microsoft.com/office/drawing/2014/main" id="{117072ED-37EF-E943-B866-F06DD4235CB3}"/>
+                  <a16:creationId xmlns:a16="http://schemas.microsoft.com/office/drawing/2014/main" xmlns="" id="{117072ED-37EF-E943-B866-F06DD4235CB3}"/>
                 </a:ext>
               </a:extLst>
             </p:cNvPr>
@@ -6994,7 +7703,7 @@
 </p:sld>
 </file>
 
-<file path=ppt/slides/slide12.xml><?xml version="1.0" encoding="utf-8"?>
+<file path=ppt/slides/slide13.xml><?xml version="1.0" encoding="utf-8"?>
 <p:sld xmlns:a="http://schemas.openxmlformats.org/drawingml/2006/main" xmlns:r="http://schemas.openxmlformats.org/officeDocument/2006/relationships" xmlns:p="http://schemas.openxmlformats.org/presentationml/2006/main">
   <p:cSld>
     <p:spTree>
@@ -7016,7 +7725,7 @@
           <p:cNvPr id="2" name="Titel 1">
             <a:extLst>
               <a:ext uri="{FF2B5EF4-FFF2-40B4-BE49-F238E27FC236}">
-                <a16:creationId xmlns="" xmlns:a16="http://schemas.microsoft.com/office/drawing/2014/main" id="{486C50CA-1F3A-EF43-9380-876C137AD8EC}"/>
+                <a16:creationId xmlns:a16="http://schemas.microsoft.com/office/drawing/2014/main" xmlns="" id="{486C50CA-1F3A-EF43-9380-876C137AD8EC}"/>
               </a:ext>
             </a:extLst>
           </p:cNvPr>
@@ -7044,7 +7753,7 @@
           <p:cNvPr id="3" name="Inhaltsplatzhalter 2">
             <a:extLst>
               <a:ext uri="{FF2B5EF4-FFF2-40B4-BE49-F238E27FC236}">
-                <a16:creationId xmlns="" xmlns:a16="http://schemas.microsoft.com/office/drawing/2014/main" id="{ABD8A889-EFEB-F24E-8415-CFB9A520769E}"/>
+                <a16:creationId xmlns:a16="http://schemas.microsoft.com/office/drawing/2014/main" xmlns="" id="{ABD8A889-EFEB-F24E-8415-CFB9A520769E}"/>
               </a:ext>
             </a:extLst>
           </p:cNvPr>
@@ -7465,7 +8174,7 @@
 </p:sld>
 </file>
 
-<file path=ppt/slides/slide13.xml><?xml version="1.0" encoding="utf-8"?>
+<file path=ppt/slides/slide14.xml><?xml version="1.0" encoding="utf-8"?>
 <p:sld xmlns:a="http://schemas.openxmlformats.org/drawingml/2006/main" xmlns:r="http://schemas.openxmlformats.org/officeDocument/2006/relationships" xmlns:p="http://schemas.openxmlformats.org/presentationml/2006/main">
   <p:cSld>
     <p:spTree>
@@ -8527,7 +9236,7 @@
 </p:sld>
 </file>
 
-<file path=ppt/slides/slide14.xml><?xml version="1.0" encoding="utf-8"?>
+<file path=ppt/slides/slide15.xml><?xml version="1.0" encoding="utf-8"?>
 <p:sld xmlns:a="http://schemas.openxmlformats.org/drawingml/2006/main" xmlns:r="http://schemas.openxmlformats.org/officeDocument/2006/relationships" xmlns:p="http://schemas.openxmlformats.org/presentationml/2006/main">
   <p:cSld>
     <p:spTree>
@@ -9623,7 +10332,7 @@
 </p:sld>
 </file>
 
-<file path=ppt/slides/slide15.xml><?xml version="1.0" encoding="utf-8"?>
+<file path=ppt/slides/slide16.xml><?xml version="1.0" encoding="utf-8"?>
 <p:sld xmlns:a="http://schemas.openxmlformats.org/drawingml/2006/main" xmlns:r="http://schemas.openxmlformats.org/officeDocument/2006/relationships" xmlns:p="http://schemas.openxmlformats.org/presentationml/2006/main">
   <p:cSld>
     <p:spTree>
@@ -10694,7 +11403,7 @@
 </p:sld>
 </file>
 
-<file path=ppt/slides/slide16.xml><?xml version="1.0" encoding="utf-8"?>
+<file path=ppt/slides/slide17.xml><?xml version="1.0" encoding="utf-8"?>
 <p:sld xmlns:a="http://schemas.openxmlformats.org/drawingml/2006/main" xmlns:r="http://schemas.openxmlformats.org/officeDocument/2006/relationships" xmlns:p="http://schemas.openxmlformats.org/presentationml/2006/main">
   <p:cSld>
     <p:spTree>
@@ -10992,7 +11701,7 @@
           <p:cNvPr id="12" name="Gruppieren 11">
             <a:extLst>
               <a:ext uri="{FF2B5EF4-FFF2-40B4-BE49-F238E27FC236}">
-                <a16:creationId xmlns="" xmlns:a16="http://schemas.microsoft.com/office/drawing/2014/main" id="{EA0A8815-E75B-6046-B394-2A918B180A1D}"/>
+                <a16:creationId xmlns:a16="http://schemas.microsoft.com/office/drawing/2014/main" xmlns="" id="{EA0A8815-E75B-6046-B394-2A918B180A1D}"/>
               </a:ext>
             </a:extLst>
           </p:cNvPr>
@@ -11012,7 +11721,7 @@
             <p:cNvPr id="13" name="Rechteck 12">
               <a:extLst>
                 <a:ext uri="{FF2B5EF4-FFF2-40B4-BE49-F238E27FC236}">
-                  <a16:creationId xmlns="" xmlns:a16="http://schemas.microsoft.com/office/drawing/2014/main" id="{C6DACD2C-9288-2743-8000-2D2B960374D2}"/>
+                  <a16:creationId xmlns:a16="http://schemas.microsoft.com/office/drawing/2014/main" xmlns="" id="{C6DACD2C-9288-2743-8000-2D2B960374D2}"/>
                 </a:ext>
               </a:extLst>
             </p:cNvPr>
@@ -11104,7 +11813,7 @@
             <p:cNvPr id="14" name="Rechteck 13">
               <a:extLst>
                 <a:ext uri="{FF2B5EF4-FFF2-40B4-BE49-F238E27FC236}">
-                  <a16:creationId xmlns="" xmlns:a16="http://schemas.microsoft.com/office/drawing/2014/main" id="{8A961849-3F67-574C-9B6D-E3BC3038B489}"/>
+                  <a16:creationId xmlns:a16="http://schemas.microsoft.com/office/drawing/2014/main" xmlns="" id="{8A961849-3F67-574C-9B6D-E3BC3038B489}"/>
                 </a:ext>
               </a:extLst>
             </p:cNvPr>
@@ -11163,7 +11872,7 @@
           <p:cNvPr id="15" name="Gruppieren 14">
             <a:extLst>
               <a:ext uri="{FF2B5EF4-FFF2-40B4-BE49-F238E27FC236}">
-                <a16:creationId xmlns="" xmlns:a16="http://schemas.microsoft.com/office/drawing/2014/main" id="{A88F0E40-A3C2-8A49-B01C-D43BDE29765D}"/>
+                <a16:creationId xmlns:a16="http://schemas.microsoft.com/office/drawing/2014/main" xmlns="" id="{A88F0E40-A3C2-8A49-B01C-D43BDE29765D}"/>
               </a:ext>
             </a:extLst>
           </p:cNvPr>
@@ -11183,7 +11892,7 @@
             <p:cNvPr id="16" name="Rechteck 15">
               <a:extLst>
                 <a:ext uri="{FF2B5EF4-FFF2-40B4-BE49-F238E27FC236}">
-                  <a16:creationId xmlns="" xmlns:a16="http://schemas.microsoft.com/office/drawing/2014/main" id="{18E7CC15-3520-4B45-A599-D8A2FCD6071C}"/>
+                  <a16:creationId xmlns:a16="http://schemas.microsoft.com/office/drawing/2014/main" xmlns="" id="{18E7CC15-3520-4B45-A599-D8A2FCD6071C}"/>
                 </a:ext>
               </a:extLst>
             </p:cNvPr>
@@ -11378,7 +12087,7 @@
             <p:cNvPr id="17" name="Rechteck 16">
               <a:extLst>
                 <a:ext uri="{FF2B5EF4-FFF2-40B4-BE49-F238E27FC236}">
-                  <a16:creationId xmlns="" xmlns:a16="http://schemas.microsoft.com/office/drawing/2014/main" id="{9CA4E624-C249-DD44-95E5-805EF9DA78B4}"/>
+                  <a16:creationId xmlns:a16="http://schemas.microsoft.com/office/drawing/2014/main" xmlns="" id="{9CA4E624-C249-DD44-95E5-805EF9DA78B4}"/>
                 </a:ext>
               </a:extLst>
             </p:cNvPr>
@@ -11437,7 +12146,7 @@
           <p:cNvPr id="18" name="Gruppieren 17">
             <a:extLst>
               <a:ext uri="{FF2B5EF4-FFF2-40B4-BE49-F238E27FC236}">
-                <a16:creationId xmlns="" xmlns:a16="http://schemas.microsoft.com/office/drawing/2014/main" id="{14C33807-8E01-ED45-97CC-799667FE8E29}"/>
+                <a16:creationId xmlns:a16="http://schemas.microsoft.com/office/drawing/2014/main" xmlns="" id="{14C33807-8E01-ED45-97CC-799667FE8E29}"/>
               </a:ext>
             </a:extLst>
           </p:cNvPr>
@@ -11457,7 +12166,7 @@
             <p:cNvPr id="19" name="Rechteck 18">
               <a:extLst>
                 <a:ext uri="{FF2B5EF4-FFF2-40B4-BE49-F238E27FC236}">
-                  <a16:creationId xmlns="" xmlns:a16="http://schemas.microsoft.com/office/drawing/2014/main" id="{ADE0619D-3F85-424E-9F9E-D202B0D54706}"/>
+                  <a16:creationId xmlns:a16="http://schemas.microsoft.com/office/drawing/2014/main" xmlns="" id="{ADE0619D-3F85-424E-9F9E-D202B0D54706}"/>
                 </a:ext>
               </a:extLst>
             </p:cNvPr>
@@ -11650,7 +12359,7 @@
             <p:cNvPr id="20" name="Rechteck 19">
               <a:extLst>
                 <a:ext uri="{FF2B5EF4-FFF2-40B4-BE49-F238E27FC236}">
-                  <a16:creationId xmlns="" xmlns:a16="http://schemas.microsoft.com/office/drawing/2014/main" id="{C56BD12A-0269-3F42-B860-ADC924159D2D}"/>
+                  <a16:creationId xmlns:a16="http://schemas.microsoft.com/office/drawing/2014/main" xmlns="" id="{C56BD12A-0269-3F42-B860-ADC924159D2D}"/>
                 </a:ext>
               </a:extLst>
             </p:cNvPr>
@@ -11750,8 +12459,12 @@
           <a:lstStyle/>
           <a:p>
             <a:r>
+              <a:rPr lang="de-DE" dirty="0" err="1" smtClean="0"/>
+              <a:t>Use</a:t>
+            </a:r>
+            <a:r>
               <a:rPr lang="de-DE" dirty="0" smtClean="0"/>
-              <a:t>Stand der Technik	</a:t>
+              <a:t> Case</a:t>
             </a:r>
             <a:endParaRPr lang="de-DE" dirty="0"/>
           </a:p>
@@ -11759,39 +12472,1089 @@
       </p:sp>
       <p:sp>
         <p:nvSpPr>
-          <p:cNvPr id="3" name="Inhaltsplatzhalter 2"/>
-          <p:cNvSpPr>
-            <a:spLocks noGrp="1"/>
-          </p:cNvSpPr>
-          <p:nvPr>
-            <p:ph sz="quarter" idx="10"/>
-          </p:nvPr>
+          <p:cNvPr id="4" name="Rechteck 3"/>
+          <p:cNvSpPr/>
+          <p:nvPr/>
         </p:nvSpPr>
-        <p:spPr/>
+        <p:spPr>
+          <a:xfrm>
+            <a:off x="1388962" y="1527858"/>
+            <a:ext cx="914400" cy="914400"/>
+          </a:xfrm>
+          <a:prstGeom prst="rect">
+            <a:avLst/>
+          </a:prstGeom>
+          <a:solidFill>
+            <a:schemeClr val="bg1"/>
+          </a:solidFill>
+          <a:ln w="38100">
+            <a:solidFill>
+              <a:schemeClr val="tx1"/>
+            </a:solidFill>
+          </a:ln>
+        </p:spPr>
+        <p:style>
+          <a:lnRef idx="2">
+            <a:schemeClr val="accent1">
+              <a:shade val="50000"/>
+            </a:schemeClr>
+          </a:lnRef>
+          <a:fillRef idx="1">
+            <a:schemeClr val="accent1"/>
+          </a:fillRef>
+          <a:effectRef idx="0">
+            <a:schemeClr val="accent1"/>
+          </a:effectRef>
+          <a:fontRef idx="minor">
+            <a:schemeClr val="lt1"/>
+          </a:fontRef>
+        </p:style>
         <p:txBody>
-          <a:bodyPr/>
+          <a:bodyPr rtlCol="0" anchor="ctr"/>
           <a:lstStyle/>
           <a:p>
-            <a:r>
-              <a:rPr lang="de-DE" dirty="0" smtClean="0"/>
-              <a:t>Wie sieht ein Problemlöseprozess aus?</a:t>
-            </a:r>
-          </a:p>
-          <a:p>
-            <a:r>
-              <a:rPr lang="de-DE" dirty="0" smtClean="0"/>
-              <a:t>Welche Möglichkeiten bietet Assistenz?</a:t>
-            </a:r>
-          </a:p>
-          <a:p>
-            <a:r>
-              <a:rPr lang="de-DE" dirty="0" smtClean="0"/>
-              <a:t>Wie können individualisierte HMIs umgesetzt werden?</a:t>
-            </a:r>
-            <a:endParaRPr lang="de-DE" dirty="0"/>
+            <a:pPr algn="ctr"/>
+            <a:r>
+              <a:rPr lang="de-DE" sz="1600" dirty="0" smtClean="0">
+                <a:solidFill>
+                  <a:schemeClr val="tx1"/>
+                </a:solidFill>
+              </a:rPr>
+              <a:t>Dose</a:t>
+            </a:r>
+            <a:endParaRPr lang="de-DE" sz="1600" dirty="0">
+              <a:solidFill>
+                <a:schemeClr val="tx1"/>
+              </a:solidFill>
+            </a:endParaRPr>
           </a:p>
         </p:txBody>
       </p:sp>
+      <p:sp>
+        <p:nvSpPr>
+          <p:cNvPr id="5" name="Rechteck 4"/>
+          <p:cNvSpPr/>
+          <p:nvPr/>
+        </p:nvSpPr>
+        <p:spPr>
+          <a:xfrm>
+            <a:off x="1388962" y="2939828"/>
+            <a:ext cx="914400" cy="914400"/>
+          </a:xfrm>
+          <a:prstGeom prst="rect">
+            <a:avLst/>
+          </a:prstGeom>
+          <a:solidFill>
+            <a:schemeClr val="bg1"/>
+          </a:solidFill>
+          <a:ln w="38100">
+            <a:solidFill>
+              <a:schemeClr val="tx1"/>
+            </a:solidFill>
+          </a:ln>
+        </p:spPr>
+        <p:style>
+          <a:lnRef idx="2">
+            <a:schemeClr val="accent1">
+              <a:shade val="50000"/>
+            </a:schemeClr>
+          </a:lnRef>
+          <a:fillRef idx="1">
+            <a:schemeClr val="accent1"/>
+          </a:fillRef>
+          <a:effectRef idx="0">
+            <a:schemeClr val="accent1"/>
+          </a:effectRef>
+          <a:fontRef idx="minor">
+            <a:schemeClr val="lt1"/>
+          </a:fontRef>
+        </p:style>
+        <p:txBody>
+          <a:bodyPr rtlCol="0" anchor="ctr"/>
+          <a:lstStyle/>
+          <a:p>
+            <a:pPr algn="ctr"/>
+            <a:r>
+              <a:rPr lang="de-DE" sz="1600" dirty="0" err="1" smtClean="0">
+                <a:solidFill>
+                  <a:schemeClr val="tx1"/>
+                </a:solidFill>
+              </a:rPr>
+              <a:t>React</a:t>
+            </a:r>
+            <a:endParaRPr lang="de-DE" sz="1600" dirty="0">
+              <a:solidFill>
+                <a:schemeClr val="tx1"/>
+              </a:solidFill>
+            </a:endParaRPr>
+          </a:p>
+        </p:txBody>
+      </p:sp>
+      <p:sp>
+        <p:nvSpPr>
+          <p:cNvPr id="6" name="Rechteck 5"/>
+          <p:cNvSpPr/>
+          <p:nvPr/>
+        </p:nvSpPr>
+        <p:spPr>
+          <a:xfrm>
+            <a:off x="1388962" y="4351798"/>
+            <a:ext cx="914400" cy="914400"/>
+          </a:xfrm>
+          <a:prstGeom prst="rect">
+            <a:avLst/>
+          </a:prstGeom>
+          <a:solidFill>
+            <a:schemeClr val="bg1"/>
+          </a:solidFill>
+          <a:ln w="38100">
+            <a:solidFill>
+              <a:schemeClr val="tx1"/>
+            </a:solidFill>
+          </a:ln>
+        </p:spPr>
+        <p:style>
+          <a:lnRef idx="2">
+            <a:schemeClr val="accent1">
+              <a:shade val="50000"/>
+            </a:schemeClr>
+          </a:lnRef>
+          <a:fillRef idx="1">
+            <a:schemeClr val="accent1"/>
+          </a:fillRef>
+          <a:effectRef idx="0">
+            <a:schemeClr val="accent1"/>
+          </a:effectRef>
+          <a:fontRef idx="minor">
+            <a:schemeClr val="lt1"/>
+          </a:fontRef>
+        </p:style>
+        <p:txBody>
+          <a:bodyPr rtlCol="0" anchor="ctr"/>
+          <a:lstStyle/>
+          <a:p>
+            <a:pPr algn="ctr"/>
+            <a:r>
+              <a:rPr lang="de-DE" sz="1600" dirty="0" err="1" smtClean="0">
+                <a:solidFill>
+                  <a:schemeClr val="tx1"/>
+                </a:solidFill>
+              </a:rPr>
+              <a:t>Temper</a:t>
+            </a:r>
+            <a:endParaRPr lang="de-DE" sz="1600" dirty="0">
+              <a:solidFill>
+                <a:schemeClr val="tx1"/>
+              </a:solidFill>
+            </a:endParaRPr>
+          </a:p>
+        </p:txBody>
+      </p:sp>
+      <p:cxnSp>
+        <p:nvCxnSpPr>
+          <p:cNvPr id="10" name="Gerader Verbinder 9"/>
+          <p:cNvCxnSpPr>
+            <a:stCxn id="4" idx="2"/>
+            <a:endCxn id="5" idx="0"/>
+          </p:cNvCxnSpPr>
+          <p:nvPr/>
+        </p:nvCxnSpPr>
+        <p:spPr>
+          <a:xfrm>
+            <a:off x="1846162" y="2442258"/>
+            <a:ext cx="0" cy="497570"/>
+          </a:xfrm>
+          <a:prstGeom prst="line">
+            <a:avLst/>
+          </a:prstGeom>
+          <a:ln w="38100">
+            <a:solidFill>
+              <a:schemeClr val="bg2"/>
+            </a:solidFill>
+            <a:headEnd type="oval"/>
+            <a:tailEnd type="oval"/>
+          </a:ln>
+        </p:spPr>
+        <p:style>
+          <a:lnRef idx="1">
+            <a:schemeClr val="accent1"/>
+          </a:lnRef>
+          <a:fillRef idx="0">
+            <a:schemeClr val="accent1"/>
+          </a:fillRef>
+          <a:effectRef idx="0">
+            <a:schemeClr val="accent1"/>
+          </a:effectRef>
+          <a:fontRef idx="minor">
+            <a:schemeClr val="tx1"/>
+          </a:fontRef>
+        </p:style>
+      </p:cxnSp>
+      <p:cxnSp>
+        <p:nvCxnSpPr>
+          <p:cNvPr id="14" name="Gewinkelte Verbindung 13"/>
+          <p:cNvCxnSpPr>
+            <a:endCxn id="4" idx="0"/>
+          </p:cNvCxnSpPr>
+          <p:nvPr/>
+        </p:nvCxnSpPr>
+        <p:spPr>
+          <a:xfrm rot="5400000" flipH="1" flipV="1">
+            <a:off x="825824" y="2090997"/>
+            <a:ext cx="1583477" cy="457200"/>
+          </a:xfrm>
+          <a:prstGeom prst="bentConnector5">
+            <a:avLst>
+              <a:gd name="adj1" fmla="val 128"/>
+              <a:gd name="adj2" fmla="val -50000"/>
+              <a:gd name="adj3" fmla="val 114437"/>
+            </a:avLst>
+          </a:prstGeom>
+          <a:ln w="38100">
+            <a:solidFill>
+              <a:schemeClr val="bg2"/>
+            </a:solidFill>
+            <a:headEnd type="oval"/>
+            <a:tailEnd type="oval"/>
+          </a:ln>
+        </p:spPr>
+        <p:style>
+          <a:lnRef idx="1">
+            <a:schemeClr val="accent1"/>
+          </a:lnRef>
+          <a:fillRef idx="0">
+            <a:schemeClr val="accent1"/>
+          </a:fillRef>
+          <a:effectRef idx="0">
+            <a:schemeClr val="accent1"/>
+          </a:effectRef>
+          <a:fontRef idx="minor">
+            <a:schemeClr val="tx1"/>
+          </a:fontRef>
+        </p:style>
+      </p:cxnSp>
+      <p:cxnSp>
+        <p:nvCxnSpPr>
+          <p:cNvPr id="16" name="Gerader Verbinder 15"/>
+          <p:cNvCxnSpPr>
+            <a:stCxn id="5" idx="2"/>
+            <a:endCxn id="6" idx="0"/>
+          </p:cNvCxnSpPr>
+          <p:nvPr/>
+        </p:nvCxnSpPr>
+        <p:spPr>
+          <a:xfrm>
+            <a:off x="1846162" y="3854228"/>
+            <a:ext cx="0" cy="497570"/>
+          </a:xfrm>
+          <a:prstGeom prst="line">
+            <a:avLst/>
+          </a:prstGeom>
+          <a:ln w="38100">
+            <a:solidFill>
+              <a:schemeClr val="bg2"/>
+            </a:solidFill>
+            <a:headEnd type="oval"/>
+            <a:tailEnd type="oval"/>
+          </a:ln>
+        </p:spPr>
+        <p:style>
+          <a:lnRef idx="1">
+            <a:schemeClr val="accent1"/>
+          </a:lnRef>
+          <a:fillRef idx="0">
+            <a:schemeClr val="accent1"/>
+          </a:fillRef>
+          <a:effectRef idx="0">
+            <a:schemeClr val="accent1"/>
+          </a:effectRef>
+          <a:fontRef idx="minor">
+            <a:schemeClr val="tx1"/>
+          </a:fontRef>
+        </p:style>
+      </p:cxnSp>
+      <p:cxnSp>
+        <p:nvCxnSpPr>
+          <p:cNvPr id="20" name="Gewinkelte Verbindung 19"/>
+          <p:cNvCxnSpPr>
+            <a:stCxn id="6" idx="2"/>
+          </p:cNvCxnSpPr>
+          <p:nvPr/>
+        </p:nvCxnSpPr>
+        <p:spPr>
+          <a:xfrm rot="5400000" flipH="1" flipV="1">
+            <a:off x="1300151" y="4262988"/>
+            <a:ext cx="1549221" cy="457200"/>
+          </a:xfrm>
+          <a:prstGeom prst="bentConnector5">
+            <a:avLst>
+              <a:gd name="adj1" fmla="val -14756"/>
+              <a:gd name="adj2" fmla="val 161688"/>
+              <a:gd name="adj3" fmla="val 100208"/>
+            </a:avLst>
+          </a:prstGeom>
+          <a:ln w="38100">
+            <a:solidFill>
+              <a:schemeClr val="bg2"/>
+            </a:solidFill>
+            <a:headEnd type="oval"/>
+            <a:tailEnd type="oval"/>
+          </a:ln>
+        </p:spPr>
+        <p:style>
+          <a:lnRef idx="1">
+            <a:schemeClr val="accent1"/>
+          </a:lnRef>
+          <a:fillRef idx="0">
+            <a:schemeClr val="accent1"/>
+          </a:fillRef>
+          <a:effectRef idx="0">
+            <a:schemeClr val="accent1"/>
+          </a:effectRef>
+          <a:fontRef idx="minor">
+            <a:schemeClr val="tx1"/>
+          </a:fontRef>
+        </p:style>
+      </p:cxnSp>
+      <p:sp>
+        <p:nvSpPr>
+          <p:cNvPr id="21" name="Rechteck 20"/>
+          <p:cNvSpPr/>
+          <p:nvPr/>
+        </p:nvSpPr>
+        <p:spPr>
+          <a:xfrm>
+            <a:off x="6506901" y="1527858"/>
+            <a:ext cx="914400" cy="914400"/>
+          </a:xfrm>
+          <a:prstGeom prst="rect">
+            <a:avLst/>
+          </a:prstGeom>
+          <a:solidFill>
+            <a:schemeClr val="bg1"/>
+          </a:solidFill>
+          <a:ln w="38100">
+            <a:solidFill>
+              <a:schemeClr val="tx1"/>
+            </a:solidFill>
+          </a:ln>
+        </p:spPr>
+        <p:style>
+          <a:lnRef idx="2">
+            <a:schemeClr val="accent1">
+              <a:shade val="50000"/>
+            </a:schemeClr>
+          </a:lnRef>
+          <a:fillRef idx="1">
+            <a:schemeClr val="accent1"/>
+          </a:fillRef>
+          <a:effectRef idx="0">
+            <a:schemeClr val="accent1"/>
+          </a:effectRef>
+          <a:fontRef idx="minor">
+            <a:schemeClr val="lt1"/>
+          </a:fontRef>
+        </p:style>
+        <p:txBody>
+          <a:bodyPr rtlCol="0" anchor="ctr"/>
+          <a:lstStyle/>
+          <a:p>
+            <a:pPr algn="ctr"/>
+            <a:r>
+              <a:rPr lang="de-DE" sz="1600" dirty="0" err="1" smtClean="0">
+                <a:solidFill>
+                  <a:schemeClr val="tx1"/>
+                </a:solidFill>
+              </a:rPr>
+              <a:t>Temper</a:t>
+            </a:r>
+            <a:endParaRPr lang="de-DE" sz="1600" dirty="0" smtClean="0">
+              <a:solidFill>
+                <a:schemeClr val="tx1"/>
+              </a:solidFill>
+            </a:endParaRPr>
+          </a:p>
+          <a:p>
+            <a:pPr algn="ctr"/>
+            <a:r>
+              <a:rPr lang="de-DE" sz="1600" dirty="0">
+                <a:solidFill>
+                  <a:schemeClr val="tx1"/>
+                </a:solidFill>
+              </a:rPr>
+              <a:t>A</a:t>
+            </a:r>
+          </a:p>
+        </p:txBody>
+      </p:sp>
+      <p:sp>
+        <p:nvSpPr>
+          <p:cNvPr id="22" name="Rechteck 21"/>
+          <p:cNvSpPr/>
+          <p:nvPr/>
+        </p:nvSpPr>
+        <p:spPr>
+          <a:xfrm>
+            <a:off x="6506901" y="2939828"/>
+            <a:ext cx="914400" cy="914400"/>
+          </a:xfrm>
+          <a:prstGeom prst="rect">
+            <a:avLst/>
+          </a:prstGeom>
+          <a:solidFill>
+            <a:schemeClr val="bg1"/>
+          </a:solidFill>
+          <a:ln w="38100">
+            <a:solidFill>
+              <a:schemeClr val="tx1"/>
+            </a:solidFill>
+          </a:ln>
+        </p:spPr>
+        <p:style>
+          <a:lnRef idx="2">
+            <a:schemeClr val="accent1">
+              <a:shade val="50000"/>
+            </a:schemeClr>
+          </a:lnRef>
+          <a:fillRef idx="1">
+            <a:schemeClr val="accent1"/>
+          </a:fillRef>
+          <a:effectRef idx="0">
+            <a:schemeClr val="accent1"/>
+          </a:effectRef>
+          <a:fontRef idx="minor">
+            <a:schemeClr val="lt1"/>
+          </a:fontRef>
+        </p:style>
+        <p:txBody>
+          <a:bodyPr rtlCol="0" anchor="ctr"/>
+          <a:lstStyle/>
+          <a:p>
+            <a:pPr algn="ctr"/>
+            <a:r>
+              <a:rPr lang="de-DE" sz="1600" dirty="0" err="1" smtClean="0">
+                <a:solidFill>
+                  <a:schemeClr val="tx1"/>
+                </a:solidFill>
+              </a:rPr>
+              <a:t>Temper</a:t>
+            </a:r>
+            <a:endParaRPr lang="de-DE" sz="1600" dirty="0" smtClean="0">
+              <a:solidFill>
+                <a:schemeClr val="tx1"/>
+              </a:solidFill>
+            </a:endParaRPr>
+          </a:p>
+          <a:p>
+            <a:pPr algn="ctr"/>
+            <a:r>
+              <a:rPr lang="de-DE" sz="1600" dirty="0" smtClean="0">
+                <a:solidFill>
+                  <a:schemeClr val="tx1"/>
+                </a:solidFill>
+              </a:rPr>
+              <a:t>B</a:t>
+            </a:r>
+            <a:endParaRPr lang="de-DE" sz="1600" dirty="0">
+              <a:solidFill>
+                <a:schemeClr val="tx1"/>
+              </a:solidFill>
+            </a:endParaRPr>
+          </a:p>
+        </p:txBody>
+      </p:sp>
+      <p:sp>
+        <p:nvSpPr>
+          <p:cNvPr id="23" name="Rechteck 22"/>
+          <p:cNvSpPr/>
+          <p:nvPr/>
+        </p:nvSpPr>
+        <p:spPr>
+          <a:xfrm>
+            <a:off x="6506901" y="4351798"/>
+            <a:ext cx="914400" cy="914400"/>
+          </a:xfrm>
+          <a:prstGeom prst="rect">
+            <a:avLst/>
+          </a:prstGeom>
+          <a:solidFill>
+            <a:schemeClr val="bg1"/>
+          </a:solidFill>
+          <a:ln w="38100">
+            <a:solidFill>
+              <a:schemeClr val="tx1"/>
+            </a:solidFill>
+          </a:ln>
+        </p:spPr>
+        <p:style>
+          <a:lnRef idx="2">
+            <a:schemeClr val="accent1">
+              <a:shade val="50000"/>
+            </a:schemeClr>
+          </a:lnRef>
+          <a:fillRef idx="1">
+            <a:schemeClr val="accent1"/>
+          </a:fillRef>
+          <a:effectRef idx="0">
+            <a:schemeClr val="accent1"/>
+          </a:effectRef>
+          <a:fontRef idx="minor">
+            <a:schemeClr val="lt1"/>
+          </a:fontRef>
+        </p:style>
+        <p:txBody>
+          <a:bodyPr rtlCol="0" anchor="ctr"/>
+          <a:lstStyle/>
+          <a:p>
+            <a:pPr algn="ctr"/>
+            <a:r>
+              <a:rPr lang="de-DE" sz="1600" dirty="0" err="1" smtClean="0">
+                <a:solidFill>
+                  <a:schemeClr val="tx1"/>
+                </a:solidFill>
+              </a:rPr>
+              <a:t>Temper</a:t>
+            </a:r>
+            <a:endParaRPr lang="de-DE" sz="1600" dirty="0" smtClean="0">
+              <a:solidFill>
+                <a:schemeClr val="tx1"/>
+              </a:solidFill>
+            </a:endParaRPr>
+          </a:p>
+          <a:p>
+            <a:pPr algn="ctr"/>
+            <a:r>
+              <a:rPr lang="de-DE" sz="1600" dirty="0">
+                <a:solidFill>
+                  <a:schemeClr val="tx1"/>
+                </a:solidFill>
+              </a:rPr>
+              <a:t>C</a:t>
+            </a:r>
+          </a:p>
+        </p:txBody>
+      </p:sp>
+      <p:sp>
+        <p:nvSpPr>
+          <p:cNvPr id="34" name="Rechteck 33"/>
+          <p:cNvSpPr/>
+          <p:nvPr/>
+        </p:nvSpPr>
+        <p:spPr>
+          <a:xfrm>
+            <a:off x="7789762" y="1527858"/>
+            <a:ext cx="3553428" cy="914400"/>
+          </a:xfrm>
+          <a:prstGeom prst="rect">
+            <a:avLst/>
+          </a:prstGeom>
+          <a:solidFill>
+            <a:schemeClr val="bg1"/>
+          </a:solidFill>
+        </p:spPr>
+        <p:style>
+          <a:lnRef idx="2">
+            <a:schemeClr val="accent1">
+              <a:shade val="50000"/>
+            </a:schemeClr>
+          </a:lnRef>
+          <a:fillRef idx="1">
+            <a:schemeClr val="accent1"/>
+          </a:fillRef>
+          <a:effectRef idx="0">
+            <a:schemeClr val="accent1"/>
+          </a:effectRef>
+          <a:fontRef idx="minor">
+            <a:schemeClr val="lt1"/>
+          </a:fontRef>
+        </p:style>
+        <p:txBody>
+          <a:bodyPr rtlCol="0" anchor="ctr"/>
+          <a:lstStyle/>
+          <a:p>
+            <a:pPr algn="ctr"/>
+            <a:r>
+              <a:rPr lang="de-DE" dirty="0" smtClean="0">
+                <a:solidFill>
+                  <a:schemeClr val="tx1"/>
+                </a:solidFill>
+              </a:rPr>
+              <a:t>Leihmodul: ist mit hohen Kosten verbunden</a:t>
+            </a:r>
+            <a:endParaRPr lang="de-DE" dirty="0">
+              <a:solidFill>
+                <a:schemeClr val="tx1"/>
+              </a:solidFill>
+            </a:endParaRPr>
+          </a:p>
+        </p:txBody>
+      </p:sp>
+      <p:sp>
+        <p:nvSpPr>
+          <p:cNvPr id="35" name="Rechteck 34"/>
+          <p:cNvSpPr/>
+          <p:nvPr/>
+        </p:nvSpPr>
+        <p:spPr>
+          <a:xfrm>
+            <a:off x="7789762" y="2939828"/>
+            <a:ext cx="3553428" cy="914400"/>
+          </a:xfrm>
+          <a:prstGeom prst="rect">
+            <a:avLst/>
+          </a:prstGeom>
+          <a:solidFill>
+            <a:schemeClr val="bg1"/>
+          </a:solidFill>
+        </p:spPr>
+        <p:style>
+          <a:lnRef idx="2">
+            <a:schemeClr val="accent1">
+              <a:shade val="50000"/>
+            </a:schemeClr>
+          </a:lnRef>
+          <a:fillRef idx="1">
+            <a:schemeClr val="accent1"/>
+          </a:fillRef>
+          <a:effectRef idx="0">
+            <a:schemeClr val="accent1"/>
+          </a:effectRef>
+          <a:fontRef idx="minor">
+            <a:schemeClr val="lt1"/>
+          </a:fontRef>
+        </p:style>
+        <p:txBody>
+          <a:bodyPr rtlCol="0" anchor="ctr"/>
+          <a:lstStyle/>
+          <a:p>
+            <a:pPr algn="ctr"/>
+            <a:r>
+              <a:rPr lang="de-DE" dirty="0" smtClean="0">
+                <a:solidFill>
+                  <a:schemeClr val="tx1"/>
+                </a:solidFill>
+              </a:rPr>
+              <a:t>Hoher Energieverbrauch</a:t>
+            </a:r>
+            <a:endParaRPr lang="de-DE" dirty="0">
+              <a:solidFill>
+                <a:schemeClr val="tx1"/>
+              </a:solidFill>
+            </a:endParaRPr>
+          </a:p>
+        </p:txBody>
+      </p:sp>
+      <p:sp>
+        <p:nvSpPr>
+          <p:cNvPr id="36" name="Rechteck 35"/>
+          <p:cNvSpPr/>
+          <p:nvPr/>
+        </p:nvSpPr>
+        <p:spPr>
+          <a:xfrm>
+            <a:off x="7789762" y="4351798"/>
+            <a:ext cx="3553428" cy="914400"/>
+          </a:xfrm>
+          <a:prstGeom prst="rect">
+            <a:avLst/>
+          </a:prstGeom>
+          <a:solidFill>
+            <a:schemeClr val="bg1"/>
+          </a:solidFill>
+        </p:spPr>
+        <p:style>
+          <a:lnRef idx="2">
+            <a:schemeClr val="accent1">
+              <a:shade val="50000"/>
+            </a:schemeClr>
+          </a:lnRef>
+          <a:fillRef idx="1">
+            <a:schemeClr val="accent1"/>
+          </a:fillRef>
+          <a:effectRef idx="0">
+            <a:schemeClr val="accent1"/>
+          </a:effectRef>
+          <a:fontRef idx="minor">
+            <a:schemeClr val="lt1"/>
+          </a:fontRef>
+        </p:style>
+        <p:txBody>
+          <a:bodyPr rtlCol="0" anchor="ctr"/>
+          <a:lstStyle/>
+          <a:p>
+            <a:pPr algn="ctr"/>
+            <a:r>
+              <a:rPr lang="de-DE" dirty="0" smtClean="0">
+                <a:solidFill>
+                  <a:schemeClr val="tx1"/>
+                </a:solidFill>
+              </a:rPr>
+              <a:t>Viele Anpassungen am Rezept nötig</a:t>
+            </a:r>
+            <a:endParaRPr lang="de-DE" dirty="0">
+              <a:solidFill>
+                <a:schemeClr val="tx1"/>
+              </a:solidFill>
+            </a:endParaRPr>
+          </a:p>
+        </p:txBody>
+      </p:sp>
+      <p:cxnSp>
+        <p:nvCxnSpPr>
+          <p:cNvPr id="38" name="Gewinkelte Verbindung 37"/>
+          <p:cNvCxnSpPr>
+            <a:stCxn id="21" idx="1"/>
+          </p:cNvCxnSpPr>
+          <p:nvPr/>
+        </p:nvCxnSpPr>
+        <p:spPr>
+          <a:xfrm rot="10800000" flipV="1">
+            <a:off x="2720051" y="1985057"/>
+            <a:ext cx="3786850" cy="2471195"/>
+          </a:xfrm>
+          <a:prstGeom prst="bentConnector3">
+            <a:avLst/>
+          </a:prstGeom>
+          <a:ln w="38100">
+            <a:solidFill>
+              <a:schemeClr val="tx1"/>
+            </a:solidFill>
+            <a:tailEnd type="triangle"/>
+          </a:ln>
+        </p:spPr>
+        <p:style>
+          <a:lnRef idx="1">
+            <a:schemeClr val="accent1"/>
+          </a:lnRef>
+          <a:fillRef idx="0">
+            <a:schemeClr val="accent1"/>
+          </a:fillRef>
+          <a:effectRef idx="0">
+            <a:schemeClr val="accent1"/>
+          </a:effectRef>
+          <a:fontRef idx="minor">
+            <a:schemeClr val="tx1"/>
+          </a:fontRef>
+        </p:style>
+      </p:cxnSp>
+      <p:cxnSp>
+        <p:nvCxnSpPr>
+          <p:cNvPr id="40" name="Gewinkelte Verbindung 39"/>
+          <p:cNvCxnSpPr>
+            <a:stCxn id="22" idx="1"/>
+          </p:cNvCxnSpPr>
+          <p:nvPr/>
+        </p:nvCxnSpPr>
+        <p:spPr>
+          <a:xfrm rot="10800000" flipV="1">
+            <a:off x="2720051" y="3397027"/>
+            <a:ext cx="3786851" cy="1446015"/>
+          </a:xfrm>
+          <a:prstGeom prst="bentConnector3">
+            <a:avLst>
+              <a:gd name="adj1" fmla="val 33800"/>
+            </a:avLst>
+          </a:prstGeom>
+          <a:ln w="38100">
+            <a:solidFill>
+              <a:schemeClr val="tx1"/>
+            </a:solidFill>
+            <a:tailEnd type="triangle"/>
+          </a:ln>
+        </p:spPr>
+        <p:style>
+          <a:lnRef idx="1">
+            <a:schemeClr val="accent1"/>
+          </a:lnRef>
+          <a:fillRef idx="0">
+            <a:schemeClr val="accent1"/>
+          </a:fillRef>
+          <a:effectRef idx="0">
+            <a:schemeClr val="accent1"/>
+          </a:effectRef>
+          <a:fontRef idx="minor">
+            <a:schemeClr val="tx1"/>
+          </a:fontRef>
+        </p:style>
+      </p:cxnSp>
+      <p:cxnSp>
+        <p:nvCxnSpPr>
+          <p:cNvPr id="42" name="Gewinkelte Verbindung 41"/>
+          <p:cNvCxnSpPr>
+            <a:stCxn id="23" idx="1"/>
+          </p:cNvCxnSpPr>
+          <p:nvPr/>
+        </p:nvCxnSpPr>
+        <p:spPr>
+          <a:xfrm rot="10800000" flipV="1">
+            <a:off x="2720051" y="4808998"/>
+            <a:ext cx="3786851" cy="491244"/>
+          </a:xfrm>
+          <a:prstGeom prst="bentConnector3">
+            <a:avLst>
+              <a:gd name="adj1" fmla="val 17295"/>
+            </a:avLst>
+          </a:prstGeom>
+          <a:ln w="38100">
+            <a:solidFill>
+              <a:schemeClr val="tx1"/>
+            </a:solidFill>
+            <a:tailEnd type="triangle"/>
+          </a:ln>
+        </p:spPr>
+        <p:style>
+          <a:lnRef idx="1">
+            <a:schemeClr val="accent1"/>
+          </a:lnRef>
+          <a:fillRef idx="0">
+            <a:schemeClr val="accent1"/>
+          </a:fillRef>
+          <a:effectRef idx="0">
+            <a:schemeClr val="accent1"/>
+          </a:effectRef>
+          <a:fontRef idx="minor">
+            <a:schemeClr val="tx1"/>
+          </a:fontRef>
+        </p:style>
+      </p:cxnSp>
+      <p:sp>
+        <p:nvSpPr>
+          <p:cNvPr id="47" name="Rechteck 46"/>
+          <p:cNvSpPr/>
+          <p:nvPr/>
+        </p:nvSpPr>
+        <p:spPr>
+          <a:xfrm>
+            <a:off x="3553428" y="4062712"/>
+            <a:ext cx="509286" cy="376035"/>
+          </a:xfrm>
+          <a:prstGeom prst="rect">
+            <a:avLst/>
+          </a:prstGeom>
+          <a:noFill/>
+          <a:ln>
+            <a:noFill/>
+          </a:ln>
+        </p:spPr>
+        <p:style>
+          <a:lnRef idx="2">
+            <a:schemeClr val="accent1">
+              <a:shade val="50000"/>
+            </a:schemeClr>
+          </a:lnRef>
+          <a:fillRef idx="1">
+            <a:schemeClr val="accent1"/>
+          </a:fillRef>
+          <a:effectRef idx="0">
+            <a:schemeClr val="accent1"/>
+          </a:effectRef>
+          <a:fontRef idx="minor">
+            <a:schemeClr val="lt1"/>
+          </a:fontRef>
+        </p:style>
+        <p:txBody>
+          <a:bodyPr rtlCol="0" anchor="ctr"/>
+          <a:lstStyle/>
+          <a:p>
+            <a:pPr algn="ctr"/>
+            <a:r>
+              <a:rPr lang="de-DE" sz="2400" dirty="0" smtClean="0">
+                <a:solidFill>
+                  <a:schemeClr val="tx1"/>
+                </a:solidFill>
+              </a:rPr>
+              <a:t>?</a:t>
+            </a:r>
+            <a:endParaRPr lang="de-DE" sz="2400" dirty="0">
+              <a:solidFill>
+                <a:schemeClr val="tx1"/>
+              </a:solidFill>
+            </a:endParaRPr>
+          </a:p>
+        </p:txBody>
+      </p:sp>
+      <p:sp>
+        <p:nvSpPr>
+          <p:cNvPr id="48" name="Rechteck 47"/>
+          <p:cNvSpPr/>
+          <p:nvPr/>
+        </p:nvSpPr>
+        <p:spPr>
+          <a:xfrm>
+            <a:off x="3553428" y="4480510"/>
+            <a:ext cx="509286" cy="376035"/>
+          </a:xfrm>
+          <a:prstGeom prst="rect">
+            <a:avLst/>
+          </a:prstGeom>
+          <a:noFill/>
+          <a:ln>
+            <a:noFill/>
+          </a:ln>
+        </p:spPr>
+        <p:style>
+          <a:lnRef idx="2">
+            <a:schemeClr val="accent1">
+              <a:shade val="50000"/>
+            </a:schemeClr>
+          </a:lnRef>
+          <a:fillRef idx="1">
+            <a:schemeClr val="accent1"/>
+          </a:fillRef>
+          <a:effectRef idx="0">
+            <a:schemeClr val="accent1"/>
+          </a:effectRef>
+          <a:fontRef idx="minor">
+            <a:schemeClr val="lt1"/>
+          </a:fontRef>
+        </p:style>
+        <p:txBody>
+          <a:bodyPr rtlCol="0" anchor="ctr"/>
+          <a:lstStyle/>
+          <a:p>
+            <a:pPr algn="ctr"/>
+            <a:r>
+              <a:rPr lang="de-DE" sz="2400" dirty="0" smtClean="0">
+                <a:solidFill>
+                  <a:schemeClr val="tx1"/>
+                </a:solidFill>
+              </a:rPr>
+              <a:t>?</a:t>
+            </a:r>
+            <a:endParaRPr lang="de-DE" sz="2400" dirty="0">
+              <a:solidFill>
+                <a:schemeClr val="tx1"/>
+              </a:solidFill>
+            </a:endParaRPr>
+          </a:p>
+        </p:txBody>
+      </p:sp>
+      <p:sp>
+        <p:nvSpPr>
+          <p:cNvPr id="49" name="Rechteck 48"/>
+          <p:cNvSpPr/>
+          <p:nvPr/>
+        </p:nvSpPr>
+        <p:spPr>
+          <a:xfrm>
+            <a:off x="3553428" y="4911599"/>
+            <a:ext cx="509286" cy="376035"/>
+          </a:xfrm>
+          <a:prstGeom prst="rect">
+            <a:avLst/>
+          </a:prstGeom>
+          <a:noFill/>
+          <a:ln>
+            <a:noFill/>
+          </a:ln>
+        </p:spPr>
+        <p:style>
+          <a:lnRef idx="2">
+            <a:schemeClr val="accent1">
+              <a:shade val="50000"/>
+            </a:schemeClr>
+          </a:lnRef>
+          <a:fillRef idx="1">
+            <a:schemeClr val="accent1"/>
+          </a:fillRef>
+          <a:effectRef idx="0">
+            <a:schemeClr val="accent1"/>
+          </a:effectRef>
+          <a:fontRef idx="minor">
+            <a:schemeClr val="lt1"/>
+          </a:fontRef>
+        </p:style>
+        <p:txBody>
+          <a:bodyPr rtlCol="0" anchor="ctr"/>
+          <a:lstStyle/>
+          <a:p>
+            <a:pPr algn="ctr"/>
+            <a:r>
+              <a:rPr lang="de-DE" sz="2400" dirty="0" smtClean="0">
+                <a:solidFill>
+                  <a:schemeClr val="tx1"/>
+                </a:solidFill>
+              </a:rPr>
+              <a:t>?</a:t>
+            </a:r>
+            <a:endParaRPr lang="de-DE" sz="2400" dirty="0">
+              <a:solidFill>
+                <a:schemeClr val="tx1"/>
+              </a:solidFill>
+            </a:endParaRPr>
+          </a:p>
+        </p:txBody>
+      </p:sp>
+      <p:cxnSp>
+        <p:nvCxnSpPr>
+          <p:cNvPr id="51" name="Gerader Verbinder 50"/>
+          <p:cNvCxnSpPr/>
+          <p:nvPr/>
+        </p:nvCxnSpPr>
+        <p:spPr>
+          <a:xfrm>
+            <a:off x="1192192" y="4247909"/>
+            <a:ext cx="1215342" cy="1134319"/>
+          </a:xfrm>
+          <a:prstGeom prst="line">
+            <a:avLst/>
+          </a:prstGeom>
+          <a:ln>
+            <a:solidFill>
+              <a:schemeClr val="accent6"/>
+            </a:solidFill>
+          </a:ln>
+        </p:spPr>
+        <p:style>
+          <a:lnRef idx="1">
+            <a:schemeClr val="accent1"/>
+          </a:lnRef>
+          <a:fillRef idx="0">
+            <a:schemeClr val="accent1"/>
+          </a:fillRef>
+          <a:effectRef idx="0">
+            <a:schemeClr val="accent1"/>
+          </a:effectRef>
+          <a:fontRef idx="minor">
+            <a:schemeClr val="tx1"/>
+          </a:fontRef>
+        </p:style>
+      </p:cxnSp>
+      <p:cxnSp>
+        <p:nvCxnSpPr>
+          <p:cNvPr id="53" name="Gerader Verbinder 52"/>
+          <p:cNvCxnSpPr/>
+          <p:nvPr/>
+        </p:nvCxnSpPr>
+        <p:spPr>
+          <a:xfrm flipV="1">
+            <a:off x="1284790" y="4247909"/>
+            <a:ext cx="1122744" cy="1134319"/>
+          </a:xfrm>
+          <a:prstGeom prst="line">
+            <a:avLst/>
+          </a:prstGeom>
+          <a:ln>
+            <a:solidFill>
+              <a:schemeClr val="accent6"/>
+            </a:solidFill>
+          </a:ln>
+        </p:spPr>
+        <p:style>
+          <a:lnRef idx="1">
+            <a:schemeClr val="accent1"/>
+          </a:lnRef>
+          <a:fillRef idx="0">
+            <a:schemeClr val="accent1"/>
+          </a:fillRef>
+          <a:effectRef idx="0">
+            <a:schemeClr val="accent1"/>
+          </a:effectRef>
+          <a:fontRef idx="minor">
+            <a:schemeClr val="tx1"/>
+          </a:fontRef>
+        </p:style>
+      </p:cxnSp>
     </p:spTree>
     <p:extLst>
       <p:ext uri="{BB962C8B-B14F-4D97-AF65-F5344CB8AC3E}">
@@ -11839,57 +13602,1000 @@
           <a:p>
             <a:r>
               <a:rPr lang="de-DE" dirty="0" smtClean="0"/>
-              <a:t>Analyse</a:t>
+              <a:t>Nutzer unterstützen</a:t>
             </a:r>
             <a:endParaRPr lang="de-DE" dirty="0"/>
+          </a:p>
+        </p:txBody>
+      </p:sp>
+      <p:grpSp>
+        <p:nvGrpSpPr>
+          <p:cNvPr id="4" name="Gruppieren 3">
+            <a:extLst>
+              <a:ext uri="{FF2B5EF4-FFF2-40B4-BE49-F238E27FC236}">
+                <a16:creationId xmlns:a16="http://schemas.microsoft.com/office/drawing/2014/main" xmlns="" id="{64401E1E-557D-5D4F-AE09-187A0802411B}"/>
+              </a:ext>
+            </a:extLst>
+          </p:cNvPr>
+          <p:cNvGrpSpPr/>
+          <p:nvPr/>
+        </p:nvGrpSpPr>
+        <p:grpSpPr>
+          <a:xfrm>
+            <a:off x="874711" y="1199304"/>
+            <a:ext cx="3326899" cy="3812073"/>
+            <a:chOff x="1780030" y="1414270"/>
+            <a:chExt cx="3326899" cy="3812073"/>
+          </a:xfrm>
+        </p:grpSpPr>
+        <p:sp>
+          <p:nvSpPr>
+            <p:cNvPr id="5" name="Rechteck 4">
+              <a:extLst>
+                <a:ext uri="{FF2B5EF4-FFF2-40B4-BE49-F238E27FC236}">
+                  <a16:creationId xmlns:a16="http://schemas.microsoft.com/office/drawing/2014/main" xmlns="" id="{35A0EAB9-4039-6448-AC03-B60DE38901D0}"/>
+                </a:ext>
+              </a:extLst>
+            </p:cNvPr>
+            <p:cNvSpPr/>
+            <p:nvPr/>
+          </p:nvSpPr>
+          <p:spPr>
+            <a:xfrm>
+              <a:off x="1780030" y="1583286"/>
+              <a:ext cx="3326899" cy="3643057"/>
+            </a:xfrm>
+            <a:prstGeom prst="rect">
+              <a:avLst/>
+            </a:prstGeom>
+            <a:solidFill>
+              <a:schemeClr val="bg1"/>
+            </a:solidFill>
+          </p:spPr>
+          <p:style>
+            <a:lnRef idx="2">
+              <a:schemeClr val="accent1">
+                <a:shade val="50000"/>
+              </a:schemeClr>
+            </a:lnRef>
+            <a:fillRef idx="1">
+              <a:schemeClr val="accent1"/>
+            </a:fillRef>
+            <a:effectRef idx="0">
+              <a:schemeClr val="accent1"/>
+            </a:effectRef>
+            <a:fontRef idx="minor">
+              <a:schemeClr val="lt1"/>
+            </a:fontRef>
+          </p:style>
+          <p:txBody>
+            <a:bodyPr tIns="251999" rtlCol="0" anchor="t"/>
+            <a:lstStyle/>
+            <a:p>
+              <a:pPr marL="285750" indent="-285750">
+                <a:buFont typeface="Arial" panose="020B0604020202020204" pitchFamily="34" charset="0"/>
+                <a:buChar char="•"/>
+              </a:pPr>
+              <a:r>
+                <a:rPr lang="de-DE" dirty="0" smtClean="0">
+                  <a:solidFill>
+                    <a:schemeClr val="tx1"/>
+                  </a:solidFill>
+                </a:rPr>
+                <a:t>Zeitdruck</a:t>
+              </a:r>
+            </a:p>
+            <a:p>
+              <a:pPr marL="697230" lvl="1" indent="-285750">
+                <a:buFont typeface="Arial" panose="020B0604020202020204" pitchFamily="34" charset="0"/>
+                <a:buChar char="•"/>
+              </a:pPr>
+              <a:r>
+                <a:rPr lang="de-DE" dirty="0" smtClean="0">
+                  <a:solidFill>
+                    <a:schemeClr val="tx1"/>
+                  </a:solidFill>
+                </a:rPr>
+                <a:t>Bis wann muss das Problem gelöst sein?</a:t>
+              </a:r>
+            </a:p>
+            <a:p>
+              <a:pPr marL="697230" lvl="1" indent="-285750">
+                <a:buFont typeface="Arial" panose="020B0604020202020204" pitchFamily="34" charset="0"/>
+                <a:buChar char="•"/>
+              </a:pPr>
+              <a:endParaRPr lang="de-DE" dirty="0" smtClean="0">
+                <a:solidFill>
+                  <a:schemeClr val="tx1"/>
+                </a:solidFill>
+              </a:endParaRPr>
+            </a:p>
+            <a:p>
+              <a:pPr marL="285750" indent="-285750">
+                <a:buFont typeface="Arial" panose="020B0604020202020204" pitchFamily="34" charset="0"/>
+                <a:buChar char="•"/>
+              </a:pPr>
+              <a:r>
+                <a:rPr lang="de-DE" dirty="0" smtClean="0">
+                  <a:solidFill>
+                    <a:schemeClr val="tx1"/>
+                  </a:solidFill>
+                </a:rPr>
+                <a:t>Komplexität</a:t>
+              </a:r>
+            </a:p>
+            <a:p>
+              <a:pPr marL="697230" lvl="1" indent="-285750">
+                <a:buFont typeface="Arial" panose="020B0604020202020204" pitchFamily="34" charset="0"/>
+                <a:buChar char="•"/>
+              </a:pPr>
+              <a:r>
+                <a:rPr lang="de-DE" dirty="0" smtClean="0">
+                  <a:solidFill>
+                    <a:schemeClr val="tx1"/>
+                  </a:solidFill>
+                </a:rPr>
+                <a:t>Ist das Problem einfach oder schwer zu lösen?</a:t>
+              </a:r>
+            </a:p>
+            <a:p>
+              <a:pPr marL="697230" lvl="1" indent="-285750">
+                <a:buFont typeface="Arial" panose="020B0604020202020204" pitchFamily="34" charset="0"/>
+                <a:buChar char="•"/>
+              </a:pPr>
+              <a:endParaRPr lang="de-DE" dirty="0" smtClean="0">
+                <a:solidFill>
+                  <a:schemeClr val="tx1"/>
+                </a:solidFill>
+              </a:endParaRPr>
+            </a:p>
+            <a:p>
+              <a:pPr marL="285750" indent="-285750">
+                <a:buFont typeface="Arial" panose="020B0604020202020204" pitchFamily="34" charset="0"/>
+                <a:buChar char="•"/>
+              </a:pPr>
+              <a:r>
+                <a:rPr lang="de-DE" dirty="0" smtClean="0">
+                  <a:solidFill>
+                    <a:schemeClr val="tx1"/>
+                  </a:solidFill>
+                </a:rPr>
+                <a:t>Bereich</a:t>
+              </a:r>
+            </a:p>
+            <a:p>
+              <a:pPr marL="697230" lvl="1" indent="-285750">
+                <a:buFont typeface="Arial" panose="020B0604020202020204" pitchFamily="34" charset="0"/>
+                <a:buChar char="•"/>
+              </a:pPr>
+              <a:r>
+                <a:rPr lang="de-DE" dirty="0" smtClean="0">
+                  <a:solidFill>
+                    <a:schemeClr val="tx1"/>
+                  </a:solidFill>
+                </a:rPr>
+                <a:t>Ist es ein technisches oder ein organisatorisches Problem?</a:t>
+              </a:r>
+              <a:endParaRPr lang="de-DE" dirty="0" smtClean="0">
+                <a:solidFill>
+                  <a:schemeClr val="tx1"/>
+                </a:solidFill>
+              </a:endParaRPr>
+            </a:p>
+            <a:p>
+              <a:pPr marL="285750" indent="-285750">
+                <a:buFont typeface="Arial" panose="020B0604020202020204" pitchFamily="34" charset="0"/>
+                <a:buChar char="•"/>
+              </a:pPr>
+              <a:endParaRPr lang="de-DE" dirty="0">
+                <a:solidFill>
+                  <a:schemeClr val="tx1"/>
+                </a:solidFill>
+              </a:endParaRPr>
+            </a:p>
+          </p:txBody>
+        </p:sp>
+        <p:sp>
+          <p:nvSpPr>
+            <p:cNvPr id="6" name="Rechteck 5">
+              <a:extLst>
+                <a:ext uri="{FF2B5EF4-FFF2-40B4-BE49-F238E27FC236}">
+                  <a16:creationId xmlns:a16="http://schemas.microsoft.com/office/drawing/2014/main" xmlns="" id="{FCCEA108-686B-BB4F-95FB-4BCE5EB529F1}"/>
+                </a:ext>
+              </a:extLst>
+            </p:cNvPr>
+            <p:cNvSpPr/>
+            <p:nvPr/>
+          </p:nvSpPr>
+          <p:spPr>
+            <a:xfrm>
+              <a:off x="1977037" y="1414270"/>
+              <a:ext cx="2782651" cy="338027"/>
+            </a:xfrm>
+            <a:prstGeom prst="rect">
+              <a:avLst/>
+            </a:prstGeom>
+            <a:solidFill>
+              <a:schemeClr val="bg1"/>
+            </a:solidFill>
+            <a:ln>
+              <a:noFill/>
+            </a:ln>
+          </p:spPr>
+          <p:style>
+            <a:lnRef idx="2">
+              <a:schemeClr val="accent1">
+                <a:shade val="50000"/>
+              </a:schemeClr>
+            </a:lnRef>
+            <a:fillRef idx="1">
+              <a:schemeClr val="accent1"/>
+            </a:fillRef>
+            <a:effectRef idx="0">
+              <a:schemeClr val="accent1"/>
+            </a:effectRef>
+            <a:fontRef idx="minor">
+              <a:schemeClr val="lt1"/>
+            </a:fontRef>
+          </p:style>
+          <p:txBody>
+            <a:bodyPr rtlCol="0" anchor="ctr"/>
+            <a:lstStyle/>
+            <a:p>
+              <a:r>
+                <a:rPr lang="de-DE" b="1" dirty="0" smtClean="0">
+                  <a:solidFill>
+                    <a:schemeClr val="accent4"/>
+                  </a:solidFill>
+                </a:rPr>
+                <a:t>Probleme unterscheiden</a:t>
+              </a:r>
+              <a:endParaRPr lang="de-DE" b="1" dirty="0">
+                <a:solidFill>
+                  <a:schemeClr val="accent4"/>
+                </a:solidFill>
+              </a:endParaRPr>
+            </a:p>
+          </p:txBody>
+        </p:sp>
+      </p:grpSp>
+      <p:grpSp>
+        <p:nvGrpSpPr>
+          <p:cNvPr id="7" name="Gruppieren 6">
+            <a:extLst>
+              <a:ext uri="{FF2B5EF4-FFF2-40B4-BE49-F238E27FC236}">
+                <a16:creationId xmlns:a16="http://schemas.microsoft.com/office/drawing/2014/main" xmlns="" id="{64401E1E-557D-5D4F-AE09-187A0802411B}"/>
+              </a:ext>
+            </a:extLst>
+          </p:cNvPr>
+          <p:cNvGrpSpPr/>
+          <p:nvPr/>
+        </p:nvGrpSpPr>
+        <p:grpSpPr>
+          <a:xfrm>
+            <a:off x="8229600" y="1199304"/>
+            <a:ext cx="3225799" cy="3812073"/>
+            <a:chOff x="1742234" y="1414270"/>
+            <a:chExt cx="3225799" cy="3812073"/>
+          </a:xfrm>
+        </p:grpSpPr>
+        <p:sp>
+          <p:nvSpPr>
+            <p:cNvPr id="8" name="Rechteck 7">
+              <a:extLst>
+                <a:ext uri="{FF2B5EF4-FFF2-40B4-BE49-F238E27FC236}">
+                  <a16:creationId xmlns:a16="http://schemas.microsoft.com/office/drawing/2014/main" xmlns="" id="{35A0EAB9-4039-6448-AC03-B60DE38901D0}"/>
+                </a:ext>
+              </a:extLst>
+            </p:cNvPr>
+            <p:cNvSpPr/>
+            <p:nvPr/>
+          </p:nvSpPr>
+          <p:spPr>
+            <a:xfrm>
+              <a:off x="1742234" y="1583287"/>
+              <a:ext cx="3225799" cy="3643056"/>
+            </a:xfrm>
+            <a:prstGeom prst="rect">
+              <a:avLst/>
+            </a:prstGeom>
+            <a:solidFill>
+              <a:schemeClr val="bg1"/>
+            </a:solidFill>
+          </p:spPr>
+          <p:style>
+            <a:lnRef idx="2">
+              <a:schemeClr val="accent1">
+                <a:shade val="50000"/>
+              </a:schemeClr>
+            </a:lnRef>
+            <a:fillRef idx="1">
+              <a:schemeClr val="accent1"/>
+            </a:fillRef>
+            <a:effectRef idx="0">
+              <a:schemeClr val="accent1"/>
+            </a:effectRef>
+            <a:fontRef idx="minor">
+              <a:schemeClr val="lt1"/>
+            </a:fontRef>
+          </p:style>
+          <p:txBody>
+            <a:bodyPr tIns="251999" rtlCol="0" anchor="t"/>
+            <a:lstStyle/>
+            <a:p>
+              <a:pPr marL="285750" indent="-285750">
+                <a:buFont typeface="Arial" panose="020B0604020202020204" pitchFamily="34" charset="0"/>
+                <a:buChar char="•"/>
+              </a:pPr>
+              <a:r>
+                <a:rPr lang="de-DE" dirty="0" smtClean="0">
+                  <a:solidFill>
+                    <a:schemeClr val="tx1"/>
+                  </a:solidFill>
+                </a:rPr>
+                <a:t>Menschen nicht unterfordern</a:t>
+              </a:r>
+            </a:p>
+            <a:p>
+              <a:pPr marL="285750" indent="-285750">
+                <a:buFont typeface="Arial" panose="020B0604020202020204" pitchFamily="34" charset="0"/>
+                <a:buChar char="•"/>
+              </a:pPr>
+              <a:endParaRPr lang="de-DE" dirty="0" smtClean="0">
+                <a:solidFill>
+                  <a:schemeClr val="tx1"/>
+                </a:solidFill>
+              </a:endParaRPr>
+            </a:p>
+            <a:p>
+              <a:pPr marL="285750" indent="-285750">
+                <a:buFont typeface="Arial" panose="020B0604020202020204" pitchFamily="34" charset="0"/>
+                <a:buChar char="•"/>
+              </a:pPr>
+              <a:endParaRPr lang="de-DE" dirty="0" smtClean="0">
+                <a:solidFill>
+                  <a:schemeClr val="tx1"/>
+                </a:solidFill>
+              </a:endParaRPr>
+            </a:p>
+            <a:p>
+              <a:pPr marL="285750" indent="-285750">
+                <a:buFont typeface="Arial" panose="020B0604020202020204" pitchFamily="34" charset="0"/>
+                <a:buChar char="•"/>
+              </a:pPr>
+              <a:r>
+                <a:rPr lang="de-DE" dirty="0" smtClean="0">
+                  <a:solidFill>
+                    <a:schemeClr val="tx1"/>
+                  </a:solidFill>
+                </a:rPr>
+                <a:t>Menschen nicht überfordern</a:t>
+              </a:r>
+            </a:p>
+            <a:p>
+              <a:pPr marL="285750" indent="-285750">
+                <a:buFont typeface="Arial" panose="020B0604020202020204" pitchFamily="34" charset="0"/>
+                <a:buChar char="•"/>
+              </a:pPr>
+              <a:endParaRPr lang="de-DE" dirty="0">
+                <a:solidFill>
+                  <a:schemeClr val="tx1"/>
+                </a:solidFill>
+              </a:endParaRPr>
+            </a:p>
+            <a:p>
+              <a:pPr marL="285750" indent="-285750">
+                <a:buFont typeface="Arial" panose="020B0604020202020204" pitchFamily="34" charset="0"/>
+                <a:buChar char="•"/>
+              </a:pPr>
+              <a:endParaRPr lang="de-DE" dirty="0" smtClean="0">
+                <a:solidFill>
+                  <a:schemeClr val="tx1"/>
+                </a:solidFill>
+              </a:endParaRPr>
+            </a:p>
+            <a:p>
+              <a:pPr marL="285750" indent="-285750">
+                <a:buFont typeface="Arial" panose="020B0604020202020204" pitchFamily="34" charset="0"/>
+                <a:buChar char="•"/>
+              </a:pPr>
+              <a:r>
+                <a:rPr lang="de-DE" dirty="0" smtClean="0">
+                  <a:solidFill>
+                    <a:schemeClr val="tx1"/>
+                  </a:solidFill>
+                </a:rPr>
+                <a:t>Lösungen vergleichen können</a:t>
+              </a:r>
+              <a:endParaRPr lang="de-DE" dirty="0">
+                <a:solidFill>
+                  <a:schemeClr val="tx1"/>
+                </a:solidFill>
+              </a:endParaRPr>
+            </a:p>
+          </p:txBody>
+        </p:sp>
+        <p:sp>
+          <p:nvSpPr>
+            <p:cNvPr id="9" name="Rechteck 8">
+              <a:extLst>
+                <a:ext uri="{FF2B5EF4-FFF2-40B4-BE49-F238E27FC236}">
+                  <a16:creationId xmlns:a16="http://schemas.microsoft.com/office/drawing/2014/main" xmlns="" id="{FCCEA108-686B-BB4F-95FB-4BCE5EB529F1}"/>
+                </a:ext>
+              </a:extLst>
+            </p:cNvPr>
+            <p:cNvSpPr/>
+            <p:nvPr/>
+          </p:nvSpPr>
+          <p:spPr>
+            <a:xfrm>
+              <a:off x="1977038" y="1414270"/>
+              <a:ext cx="1864234" cy="338027"/>
+            </a:xfrm>
+            <a:prstGeom prst="rect">
+              <a:avLst/>
+            </a:prstGeom>
+            <a:solidFill>
+              <a:schemeClr val="bg1"/>
+            </a:solidFill>
+            <a:ln>
+              <a:noFill/>
+            </a:ln>
+          </p:spPr>
+          <p:style>
+            <a:lnRef idx="2">
+              <a:schemeClr val="accent1">
+                <a:shade val="50000"/>
+              </a:schemeClr>
+            </a:lnRef>
+            <a:fillRef idx="1">
+              <a:schemeClr val="accent1"/>
+            </a:fillRef>
+            <a:effectRef idx="0">
+              <a:schemeClr val="accent1"/>
+            </a:effectRef>
+            <a:fontRef idx="minor">
+              <a:schemeClr val="lt1"/>
+            </a:fontRef>
+          </p:style>
+          <p:txBody>
+            <a:bodyPr rtlCol="0" anchor="ctr"/>
+            <a:lstStyle/>
+            <a:p>
+              <a:r>
+                <a:rPr lang="de-DE" b="1" dirty="0" smtClean="0">
+                  <a:solidFill>
+                    <a:schemeClr val="accent4"/>
+                  </a:solidFill>
+                </a:rPr>
+                <a:t>User Experience</a:t>
+              </a:r>
+              <a:endParaRPr lang="de-DE" b="1" dirty="0">
+                <a:solidFill>
+                  <a:schemeClr val="accent4"/>
+                </a:solidFill>
+              </a:endParaRPr>
+            </a:p>
+          </p:txBody>
+        </p:sp>
+      </p:grpSp>
+      <p:sp>
+        <p:nvSpPr>
+          <p:cNvPr id="10" name="Rechteck 9">
+            <a:extLst>
+              <a:ext uri="{FF2B5EF4-FFF2-40B4-BE49-F238E27FC236}">
+                <a16:creationId xmlns:a16="http://schemas.microsoft.com/office/drawing/2014/main" xmlns="" id="{FCCEA108-686B-BB4F-95FB-4BCE5EB529F1}"/>
+              </a:ext>
+            </a:extLst>
+          </p:cNvPr>
+          <p:cNvSpPr/>
+          <p:nvPr/>
+        </p:nvSpPr>
+        <p:spPr>
+          <a:xfrm>
+            <a:off x="1285730" y="5180391"/>
+            <a:ext cx="2782651" cy="338027"/>
+          </a:xfrm>
+          <a:prstGeom prst="rect">
+            <a:avLst/>
+          </a:prstGeom>
+          <a:solidFill>
+            <a:schemeClr val="bg1"/>
+          </a:solidFill>
+          <a:ln>
+            <a:noFill/>
+          </a:ln>
+        </p:spPr>
+        <p:style>
+          <a:lnRef idx="2">
+            <a:schemeClr val="accent1">
+              <a:shade val="50000"/>
+            </a:schemeClr>
+          </a:lnRef>
+          <a:fillRef idx="1">
+            <a:schemeClr val="accent1"/>
+          </a:fillRef>
+          <a:effectRef idx="0">
+            <a:schemeClr val="accent1"/>
+          </a:effectRef>
+          <a:fontRef idx="minor">
+            <a:schemeClr val="lt1"/>
+          </a:fontRef>
+        </p:style>
+        <p:txBody>
+          <a:bodyPr rtlCol="0" anchor="ctr"/>
+          <a:lstStyle/>
+          <a:p>
+            <a:r>
+              <a:rPr lang="de-DE" b="1" dirty="0" smtClean="0">
+                <a:solidFill>
+                  <a:schemeClr val="accent4"/>
+                </a:solidFill>
+              </a:rPr>
+              <a:t>Informationen anpassen</a:t>
+            </a:r>
+            <a:endParaRPr lang="de-DE" b="1" dirty="0">
+              <a:solidFill>
+                <a:schemeClr val="accent4"/>
+              </a:solidFill>
+            </a:endParaRPr>
+          </a:p>
+        </p:txBody>
+      </p:sp>
+      <p:cxnSp>
+        <p:nvCxnSpPr>
+          <p:cNvPr id="12" name="Gewinkelte Verbindung 11"/>
+          <p:cNvCxnSpPr>
+            <a:endCxn id="10" idx="1"/>
+          </p:cNvCxnSpPr>
+          <p:nvPr/>
+        </p:nvCxnSpPr>
+        <p:spPr>
+          <a:xfrm rot="16200000" flipH="1">
+            <a:off x="1009710" y="5073385"/>
+            <a:ext cx="338028" cy="214012"/>
+          </a:xfrm>
+          <a:prstGeom prst="bentConnector2">
+            <a:avLst/>
+          </a:prstGeom>
+          <a:ln w="38100">
+            <a:solidFill>
+              <a:schemeClr val="tx1"/>
+            </a:solidFill>
+            <a:tailEnd type="triangle"/>
+          </a:ln>
+        </p:spPr>
+        <p:style>
+          <a:lnRef idx="1">
+            <a:schemeClr val="accent1"/>
+          </a:lnRef>
+          <a:fillRef idx="0">
+            <a:schemeClr val="accent1"/>
+          </a:fillRef>
+          <a:effectRef idx="0">
+            <a:schemeClr val="accent1"/>
+          </a:effectRef>
+          <a:fontRef idx="minor">
+            <a:schemeClr val="tx1"/>
+          </a:fontRef>
+        </p:style>
+      </p:cxnSp>
+      <p:grpSp>
+        <p:nvGrpSpPr>
+          <p:cNvPr id="13" name="Gruppieren 12">
+            <a:extLst>
+              <a:ext uri="{FF2B5EF4-FFF2-40B4-BE49-F238E27FC236}">
+                <a16:creationId xmlns:a16="http://schemas.microsoft.com/office/drawing/2014/main" xmlns="" id="{64401E1E-557D-5D4F-AE09-187A0802411B}"/>
+              </a:ext>
+            </a:extLst>
+          </p:cNvPr>
+          <p:cNvGrpSpPr/>
+          <p:nvPr/>
+        </p:nvGrpSpPr>
+        <p:grpSpPr>
+          <a:xfrm>
+            <a:off x="4621604" y="1199304"/>
+            <a:ext cx="3188002" cy="3812073"/>
+            <a:chOff x="1780031" y="1414270"/>
+            <a:chExt cx="3188002" cy="3812073"/>
+          </a:xfrm>
+        </p:grpSpPr>
+        <p:sp>
+          <p:nvSpPr>
+            <p:cNvPr id="14" name="Rechteck 13">
+              <a:extLst>
+                <a:ext uri="{FF2B5EF4-FFF2-40B4-BE49-F238E27FC236}">
+                  <a16:creationId xmlns:a16="http://schemas.microsoft.com/office/drawing/2014/main" xmlns="" id="{35A0EAB9-4039-6448-AC03-B60DE38901D0}"/>
+                </a:ext>
+              </a:extLst>
+            </p:cNvPr>
+            <p:cNvSpPr/>
+            <p:nvPr/>
+          </p:nvSpPr>
+          <p:spPr>
+            <a:xfrm>
+              <a:off x="1780031" y="1583287"/>
+              <a:ext cx="3188002" cy="3643056"/>
+            </a:xfrm>
+            <a:prstGeom prst="rect">
+              <a:avLst/>
+            </a:prstGeom>
+            <a:solidFill>
+              <a:schemeClr val="bg1"/>
+            </a:solidFill>
+          </p:spPr>
+          <p:style>
+            <a:lnRef idx="2">
+              <a:schemeClr val="accent1">
+                <a:shade val="50000"/>
+              </a:schemeClr>
+            </a:lnRef>
+            <a:fillRef idx="1">
+              <a:schemeClr val="accent1"/>
+            </a:fillRef>
+            <a:effectRef idx="0">
+              <a:schemeClr val="accent1"/>
+            </a:effectRef>
+            <a:fontRef idx="minor">
+              <a:schemeClr val="lt1"/>
+            </a:fontRef>
+          </p:style>
+          <p:txBody>
+            <a:bodyPr tIns="251999" rtlCol="0" anchor="t"/>
+            <a:lstStyle/>
+            <a:p>
+              <a:pPr marL="285750" indent="-285750">
+                <a:buFont typeface="Arial" panose="020B0604020202020204" pitchFamily="34" charset="0"/>
+                <a:buChar char="•"/>
+              </a:pPr>
+              <a:r>
+                <a:rPr lang="de-DE" dirty="0" smtClean="0">
+                  <a:solidFill>
+                    <a:schemeClr val="tx1"/>
+                  </a:solidFill>
+                </a:rPr>
+                <a:t>Automatisierungsgrad anpassen</a:t>
+              </a:r>
+            </a:p>
+            <a:p>
+              <a:pPr marL="285750" indent="-285750">
+                <a:buFont typeface="Arial" panose="020B0604020202020204" pitchFamily="34" charset="0"/>
+                <a:buChar char="•"/>
+              </a:pPr>
+              <a:endParaRPr lang="de-DE" dirty="0">
+                <a:solidFill>
+                  <a:schemeClr val="tx1"/>
+                </a:solidFill>
+              </a:endParaRPr>
+            </a:p>
+            <a:p>
+              <a:pPr marL="285750" indent="-285750">
+                <a:buFont typeface="Arial" panose="020B0604020202020204" pitchFamily="34" charset="0"/>
+                <a:buChar char="•"/>
+              </a:pPr>
+              <a:endParaRPr lang="de-DE" dirty="0" smtClean="0">
+                <a:solidFill>
+                  <a:schemeClr val="tx1"/>
+                </a:solidFill>
+              </a:endParaRPr>
+            </a:p>
+            <a:p>
+              <a:pPr marL="285750" indent="-285750">
+                <a:buFont typeface="Arial" panose="020B0604020202020204" pitchFamily="34" charset="0"/>
+                <a:buChar char="•"/>
+              </a:pPr>
+              <a:r>
+                <a:rPr lang="de-DE" dirty="0" smtClean="0">
+                  <a:solidFill>
+                    <a:schemeClr val="tx1"/>
+                  </a:solidFill>
+                </a:rPr>
+                <a:t>Informationen und Zusammenhänge sinnvoll darstellen</a:t>
+              </a:r>
+              <a:endParaRPr lang="de-DE" dirty="0">
+                <a:solidFill>
+                  <a:schemeClr val="tx1"/>
+                </a:solidFill>
+              </a:endParaRPr>
+            </a:p>
+            <a:p>
+              <a:pPr marL="285750" indent="-285750">
+                <a:buFont typeface="Arial" panose="020B0604020202020204" pitchFamily="34" charset="0"/>
+                <a:buChar char="•"/>
+              </a:pPr>
+              <a:endParaRPr lang="de-DE" dirty="0" smtClean="0">
+                <a:solidFill>
+                  <a:schemeClr val="tx1"/>
+                </a:solidFill>
+              </a:endParaRPr>
+            </a:p>
+            <a:p>
+              <a:pPr marL="285750" indent="-285750">
+                <a:buFont typeface="Arial" panose="020B0604020202020204" pitchFamily="34" charset="0"/>
+                <a:buChar char="•"/>
+              </a:pPr>
+              <a:r>
+                <a:rPr lang="de-DE" dirty="0" smtClean="0">
+                  <a:solidFill>
+                    <a:schemeClr val="tx1"/>
+                  </a:solidFill>
+                </a:rPr>
+                <a:t>Die richtigen Informationen darstellen</a:t>
+              </a:r>
+              <a:endParaRPr lang="de-DE" dirty="0">
+                <a:solidFill>
+                  <a:schemeClr val="tx1"/>
+                </a:solidFill>
+              </a:endParaRPr>
+            </a:p>
+          </p:txBody>
+        </p:sp>
+        <p:sp>
+          <p:nvSpPr>
+            <p:cNvPr id="15" name="Rechteck 14">
+              <a:extLst>
+                <a:ext uri="{FF2B5EF4-FFF2-40B4-BE49-F238E27FC236}">
+                  <a16:creationId xmlns:a16="http://schemas.microsoft.com/office/drawing/2014/main" xmlns="" id="{FCCEA108-686B-BB4F-95FB-4BCE5EB529F1}"/>
+                </a:ext>
+              </a:extLst>
+            </p:cNvPr>
+            <p:cNvSpPr/>
+            <p:nvPr/>
+          </p:nvSpPr>
+          <p:spPr>
+            <a:xfrm>
+              <a:off x="1977038" y="1414270"/>
+              <a:ext cx="1991554" cy="338027"/>
+            </a:xfrm>
+            <a:prstGeom prst="rect">
+              <a:avLst/>
+            </a:prstGeom>
+            <a:solidFill>
+              <a:schemeClr val="bg1"/>
+            </a:solidFill>
+            <a:ln>
+              <a:noFill/>
+            </a:ln>
+          </p:spPr>
+          <p:style>
+            <a:lnRef idx="2">
+              <a:schemeClr val="accent1">
+                <a:shade val="50000"/>
+              </a:schemeClr>
+            </a:lnRef>
+            <a:fillRef idx="1">
+              <a:schemeClr val="accent1"/>
+            </a:fillRef>
+            <a:effectRef idx="0">
+              <a:schemeClr val="accent1"/>
+            </a:effectRef>
+            <a:fontRef idx="minor">
+              <a:schemeClr val="lt1"/>
+            </a:fontRef>
+          </p:style>
+          <p:txBody>
+            <a:bodyPr rtlCol="0" anchor="ctr"/>
+            <a:lstStyle/>
+            <a:p>
+              <a:r>
+                <a:rPr lang="de-DE" b="1" dirty="0" smtClean="0">
+                  <a:solidFill>
+                    <a:schemeClr val="accent4"/>
+                  </a:solidFill>
+                </a:rPr>
+                <a:t>Problemlösungen</a:t>
+              </a:r>
+              <a:endParaRPr lang="de-DE" b="1" dirty="0">
+                <a:solidFill>
+                  <a:schemeClr val="accent4"/>
+                </a:solidFill>
+              </a:endParaRPr>
+            </a:p>
+          </p:txBody>
+        </p:sp>
+      </p:grpSp>
+      <p:sp>
+        <p:nvSpPr>
+          <p:cNvPr id="16" name="Rechteck 15">
+            <a:extLst>
+              <a:ext uri="{FF2B5EF4-FFF2-40B4-BE49-F238E27FC236}">
+                <a16:creationId xmlns:a16="http://schemas.microsoft.com/office/drawing/2014/main" xmlns="" id="{FCCEA108-686B-BB4F-95FB-4BCE5EB529F1}"/>
+              </a:ext>
+            </a:extLst>
+          </p:cNvPr>
+          <p:cNvSpPr/>
+          <p:nvPr/>
+        </p:nvSpPr>
+        <p:spPr>
+          <a:xfrm>
+            <a:off x="4982074" y="5180391"/>
+            <a:ext cx="2309977" cy="338027"/>
+          </a:xfrm>
+          <a:prstGeom prst="rect">
+            <a:avLst/>
+          </a:prstGeom>
+          <a:solidFill>
+            <a:schemeClr val="bg1"/>
+          </a:solidFill>
+          <a:ln>
+            <a:noFill/>
+          </a:ln>
+        </p:spPr>
+        <p:style>
+          <a:lnRef idx="2">
+            <a:schemeClr val="accent1">
+              <a:shade val="50000"/>
+            </a:schemeClr>
+          </a:lnRef>
+          <a:fillRef idx="1">
+            <a:schemeClr val="accent1"/>
+          </a:fillRef>
+          <a:effectRef idx="0">
+            <a:schemeClr val="accent1"/>
+          </a:effectRef>
+          <a:fontRef idx="minor">
+            <a:schemeClr val="lt1"/>
+          </a:fontRef>
+        </p:style>
+        <p:txBody>
+          <a:bodyPr rtlCol="0" anchor="ctr"/>
+          <a:lstStyle/>
+          <a:p>
+            <a:r>
+              <a:rPr lang="de-DE" b="1" dirty="0" smtClean="0">
+                <a:solidFill>
+                  <a:schemeClr val="accent4"/>
+                </a:solidFill>
+              </a:rPr>
+              <a:t>Lösungen darstellen</a:t>
+            </a:r>
+            <a:endParaRPr lang="de-DE" b="1" dirty="0">
+              <a:solidFill>
+                <a:schemeClr val="accent4"/>
+              </a:solidFill>
+            </a:endParaRPr>
           </a:p>
         </p:txBody>
       </p:sp>
       <p:sp>
         <p:nvSpPr>
-          <p:cNvPr id="3" name="Inhaltsplatzhalter 2"/>
-          <p:cNvSpPr>
-            <a:spLocks noGrp="1"/>
-          </p:cNvSpPr>
-          <p:nvPr>
-            <p:ph sz="quarter" idx="10"/>
-          </p:nvPr>
+          <p:cNvPr id="18" name="Rechteck 17">
+            <a:extLst>
+              <a:ext uri="{FF2B5EF4-FFF2-40B4-BE49-F238E27FC236}">
+                <a16:creationId xmlns:a16="http://schemas.microsoft.com/office/drawing/2014/main" xmlns="" id="{FCCEA108-686B-BB4F-95FB-4BCE5EB529F1}"/>
+              </a:ext>
+            </a:extLst>
+          </p:cNvPr>
+          <p:cNvSpPr/>
+          <p:nvPr/>
         </p:nvSpPr>
-        <p:spPr/>
+        <p:spPr>
+          <a:xfrm>
+            <a:off x="8590069" y="5163777"/>
+            <a:ext cx="2865330" cy="577266"/>
+          </a:xfrm>
+          <a:prstGeom prst="rect">
+            <a:avLst/>
+          </a:prstGeom>
+          <a:solidFill>
+            <a:schemeClr val="bg1"/>
+          </a:solidFill>
+          <a:ln>
+            <a:noFill/>
+          </a:ln>
+        </p:spPr>
+        <p:style>
+          <a:lnRef idx="2">
+            <a:schemeClr val="accent1">
+              <a:shade val="50000"/>
+            </a:schemeClr>
+          </a:lnRef>
+          <a:fillRef idx="1">
+            <a:schemeClr val="accent1"/>
+          </a:fillRef>
+          <a:effectRef idx="0">
+            <a:schemeClr val="accent1"/>
+          </a:effectRef>
+          <a:fontRef idx="minor">
+            <a:schemeClr val="lt1"/>
+          </a:fontRef>
+        </p:style>
         <p:txBody>
-          <a:bodyPr/>
+          <a:bodyPr rtlCol="0" anchor="ctr"/>
           <a:lstStyle/>
           <a:p>
             <a:r>
-              <a:rPr lang="de-DE" dirty="0" smtClean="0"/>
-              <a:t>Modulare Anlagen</a:t>
-            </a:r>
-          </a:p>
-          <a:p>
-            <a:pPr lvl="1"/>
-            <a:r>
-              <a:rPr lang="de-DE" dirty="0" smtClean="0"/>
-              <a:t>Rezeptabhängigkeiten, Serviceabhängigkeiten</a:t>
-            </a:r>
-          </a:p>
-          <a:p>
-            <a:r>
-              <a:rPr lang="de-DE" dirty="0" smtClean="0"/>
-              <a:t>Unternehmensebenen</a:t>
-            </a:r>
-          </a:p>
-          <a:p>
-            <a:endParaRPr lang="de-DE" dirty="0"/>
-          </a:p>
-          <a:p>
-            <a:endParaRPr lang="de-DE" dirty="0"/>
+              <a:rPr lang="de-DE" b="1" dirty="0" smtClean="0">
+                <a:solidFill>
+                  <a:schemeClr val="accent4"/>
+                </a:solidFill>
+              </a:rPr>
+              <a:t>Entscheidungen unterstützen</a:t>
+            </a:r>
+            <a:endParaRPr lang="de-DE" b="1" dirty="0">
+              <a:solidFill>
+                <a:schemeClr val="accent4"/>
+              </a:solidFill>
+            </a:endParaRPr>
           </a:p>
         </p:txBody>
       </p:sp>
+      <p:cxnSp>
+        <p:nvCxnSpPr>
+          <p:cNvPr id="19" name="Gewinkelte Verbindung 18"/>
+          <p:cNvCxnSpPr/>
+          <p:nvPr/>
+        </p:nvCxnSpPr>
+        <p:spPr>
+          <a:xfrm rot="16200000" flipH="1">
+            <a:off x="4706053" y="5073385"/>
+            <a:ext cx="338028" cy="214012"/>
+          </a:xfrm>
+          <a:prstGeom prst="bentConnector2">
+            <a:avLst/>
+          </a:prstGeom>
+          <a:ln w="38100">
+            <a:solidFill>
+              <a:schemeClr val="tx1"/>
+            </a:solidFill>
+            <a:tailEnd type="triangle"/>
+          </a:ln>
+        </p:spPr>
+        <p:style>
+          <a:lnRef idx="1">
+            <a:schemeClr val="accent1"/>
+          </a:lnRef>
+          <a:fillRef idx="0">
+            <a:schemeClr val="accent1"/>
+          </a:fillRef>
+          <a:effectRef idx="0">
+            <a:schemeClr val="accent1"/>
+          </a:effectRef>
+          <a:fontRef idx="minor">
+            <a:schemeClr val="tx1"/>
+          </a:fontRef>
+        </p:style>
+      </p:cxnSp>
+      <p:cxnSp>
+        <p:nvCxnSpPr>
+          <p:cNvPr id="20" name="Gewinkelte Verbindung 19"/>
+          <p:cNvCxnSpPr/>
+          <p:nvPr/>
+        </p:nvCxnSpPr>
+        <p:spPr>
+          <a:xfrm rot="16200000" flipH="1">
+            <a:off x="8314049" y="5073385"/>
+            <a:ext cx="338028" cy="214012"/>
+          </a:xfrm>
+          <a:prstGeom prst="bentConnector2">
+            <a:avLst/>
+          </a:prstGeom>
+          <a:ln w="38100">
+            <a:solidFill>
+              <a:schemeClr val="tx1"/>
+            </a:solidFill>
+            <a:tailEnd type="triangle"/>
+          </a:ln>
+        </p:spPr>
+        <p:style>
+          <a:lnRef idx="1">
+            <a:schemeClr val="accent1"/>
+          </a:lnRef>
+          <a:fillRef idx="0">
+            <a:schemeClr val="accent1"/>
+          </a:fillRef>
+          <a:effectRef idx="0">
+            <a:schemeClr val="accent1"/>
+          </a:effectRef>
+          <a:fontRef idx="minor">
+            <a:schemeClr val="tx1"/>
+          </a:fontRef>
+        </p:style>
+      </p:cxnSp>
     </p:spTree>
     <p:extLst>
       <p:ext uri="{BB962C8B-B14F-4D97-AF65-F5344CB8AC3E}">
-        <p14:creationId xmlns:p14="http://schemas.microsoft.com/office/powerpoint/2010/main" val="2809842509"/>
+        <p14:creationId xmlns:p14="http://schemas.microsoft.com/office/powerpoint/2010/main" val="2210359198"/>
       </p:ext>
     </p:extLst>
   </p:cSld>
@@ -11926,35 +14632,1313 @@
             <p:ph type="title"/>
           </p:nvPr>
         </p:nvSpPr>
-        <p:spPr/>
+        <p:spPr>
+          <a:xfrm>
+            <a:off x="967309" y="346075"/>
+            <a:ext cx="10580687" cy="684213"/>
+          </a:xfrm>
+        </p:spPr>
         <p:txBody>
           <a:bodyPr/>
           <a:lstStyle/>
           <a:p>
             <a:r>
               <a:rPr lang="de-DE" dirty="0" smtClean="0"/>
-              <a:t>Konzeptideen</a:t>
+              <a:t>Konzeptidee</a:t>
             </a:r>
             <a:endParaRPr lang="de-DE" dirty="0"/>
+          </a:p>
+        </p:txBody>
+      </p:sp>
+      <p:grpSp>
+        <p:nvGrpSpPr>
+          <p:cNvPr id="4" name="Gruppieren 3">
+            <a:extLst>
+              <a:ext uri="{FF2B5EF4-FFF2-40B4-BE49-F238E27FC236}">
+                <a16:creationId xmlns:a16="http://schemas.microsoft.com/office/drawing/2014/main" xmlns="" id="{64401E1E-557D-5D4F-AE09-187A0802411B}"/>
+              </a:ext>
+            </a:extLst>
+          </p:cNvPr>
+          <p:cNvGrpSpPr/>
+          <p:nvPr/>
+        </p:nvGrpSpPr>
+        <p:grpSpPr>
+          <a:xfrm>
+            <a:off x="874712" y="1227061"/>
+            <a:ext cx="3558392" cy="3333365"/>
+            <a:chOff x="1780031" y="1414270"/>
+            <a:chExt cx="3558392" cy="3333365"/>
+          </a:xfrm>
+        </p:grpSpPr>
+        <p:sp>
+          <p:nvSpPr>
+            <p:cNvPr id="5" name="Rechteck 4">
+              <a:extLst>
+                <a:ext uri="{FF2B5EF4-FFF2-40B4-BE49-F238E27FC236}">
+                  <a16:creationId xmlns:a16="http://schemas.microsoft.com/office/drawing/2014/main" xmlns="" id="{35A0EAB9-4039-6448-AC03-B60DE38901D0}"/>
+                </a:ext>
+              </a:extLst>
+            </p:cNvPr>
+            <p:cNvSpPr/>
+            <p:nvPr/>
+          </p:nvSpPr>
+          <p:spPr>
+            <a:xfrm>
+              <a:off x="1780031" y="1583287"/>
+              <a:ext cx="3558392" cy="3164348"/>
+            </a:xfrm>
+            <a:prstGeom prst="rect">
+              <a:avLst/>
+            </a:prstGeom>
+            <a:solidFill>
+              <a:schemeClr val="bg1"/>
+            </a:solidFill>
+          </p:spPr>
+          <p:style>
+            <a:lnRef idx="2">
+              <a:schemeClr val="accent1">
+                <a:shade val="50000"/>
+              </a:schemeClr>
+            </a:lnRef>
+            <a:fillRef idx="1">
+              <a:schemeClr val="accent1"/>
+            </a:fillRef>
+            <a:effectRef idx="0">
+              <a:schemeClr val="accent1"/>
+            </a:effectRef>
+            <a:fontRef idx="minor">
+              <a:schemeClr val="lt1"/>
+            </a:fontRef>
+          </p:style>
+          <p:txBody>
+            <a:bodyPr tIns="251999" rtlCol="0" anchor="t"/>
+            <a:lstStyle/>
+            <a:p>
+              <a:pPr marL="285750" indent="-285750">
+                <a:buFont typeface="Arial" panose="020B0604020202020204" pitchFamily="34" charset="0"/>
+                <a:buChar char="•"/>
+              </a:pPr>
+              <a:endParaRPr lang="de-DE" dirty="0">
+                <a:solidFill>
+                  <a:schemeClr val="tx1"/>
+                </a:solidFill>
+              </a:endParaRPr>
+            </a:p>
+          </p:txBody>
+        </p:sp>
+        <p:sp>
+          <p:nvSpPr>
+            <p:cNvPr id="6" name="Rechteck 5">
+              <a:extLst>
+                <a:ext uri="{FF2B5EF4-FFF2-40B4-BE49-F238E27FC236}">
+                  <a16:creationId xmlns:a16="http://schemas.microsoft.com/office/drawing/2014/main" xmlns="" id="{FCCEA108-686B-BB4F-95FB-4BCE5EB529F1}"/>
+                </a:ext>
+              </a:extLst>
+            </p:cNvPr>
+            <p:cNvSpPr/>
+            <p:nvPr/>
+          </p:nvSpPr>
+          <p:spPr>
+            <a:xfrm>
+              <a:off x="1977038" y="1414270"/>
+              <a:ext cx="2493284" cy="338027"/>
+            </a:xfrm>
+            <a:prstGeom prst="rect">
+              <a:avLst/>
+            </a:prstGeom>
+            <a:solidFill>
+              <a:schemeClr val="bg1"/>
+            </a:solidFill>
+            <a:ln>
+              <a:noFill/>
+            </a:ln>
+          </p:spPr>
+          <p:style>
+            <a:lnRef idx="2">
+              <a:schemeClr val="accent1">
+                <a:shade val="50000"/>
+              </a:schemeClr>
+            </a:lnRef>
+            <a:fillRef idx="1">
+              <a:schemeClr val="accent1"/>
+            </a:fillRef>
+            <a:effectRef idx="0">
+              <a:schemeClr val="accent1"/>
+            </a:effectRef>
+            <a:fontRef idx="minor">
+              <a:schemeClr val="lt1"/>
+            </a:fontRef>
+          </p:style>
+          <p:txBody>
+            <a:bodyPr rtlCol="0" anchor="ctr"/>
+            <a:lstStyle/>
+            <a:p>
+              <a:r>
+                <a:rPr lang="de-DE" b="1" dirty="0" smtClean="0">
+                  <a:solidFill>
+                    <a:schemeClr val="accent4"/>
+                  </a:solidFill>
+                </a:rPr>
+                <a:t>Problemidentifikation</a:t>
+              </a:r>
+              <a:endParaRPr lang="de-DE" b="1" dirty="0">
+                <a:solidFill>
+                  <a:schemeClr val="accent4"/>
+                </a:solidFill>
+              </a:endParaRPr>
+            </a:p>
+          </p:txBody>
+        </p:sp>
+      </p:grpSp>
+      <p:sp>
+        <p:nvSpPr>
+          <p:cNvPr id="10" name="Rechteck 9"/>
+          <p:cNvSpPr/>
+          <p:nvPr/>
+        </p:nvSpPr>
+        <p:spPr>
+          <a:xfrm>
+            <a:off x="1071718" y="2731625"/>
+            <a:ext cx="3187765" cy="567160"/>
+          </a:xfrm>
+          <a:prstGeom prst="rect">
+            <a:avLst/>
+          </a:prstGeom>
+          <a:solidFill>
+            <a:schemeClr val="bg1"/>
+          </a:solidFill>
+          <a:ln>
+            <a:solidFill>
+              <a:schemeClr val="accent6"/>
+            </a:solidFill>
+          </a:ln>
+        </p:spPr>
+        <p:style>
+          <a:lnRef idx="2">
+            <a:schemeClr val="accent1">
+              <a:shade val="50000"/>
+            </a:schemeClr>
+          </a:lnRef>
+          <a:fillRef idx="1">
+            <a:schemeClr val="accent1"/>
+          </a:fillRef>
+          <a:effectRef idx="0">
+            <a:schemeClr val="accent1"/>
+          </a:effectRef>
+          <a:fontRef idx="minor">
+            <a:schemeClr val="lt1"/>
+          </a:fontRef>
+        </p:style>
+        <p:txBody>
+          <a:bodyPr rtlCol="0" anchor="ctr"/>
+          <a:lstStyle/>
+          <a:p>
+            <a:pPr algn="ctr"/>
+            <a:r>
+              <a:rPr lang="de-DE" dirty="0" smtClean="0">
+                <a:solidFill>
+                  <a:schemeClr val="tx1"/>
+                </a:solidFill>
+              </a:rPr>
+              <a:t>Beschreibung des Problems</a:t>
+            </a:r>
+            <a:endParaRPr lang="de-DE" dirty="0">
+              <a:solidFill>
+                <a:schemeClr val="tx1"/>
+              </a:solidFill>
+            </a:endParaRPr>
           </a:p>
         </p:txBody>
       </p:sp>
       <p:sp>
         <p:nvSpPr>
-          <p:cNvPr id="3" name="Inhaltsplatzhalter 2"/>
-          <p:cNvSpPr>
-            <a:spLocks noGrp="1"/>
-          </p:cNvSpPr>
-          <p:nvPr>
-            <p:ph sz="quarter" idx="10"/>
-          </p:nvPr>
+          <p:cNvPr id="11" name="Rechteck 10"/>
+          <p:cNvSpPr/>
+          <p:nvPr/>
         </p:nvSpPr>
-        <p:spPr/>
+        <p:spPr>
+          <a:xfrm>
+            <a:off x="1078237" y="3692324"/>
+            <a:ext cx="3181246" cy="567160"/>
+          </a:xfrm>
+          <a:prstGeom prst="rect">
+            <a:avLst/>
+          </a:prstGeom>
+          <a:solidFill>
+            <a:schemeClr val="bg1"/>
+          </a:solidFill>
+          <a:ln>
+            <a:solidFill>
+              <a:schemeClr val="accent6"/>
+            </a:solidFill>
+          </a:ln>
+        </p:spPr>
+        <p:style>
+          <a:lnRef idx="2">
+            <a:schemeClr val="accent1">
+              <a:shade val="50000"/>
+            </a:schemeClr>
+          </a:lnRef>
+          <a:fillRef idx="1">
+            <a:schemeClr val="accent1"/>
+          </a:fillRef>
+          <a:effectRef idx="0">
+            <a:schemeClr val="accent1"/>
+          </a:effectRef>
+          <a:fontRef idx="minor">
+            <a:schemeClr val="lt1"/>
+          </a:fontRef>
+        </p:style>
         <p:txBody>
-          <a:bodyPr/>
+          <a:bodyPr rtlCol="0" anchor="ctr"/>
           <a:lstStyle/>
           <a:p>
-            <a:endParaRPr lang="de-DE" dirty="0"/>
+            <a:pPr algn="ctr"/>
+            <a:r>
+              <a:rPr lang="de-DE" dirty="0" smtClean="0">
+                <a:solidFill>
+                  <a:schemeClr val="tx1"/>
+                </a:solidFill>
+              </a:rPr>
+              <a:t>Definition des Ziels</a:t>
+            </a:r>
+            <a:endParaRPr lang="de-DE" dirty="0">
+              <a:solidFill>
+                <a:schemeClr val="tx1"/>
+              </a:solidFill>
+            </a:endParaRPr>
+          </a:p>
+        </p:txBody>
+      </p:sp>
+      <p:sp>
+        <p:nvSpPr>
+          <p:cNvPr id="12" name="Rechteck 11"/>
+          <p:cNvSpPr/>
+          <p:nvPr/>
+        </p:nvSpPr>
+        <p:spPr>
+          <a:xfrm>
+            <a:off x="1078237" y="1766392"/>
+            <a:ext cx="3181245" cy="567160"/>
+          </a:xfrm>
+          <a:prstGeom prst="rect">
+            <a:avLst/>
+          </a:prstGeom>
+          <a:solidFill>
+            <a:schemeClr val="bg1"/>
+          </a:solidFill>
+          <a:ln>
+            <a:solidFill>
+              <a:schemeClr val="accent6"/>
+            </a:solidFill>
+          </a:ln>
+        </p:spPr>
+        <p:style>
+          <a:lnRef idx="2">
+            <a:schemeClr val="accent1">
+              <a:shade val="50000"/>
+            </a:schemeClr>
+          </a:lnRef>
+          <a:fillRef idx="1">
+            <a:schemeClr val="accent1"/>
+          </a:fillRef>
+          <a:effectRef idx="0">
+            <a:schemeClr val="accent1"/>
+          </a:effectRef>
+          <a:fontRef idx="minor">
+            <a:schemeClr val="lt1"/>
+          </a:fontRef>
+        </p:style>
+        <p:txBody>
+          <a:bodyPr rtlCol="0" anchor="ctr"/>
+          <a:lstStyle/>
+          <a:p>
+            <a:pPr algn="ctr"/>
+            <a:r>
+              <a:rPr lang="de-DE" dirty="0" smtClean="0">
+                <a:solidFill>
+                  <a:schemeClr val="tx1"/>
+                </a:solidFill>
+              </a:rPr>
+              <a:t>Informationen über den aktuellen Status</a:t>
+            </a:r>
+            <a:endParaRPr lang="de-DE" dirty="0">
+              <a:solidFill>
+                <a:schemeClr val="tx1"/>
+              </a:solidFill>
+            </a:endParaRPr>
+          </a:p>
+        </p:txBody>
+      </p:sp>
+      <p:cxnSp>
+        <p:nvCxnSpPr>
+          <p:cNvPr id="14" name="Gerade Verbindung mit Pfeil 13"/>
+          <p:cNvCxnSpPr>
+            <a:stCxn id="12" idx="2"/>
+            <a:endCxn id="10" idx="0"/>
+          </p:cNvCxnSpPr>
+          <p:nvPr/>
+        </p:nvCxnSpPr>
+        <p:spPr>
+          <a:xfrm flipH="1">
+            <a:off x="2665601" y="2333552"/>
+            <a:ext cx="3259" cy="398073"/>
+          </a:xfrm>
+          <a:prstGeom prst="straightConnector1">
+            <a:avLst/>
+          </a:prstGeom>
+          <a:ln w="12700">
+            <a:solidFill>
+              <a:schemeClr val="accent6"/>
+            </a:solidFill>
+            <a:tailEnd type="triangle"/>
+          </a:ln>
+        </p:spPr>
+        <p:style>
+          <a:lnRef idx="1">
+            <a:schemeClr val="accent1"/>
+          </a:lnRef>
+          <a:fillRef idx="0">
+            <a:schemeClr val="accent1"/>
+          </a:fillRef>
+          <a:effectRef idx="0">
+            <a:schemeClr val="accent1"/>
+          </a:effectRef>
+          <a:fontRef idx="minor">
+            <a:schemeClr val="tx1"/>
+          </a:fontRef>
+        </p:style>
+      </p:cxnSp>
+      <p:cxnSp>
+        <p:nvCxnSpPr>
+          <p:cNvPr id="16" name="Gerade Verbindung mit Pfeil 15"/>
+          <p:cNvCxnSpPr>
+            <a:stCxn id="10" idx="2"/>
+            <a:endCxn id="11" idx="0"/>
+          </p:cNvCxnSpPr>
+          <p:nvPr/>
+        </p:nvCxnSpPr>
+        <p:spPr>
+          <a:xfrm>
+            <a:off x="2665601" y="3298785"/>
+            <a:ext cx="3259" cy="393539"/>
+          </a:xfrm>
+          <a:prstGeom prst="straightConnector1">
+            <a:avLst/>
+          </a:prstGeom>
+          <a:ln w="12700">
+            <a:solidFill>
+              <a:schemeClr val="accent6"/>
+            </a:solidFill>
+            <a:tailEnd type="triangle"/>
+          </a:ln>
+        </p:spPr>
+        <p:style>
+          <a:lnRef idx="1">
+            <a:schemeClr val="accent1"/>
+          </a:lnRef>
+          <a:fillRef idx="0">
+            <a:schemeClr val="accent1"/>
+          </a:fillRef>
+          <a:effectRef idx="0">
+            <a:schemeClr val="accent1"/>
+          </a:effectRef>
+          <a:fontRef idx="minor">
+            <a:schemeClr val="tx1"/>
+          </a:fontRef>
+        </p:style>
+      </p:cxnSp>
+      <p:grpSp>
+        <p:nvGrpSpPr>
+          <p:cNvPr id="21" name="Gruppieren 20"/>
+          <p:cNvGrpSpPr/>
+          <p:nvPr/>
+        </p:nvGrpSpPr>
+        <p:grpSpPr>
+          <a:xfrm>
+            <a:off x="5120624" y="1227061"/>
+            <a:ext cx="3558392" cy="3564858"/>
+            <a:chOff x="6640833" y="1199304"/>
+            <a:chExt cx="3558392" cy="3564858"/>
+          </a:xfrm>
+        </p:grpSpPr>
+        <p:grpSp>
+          <p:nvGrpSpPr>
+            <p:cNvPr id="7" name="Gruppieren 6">
+              <a:extLst>
+                <a:ext uri="{FF2B5EF4-FFF2-40B4-BE49-F238E27FC236}">
+                  <a16:creationId xmlns:a16="http://schemas.microsoft.com/office/drawing/2014/main" xmlns="" id="{64401E1E-557D-5D4F-AE09-187A0802411B}"/>
+                </a:ext>
+              </a:extLst>
+            </p:cNvPr>
+            <p:cNvGrpSpPr/>
+            <p:nvPr/>
+          </p:nvGrpSpPr>
+          <p:grpSpPr>
+            <a:xfrm>
+              <a:off x="6640833" y="1199304"/>
+              <a:ext cx="3558392" cy="3564858"/>
+              <a:chOff x="1780031" y="1414270"/>
+              <a:chExt cx="3558392" cy="3564858"/>
+            </a:xfrm>
+          </p:grpSpPr>
+          <p:sp>
+            <p:nvSpPr>
+              <p:cNvPr id="8" name="Rechteck 7">
+                <a:extLst>
+                  <a:ext uri="{FF2B5EF4-FFF2-40B4-BE49-F238E27FC236}">
+                    <a16:creationId xmlns:a16="http://schemas.microsoft.com/office/drawing/2014/main" xmlns="" id="{35A0EAB9-4039-6448-AC03-B60DE38901D0}"/>
+                  </a:ext>
+                </a:extLst>
+              </p:cNvPr>
+              <p:cNvSpPr/>
+              <p:nvPr/>
+            </p:nvSpPr>
+            <p:spPr>
+              <a:xfrm>
+                <a:off x="1780031" y="1583286"/>
+                <a:ext cx="3558392" cy="3395842"/>
+              </a:xfrm>
+              <a:prstGeom prst="rect">
+                <a:avLst/>
+              </a:prstGeom>
+              <a:solidFill>
+                <a:schemeClr val="bg1"/>
+              </a:solidFill>
+            </p:spPr>
+            <p:style>
+              <a:lnRef idx="2">
+                <a:schemeClr val="accent1">
+                  <a:shade val="50000"/>
+                </a:schemeClr>
+              </a:lnRef>
+              <a:fillRef idx="1">
+                <a:schemeClr val="accent1"/>
+              </a:fillRef>
+              <a:effectRef idx="0">
+                <a:schemeClr val="accent1"/>
+              </a:effectRef>
+              <a:fontRef idx="minor">
+                <a:schemeClr val="lt1"/>
+              </a:fontRef>
+            </p:style>
+            <p:txBody>
+              <a:bodyPr tIns="251999" rtlCol="0" anchor="t"/>
+              <a:lstStyle/>
+              <a:p>
+                <a:pPr marL="285750" indent="-285750">
+                  <a:buFont typeface="Arial" panose="020B0604020202020204" pitchFamily="34" charset="0"/>
+                  <a:buChar char="•"/>
+                </a:pPr>
+                <a:endParaRPr lang="de-DE" dirty="0">
+                  <a:solidFill>
+                    <a:schemeClr val="tx1"/>
+                  </a:solidFill>
+                </a:endParaRPr>
+              </a:p>
+            </p:txBody>
+          </p:sp>
+          <p:sp>
+            <p:nvSpPr>
+              <p:cNvPr id="9" name="Rechteck 8">
+                <a:extLst>
+                  <a:ext uri="{FF2B5EF4-FFF2-40B4-BE49-F238E27FC236}">
+                    <a16:creationId xmlns:a16="http://schemas.microsoft.com/office/drawing/2014/main" xmlns="" id="{FCCEA108-686B-BB4F-95FB-4BCE5EB529F1}"/>
+                  </a:ext>
+                </a:extLst>
+              </p:cNvPr>
+              <p:cNvSpPr/>
+              <p:nvPr/>
+            </p:nvSpPr>
+            <p:spPr>
+              <a:xfrm>
+                <a:off x="1977038" y="1414270"/>
+                <a:ext cx="1808448" cy="338027"/>
+              </a:xfrm>
+              <a:prstGeom prst="rect">
+                <a:avLst/>
+              </a:prstGeom>
+              <a:solidFill>
+                <a:schemeClr val="bg1"/>
+              </a:solidFill>
+              <a:ln>
+                <a:noFill/>
+              </a:ln>
+            </p:spPr>
+            <p:style>
+              <a:lnRef idx="2">
+                <a:schemeClr val="accent1">
+                  <a:shade val="50000"/>
+                </a:schemeClr>
+              </a:lnRef>
+              <a:fillRef idx="1">
+                <a:schemeClr val="accent1"/>
+              </a:fillRef>
+              <a:effectRef idx="0">
+                <a:schemeClr val="accent1"/>
+              </a:effectRef>
+              <a:fontRef idx="minor">
+                <a:schemeClr val="lt1"/>
+              </a:fontRef>
+            </p:style>
+            <p:txBody>
+              <a:bodyPr rtlCol="0" anchor="ctr"/>
+              <a:lstStyle/>
+              <a:p>
+                <a:r>
+                  <a:rPr lang="de-DE" b="1" dirty="0" smtClean="0">
+                    <a:solidFill>
+                      <a:schemeClr val="accent4"/>
+                    </a:solidFill>
+                  </a:rPr>
+                  <a:t>Problemlösung</a:t>
+                </a:r>
+                <a:endParaRPr lang="de-DE" b="1" dirty="0">
+                  <a:solidFill>
+                    <a:schemeClr val="accent4"/>
+                  </a:solidFill>
+                </a:endParaRPr>
+              </a:p>
+            </p:txBody>
+          </p:sp>
+        </p:grpSp>
+        <p:sp>
+          <p:nvSpPr>
+            <p:cNvPr id="17" name="Rechteck 16"/>
+            <p:cNvSpPr/>
+            <p:nvPr/>
+          </p:nvSpPr>
+          <p:spPr>
+            <a:xfrm>
+              <a:off x="6837840" y="1763499"/>
+              <a:ext cx="3181245" cy="968126"/>
+            </a:xfrm>
+            <a:prstGeom prst="rect">
+              <a:avLst/>
+            </a:prstGeom>
+            <a:solidFill>
+              <a:schemeClr val="bg1"/>
+            </a:solidFill>
+            <a:ln>
+              <a:solidFill>
+                <a:schemeClr val="accent6"/>
+              </a:solidFill>
+            </a:ln>
+          </p:spPr>
+          <p:style>
+            <a:lnRef idx="2">
+              <a:schemeClr val="accent1">
+                <a:shade val="50000"/>
+              </a:schemeClr>
+            </a:lnRef>
+            <a:fillRef idx="1">
+              <a:schemeClr val="accent1"/>
+            </a:fillRef>
+            <a:effectRef idx="0">
+              <a:schemeClr val="accent1"/>
+            </a:effectRef>
+            <a:fontRef idx="minor">
+              <a:schemeClr val="lt1"/>
+            </a:fontRef>
+          </p:style>
+          <p:txBody>
+            <a:bodyPr tIns="108000" rtlCol="0" anchor="t"/>
+            <a:lstStyle/>
+            <a:p>
+              <a:pPr algn="ctr"/>
+              <a:r>
+                <a:rPr lang="de-DE" dirty="0" smtClean="0">
+                  <a:solidFill>
+                    <a:schemeClr val="tx1"/>
+                  </a:solidFill>
+                </a:rPr>
+                <a:t>Lösungen vorschlagen</a:t>
+              </a:r>
+              <a:endParaRPr lang="de-DE" dirty="0">
+                <a:solidFill>
+                  <a:schemeClr val="tx1"/>
+                </a:solidFill>
+              </a:endParaRPr>
+            </a:p>
+          </p:txBody>
+        </p:sp>
+        <p:sp>
+          <p:nvSpPr>
+            <p:cNvPr id="19" name="Rechteck 18"/>
+            <p:cNvSpPr/>
+            <p:nvPr/>
+          </p:nvSpPr>
+          <p:spPr>
+            <a:xfrm>
+              <a:off x="6837839" y="3079021"/>
+              <a:ext cx="3181245" cy="567160"/>
+            </a:xfrm>
+            <a:prstGeom prst="rect">
+              <a:avLst/>
+            </a:prstGeom>
+            <a:solidFill>
+              <a:schemeClr val="bg1"/>
+            </a:solidFill>
+            <a:ln>
+              <a:solidFill>
+                <a:schemeClr val="accent6"/>
+              </a:solidFill>
+            </a:ln>
+          </p:spPr>
+          <p:style>
+            <a:lnRef idx="2">
+              <a:schemeClr val="accent1">
+                <a:shade val="50000"/>
+              </a:schemeClr>
+            </a:lnRef>
+            <a:fillRef idx="1">
+              <a:schemeClr val="accent1"/>
+            </a:fillRef>
+            <a:effectRef idx="0">
+              <a:schemeClr val="accent1"/>
+            </a:effectRef>
+            <a:fontRef idx="minor">
+              <a:schemeClr val="lt1"/>
+            </a:fontRef>
+          </p:style>
+          <p:txBody>
+            <a:bodyPr rtlCol="0" anchor="ctr"/>
+            <a:lstStyle/>
+            <a:p>
+              <a:pPr algn="ctr"/>
+              <a:r>
+                <a:rPr lang="de-DE" dirty="0" smtClean="0">
+                  <a:solidFill>
+                    <a:schemeClr val="tx1"/>
+                  </a:solidFill>
+                </a:rPr>
+                <a:t>Lösungen vergleichen</a:t>
+              </a:r>
+              <a:endParaRPr lang="de-DE" dirty="0">
+                <a:solidFill>
+                  <a:schemeClr val="tx1"/>
+                </a:solidFill>
+              </a:endParaRPr>
+            </a:p>
+          </p:txBody>
+        </p:sp>
+        <p:sp>
+          <p:nvSpPr>
+            <p:cNvPr id="20" name="Rechteck 19"/>
+            <p:cNvSpPr/>
+            <p:nvPr/>
+          </p:nvSpPr>
+          <p:spPr>
+            <a:xfrm>
+              <a:off x="6837839" y="3993577"/>
+              <a:ext cx="3181245" cy="567160"/>
+            </a:xfrm>
+            <a:prstGeom prst="rect">
+              <a:avLst/>
+            </a:prstGeom>
+            <a:solidFill>
+              <a:schemeClr val="bg1"/>
+            </a:solidFill>
+            <a:ln>
+              <a:solidFill>
+                <a:schemeClr val="accent6"/>
+              </a:solidFill>
+            </a:ln>
+          </p:spPr>
+          <p:style>
+            <a:lnRef idx="2">
+              <a:schemeClr val="accent1">
+                <a:shade val="50000"/>
+              </a:schemeClr>
+            </a:lnRef>
+            <a:fillRef idx="1">
+              <a:schemeClr val="accent1"/>
+            </a:fillRef>
+            <a:effectRef idx="0">
+              <a:schemeClr val="accent1"/>
+            </a:effectRef>
+            <a:fontRef idx="minor">
+              <a:schemeClr val="lt1"/>
+            </a:fontRef>
+          </p:style>
+          <p:txBody>
+            <a:bodyPr rtlCol="0" anchor="ctr"/>
+            <a:lstStyle/>
+            <a:p>
+              <a:pPr algn="ctr"/>
+              <a:r>
+                <a:rPr lang="de-DE" dirty="0" smtClean="0">
+                  <a:solidFill>
+                    <a:schemeClr val="tx1"/>
+                  </a:solidFill>
+                </a:rPr>
+                <a:t>Lösungen bewerten</a:t>
+              </a:r>
+              <a:endParaRPr lang="de-DE" dirty="0">
+                <a:solidFill>
+                  <a:schemeClr val="tx1"/>
+                </a:solidFill>
+              </a:endParaRPr>
+            </a:p>
+          </p:txBody>
+        </p:sp>
+      </p:grpSp>
+      <p:cxnSp>
+        <p:nvCxnSpPr>
+          <p:cNvPr id="24" name="Gerade Verbindung mit Pfeil 23"/>
+          <p:cNvCxnSpPr>
+            <a:stCxn id="17" idx="2"/>
+            <a:endCxn id="19" idx="0"/>
+          </p:cNvCxnSpPr>
+          <p:nvPr/>
+        </p:nvCxnSpPr>
+        <p:spPr>
+          <a:xfrm flipH="1">
+            <a:off x="6908253" y="2759382"/>
+            <a:ext cx="1" cy="347396"/>
+          </a:xfrm>
+          <a:prstGeom prst="straightConnector1">
+            <a:avLst/>
+          </a:prstGeom>
+          <a:ln>
+            <a:solidFill>
+              <a:schemeClr val="accent6"/>
+            </a:solidFill>
+            <a:tailEnd type="triangle"/>
+          </a:ln>
+        </p:spPr>
+        <p:style>
+          <a:lnRef idx="1">
+            <a:schemeClr val="accent1"/>
+          </a:lnRef>
+          <a:fillRef idx="0">
+            <a:schemeClr val="accent1"/>
+          </a:fillRef>
+          <a:effectRef idx="0">
+            <a:schemeClr val="accent1"/>
+          </a:effectRef>
+          <a:fontRef idx="minor">
+            <a:schemeClr val="tx1"/>
+          </a:fontRef>
+        </p:style>
+      </p:cxnSp>
+      <p:cxnSp>
+        <p:nvCxnSpPr>
+          <p:cNvPr id="26" name="Gerade Verbindung mit Pfeil 25"/>
+          <p:cNvCxnSpPr>
+            <a:stCxn id="19" idx="2"/>
+            <a:endCxn id="20" idx="0"/>
+          </p:cNvCxnSpPr>
+          <p:nvPr/>
+        </p:nvCxnSpPr>
+        <p:spPr>
+          <a:xfrm>
+            <a:off x="6908253" y="3673938"/>
+            <a:ext cx="0" cy="347396"/>
+          </a:xfrm>
+          <a:prstGeom prst="straightConnector1">
+            <a:avLst/>
+          </a:prstGeom>
+          <a:ln>
+            <a:solidFill>
+              <a:schemeClr val="accent6"/>
+            </a:solidFill>
+            <a:tailEnd type="triangle"/>
+          </a:ln>
+        </p:spPr>
+        <p:style>
+          <a:lnRef idx="1">
+            <a:schemeClr val="accent1"/>
+          </a:lnRef>
+          <a:fillRef idx="0">
+            <a:schemeClr val="accent1"/>
+          </a:fillRef>
+          <a:effectRef idx="0">
+            <a:schemeClr val="accent1"/>
+          </a:effectRef>
+          <a:fontRef idx="minor">
+            <a:schemeClr val="tx1"/>
+          </a:fontRef>
+        </p:style>
+      </p:cxnSp>
+      <p:cxnSp>
+        <p:nvCxnSpPr>
+          <p:cNvPr id="28" name="Gewinkelte Verbindung 27"/>
+          <p:cNvCxnSpPr>
+            <a:stCxn id="5" idx="2"/>
+          </p:cNvCxnSpPr>
+          <p:nvPr/>
+        </p:nvCxnSpPr>
+        <p:spPr>
+          <a:xfrm rot="5400000" flipH="1" flipV="1">
+            <a:off x="2661711" y="2067780"/>
+            <a:ext cx="2484843" cy="2500450"/>
+          </a:xfrm>
+          <a:prstGeom prst="bentConnector4">
+            <a:avLst>
+              <a:gd name="adj1" fmla="val -22582"/>
+              <a:gd name="adj2" fmla="val 85578"/>
+            </a:avLst>
+          </a:prstGeom>
+          <a:ln w="9525">
+            <a:solidFill>
+              <a:schemeClr val="tx2"/>
+            </a:solidFill>
+            <a:tailEnd type="triangle"/>
+          </a:ln>
+        </p:spPr>
+        <p:style>
+          <a:lnRef idx="1">
+            <a:schemeClr val="accent1"/>
+          </a:lnRef>
+          <a:fillRef idx="0">
+            <a:schemeClr val="accent1"/>
+          </a:fillRef>
+          <a:effectRef idx="0">
+            <a:schemeClr val="accent1"/>
+          </a:effectRef>
+          <a:fontRef idx="minor">
+            <a:schemeClr val="tx1"/>
+          </a:fontRef>
+        </p:style>
+      </p:cxnSp>
+      <p:sp>
+        <p:nvSpPr>
+          <p:cNvPr id="38" name="Rechteck 37"/>
+          <p:cNvSpPr/>
+          <p:nvPr/>
+        </p:nvSpPr>
+        <p:spPr>
+          <a:xfrm>
+            <a:off x="5440782" y="2333552"/>
+            <a:ext cx="1343683" cy="312959"/>
+          </a:xfrm>
+          <a:prstGeom prst="rect">
+            <a:avLst/>
+          </a:prstGeom>
+          <a:solidFill>
+            <a:schemeClr val="bg1"/>
+          </a:solidFill>
+          <a:ln>
+            <a:solidFill>
+              <a:schemeClr val="accent6"/>
+            </a:solidFill>
+          </a:ln>
+        </p:spPr>
+        <p:style>
+          <a:lnRef idx="2">
+            <a:schemeClr val="accent1">
+              <a:shade val="50000"/>
+            </a:schemeClr>
+          </a:lnRef>
+          <a:fillRef idx="1">
+            <a:schemeClr val="accent1"/>
+          </a:fillRef>
+          <a:effectRef idx="0">
+            <a:schemeClr val="accent1"/>
+          </a:effectRef>
+          <a:fontRef idx="minor">
+            <a:schemeClr val="lt1"/>
+          </a:fontRef>
+        </p:style>
+        <p:txBody>
+          <a:bodyPr rtlCol="0" anchor="ctr"/>
+          <a:lstStyle/>
+          <a:p>
+            <a:pPr algn="ctr"/>
+            <a:r>
+              <a:rPr lang="de-DE" dirty="0" smtClean="0">
+                <a:solidFill>
+                  <a:schemeClr val="tx1"/>
+                </a:solidFill>
+              </a:rPr>
+              <a:t>System</a:t>
+            </a:r>
+            <a:endParaRPr lang="de-DE" dirty="0">
+              <a:solidFill>
+                <a:schemeClr val="tx1"/>
+              </a:solidFill>
+            </a:endParaRPr>
+          </a:p>
+        </p:txBody>
+      </p:sp>
+      <p:sp>
+        <p:nvSpPr>
+          <p:cNvPr id="39" name="Rechteck 38"/>
+          <p:cNvSpPr/>
+          <p:nvPr/>
+        </p:nvSpPr>
+        <p:spPr>
+          <a:xfrm>
+            <a:off x="7024118" y="2333552"/>
+            <a:ext cx="1343683" cy="312959"/>
+          </a:xfrm>
+          <a:prstGeom prst="rect">
+            <a:avLst/>
+          </a:prstGeom>
+          <a:solidFill>
+            <a:schemeClr val="bg1"/>
+          </a:solidFill>
+          <a:ln>
+            <a:solidFill>
+              <a:schemeClr val="accent6"/>
+            </a:solidFill>
+          </a:ln>
+        </p:spPr>
+        <p:style>
+          <a:lnRef idx="2">
+            <a:schemeClr val="accent1">
+              <a:shade val="50000"/>
+            </a:schemeClr>
+          </a:lnRef>
+          <a:fillRef idx="1">
+            <a:schemeClr val="accent1"/>
+          </a:fillRef>
+          <a:effectRef idx="0">
+            <a:schemeClr val="accent1"/>
+          </a:effectRef>
+          <a:fontRef idx="minor">
+            <a:schemeClr val="lt1"/>
+          </a:fontRef>
+        </p:style>
+        <p:txBody>
+          <a:bodyPr rtlCol="0" anchor="ctr"/>
+          <a:lstStyle/>
+          <a:p>
+            <a:pPr algn="ctr"/>
+            <a:r>
+              <a:rPr lang="de-DE" dirty="0" smtClean="0">
+                <a:solidFill>
+                  <a:schemeClr val="tx1"/>
+                </a:solidFill>
+              </a:rPr>
+              <a:t>Nutzer</a:t>
+            </a:r>
+            <a:endParaRPr lang="de-DE" dirty="0">
+              <a:solidFill>
+                <a:schemeClr val="tx1"/>
+              </a:solidFill>
+            </a:endParaRPr>
+          </a:p>
+        </p:txBody>
+      </p:sp>
+      <p:grpSp>
+        <p:nvGrpSpPr>
+          <p:cNvPr id="49" name="Gruppieren 48">
+            <a:extLst>
+              <a:ext uri="{FF2B5EF4-FFF2-40B4-BE49-F238E27FC236}">
+                <a16:creationId xmlns:a16="http://schemas.microsoft.com/office/drawing/2014/main" xmlns="" id="{64401E1E-557D-5D4F-AE09-187A0802411B}"/>
+              </a:ext>
+            </a:extLst>
+          </p:cNvPr>
+          <p:cNvGrpSpPr/>
+          <p:nvPr/>
+        </p:nvGrpSpPr>
+        <p:grpSpPr>
+          <a:xfrm>
+            <a:off x="9400268" y="1227061"/>
+            <a:ext cx="1984637" cy="3125021"/>
+            <a:chOff x="1780031" y="1414270"/>
+            <a:chExt cx="1984637" cy="3125021"/>
+          </a:xfrm>
+        </p:grpSpPr>
+        <p:sp>
+          <p:nvSpPr>
+            <p:cNvPr id="50" name="Rechteck 49">
+              <a:extLst>
+                <a:ext uri="{FF2B5EF4-FFF2-40B4-BE49-F238E27FC236}">
+                  <a16:creationId xmlns:a16="http://schemas.microsoft.com/office/drawing/2014/main" xmlns="" id="{35A0EAB9-4039-6448-AC03-B60DE38901D0}"/>
+                </a:ext>
+              </a:extLst>
+            </p:cNvPr>
+            <p:cNvSpPr/>
+            <p:nvPr/>
+          </p:nvSpPr>
+          <p:spPr>
+            <a:xfrm>
+              <a:off x="1780031" y="1583287"/>
+              <a:ext cx="1984637" cy="2956004"/>
+            </a:xfrm>
+            <a:prstGeom prst="rect">
+              <a:avLst/>
+            </a:prstGeom>
+            <a:solidFill>
+              <a:schemeClr val="bg1"/>
+            </a:solidFill>
+          </p:spPr>
+          <p:style>
+            <a:lnRef idx="2">
+              <a:schemeClr val="accent1">
+                <a:shade val="50000"/>
+              </a:schemeClr>
+            </a:lnRef>
+            <a:fillRef idx="1">
+              <a:schemeClr val="accent1"/>
+            </a:fillRef>
+            <a:effectRef idx="0">
+              <a:schemeClr val="accent1"/>
+            </a:effectRef>
+            <a:fontRef idx="minor">
+              <a:schemeClr val="lt1"/>
+            </a:fontRef>
+          </p:style>
+          <p:txBody>
+            <a:bodyPr tIns="251999" rtlCol="0" anchor="t"/>
+            <a:lstStyle/>
+            <a:p>
+              <a:pPr marL="285750" indent="-285750">
+                <a:buFont typeface="Arial" panose="020B0604020202020204" pitchFamily="34" charset="0"/>
+                <a:buChar char="•"/>
+              </a:pPr>
+              <a:endParaRPr lang="de-DE" dirty="0">
+                <a:solidFill>
+                  <a:schemeClr val="tx1"/>
+                </a:solidFill>
+              </a:endParaRPr>
+            </a:p>
+          </p:txBody>
+        </p:sp>
+        <p:sp>
+          <p:nvSpPr>
+            <p:cNvPr id="51" name="Rechteck 50">
+              <a:extLst>
+                <a:ext uri="{FF2B5EF4-FFF2-40B4-BE49-F238E27FC236}">
+                  <a16:creationId xmlns:a16="http://schemas.microsoft.com/office/drawing/2014/main" xmlns="" id="{FCCEA108-686B-BB4F-95FB-4BCE5EB529F1}"/>
+                </a:ext>
+              </a:extLst>
+            </p:cNvPr>
+            <p:cNvSpPr/>
+            <p:nvPr/>
+          </p:nvSpPr>
+          <p:spPr>
+            <a:xfrm>
+              <a:off x="1977038" y="1414270"/>
+              <a:ext cx="1449105" cy="338027"/>
+            </a:xfrm>
+            <a:prstGeom prst="rect">
+              <a:avLst/>
+            </a:prstGeom>
+            <a:solidFill>
+              <a:schemeClr val="bg1"/>
+            </a:solidFill>
+            <a:ln>
+              <a:noFill/>
+            </a:ln>
+          </p:spPr>
+          <p:style>
+            <a:lnRef idx="2">
+              <a:schemeClr val="accent1">
+                <a:shade val="50000"/>
+              </a:schemeClr>
+            </a:lnRef>
+            <a:fillRef idx="1">
+              <a:schemeClr val="accent1"/>
+            </a:fillRef>
+            <a:effectRef idx="0">
+              <a:schemeClr val="accent1"/>
+            </a:effectRef>
+            <a:fontRef idx="minor">
+              <a:schemeClr val="lt1"/>
+            </a:fontRef>
+          </p:style>
+          <p:txBody>
+            <a:bodyPr rtlCol="0" anchor="ctr"/>
+            <a:lstStyle/>
+            <a:p>
+              <a:r>
+                <a:rPr lang="de-DE" b="1" dirty="0" smtClean="0">
+                  <a:solidFill>
+                    <a:schemeClr val="accent4"/>
+                  </a:solidFill>
+                </a:rPr>
+                <a:t>Entscheiden</a:t>
+              </a:r>
+              <a:endParaRPr lang="de-DE" b="1" dirty="0">
+                <a:solidFill>
+                  <a:schemeClr val="accent4"/>
+                </a:solidFill>
+              </a:endParaRPr>
+            </a:p>
+          </p:txBody>
+        </p:sp>
+      </p:grpSp>
+      <p:sp>
+        <p:nvSpPr>
+          <p:cNvPr id="58" name="Rechteck 57"/>
+          <p:cNvSpPr/>
+          <p:nvPr/>
+        </p:nvSpPr>
+        <p:spPr>
+          <a:xfrm>
+            <a:off x="9632899" y="1766392"/>
+            <a:ext cx="1548459" cy="567160"/>
+          </a:xfrm>
+          <a:prstGeom prst="rect">
+            <a:avLst/>
+          </a:prstGeom>
+          <a:solidFill>
+            <a:schemeClr val="bg1"/>
+          </a:solidFill>
+          <a:ln>
+            <a:solidFill>
+              <a:schemeClr val="accent6"/>
+            </a:solidFill>
+          </a:ln>
+        </p:spPr>
+        <p:style>
+          <a:lnRef idx="2">
+            <a:schemeClr val="accent1">
+              <a:shade val="50000"/>
+            </a:schemeClr>
+          </a:lnRef>
+          <a:fillRef idx="1">
+            <a:schemeClr val="accent1"/>
+          </a:fillRef>
+          <a:effectRef idx="0">
+            <a:schemeClr val="accent1"/>
+          </a:effectRef>
+          <a:fontRef idx="minor">
+            <a:schemeClr val="lt1"/>
+          </a:fontRef>
+        </p:style>
+        <p:txBody>
+          <a:bodyPr rtlCol="0" anchor="ctr"/>
+          <a:lstStyle/>
+          <a:p>
+            <a:pPr algn="ctr"/>
+            <a:r>
+              <a:rPr lang="de-DE" dirty="0" smtClean="0">
+                <a:solidFill>
+                  <a:schemeClr val="tx1"/>
+                </a:solidFill>
+              </a:rPr>
+              <a:t>Kriterien festlegen</a:t>
+            </a:r>
+            <a:endParaRPr lang="de-DE" dirty="0">
+              <a:solidFill>
+                <a:schemeClr val="tx1"/>
+              </a:solidFill>
+            </a:endParaRPr>
+          </a:p>
+        </p:txBody>
+      </p:sp>
+      <p:sp>
+        <p:nvSpPr>
+          <p:cNvPr id="59" name="Rechteck 58"/>
+          <p:cNvSpPr/>
+          <p:nvPr/>
+        </p:nvSpPr>
+        <p:spPr>
+          <a:xfrm>
+            <a:off x="9632899" y="2646511"/>
+            <a:ext cx="1548459" cy="567160"/>
+          </a:xfrm>
+          <a:prstGeom prst="rect">
+            <a:avLst/>
+          </a:prstGeom>
+          <a:solidFill>
+            <a:schemeClr val="bg1"/>
+          </a:solidFill>
+          <a:ln>
+            <a:solidFill>
+              <a:schemeClr val="accent6"/>
+            </a:solidFill>
+          </a:ln>
+        </p:spPr>
+        <p:style>
+          <a:lnRef idx="2">
+            <a:schemeClr val="accent1">
+              <a:shade val="50000"/>
+            </a:schemeClr>
+          </a:lnRef>
+          <a:fillRef idx="1">
+            <a:schemeClr val="accent1"/>
+          </a:fillRef>
+          <a:effectRef idx="0">
+            <a:schemeClr val="accent1"/>
+          </a:effectRef>
+          <a:fontRef idx="minor">
+            <a:schemeClr val="lt1"/>
+          </a:fontRef>
+        </p:style>
+        <p:txBody>
+          <a:bodyPr rtlCol="0" anchor="ctr"/>
+          <a:lstStyle/>
+          <a:p>
+            <a:pPr algn="ctr"/>
+            <a:r>
+              <a:rPr lang="de-DE" dirty="0" smtClean="0">
+                <a:solidFill>
+                  <a:schemeClr val="tx1"/>
+                </a:solidFill>
+              </a:rPr>
+              <a:t>Lösungen filtern</a:t>
+            </a:r>
+            <a:endParaRPr lang="de-DE" dirty="0">
+              <a:solidFill>
+                <a:schemeClr val="tx1"/>
+              </a:solidFill>
+            </a:endParaRPr>
+          </a:p>
+        </p:txBody>
+      </p:sp>
+      <p:sp>
+        <p:nvSpPr>
+          <p:cNvPr id="60" name="Rechteck 59"/>
+          <p:cNvSpPr/>
+          <p:nvPr/>
+        </p:nvSpPr>
+        <p:spPr>
+          <a:xfrm>
+            <a:off x="9618356" y="3579460"/>
+            <a:ext cx="1548459" cy="567160"/>
+          </a:xfrm>
+          <a:prstGeom prst="rect">
+            <a:avLst/>
+          </a:prstGeom>
+          <a:solidFill>
+            <a:schemeClr val="bg1"/>
+          </a:solidFill>
+          <a:ln>
+            <a:solidFill>
+              <a:schemeClr val="accent6"/>
+            </a:solidFill>
+          </a:ln>
+        </p:spPr>
+        <p:style>
+          <a:lnRef idx="2">
+            <a:schemeClr val="accent1">
+              <a:shade val="50000"/>
+            </a:schemeClr>
+          </a:lnRef>
+          <a:fillRef idx="1">
+            <a:schemeClr val="accent1"/>
+          </a:fillRef>
+          <a:effectRef idx="0">
+            <a:schemeClr val="accent1"/>
+          </a:effectRef>
+          <a:fontRef idx="minor">
+            <a:schemeClr val="lt1"/>
+          </a:fontRef>
+        </p:style>
+        <p:txBody>
+          <a:bodyPr rtlCol="0" anchor="ctr"/>
+          <a:lstStyle/>
+          <a:p>
+            <a:pPr algn="ctr"/>
+            <a:r>
+              <a:rPr lang="de-DE" dirty="0" smtClean="0">
+                <a:solidFill>
+                  <a:schemeClr val="tx1"/>
+                </a:solidFill>
+              </a:rPr>
+              <a:t>Lösung auswählen</a:t>
+            </a:r>
+            <a:endParaRPr lang="de-DE" dirty="0">
+              <a:solidFill>
+                <a:schemeClr val="tx1"/>
+              </a:solidFill>
+            </a:endParaRPr>
           </a:p>
         </p:txBody>
       </p:sp>
@@ -12026,7 +16010,70 @@
           <a:bodyPr/>
           <a:lstStyle/>
           <a:p>
-            <a:endParaRPr lang="de-DE"/>
+            <a:pPr marL="285750" indent="-285750">
+              <a:buFont typeface="Arial" panose="020B0604020202020204" pitchFamily="34" charset="0"/>
+              <a:buChar char="•"/>
+            </a:pPr>
+            <a:r>
+              <a:rPr lang="de-DE" dirty="0" smtClean="0"/>
+              <a:t>Wie kann ich den Nutzer noch stärker in den Fokus rücken?</a:t>
+            </a:r>
+          </a:p>
+          <a:p>
+            <a:pPr marL="681692" lvl="1" indent="-285750"/>
+            <a:r>
+              <a:rPr lang="de-DE" dirty="0" smtClean="0"/>
+              <a:t>Ihn persönlich unterstützen (Vorwissen, persönliche Motivation)</a:t>
+            </a:r>
+          </a:p>
+          <a:p>
+            <a:pPr marL="681692" lvl="1" indent="-285750"/>
+            <a:endParaRPr lang="de-DE" dirty="0"/>
+          </a:p>
+          <a:p>
+            <a:pPr marL="285750" indent="-285750">
+              <a:buFont typeface="Arial" panose="020B0604020202020204" pitchFamily="34" charset="0"/>
+              <a:buChar char="•"/>
+            </a:pPr>
+            <a:r>
+              <a:rPr lang="de-DE" dirty="0" smtClean="0"/>
+              <a:t>Wie wird aus einer einfachen Nutzeroberfläche ein Erlebnis?</a:t>
+            </a:r>
+          </a:p>
+          <a:p>
+            <a:pPr marL="285750" indent="-285750">
+              <a:buFont typeface="Arial" panose="020B0604020202020204" pitchFamily="34" charset="0"/>
+              <a:buChar char="•"/>
+            </a:pPr>
+            <a:endParaRPr lang="de-DE" dirty="0" smtClean="0"/>
+          </a:p>
+          <a:p>
+            <a:pPr marL="285750" indent="-285750">
+              <a:buFont typeface="Arial" panose="020B0604020202020204" pitchFamily="34" charset="0"/>
+              <a:buChar char="•"/>
+            </a:pPr>
+            <a:r>
+              <a:rPr lang="de-DE" dirty="0" smtClean="0"/>
+              <a:t>Wie kann der Lerneffekt unterstützt werden?</a:t>
+            </a:r>
+          </a:p>
+          <a:p>
+            <a:pPr marL="285750" indent="-285750">
+              <a:buFont typeface="Arial" panose="020B0604020202020204" pitchFamily="34" charset="0"/>
+              <a:buChar char="•"/>
+            </a:pPr>
+            <a:endParaRPr lang="de-DE" dirty="0"/>
+          </a:p>
+          <a:p>
+            <a:pPr marL="285750" indent="-285750">
+              <a:buFont typeface="Arial" panose="020B0604020202020204" pitchFamily="34" charset="0"/>
+              <a:buChar char="•"/>
+            </a:pPr>
+            <a:r>
+              <a:rPr lang="de-DE" dirty="0" smtClean="0"/>
+              <a:t>Wie kann man komplexe Zusammenhänge sinnvoll aufbereiten?</a:t>
+            </a:r>
+            <a:endParaRPr lang="de-DE" dirty="0"/>
           </a:p>
         </p:txBody>
       </p:sp>
@@ -12076,6 +16123,652 @@
           <a:lstStyle/>
           <a:p>
             <a:r>
+              <a:rPr lang="de-DE" dirty="0" smtClean="0"/>
+              <a:t>Analyse</a:t>
+            </a:r>
+            <a:endParaRPr lang="de-DE" dirty="0"/>
+          </a:p>
+        </p:txBody>
+      </p:sp>
+      <p:sp>
+        <p:nvSpPr>
+          <p:cNvPr id="3" name="Inhaltsplatzhalter 2"/>
+          <p:cNvSpPr>
+            <a:spLocks noGrp="1"/>
+          </p:cNvSpPr>
+          <p:nvPr>
+            <p:ph sz="quarter" idx="10"/>
+          </p:nvPr>
+        </p:nvSpPr>
+        <p:spPr/>
+        <p:txBody>
+          <a:bodyPr/>
+          <a:lstStyle/>
+          <a:p>
+            <a:endParaRPr lang="de-DE" dirty="0"/>
+          </a:p>
+          <a:p>
+            <a:endParaRPr lang="de-DE" dirty="0"/>
+          </a:p>
+        </p:txBody>
+      </p:sp>
+      <p:grpSp>
+        <p:nvGrpSpPr>
+          <p:cNvPr id="9" name="Gruppieren 8">
+            <a:extLst>
+              <a:ext uri="{FF2B5EF4-FFF2-40B4-BE49-F238E27FC236}">
+                <a16:creationId xmlns:a16="http://schemas.microsoft.com/office/drawing/2014/main" xmlns="" id="{64401E1E-557D-5D4F-AE09-187A0802411B}"/>
+              </a:ext>
+            </a:extLst>
+          </p:cNvPr>
+          <p:cNvGrpSpPr/>
+          <p:nvPr/>
+        </p:nvGrpSpPr>
+        <p:grpSpPr>
+          <a:xfrm>
+            <a:off x="874713" y="1030288"/>
+            <a:ext cx="4762158" cy="4502411"/>
+            <a:chOff x="1780032" y="1414270"/>
+            <a:chExt cx="4762158" cy="4502411"/>
+          </a:xfrm>
+        </p:grpSpPr>
+        <p:sp>
+          <p:nvSpPr>
+            <p:cNvPr id="10" name="Rechteck 9">
+              <a:extLst>
+                <a:ext uri="{FF2B5EF4-FFF2-40B4-BE49-F238E27FC236}">
+                  <a16:creationId xmlns:a16="http://schemas.microsoft.com/office/drawing/2014/main" xmlns="" id="{35A0EAB9-4039-6448-AC03-B60DE38901D0}"/>
+                </a:ext>
+              </a:extLst>
+            </p:cNvPr>
+            <p:cNvSpPr/>
+            <p:nvPr/>
+          </p:nvSpPr>
+          <p:spPr>
+            <a:xfrm>
+              <a:off x="1780032" y="1583285"/>
+              <a:ext cx="4762158" cy="4333396"/>
+            </a:xfrm>
+            <a:prstGeom prst="rect">
+              <a:avLst/>
+            </a:prstGeom>
+            <a:solidFill>
+              <a:schemeClr val="bg1"/>
+            </a:solidFill>
+          </p:spPr>
+          <p:style>
+            <a:lnRef idx="2">
+              <a:schemeClr val="accent1">
+                <a:shade val="50000"/>
+              </a:schemeClr>
+            </a:lnRef>
+            <a:fillRef idx="1">
+              <a:schemeClr val="accent1"/>
+            </a:fillRef>
+            <a:effectRef idx="0">
+              <a:schemeClr val="accent1"/>
+            </a:effectRef>
+            <a:fontRef idx="minor">
+              <a:schemeClr val="lt1"/>
+            </a:fontRef>
+          </p:style>
+          <p:txBody>
+            <a:bodyPr tIns="251999" rtlCol="0" anchor="t"/>
+            <a:lstStyle/>
+            <a:p>
+              <a:pPr marL="285750" indent="-285750">
+                <a:buFont typeface="Arial" panose="020B0604020202020204" pitchFamily="34" charset="0"/>
+                <a:buChar char="•"/>
+              </a:pPr>
+              <a:r>
+                <a:rPr lang="de-DE" dirty="0" err="1" smtClean="0">
+                  <a:solidFill>
+                    <a:schemeClr val="tx1"/>
+                  </a:solidFill>
+                </a:rPr>
+                <a:t>Abmaße</a:t>
+              </a:r>
+              <a:endParaRPr lang="de-DE" dirty="0" smtClean="0">
+                <a:solidFill>
+                  <a:schemeClr val="tx1"/>
+                </a:solidFill>
+              </a:endParaRPr>
+            </a:p>
+            <a:p>
+              <a:pPr marL="285750" indent="-285750">
+                <a:buFont typeface="Arial" panose="020B0604020202020204" pitchFamily="34" charset="0"/>
+                <a:buChar char="•"/>
+              </a:pPr>
+              <a:endParaRPr lang="de-DE" dirty="0" smtClean="0">
+                <a:solidFill>
+                  <a:schemeClr val="tx1"/>
+                </a:solidFill>
+              </a:endParaRPr>
+            </a:p>
+            <a:p>
+              <a:pPr marL="285750" indent="-285750">
+                <a:buFont typeface="Arial" panose="020B0604020202020204" pitchFamily="34" charset="0"/>
+                <a:buChar char="•"/>
+              </a:pPr>
+              <a:r>
+                <a:rPr lang="de-DE" dirty="0" smtClean="0">
+                  <a:solidFill>
+                    <a:schemeClr val="tx1"/>
+                  </a:solidFill>
+                </a:rPr>
+                <a:t>Schnittstellen</a:t>
+              </a:r>
+            </a:p>
+            <a:p>
+              <a:pPr marL="285750" indent="-285750">
+                <a:buFont typeface="Arial" panose="020B0604020202020204" pitchFamily="34" charset="0"/>
+                <a:buChar char="•"/>
+              </a:pPr>
+              <a:endParaRPr lang="de-DE" dirty="0" smtClean="0">
+                <a:solidFill>
+                  <a:schemeClr val="tx1"/>
+                </a:solidFill>
+              </a:endParaRPr>
+            </a:p>
+            <a:p>
+              <a:pPr marL="285750" indent="-285750">
+                <a:buFont typeface="Arial" panose="020B0604020202020204" pitchFamily="34" charset="0"/>
+                <a:buChar char="•"/>
+              </a:pPr>
+              <a:r>
+                <a:rPr lang="de-DE" dirty="0" smtClean="0">
+                  <a:solidFill>
+                    <a:schemeClr val="tx1"/>
+                  </a:solidFill>
+                </a:rPr>
+                <a:t>Rezept</a:t>
+              </a:r>
+            </a:p>
+            <a:p>
+              <a:pPr marL="697230" lvl="1" indent="-285750">
+                <a:buFont typeface="Arial" panose="020B0604020202020204" pitchFamily="34" charset="0"/>
+                <a:buChar char="•"/>
+              </a:pPr>
+              <a:r>
+                <a:rPr lang="de-DE" dirty="0" smtClean="0">
+                  <a:solidFill>
+                    <a:schemeClr val="tx1"/>
+                  </a:solidFill>
+                </a:rPr>
+                <a:t>Was muss im Rezept verändert werden?</a:t>
+              </a:r>
+              <a:endParaRPr lang="de-DE" dirty="0" smtClean="0">
+                <a:solidFill>
+                  <a:schemeClr val="tx1"/>
+                </a:solidFill>
+              </a:endParaRPr>
+            </a:p>
+            <a:p>
+              <a:pPr marL="285750" indent="-285750">
+                <a:buFont typeface="Arial" panose="020B0604020202020204" pitchFamily="34" charset="0"/>
+                <a:buChar char="•"/>
+              </a:pPr>
+              <a:r>
+                <a:rPr lang="de-DE" dirty="0" smtClean="0">
+                  <a:solidFill>
+                    <a:schemeClr val="tx1"/>
+                  </a:solidFill>
+                </a:rPr>
+                <a:t>Service</a:t>
+              </a:r>
+            </a:p>
+            <a:p>
+              <a:pPr marL="697230" lvl="1" indent="-285750">
+                <a:buFont typeface="Arial" panose="020B0604020202020204" pitchFamily="34" charset="0"/>
+                <a:buChar char="•"/>
+              </a:pPr>
+              <a:r>
+                <a:rPr lang="de-DE" dirty="0" smtClean="0">
+                  <a:solidFill>
+                    <a:schemeClr val="tx1"/>
+                  </a:solidFill>
+                </a:rPr>
+                <a:t>Welche Serviceabhängigkeiten bestehen?</a:t>
+              </a:r>
+            </a:p>
+            <a:p>
+              <a:pPr marL="285750" indent="-285750">
+                <a:buFont typeface="Arial" panose="020B0604020202020204" pitchFamily="34" charset="0"/>
+                <a:buChar char="•"/>
+              </a:pPr>
+              <a:r>
+                <a:rPr lang="de-DE" dirty="0" smtClean="0">
+                  <a:solidFill>
+                    <a:schemeClr val="tx1"/>
+                  </a:solidFill>
+                </a:rPr>
+                <a:t>Parameter</a:t>
+              </a:r>
+            </a:p>
+            <a:p>
+              <a:pPr marL="697230" lvl="1" indent="-285750">
+                <a:buFont typeface="Arial" panose="020B0604020202020204" pitchFamily="34" charset="0"/>
+                <a:buChar char="•"/>
+              </a:pPr>
+              <a:r>
+                <a:rPr lang="de-DE" dirty="0" smtClean="0">
+                  <a:solidFill>
+                    <a:schemeClr val="tx1"/>
+                  </a:solidFill>
+                </a:rPr>
+                <a:t>Welche Auswirkungen haben Anpassungen der Parameter auf den Prozess?</a:t>
+              </a:r>
+              <a:endParaRPr lang="de-DE" dirty="0">
+                <a:solidFill>
+                  <a:schemeClr val="tx1"/>
+                </a:solidFill>
+              </a:endParaRPr>
+            </a:p>
+          </p:txBody>
+        </p:sp>
+        <p:sp>
+          <p:nvSpPr>
+            <p:cNvPr id="11" name="Rechteck 10">
+              <a:extLst>
+                <a:ext uri="{FF2B5EF4-FFF2-40B4-BE49-F238E27FC236}">
+                  <a16:creationId xmlns:a16="http://schemas.microsoft.com/office/drawing/2014/main" xmlns="" id="{FCCEA108-686B-BB4F-95FB-4BCE5EB529F1}"/>
+                </a:ext>
+              </a:extLst>
+            </p:cNvPr>
+            <p:cNvSpPr/>
+            <p:nvPr/>
+          </p:nvSpPr>
+          <p:spPr>
+            <a:xfrm>
+              <a:off x="1977039" y="1414270"/>
+              <a:ext cx="1949272" cy="338027"/>
+            </a:xfrm>
+            <a:prstGeom prst="rect">
+              <a:avLst/>
+            </a:prstGeom>
+            <a:solidFill>
+              <a:schemeClr val="bg1"/>
+            </a:solidFill>
+            <a:ln>
+              <a:noFill/>
+            </a:ln>
+          </p:spPr>
+          <p:style>
+            <a:lnRef idx="2">
+              <a:schemeClr val="accent1">
+                <a:shade val="50000"/>
+              </a:schemeClr>
+            </a:lnRef>
+            <a:fillRef idx="1">
+              <a:schemeClr val="accent1"/>
+            </a:fillRef>
+            <a:effectRef idx="0">
+              <a:schemeClr val="accent1"/>
+            </a:effectRef>
+            <a:fontRef idx="minor">
+              <a:schemeClr val="lt1"/>
+            </a:fontRef>
+          </p:style>
+          <p:txBody>
+            <a:bodyPr rtlCol="0" anchor="ctr"/>
+            <a:lstStyle/>
+            <a:p>
+              <a:r>
+                <a:rPr lang="de-DE" b="1" dirty="0" smtClean="0">
+                  <a:solidFill>
+                    <a:schemeClr val="accent4"/>
+                  </a:solidFill>
+                </a:rPr>
+                <a:t>Modulare Anlage</a:t>
+              </a:r>
+              <a:endParaRPr lang="de-DE" b="1" dirty="0">
+                <a:solidFill>
+                  <a:schemeClr val="accent4"/>
+                </a:solidFill>
+              </a:endParaRPr>
+            </a:p>
+          </p:txBody>
+        </p:sp>
+      </p:grpSp>
+      <p:grpSp>
+        <p:nvGrpSpPr>
+          <p:cNvPr id="12" name="Gruppieren 11">
+            <a:extLst>
+              <a:ext uri="{FF2B5EF4-FFF2-40B4-BE49-F238E27FC236}">
+                <a16:creationId xmlns:a16="http://schemas.microsoft.com/office/drawing/2014/main" xmlns="" id="{64401E1E-557D-5D4F-AE09-187A0802411B}"/>
+              </a:ext>
+            </a:extLst>
+          </p:cNvPr>
+          <p:cNvGrpSpPr/>
+          <p:nvPr/>
+        </p:nvGrpSpPr>
+        <p:grpSpPr>
+          <a:xfrm>
+            <a:off x="6592605" y="1030288"/>
+            <a:ext cx="4639397" cy="4502411"/>
+            <a:chOff x="1780031" y="1414270"/>
+            <a:chExt cx="4639397" cy="4502411"/>
+          </a:xfrm>
+        </p:grpSpPr>
+        <p:sp>
+          <p:nvSpPr>
+            <p:cNvPr id="13" name="Rechteck 12">
+              <a:extLst>
+                <a:ext uri="{FF2B5EF4-FFF2-40B4-BE49-F238E27FC236}">
+                  <a16:creationId xmlns:a16="http://schemas.microsoft.com/office/drawing/2014/main" xmlns="" id="{35A0EAB9-4039-6448-AC03-B60DE38901D0}"/>
+                </a:ext>
+              </a:extLst>
+            </p:cNvPr>
+            <p:cNvSpPr/>
+            <p:nvPr/>
+          </p:nvSpPr>
+          <p:spPr>
+            <a:xfrm>
+              <a:off x="1780031" y="1583285"/>
+              <a:ext cx="4639397" cy="4333396"/>
+            </a:xfrm>
+            <a:prstGeom prst="rect">
+              <a:avLst/>
+            </a:prstGeom>
+            <a:solidFill>
+              <a:schemeClr val="bg1"/>
+            </a:solidFill>
+          </p:spPr>
+          <p:style>
+            <a:lnRef idx="2">
+              <a:schemeClr val="accent1">
+                <a:shade val="50000"/>
+              </a:schemeClr>
+            </a:lnRef>
+            <a:fillRef idx="1">
+              <a:schemeClr val="accent1"/>
+            </a:fillRef>
+            <a:effectRef idx="0">
+              <a:schemeClr val="accent1"/>
+            </a:effectRef>
+            <a:fontRef idx="minor">
+              <a:schemeClr val="lt1"/>
+            </a:fontRef>
+          </p:style>
+          <p:txBody>
+            <a:bodyPr tIns="251999" rtlCol="0" anchor="t"/>
+            <a:lstStyle/>
+            <a:p>
+              <a:pPr marL="285750" indent="-285750">
+                <a:buFont typeface="Arial" panose="020B0604020202020204" pitchFamily="34" charset="0"/>
+                <a:buChar char="•"/>
+              </a:pPr>
+              <a:r>
+                <a:rPr lang="de-DE" dirty="0" smtClean="0">
+                  <a:solidFill>
+                    <a:schemeClr val="tx1"/>
+                  </a:solidFill>
+                </a:rPr>
+                <a:t>Zeiten</a:t>
+              </a:r>
+            </a:p>
+            <a:p>
+              <a:pPr marL="697230" lvl="1" indent="-285750">
+                <a:buFont typeface="Arial" panose="020B0604020202020204" pitchFamily="34" charset="0"/>
+                <a:buChar char="•"/>
+              </a:pPr>
+              <a:r>
+                <a:rPr lang="de-DE" dirty="0" smtClean="0">
+                  <a:solidFill>
+                    <a:schemeClr val="tx1"/>
+                  </a:solidFill>
+                </a:rPr>
+                <a:t>Wie viel Stillstandzeit verursacht der Modultausch</a:t>
+              </a:r>
+              <a:endParaRPr lang="de-DE" dirty="0" smtClean="0">
+                <a:solidFill>
+                  <a:schemeClr val="tx1"/>
+                </a:solidFill>
+              </a:endParaRPr>
+            </a:p>
+            <a:p>
+              <a:pPr marL="285750" indent="-285750">
+                <a:buFont typeface="Arial" panose="020B0604020202020204" pitchFamily="34" charset="0"/>
+                <a:buChar char="•"/>
+              </a:pPr>
+              <a:r>
+                <a:rPr lang="de-DE" dirty="0" smtClean="0">
+                  <a:solidFill>
+                    <a:schemeClr val="tx1"/>
+                  </a:solidFill>
+                </a:rPr>
+                <a:t>Auslastung</a:t>
+              </a:r>
+            </a:p>
+            <a:p>
+              <a:pPr marL="697230" lvl="1" indent="-285750">
+                <a:buFont typeface="Arial" panose="020B0604020202020204" pitchFamily="34" charset="0"/>
+                <a:buChar char="•"/>
+              </a:pPr>
+              <a:r>
+                <a:rPr lang="de-DE" dirty="0" smtClean="0">
+                  <a:solidFill>
+                    <a:schemeClr val="tx1"/>
+                  </a:solidFill>
+                </a:rPr>
+                <a:t>Kann vorproduziert werden?</a:t>
+              </a:r>
+            </a:p>
+            <a:p>
+              <a:pPr marL="285750" indent="-285750">
+                <a:buFont typeface="Arial" panose="020B0604020202020204" pitchFamily="34" charset="0"/>
+                <a:buChar char="•"/>
+              </a:pPr>
+              <a:r>
+                <a:rPr lang="de-DE" dirty="0" smtClean="0">
+                  <a:solidFill>
+                    <a:schemeClr val="tx1"/>
+                  </a:solidFill>
+                </a:rPr>
+                <a:t>Rüstaufwände</a:t>
+              </a:r>
+            </a:p>
+            <a:p>
+              <a:pPr marL="697230" lvl="1" indent="-285750">
+                <a:buFont typeface="Arial" panose="020B0604020202020204" pitchFamily="34" charset="0"/>
+                <a:buChar char="•"/>
+              </a:pPr>
+              <a:r>
+                <a:rPr lang="de-DE" dirty="0" smtClean="0">
+                  <a:solidFill>
+                    <a:schemeClr val="tx1"/>
+                  </a:solidFill>
+                </a:rPr>
+                <a:t>Wie viel muss im Rezept angepasst werden?</a:t>
+              </a:r>
+            </a:p>
+            <a:p>
+              <a:pPr marL="697230" lvl="1" indent="-285750">
+                <a:buFont typeface="Arial" panose="020B0604020202020204" pitchFamily="34" charset="0"/>
+                <a:buChar char="•"/>
+              </a:pPr>
+              <a:r>
+                <a:rPr lang="de-DE" dirty="0" smtClean="0">
+                  <a:solidFill>
+                    <a:schemeClr val="tx1"/>
+                  </a:solidFill>
+                </a:rPr>
+                <a:t>Wie aufwändig ist die Integration des neuen Moduls?</a:t>
+              </a:r>
+            </a:p>
+            <a:p>
+              <a:pPr marL="285750" indent="-285750">
+                <a:buFont typeface="Arial" panose="020B0604020202020204" pitchFamily="34" charset="0"/>
+                <a:buChar char="•"/>
+              </a:pPr>
+              <a:r>
+                <a:rPr lang="de-DE" dirty="0" smtClean="0">
+                  <a:solidFill>
+                    <a:schemeClr val="tx1"/>
+                  </a:solidFill>
+                </a:rPr>
+                <a:t>Wartung</a:t>
+              </a:r>
+            </a:p>
+            <a:p>
+              <a:pPr marL="697230" lvl="1" indent="-285750">
+                <a:buFont typeface="Arial" panose="020B0604020202020204" pitchFamily="34" charset="0"/>
+                <a:buChar char="•"/>
+              </a:pPr>
+              <a:r>
+                <a:rPr lang="de-DE" dirty="0" smtClean="0">
+                  <a:solidFill>
+                    <a:schemeClr val="tx1"/>
+                  </a:solidFill>
+                </a:rPr>
+                <a:t>Wie häufig muss das neue Modul gewartet werden?</a:t>
+              </a:r>
+            </a:p>
+            <a:p>
+              <a:pPr marL="285750" indent="-285750">
+                <a:buFont typeface="Arial" panose="020B0604020202020204" pitchFamily="34" charset="0"/>
+                <a:buChar char="•"/>
+              </a:pPr>
+              <a:r>
+                <a:rPr lang="de-DE" dirty="0" smtClean="0">
+                  <a:solidFill>
+                    <a:schemeClr val="tx1"/>
+                  </a:solidFill>
+                </a:rPr>
+                <a:t>Energie</a:t>
+              </a:r>
+            </a:p>
+            <a:p>
+              <a:pPr marL="697230" lvl="1" indent="-285750">
+                <a:buFont typeface="Arial" panose="020B0604020202020204" pitchFamily="34" charset="0"/>
+                <a:buChar char="•"/>
+              </a:pPr>
+              <a:r>
+                <a:rPr lang="de-DE" dirty="0" smtClean="0">
+                  <a:solidFill>
+                    <a:schemeClr val="tx1"/>
+                  </a:solidFill>
+                </a:rPr>
+                <a:t>Wie hoch ist der Energieverbrauch des Moduls?</a:t>
+              </a:r>
+              <a:endParaRPr lang="de-DE" dirty="0">
+                <a:solidFill>
+                  <a:schemeClr val="tx1"/>
+                </a:solidFill>
+              </a:endParaRPr>
+            </a:p>
+          </p:txBody>
+        </p:sp>
+        <p:sp>
+          <p:nvSpPr>
+            <p:cNvPr id="14" name="Rechteck 13">
+              <a:extLst>
+                <a:ext uri="{FF2B5EF4-FFF2-40B4-BE49-F238E27FC236}">
+                  <a16:creationId xmlns:a16="http://schemas.microsoft.com/office/drawing/2014/main" xmlns="" id="{FCCEA108-686B-BB4F-95FB-4BCE5EB529F1}"/>
+                </a:ext>
+              </a:extLst>
+            </p:cNvPr>
+            <p:cNvSpPr/>
+            <p:nvPr/>
+          </p:nvSpPr>
+          <p:spPr>
+            <a:xfrm>
+              <a:off x="1977039" y="1414270"/>
+              <a:ext cx="1659905" cy="338027"/>
+            </a:xfrm>
+            <a:prstGeom prst="rect">
+              <a:avLst/>
+            </a:prstGeom>
+            <a:solidFill>
+              <a:schemeClr val="bg1"/>
+            </a:solidFill>
+            <a:ln>
+              <a:noFill/>
+            </a:ln>
+          </p:spPr>
+          <p:style>
+            <a:lnRef idx="2">
+              <a:schemeClr val="accent1">
+                <a:shade val="50000"/>
+              </a:schemeClr>
+            </a:lnRef>
+            <a:fillRef idx="1">
+              <a:schemeClr val="accent1"/>
+            </a:fillRef>
+            <a:effectRef idx="0">
+              <a:schemeClr val="accent1"/>
+            </a:effectRef>
+            <a:fontRef idx="minor">
+              <a:schemeClr val="lt1"/>
+            </a:fontRef>
+          </p:style>
+          <p:txBody>
+            <a:bodyPr rtlCol="0" anchor="ctr"/>
+            <a:lstStyle/>
+            <a:p>
+              <a:r>
+                <a:rPr lang="de-DE" b="1" dirty="0" smtClean="0">
+                  <a:solidFill>
+                    <a:schemeClr val="accent4"/>
+                  </a:solidFill>
+                </a:rPr>
+                <a:t>Unternehmen</a:t>
+              </a:r>
+              <a:endParaRPr lang="de-DE" b="1" dirty="0">
+                <a:solidFill>
+                  <a:schemeClr val="accent4"/>
+                </a:solidFill>
+              </a:endParaRPr>
+            </a:p>
+          </p:txBody>
+        </p:sp>
+      </p:grpSp>
+    </p:spTree>
+    <p:extLst>
+      <p:ext uri="{BB962C8B-B14F-4D97-AF65-F5344CB8AC3E}">
+        <p14:creationId xmlns:p14="http://schemas.microsoft.com/office/powerpoint/2010/main" val="2809842509"/>
+      </p:ext>
+    </p:extLst>
+  </p:cSld>
+  <p:clrMapOvr>
+    <a:masterClrMapping/>
+  </p:clrMapOvr>
+</p:sld>
+</file>
+
+<file path=ppt/slides/slide7.xml><?xml version="1.0" encoding="utf-8"?>
+<p:sld xmlns:a="http://schemas.openxmlformats.org/drawingml/2006/main" xmlns:r="http://schemas.openxmlformats.org/officeDocument/2006/relationships" xmlns:p="http://schemas.openxmlformats.org/presentationml/2006/main">
+  <p:cSld>
+    <p:spTree>
+      <p:nvGrpSpPr>
+        <p:cNvPr id="1" name=""/>
+        <p:cNvGrpSpPr/>
+        <p:nvPr/>
+      </p:nvGrpSpPr>
+      <p:grpSpPr>
+        <a:xfrm>
+          <a:off x="0" y="0"/>
+          <a:ext cx="0" cy="0"/>
+          <a:chOff x="0" y="0"/>
+          <a:chExt cx="0" cy="0"/>
+        </a:xfrm>
+      </p:grpSpPr>
+      <p:sp>
+        <p:nvSpPr>
+          <p:cNvPr id="2" name="Titel 1"/>
+          <p:cNvSpPr>
+            <a:spLocks noGrp="1"/>
+          </p:cNvSpPr>
+          <p:nvPr>
+            <p:ph type="title"/>
+          </p:nvPr>
+        </p:nvSpPr>
+        <p:spPr/>
+        <p:txBody>
+          <a:bodyPr/>
+          <a:lstStyle/>
+          <a:p>
+            <a:r>
               <a:rPr lang="de-DE" dirty="0"/>
               <a:t>Problemstellung und </a:t>
             </a:r>
@@ -12096,7 +16789,7 @@
           <p:cNvPr id="7" name="Gruppieren 6">
             <a:extLst>
               <a:ext uri="{FF2B5EF4-FFF2-40B4-BE49-F238E27FC236}">
-                <a16:creationId xmlns="" xmlns:a16="http://schemas.microsoft.com/office/drawing/2014/main" id="{83607870-557A-164A-B22B-C1B49B36656C}"/>
+                <a16:creationId xmlns:a16="http://schemas.microsoft.com/office/drawing/2014/main" xmlns="" id="{83607870-557A-164A-B22B-C1B49B36656C}"/>
               </a:ext>
             </a:extLst>
           </p:cNvPr>
@@ -12116,7 +16809,7 @@
             <p:cNvPr id="8" name="Rechteck 7">
               <a:extLst>
                 <a:ext uri="{FF2B5EF4-FFF2-40B4-BE49-F238E27FC236}">
-                  <a16:creationId xmlns="" xmlns:a16="http://schemas.microsoft.com/office/drawing/2014/main" id="{F1E1E402-969D-194B-AB76-85BAC6C71034}"/>
+                  <a16:creationId xmlns:a16="http://schemas.microsoft.com/office/drawing/2014/main" xmlns="" id="{F1E1E402-969D-194B-AB76-85BAC6C71034}"/>
                 </a:ext>
               </a:extLst>
             </p:cNvPr>
@@ -12200,7 +16893,7 @@
             <p:cNvPr id="9" name="Rechteck 8">
               <a:extLst>
                 <a:ext uri="{FF2B5EF4-FFF2-40B4-BE49-F238E27FC236}">
-                  <a16:creationId xmlns="" xmlns:a16="http://schemas.microsoft.com/office/drawing/2014/main" id="{833772DE-177D-6242-B2B7-89D46A2C0D15}"/>
+                  <a16:creationId xmlns:a16="http://schemas.microsoft.com/office/drawing/2014/main" xmlns="" id="{833772DE-177D-6242-B2B7-89D46A2C0D15}"/>
                 </a:ext>
               </a:extLst>
             </p:cNvPr>
@@ -12291,7 +16984,7 @@
           <p:cNvPr id="11" name="Gruppieren 10">
             <a:extLst>
               <a:ext uri="{FF2B5EF4-FFF2-40B4-BE49-F238E27FC236}">
-                <a16:creationId xmlns="" xmlns:a16="http://schemas.microsoft.com/office/drawing/2014/main" id="{00DD676A-B61C-5D48-BC56-AC4BB52F8528}"/>
+                <a16:creationId xmlns:a16="http://schemas.microsoft.com/office/drawing/2014/main" xmlns="" id="{00DD676A-B61C-5D48-BC56-AC4BB52F8528}"/>
               </a:ext>
             </a:extLst>
           </p:cNvPr>
@@ -12311,7 +17004,7 @@
             <p:cNvPr id="12" name="Rechteck 11">
               <a:extLst>
                 <a:ext uri="{FF2B5EF4-FFF2-40B4-BE49-F238E27FC236}">
-                  <a16:creationId xmlns="" xmlns:a16="http://schemas.microsoft.com/office/drawing/2014/main" id="{201F63B0-4CCA-B640-BD88-BAB407BC2183}"/>
+                  <a16:creationId xmlns:a16="http://schemas.microsoft.com/office/drawing/2014/main" xmlns="" id="{201F63B0-4CCA-B640-BD88-BAB407BC2183}"/>
                 </a:ext>
               </a:extLst>
             </p:cNvPr>
@@ -12395,7 +17088,7 @@
             <p:cNvPr id="13" name="Rechteck 12">
               <a:extLst>
                 <a:ext uri="{FF2B5EF4-FFF2-40B4-BE49-F238E27FC236}">
-                  <a16:creationId xmlns="" xmlns:a16="http://schemas.microsoft.com/office/drawing/2014/main" id="{514C32A1-04E5-494D-AB34-069455276B16}"/>
+                  <a16:creationId xmlns:a16="http://schemas.microsoft.com/office/drawing/2014/main" xmlns="" id="{514C32A1-04E5-494D-AB34-069455276B16}"/>
                 </a:ext>
               </a:extLst>
             </p:cNvPr>
@@ -12462,7 +17155,7 @@
           <p:cNvPr id="14" name="Gruppieren 13">
             <a:extLst>
               <a:ext uri="{FF2B5EF4-FFF2-40B4-BE49-F238E27FC236}">
-                <a16:creationId xmlns="" xmlns:a16="http://schemas.microsoft.com/office/drawing/2014/main" id="{C0CAAA13-C09D-AC4E-991C-1FEB2957F9A9}"/>
+                <a16:creationId xmlns:a16="http://schemas.microsoft.com/office/drawing/2014/main" xmlns="" id="{C0CAAA13-C09D-AC4E-991C-1FEB2957F9A9}"/>
               </a:ext>
             </a:extLst>
           </p:cNvPr>
@@ -12482,7 +17175,7 @@
             <p:cNvPr id="15" name="Rechteck 14">
               <a:extLst>
                 <a:ext uri="{FF2B5EF4-FFF2-40B4-BE49-F238E27FC236}">
-                  <a16:creationId xmlns="" xmlns:a16="http://schemas.microsoft.com/office/drawing/2014/main" id="{71B66402-AE28-034E-B538-DD8098A05FCC}"/>
+                  <a16:creationId xmlns:a16="http://schemas.microsoft.com/office/drawing/2014/main" xmlns="" id="{71B66402-AE28-034E-B538-DD8098A05FCC}"/>
                 </a:ext>
               </a:extLst>
             </p:cNvPr>
@@ -12621,7 +17314,7 @@
             <p:cNvPr id="16" name="Rechteck 15">
               <a:extLst>
                 <a:ext uri="{FF2B5EF4-FFF2-40B4-BE49-F238E27FC236}">
-                  <a16:creationId xmlns="" xmlns:a16="http://schemas.microsoft.com/office/drawing/2014/main" id="{3BF267A1-CAB7-CF4A-B6F4-D9891842B9EE}"/>
+                  <a16:creationId xmlns:a16="http://schemas.microsoft.com/office/drawing/2014/main" xmlns="" id="{3BF267A1-CAB7-CF4A-B6F4-D9891842B9EE}"/>
                 </a:ext>
               </a:extLst>
             </p:cNvPr>
@@ -12680,7 +17373,7 @@
           <p:cNvPr id="20" name="Gewinkelte Verbindung 19">
             <a:extLst>
               <a:ext uri="{FF2B5EF4-FFF2-40B4-BE49-F238E27FC236}">
-                <a16:creationId xmlns="" xmlns:a16="http://schemas.microsoft.com/office/drawing/2014/main" id="{FD336F23-DB98-1342-BB4F-5D218AF61D6F}"/>
+                <a16:creationId xmlns:a16="http://schemas.microsoft.com/office/drawing/2014/main" xmlns="" id="{FD336F23-DB98-1342-BB4F-5D218AF61D6F}"/>
               </a:ext>
             </a:extLst>
           </p:cNvPr>
@@ -12731,7 +17424,7 @@
           <p:cNvPr id="22" name="Gewinkelte Verbindung 21">
             <a:extLst>
               <a:ext uri="{FF2B5EF4-FFF2-40B4-BE49-F238E27FC236}">
-                <a16:creationId xmlns="" xmlns:a16="http://schemas.microsoft.com/office/drawing/2014/main" id="{BBE684D5-0A18-BA4A-8AA1-7553DDC193B9}"/>
+                <a16:creationId xmlns:a16="http://schemas.microsoft.com/office/drawing/2014/main" xmlns="" id="{BBE684D5-0A18-BA4A-8AA1-7553DDC193B9}"/>
               </a:ext>
             </a:extLst>
           </p:cNvPr>
@@ -12790,7 +17483,7 @@
 </p:sld>
 </file>
 
-<file path=ppt/slides/slide7.xml><?xml version="1.0" encoding="utf-8"?>
+<file path=ppt/slides/slide8.xml><?xml version="1.0" encoding="utf-8"?>
 <p:sld xmlns:a="http://schemas.openxmlformats.org/drawingml/2006/main" xmlns:r="http://schemas.openxmlformats.org/officeDocument/2006/relationships" xmlns:p="http://schemas.openxmlformats.org/presentationml/2006/main">
   <p:cSld>
     <p:spTree>
@@ -14013,7 +18706,7 @@
 </p:sld>
 </file>
 
-<file path=ppt/slides/slide8.xml><?xml version="1.0" encoding="utf-8"?>
+<file path=ppt/slides/slide9.xml><?xml version="1.0" encoding="utf-8"?>
 <p:sld xmlns:a="http://schemas.openxmlformats.org/drawingml/2006/main" xmlns:r="http://schemas.openxmlformats.org/officeDocument/2006/relationships" xmlns:p="http://schemas.openxmlformats.org/presentationml/2006/main">
   <p:cSld>
     <p:spTree>
@@ -15126,629 +19819,6 @@
     <p:extLst>
       <p:ext uri="{BB962C8B-B14F-4D97-AF65-F5344CB8AC3E}">
         <p14:creationId xmlns:p14="http://schemas.microsoft.com/office/powerpoint/2010/main" val="3080696946"/>
-      </p:ext>
-    </p:extLst>
-  </p:cSld>
-  <p:clrMapOvr>
-    <a:masterClrMapping/>
-  </p:clrMapOvr>
-</p:sld>
-</file>
-
-<file path=ppt/slides/slide9.xml><?xml version="1.0" encoding="utf-8"?>
-<p:sld xmlns:a="http://schemas.openxmlformats.org/drawingml/2006/main" xmlns:r="http://schemas.openxmlformats.org/officeDocument/2006/relationships" xmlns:p="http://schemas.openxmlformats.org/presentationml/2006/main">
-  <p:cSld>
-    <p:spTree>
-      <p:nvGrpSpPr>
-        <p:cNvPr id="1" name=""/>
-        <p:cNvGrpSpPr/>
-        <p:nvPr/>
-      </p:nvGrpSpPr>
-      <p:grpSpPr>
-        <a:xfrm>
-          <a:off x="0" y="0"/>
-          <a:ext cx="0" cy="0"/>
-          <a:chOff x="0" y="0"/>
-          <a:chExt cx="0" cy="0"/>
-        </a:xfrm>
-      </p:grpSpPr>
-      <p:sp>
-        <p:nvSpPr>
-          <p:cNvPr id="2" name="Titel 1"/>
-          <p:cNvSpPr>
-            <a:spLocks noGrp="1"/>
-          </p:cNvSpPr>
-          <p:nvPr>
-            <p:ph type="title"/>
-          </p:nvPr>
-        </p:nvSpPr>
-        <p:spPr/>
-        <p:txBody>
-          <a:bodyPr/>
-          <a:lstStyle/>
-          <a:p>
-            <a:r>
-              <a:rPr lang="de-DE" dirty="0">
-                <a:solidFill>
-                  <a:schemeClr val="accent4"/>
-                </a:solidFill>
-              </a:rPr>
-              <a:t>Digitale Assistenz </a:t>
-            </a:r>
-            <a:r>
-              <a:rPr lang="de-DE" dirty="0"/>
-              <a:t>unterstützt den Menschen</a:t>
-            </a:r>
-          </a:p>
-        </p:txBody>
-      </p:sp>
-      <p:sp>
-        <p:nvSpPr>
-          <p:cNvPr id="4" name="Wolke 3"/>
-          <p:cNvSpPr/>
-          <p:nvPr/>
-        </p:nvSpPr>
-        <p:spPr>
-          <a:xfrm>
-            <a:off x="11655552" y="84725"/>
-            <a:ext cx="436174" cy="498316"/>
-          </a:xfrm>
-          <a:prstGeom prst="cloud">
-            <a:avLst/>
-          </a:prstGeom>
-          <a:solidFill>
-            <a:schemeClr val="bg1"/>
-          </a:solidFill>
-          <a:ln w="19050">
-            <a:solidFill>
-              <a:schemeClr val="tx1"/>
-            </a:solidFill>
-          </a:ln>
-        </p:spPr>
-        <p:style>
-          <a:lnRef idx="2">
-            <a:schemeClr val="accent1">
-              <a:shade val="50000"/>
-            </a:schemeClr>
-          </a:lnRef>
-          <a:fillRef idx="1">
-            <a:schemeClr val="accent1"/>
-          </a:fillRef>
-          <a:effectRef idx="0">
-            <a:schemeClr val="accent1"/>
-          </a:effectRef>
-          <a:fontRef idx="minor">
-            <a:schemeClr val="lt1"/>
-          </a:fontRef>
-        </p:style>
-        <p:txBody>
-          <a:bodyPr rtlCol="0" anchor="ctr"/>
-          <a:lstStyle/>
-          <a:p>
-            <a:pPr algn="ctr"/>
-            <a:endParaRPr lang="de-DE"/>
-          </a:p>
-        </p:txBody>
-      </p:sp>
-      <p:grpSp>
-        <p:nvGrpSpPr>
-          <p:cNvPr id="8" name="Gruppieren 7">
-            <a:extLst>
-              <a:ext uri="{FF2B5EF4-FFF2-40B4-BE49-F238E27FC236}">
-                <a16:creationId xmlns="" xmlns:a16="http://schemas.microsoft.com/office/drawing/2014/main" id="{55DEAA25-08DE-234A-9F7E-6DA95517E4AB}"/>
-              </a:ext>
-            </a:extLst>
-          </p:cNvPr>
-          <p:cNvGrpSpPr/>
-          <p:nvPr/>
-        </p:nvGrpSpPr>
-        <p:grpSpPr>
-          <a:xfrm>
-            <a:off x="6677452" y="1605774"/>
-            <a:ext cx="4639397" cy="3520414"/>
-            <a:chOff x="1780031" y="1414270"/>
-            <a:chExt cx="4639397" cy="3520414"/>
-          </a:xfrm>
-        </p:grpSpPr>
-        <p:sp>
-          <p:nvSpPr>
-            <p:cNvPr id="9" name="Rechteck 8">
-              <a:extLst>
-                <a:ext uri="{FF2B5EF4-FFF2-40B4-BE49-F238E27FC236}">
-                  <a16:creationId xmlns="" xmlns:a16="http://schemas.microsoft.com/office/drawing/2014/main" id="{CBE4218A-6735-2946-A3C0-E23809B7CEDF}"/>
-                </a:ext>
-              </a:extLst>
-            </p:cNvPr>
-            <p:cNvSpPr/>
-            <p:nvPr/>
-          </p:nvSpPr>
-          <p:spPr>
-            <a:xfrm>
-              <a:off x="1780031" y="1583285"/>
-              <a:ext cx="4639397" cy="3351399"/>
-            </a:xfrm>
-            <a:prstGeom prst="rect">
-              <a:avLst/>
-            </a:prstGeom>
-            <a:solidFill>
-              <a:schemeClr val="bg1"/>
-            </a:solidFill>
-          </p:spPr>
-          <p:style>
-            <a:lnRef idx="2">
-              <a:schemeClr val="accent1">
-                <a:shade val="50000"/>
-              </a:schemeClr>
-            </a:lnRef>
-            <a:fillRef idx="1">
-              <a:schemeClr val="accent1"/>
-            </a:fillRef>
-            <a:effectRef idx="0">
-              <a:schemeClr val="accent1"/>
-            </a:effectRef>
-            <a:fontRef idx="minor">
-              <a:schemeClr val="lt1"/>
-            </a:fontRef>
-          </p:style>
-          <p:txBody>
-            <a:bodyPr tIns="251999" rtlCol="0" anchor="t"/>
-            <a:lstStyle/>
-            <a:p>
-              <a:pPr marL="285750" indent="-285750">
-                <a:buFont typeface="Arial" panose="020B0604020202020204" pitchFamily="34" charset="0"/>
-                <a:buChar char="•"/>
-              </a:pPr>
-              <a:r>
-                <a:rPr lang="de-DE" b="1" dirty="0">
-                  <a:solidFill>
-                    <a:schemeClr val="tx1"/>
-                  </a:solidFill>
-                </a:rPr>
-                <a:t>Interaktivität</a:t>
-              </a:r>
-            </a:p>
-            <a:p>
-              <a:pPr marL="697230" lvl="1" indent="-285750">
-                <a:buFont typeface="Arial" panose="020B0604020202020204" pitchFamily="34" charset="0"/>
-                <a:buChar char="•"/>
-              </a:pPr>
-              <a:r>
-                <a:rPr lang="de-DE" dirty="0">
-                  <a:solidFill>
-                    <a:schemeClr val="tx1"/>
-                  </a:solidFill>
-                </a:rPr>
-                <a:t>Möglichkeit zur Interaktion</a:t>
-              </a:r>
-            </a:p>
-            <a:p>
-              <a:pPr marL="285750" indent="-285750">
-                <a:buFont typeface="Arial" panose="020B0604020202020204" pitchFamily="34" charset="0"/>
-                <a:buChar char="•"/>
-              </a:pPr>
-              <a:endParaRPr lang="de-DE" b="1" dirty="0">
-                <a:solidFill>
-                  <a:schemeClr val="tx1"/>
-                </a:solidFill>
-              </a:endParaRPr>
-            </a:p>
-            <a:p>
-              <a:pPr marL="285750" indent="-285750">
-                <a:buFont typeface="Arial" panose="020B0604020202020204" pitchFamily="34" charset="0"/>
-                <a:buChar char="•"/>
-              </a:pPr>
-              <a:r>
-                <a:rPr lang="de-DE" b="1" dirty="0">
-                  <a:solidFill>
-                    <a:schemeClr val="tx1"/>
-                  </a:solidFill>
-                </a:rPr>
-                <a:t>Diagnose</a:t>
-              </a:r>
-            </a:p>
-            <a:p>
-              <a:pPr marL="697230" lvl="1" indent="-285750">
-                <a:buFont typeface="Arial" panose="020B0604020202020204" pitchFamily="34" charset="0"/>
-                <a:buChar char="•"/>
-              </a:pPr>
-              <a:r>
-                <a:rPr lang="de-DE" dirty="0">
-                  <a:solidFill>
-                    <a:schemeClr val="tx1"/>
-                  </a:solidFill>
-                </a:rPr>
-                <a:t>Effekte bei fehlerhaften Eingaben müssen bekannt sein</a:t>
-              </a:r>
-            </a:p>
-            <a:p>
-              <a:pPr marL="697230" lvl="1" indent="-285750">
-                <a:buFont typeface="Arial" panose="020B0604020202020204" pitchFamily="34" charset="0"/>
-                <a:buChar char="•"/>
-              </a:pPr>
-              <a:endParaRPr lang="de-DE" b="1" dirty="0">
-                <a:solidFill>
-                  <a:schemeClr val="tx1"/>
-                </a:solidFill>
-              </a:endParaRPr>
-            </a:p>
-            <a:p>
-              <a:pPr marL="285750" indent="-285750">
-                <a:buFont typeface="Arial" panose="020B0604020202020204" pitchFamily="34" charset="0"/>
-                <a:buChar char="•"/>
-              </a:pPr>
-              <a:r>
-                <a:rPr lang="de-DE" b="1" dirty="0">
-                  <a:solidFill>
-                    <a:schemeClr val="tx1"/>
-                  </a:solidFill>
-                </a:rPr>
-                <a:t>Korrektur</a:t>
-              </a:r>
-            </a:p>
-            <a:p>
-              <a:pPr marL="697230" lvl="1" indent="-285750">
-                <a:buFont typeface="Arial" panose="020B0604020202020204" pitchFamily="34" charset="0"/>
-                <a:buChar char="•"/>
-              </a:pPr>
-              <a:r>
-                <a:rPr lang="de-DE" dirty="0">
-                  <a:solidFill>
-                    <a:schemeClr val="tx1"/>
-                  </a:solidFill>
-                </a:rPr>
-                <a:t>Die Assistenz muss den Nutzer auf bei abweichenden Handlungen geeignet unterstützen können</a:t>
-              </a:r>
-            </a:p>
-          </p:txBody>
-        </p:sp>
-        <p:sp>
-          <p:nvSpPr>
-            <p:cNvPr id="10" name="Rechteck 9">
-              <a:extLst>
-                <a:ext uri="{FF2B5EF4-FFF2-40B4-BE49-F238E27FC236}">
-                  <a16:creationId xmlns="" xmlns:a16="http://schemas.microsoft.com/office/drawing/2014/main" id="{5ECE2600-E242-0A47-A437-E1A9C7F07343}"/>
-                </a:ext>
-              </a:extLst>
-            </p:cNvPr>
-            <p:cNvSpPr/>
-            <p:nvPr/>
-          </p:nvSpPr>
-          <p:spPr>
-            <a:xfrm>
-              <a:off x="1977039" y="1414270"/>
-              <a:ext cx="2518922" cy="338027"/>
-            </a:xfrm>
-            <a:prstGeom prst="rect">
-              <a:avLst/>
-            </a:prstGeom>
-            <a:solidFill>
-              <a:schemeClr val="bg1"/>
-            </a:solidFill>
-            <a:ln>
-              <a:noFill/>
-            </a:ln>
-          </p:spPr>
-          <p:style>
-            <a:lnRef idx="2">
-              <a:schemeClr val="accent1">
-                <a:shade val="50000"/>
-              </a:schemeClr>
-            </a:lnRef>
-            <a:fillRef idx="1">
-              <a:schemeClr val="accent1"/>
-            </a:fillRef>
-            <a:effectRef idx="0">
-              <a:schemeClr val="accent1"/>
-            </a:effectRef>
-            <a:fontRef idx="minor">
-              <a:schemeClr val="lt1"/>
-            </a:fontRef>
-          </p:style>
-          <p:txBody>
-            <a:bodyPr rtlCol="0" anchor="ctr"/>
-            <a:lstStyle/>
-            <a:p>
-              <a:r>
-                <a:rPr lang="de-DE" sz="2000" b="1" dirty="0">
-                  <a:solidFill>
-                    <a:schemeClr val="accent4"/>
-                  </a:solidFill>
-                </a:rPr>
-                <a:t>Anforderungen </a:t>
-              </a:r>
-              <a:r>
-                <a:rPr lang="de-DE" sz="2000" dirty="0">
-                  <a:solidFill>
-                    <a:schemeClr val="accent4"/>
-                  </a:solidFill>
-                </a:rPr>
-                <a:t>[5]</a:t>
-              </a:r>
-            </a:p>
-          </p:txBody>
-        </p:sp>
-      </p:grpSp>
-      <p:grpSp>
-        <p:nvGrpSpPr>
-          <p:cNvPr id="11" name="Gruppieren 10">
-            <a:extLst>
-              <a:ext uri="{FF2B5EF4-FFF2-40B4-BE49-F238E27FC236}">
-                <a16:creationId xmlns="" xmlns:a16="http://schemas.microsoft.com/office/drawing/2014/main" id="{2A9CBD64-DABE-DB44-8CC9-7ED3D3F42599}"/>
-              </a:ext>
-            </a:extLst>
-          </p:cNvPr>
-          <p:cNvGrpSpPr/>
-          <p:nvPr/>
-        </p:nvGrpSpPr>
-        <p:grpSpPr>
-          <a:xfrm>
-            <a:off x="874712" y="1605774"/>
-            <a:ext cx="4639397" cy="3520414"/>
-            <a:chOff x="1780031" y="1414270"/>
-            <a:chExt cx="4639397" cy="3520414"/>
-          </a:xfrm>
-        </p:grpSpPr>
-        <p:sp>
-          <p:nvSpPr>
-            <p:cNvPr id="12" name="Rechteck 11">
-              <a:extLst>
-                <a:ext uri="{FF2B5EF4-FFF2-40B4-BE49-F238E27FC236}">
-                  <a16:creationId xmlns="" xmlns:a16="http://schemas.microsoft.com/office/drawing/2014/main" id="{880AB37D-6202-FE47-84F8-2DB9C99F0992}"/>
-                </a:ext>
-              </a:extLst>
-            </p:cNvPr>
-            <p:cNvSpPr/>
-            <p:nvPr/>
-          </p:nvSpPr>
-          <p:spPr>
-            <a:xfrm>
-              <a:off x="1780031" y="1583285"/>
-              <a:ext cx="4639397" cy="3351399"/>
-            </a:xfrm>
-            <a:prstGeom prst="rect">
-              <a:avLst/>
-            </a:prstGeom>
-            <a:solidFill>
-              <a:schemeClr val="bg1"/>
-            </a:solidFill>
-          </p:spPr>
-          <p:style>
-            <a:lnRef idx="2">
-              <a:schemeClr val="accent1">
-                <a:shade val="50000"/>
-              </a:schemeClr>
-            </a:lnRef>
-            <a:fillRef idx="1">
-              <a:schemeClr val="accent1"/>
-            </a:fillRef>
-            <a:effectRef idx="0">
-              <a:schemeClr val="accent1"/>
-            </a:effectRef>
-            <a:fontRef idx="minor">
-              <a:schemeClr val="lt1"/>
-            </a:fontRef>
-          </p:style>
-          <p:txBody>
-            <a:bodyPr tIns="251999" rtlCol="0" anchor="t"/>
-            <a:lstStyle/>
-            <a:p>
-              <a:pPr marL="285750" indent="-285750">
-                <a:buFont typeface="Arial" panose="020B0604020202020204" pitchFamily="34" charset="0"/>
-                <a:buChar char="•"/>
-              </a:pPr>
-              <a:r>
-                <a:rPr lang="de-DE" b="1" dirty="0">
-                  <a:solidFill>
-                    <a:schemeClr val="tx1"/>
-                  </a:solidFill>
-                </a:rPr>
-                <a:t>Aufmerksamkeit aktivieren</a:t>
-              </a:r>
-            </a:p>
-            <a:p>
-              <a:pPr marL="697230" lvl="1" indent="-285750">
-                <a:buFont typeface="Arial" panose="020B0604020202020204" pitchFamily="34" charset="0"/>
-                <a:buChar char="•"/>
-              </a:pPr>
-              <a:r>
-                <a:rPr lang="de-DE" dirty="0">
-                  <a:solidFill>
-                    <a:schemeClr val="tx1"/>
-                  </a:solidFill>
-                </a:rPr>
-                <a:t>Steuern der Aufmerksamkeit des Nutzers</a:t>
-              </a:r>
-            </a:p>
-            <a:p>
-              <a:pPr marL="697230" lvl="1" indent="-285750">
-                <a:buFont typeface="Arial" panose="020B0604020202020204" pitchFamily="34" charset="0"/>
-                <a:buChar char="•"/>
-              </a:pPr>
-              <a:endParaRPr lang="de-DE" dirty="0">
-                <a:solidFill>
-                  <a:schemeClr val="tx1"/>
-                </a:solidFill>
-              </a:endParaRPr>
-            </a:p>
-            <a:p>
-              <a:pPr marL="285750" indent="-285750">
-                <a:buFont typeface="Arial" panose="020B0604020202020204" pitchFamily="34" charset="0"/>
-                <a:buChar char="•"/>
-              </a:pPr>
-              <a:r>
-                <a:rPr lang="de-DE" b="1" dirty="0">
-                  <a:solidFill>
-                    <a:schemeClr val="tx1"/>
-                  </a:solidFill>
-                </a:rPr>
-                <a:t>Informationen integrieren</a:t>
-              </a:r>
-            </a:p>
-            <a:p>
-              <a:pPr marL="697230" lvl="1" indent="-285750">
-                <a:buFont typeface="Arial" panose="020B0604020202020204" pitchFamily="34" charset="0"/>
-                <a:buChar char="•"/>
-              </a:pPr>
-              <a:r>
-                <a:rPr lang="de-DE" dirty="0">
-                  <a:solidFill>
-                    <a:schemeClr val="tx1"/>
-                  </a:solidFill>
-                </a:rPr>
-                <a:t>Erklärung von Symbolen</a:t>
-              </a:r>
-            </a:p>
-            <a:p>
-              <a:pPr marL="697230" lvl="1" indent="-285750">
-                <a:buFont typeface="Arial" panose="020B0604020202020204" pitchFamily="34" charset="0"/>
-                <a:buChar char="•"/>
-              </a:pPr>
-              <a:r>
-                <a:rPr lang="de-DE" dirty="0">
-                  <a:solidFill>
-                    <a:schemeClr val="tx1"/>
-                  </a:solidFill>
-                </a:rPr>
-                <a:t>Erläutern von Konsequenzen</a:t>
-              </a:r>
-            </a:p>
-            <a:p>
-              <a:pPr marL="697230" lvl="1" indent="-285750">
-                <a:buFont typeface="Arial" panose="020B0604020202020204" pitchFamily="34" charset="0"/>
-                <a:buChar char="•"/>
-              </a:pPr>
-              <a:endParaRPr lang="de-DE" dirty="0">
-                <a:solidFill>
-                  <a:schemeClr val="tx1"/>
-                </a:solidFill>
-              </a:endParaRPr>
-            </a:p>
-            <a:p>
-              <a:pPr marL="285750" indent="-285750">
-                <a:buFont typeface="Arial" panose="020B0604020202020204" pitchFamily="34" charset="0"/>
-                <a:buChar char="•"/>
-              </a:pPr>
-              <a:r>
-                <a:rPr lang="de-DE" b="1" dirty="0">
-                  <a:solidFill>
-                    <a:schemeClr val="tx1"/>
-                  </a:solidFill>
-                </a:rPr>
-                <a:t>Entscheidungen unterstützen</a:t>
-              </a:r>
-            </a:p>
-            <a:p>
-              <a:pPr marL="697230" lvl="1" indent="-285750">
-                <a:buFont typeface="Arial" panose="020B0604020202020204" pitchFamily="34" charset="0"/>
-                <a:buChar char="•"/>
-              </a:pPr>
-              <a:r>
-                <a:rPr lang="de-DE" dirty="0">
-                  <a:solidFill>
-                    <a:schemeClr val="tx1"/>
-                  </a:solidFill>
-                </a:rPr>
-                <a:t>Bereitstellen aller Informationen</a:t>
-              </a:r>
-            </a:p>
-            <a:p>
-              <a:pPr marL="697230" lvl="1" indent="-285750">
-                <a:buFont typeface="Arial" panose="020B0604020202020204" pitchFamily="34" charset="0"/>
-                <a:buChar char="•"/>
-              </a:pPr>
-              <a:r>
-                <a:rPr lang="de-DE" dirty="0">
-                  <a:solidFill>
-                    <a:schemeClr val="tx1"/>
-                  </a:solidFill>
-                </a:rPr>
-                <a:t>Vorschlag von Lösungsansätzen</a:t>
-              </a:r>
-            </a:p>
-            <a:p>
-              <a:pPr marL="697230" lvl="1" indent="-285750">
-                <a:buFont typeface="Arial" panose="020B0604020202020204" pitchFamily="34" charset="0"/>
-                <a:buChar char="•"/>
-              </a:pPr>
-              <a:endParaRPr lang="de-DE" b="1" dirty="0">
-                <a:solidFill>
-                  <a:schemeClr val="tx1"/>
-                </a:solidFill>
-              </a:endParaRPr>
-            </a:p>
-          </p:txBody>
-        </p:sp>
-        <p:sp>
-          <p:nvSpPr>
-            <p:cNvPr id="13" name="Rechteck 12">
-              <a:extLst>
-                <a:ext uri="{FF2B5EF4-FFF2-40B4-BE49-F238E27FC236}">
-                  <a16:creationId xmlns="" xmlns:a16="http://schemas.microsoft.com/office/drawing/2014/main" id="{6E6D6DF1-8063-C749-A415-29613D3195D5}"/>
-                </a:ext>
-              </a:extLst>
-            </p:cNvPr>
-            <p:cNvSpPr/>
-            <p:nvPr/>
-          </p:nvSpPr>
-          <p:spPr>
-            <a:xfrm>
-              <a:off x="1977037" y="1414270"/>
-              <a:ext cx="1781209" cy="338027"/>
-            </a:xfrm>
-            <a:prstGeom prst="rect">
-              <a:avLst/>
-            </a:prstGeom>
-            <a:solidFill>
-              <a:schemeClr val="bg1"/>
-            </a:solidFill>
-            <a:ln>
-              <a:noFill/>
-            </a:ln>
-          </p:spPr>
-          <p:style>
-            <a:lnRef idx="2">
-              <a:schemeClr val="accent1">
-                <a:shade val="50000"/>
-              </a:schemeClr>
-            </a:lnRef>
-            <a:fillRef idx="1">
-              <a:schemeClr val="accent1"/>
-            </a:fillRef>
-            <a:effectRef idx="0">
-              <a:schemeClr val="accent1"/>
-            </a:effectRef>
-            <a:fontRef idx="minor">
-              <a:schemeClr val="lt1"/>
-            </a:fontRef>
-          </p:style>
-          <p:txBody>
-            <a:bodyPr rtlCol="0" anchor="ctr"/>
-            <a:lstStyle/>
-            <a:p>
-              <a:r>
-                <a:rPr lang="de-DE" sz="2000" b="1" dirty="0" smtClean="0">
-                  <a:solidFill>
-                    <a:schemeClr val="accent4"/>
-                  </a:solidFill>
-                </a:rPr>
-                <a:t>Aufgaben </a:t>
-              </a:r>
-              <a:r>
-                <a:rPr lang="de-DE" sz="2000" dirty="0">
-                  <a:solidFill>
-                    <a:schemeClr val="accent4"/>
-                  </a:solidFill>
-                </a:rPr>
-                <a:t>[4]</a:t>
-              </a:r>
-            </a:p>
-          </p:txBody>
-        </p:sp>
-      </p:grpSp>
-    </p:spTree>
-    <p:extLst>
-      <p:ext uri="{BB962C8B-B14F-4D97-AF65-F5344CB8AC3E}">
-        <p14:creationId xmlns:p14="http://schemas.microsoft.com/office/powerpoint/2010/main" val="3268873986"/>
       </p:ext>
     </p:extLst>
   </p:cSld>

--- a/Dokumente/Präsentationen/2019-01-24_DA_Feldkemper_Treffen_Krzywinski.pptx
+++ b/Dokumente/Präsentationen/2019-01-24_DA_Feldkemper_Treffen_Krzywinski.pptx
@@ -835,6 +835,114 @@
           <a:bodyPr/>
           <a:lstStyle/>
           <a:p>
+            <a:r>
+              <a:rPr lang="de-DE" dirty="0"/>
+              <a:t>Wir wissen jetzt mit WAS Mensch und Maschine</a:t>
+            </a:r>
+            <a:r>
+              <a:rPr lang="de-DE" baseline="0" dirty="0"/>
+              <a:t> interagieren können, aber sie reden nach wie vor nicht miteinander.</a:t>
+            </a:r>
+          </a:p>
+          <a:p>
+            <a:r>
+              <a:rPr lang="de-DE" baseline="0" dirty="0"/>
+              <a:t>Um Informationen austauschen zu können müssen entsprechende Möglichkeiten vorhanden sein.</a:t>
+            </a:r>
+          </a:p>
+          <a:p>
+            <a:r>
+              <a:rPr lang="de-DE" baseline="0" dirty="0"/>
+              <a:t>Das System stellt dem Mensch entsprechende Optionen </a:t>
+            </a:r>
+            <a:r>
+              <a:rPr lang="de-DE" baseline="0"/>
+              <a:t>zur Verfügung.</a:t>
+            </a:r>
+            <a:endParaRPr lang="de-DE" dirty="0"/>
+          </a:p>
+        </p:txBody>
+      </p:sp>
+      <p:sp>
+        <p:nvSpPr>
+          <p:cNvPr id="4" name="Foliennummernplatzhalter 3"/>
+          <p:cNvSpPr>
+            <a:spLocks noGrp="1"/>
+          </p:cNvSpPr>
+          <p:nvPr>
+            <p:ph type="sldNum" sz="quarter" idx="10"/>
+          </p:nvPr>
+        </p:nvSpPr>
+        <p:spPr/>
+        <p:txBody>
+          <a:bodyPr/>
+          <a:lstStyle/>
+          <a:p>
+            <a:fld id="{2969AC09-DF60-43F4-96BF-67D4D9A74094}" type="slidenum">
+              <a:rPr lang="de-DE" smtClean="0"/>
+              <a:t>16</a:t>
+            </a:fld>
+            <a:endParaRPr lang="de-DE"/>
+          </a:p>
+        </p:txBody>
+      </p:sp>
+    </p:spTree>
+    <p:extLst>
+      <p:ext uri="{BB962C8B-B14F-4D97-AF65-F5344CB8AC3E}">
+        <p14:creationId xmlns:p14="http://schemas.microsoft.com/office/powerpoint/2010/main" val="2790543334"/>
+      </p:ext>
+    </p:extLst>
+  </p:cSld>
+  <p:clrMapOvr>
+    <a:masterClrMapping/>
+  </p:clrMapOvr>
+</p:notes>
+</file>
+
+<file path=ppt/notesSlides/notesSlide11.xml><?xml version="1.0" encoding="utf-8"?>
+<p:notes xmlns:a="http://schemas.openxmlformats.org/drawingml/2006/main" xmlns:r="http://schemas.openxmlformats.org/officeDocument/2006/relationships" xmlns:p="http://schemas.openxmlformats.org/presentationml/2006/main">
+  <p:cSld>
+    <p:spTree>
+      <p:nvGrpSpPr>
+        <p:cNvPr id="1" name=""/>
+        <p:cNvGrpSpPr/>
+        <p:nvPr/>
+      </p:nvGrpSpPr>
+      <p:grpSpPr>
+        <a:xfrm>
+          <a:off x="0" y="0"/>
+          <a:ext cx="0" cy="0"/>
+          <a:chOff x="0" y="0"/>
+          <a:chExt cx="0" cy="0"/>
+        </a:xfrm>
+      </p:grpSpPr>
+      <p:sp>
+        <p:nvSpPr>
+          <p:cNvPr id="2" name="Folienbildplatzhalter 1"/>
+          <p:cNvSpPr>
+            <a:spLocks noGrp="1" noRot="1" noChangeAspect="1"/>
+          </p:cNvSpPr>
+          <p:nvPr>
+            <p:ph type="sldImg"/>
+          </p:nvPr>
+        </p:nvSpPr>
+        <p:spPr/>
+      </p:sp>
+      <p:sp>
+        <p:nvSpPr>
+          <p:cNvPr id="3" name="Notizenplatzhalter 2"/>
+          <p:cNvSpPr>
+            <a:spLocks noGrp="1"/>
+          </p:cNvSpPr>
+          <p:nvPr>
+            <p:ph type="body" idx="1"/>
+          </p:nvPr>
+        </p:nvSpPr>
+        <p:spPr/>
+        <p:txBody>
+          <a:bodyPr/>
+          <a:lstStyle/>
+          <a:p>
             <a:endParaRPr lang="de-DE" dirty="0"/>
           </a:p>
         </p:txBody>
@@ -1003,7 +1111,7 @@
           <a:bodyPr/>
           <a:lstStyle/>
           <a:p>
-            <a:endParaRPr lang="de-DE" dirty="0"/>
+            <a:endParaRPr lang="de-DE"/>
           </a:p>
         </p:txBody>
       </p:sp>
@@ -1014,7 +1122,7 @@
             <a:spLocks noGrp="1"/>
           </p:cNvSpPr>
           <p:nvPr>
-            <p:ph type="sldNum" sz="quarter" idx="5"/>
+            <p:ph type="sldNum" sz="quarter" idx="10"/>
           </p:nvPr>
         </p:nvSpPr>
         <p:spPr/>
@@ -1024,7 +1132,7 @@
           <a:p>
             <a:fld id="{2969AC09-DF60-43F4-96BF-67D4D9A74094}" type="slidenum">
               <a:rPr lang="de-DE" smtClean="0"/>
-              <a:t>7</a:t>
+              <a:t>3</a:t>
             </a:fld>
             <a:endParaRPr lang="de-DE"/>
           </a:p>
@@ -1033,7 +1141,7 @@
     </p:spTree>
     <p:extLst>
       <p:ext uri="{BB962C8B-B14F-4D97-AF65-F5344CB8AC3E}">
-        <p14:creationId xmlns:p14="http://schemas.microsoft.com/office/powerpoint/2010/main" val="105658726"/>
+        <p14:creationId xmlns:p14="http://schemas.microsoft.com/office/powerpoint/2010/main" val="2243470217"/>
       </p:ext>
     </p:extLst>
   </p:cSld>
@@ -1087,6 +1195,90 @@
           <a:bodyPr/>
           <a:lstStyle/>
           <a:p>
+            <a:endParaRPr lang="de-DE" dirty="0"/>
+          </a:p>
+        </p:txBody>
+      </p:sp>
+      <p:sp>
+        <p:nvSpPr>
+          <p:cNvPr id="4" name="Foliennummernplatzhalter 3"/>
+          <p:cNvSpPr>
+            <a:spLocks noGrp="1"/>
+          </p:cNvSpPr>
+          <p:nvPr>
+            <p:ph type="sldNum" sz="quarter" idx="5"/>
+          </p:nvPr>
+        </p:nvSpPr>
+        <p:spPr/>
+        <p:txBody>
+          <a:bodyPr/>
+          <a:lstStyle/>
+          <a:p>
+            <a:fld id="{2969AC09-DF60-43F4-96BF-67D4D9A74094}" type="slidenum">
+              <a:rPr lang="de-DE" smtClean="0"/>
+              <a:t>7</a:t>
+            </a:fld>
+            <a:endParaRPr lang="de-DE"/>
+          </a:p>
+        </p:txBody>
+      </p:sp>
+    </p:spTree>
+    <p:extLst>
+      <p:ext uri="{BB962C8B-B14F-4D97-AF65-F5344CB8AC3E}">
+        <p14:creationId xmlns:p14="http://schemas.microsoft.com/office/powerpoint/2010/main" val="105658726"/>
+      </p:ext>
+    </p:extLst>
+  </p:cSld>
+  <p:clrMapOvr>
+    <a:masterClrMapping/>
+  </p:clrMapOvr>
+</p:notes>
+</file>
+
+<file path=ppt/notesSlides/notesSlide5.xml><?xml version="1.0" encoding="utf-8"?>
+<p:notes xmlns:a="http://schemas.openxmlformats.org/drawingml/2006/main" xmlns:r="http://schemas.openxmlformats.org/officeDocument/2006/relationships" xmlns:p="http://schemas.openxmlformats.org/presentationml/2006/main">
+  <p:cSld>
+    <p:spTree>
+      <p:nvGrpSpPr>
+        <p:cNvPr id="1" name=""/>
+        <p:cNvGrpSpPr/>
+        <p:nvPr/>
+      </p:nvGrpSpPr>
+      <p:grpSpPr>
+        <a:xfrm>
+          <a:off x="0" y="0"/>
+          <a:ext cx="0" cy="0"/>
+          <a:chOff x="0" y="0"/>
+          <a:chExt cx="0" cy="0"/>
+        </a:xfrm>
+      </p:grpSpPr>
+      <p:sp>
+        <p:nvSpPr>
+          <p:cNvPr id="2" name="Folienbildplatzhalter 1"/>
+          <p:cNvSpPr>
+            <a:spLocks noGrp="1" noRot="1" noChangeAspect="1"/>
+          </p:cNvSpPr>
+          <p:nvPr>
+            <p:ph type="sldImg"/>
+          </p:nvPr>
+        </p:nvSpPr>
+        <p:spPr/>
+      </p:sp>
+      <p:sp>
+        <p:nvSpPr>
+          <p:cNvPr id="3" name="Notizenplatzhalter 2"/>
+          <p:cNvSpPr>
+            <a:spLocks noGrp="1"/>
+          </p:cNvSpPr>
+          <p:nvPr>
+            <p:ph type="body" idx="1"/>
+          </p:nvPr>
+        </p:nvSpPr>
+        <p:spPr/>
+        <p:txBody>
+          <a:bodyPr/>
+          <a:lstStyle/>
+          <a:p>
             <a:r>
               <a:rPr lang="de-DE" dirty="0"/>
               <a:t>Welche Informationen müssen dem Menschen zur Verfügung gestellt werden?</a:t>
@@ -1136,7 +1328,7 @@
 </p:notes>
 </file>
 
-<file path=ppt/notesSlides/notesSlide5.xml><?xml version="1.0" encoding="utf-8"?>
+<file path=ppt/notesSlides/notesSlide6.xml><?xml version="1.0" encoding="utf-8"?>
 <p:notes xmlns:a="http://schemas.openxmlformats.org/drawingml/2006/main" xmlns:r="http://schemas.openxmlformats.org/officeDocument/2006/relationships" xmlns:p="http://schemas.openxmlformats.org/presentationml/2006/main">
   <p:cSld>
     <p:spTree>
@@ -1220,7 +1412,7 @@
 </p:notes>
 </file>
 
-<file path=ppt/notesSlides/notesSlide6.xml><?xml version="1.0" encoding="utf-8"?>
+<file path=ppt/notesSlides/notesSlide7.xml><?xml version="1.0" encoding="utf-8"?>
 <p:notes xmlns:a="http://schemas.openxmlformats.org/drawingml/2006/main" xmlns:r="http://schemas.openxmlformats.org/officeDocument/2006/relationships" xmlns:p="http://schemas.openxmlformats.org/presentationml/2006/main">
   <p:cSld>
     <p:spTree>
@@ -1304,7 +1496,7 @@
 </p:notes>
 </file>
 
-<file path=ppt/notesSlides/notesSlide7.xml><?xml version="1.0" encoding="utf-8"?>
+<file path=ppt/notesSlides/notesSlide8.xml><?xml version="1.0" encoding="utf-8"?>
 <p:notes xmlns:a="http://schemas.openxmlformats.org/drawingml/2006/main" xmlns:r="http://schemas.openxmlformats.org/officeDocument/2006/relationships" xmlns:p="http://schemas.openxmlformats.org/presentationml/2006/main">
   <p:cSld>
     <p:spTree>
@@ -1388,7 +1580,7 @@
 </p:notes>
 </file>
 
-<file path=ppt/notesSlides/notesSlide8.xml><?xml version="1.0" encoding="utf-8"?>
+<file path=ppt/notesSlides/notesSlide9.xml><?xml version="1.0" encoding="utf-8"?>
 <p:notes xmlns:a="http://schemas.openxmlformats.org/drawingml/2006/main" xmlns:r="http://schemas.openxmlformats.org/officeDocument/2006/relationships" xmlns:p="http://schemas.openxmlformats.org/presentationml/2006/main">
   <p:cSld>
     <p:spTree>
@@ -1472,114 +1664,6 @@
 </p:notes>
 </file>
 
-<file path=ppt/notesSlides/notesSlide9.xml><?xml version="1.0" encoding="utf-8"?>
-<p:notes xmlns:a="http://schemas.openxmlformats.org/drawingml/2006/main" xmlns:r="http://schemas.openxmlformats.org/officeDocument/2006/relationships" xmlns:p="http://schemas.openxmlformats.org/presentationml/2006/main">
-  <p:cSld>
-    <p:spTree>
-      <p:nvGrpSpPr>
-        <p:cNvPr id="1" name=""/>
-        <p:cNvGrpSpPr/>
-        <p:nvPr/>
-      </p:nvGrpSpPr>
-      <p:grpSpPr>
-        <a:xfrm>
-          <a:off x="0" y="0"/>
-          <a:ext cx="0" cy="0"/>
-          <a:chOff x="0" y="0"/>
-          <a:chExt cx="0" cy="0"/>
-        </a:xfrm>
-      </p:grpSpPr>
-      <p:sp>
-        <p:nvSpPr>
-          <p:cNvPr id="2" name="Folienbildplatzhalter 1"/>
-          <p:cNvSpPr>
-            <a:spLocks noGrp="1" noRot="1" noChangeAspect="1"/>
-          </p:cNvSpPr>
-          <p:nvPr>
-            <p:ph type="sldImg"/>
-          </p:nvPr>
-        </p:nvSpPr>
-        <p:spPr/>
-      </p:sp>
-      <p:sp>
-        <p:nvSpPr>
-          <p:cNvPr id="3" name="Notizenplatzhalter 2"/>
-          <p:cNvSpPr>
-            <a:spLocks noGrp="1"/>
-          </p:cNvSpPr>
-          <p:nvPr>
-            <p:ph type="body" idx="1"/>
-          </p:nvPr>
-        </p:nvSpPr>
-        <p:spPr/>
-        <p:txBody>
-          <a:bodyPr/>
-          <a:lstStyle/>
-          <a:p>
-            <a:r>
-              <a:rPr lang="de-DE" dirty="0"/>
-              <a:t>Wir wissen jetzt mit WAS Mensch und Maschine</a:t>
-            </a:r>
-            <a:r>
-              <a:rPr lang="de-DE" baseline="0" dirty="0"/>
-              <a:t> interagieren können, aber sie reden nach wie vor nicht miteinander.</a:t>
-            </a:r>
-          </a:p>
-          <a:p>
-            <a:r>
-              <a:rPr lang="de-DE" baseline="0" dirty="0"/>
-              <a:t>Um Informationen austauschen zu können müssen entsprechende Möglichkeiten vorhanden sein.</a:t>
-            </a:r>
-          </a:p>
-          <a:p>
-            <a:r>
-              <a:rPr lang="de-DE" baseline="0" dirty="0"/>
-              <a:t>Das System stellt dem Mensch entsprechende Optionen </a:t>
-            </a:r>
-            <a:r>
-              <a:rPr lang="de-DE" baseline="0"/>
-              <a:t>zur Verfügung.</a:t>
-            </a:r>
-            <a:endParaRPr lang="de-DE" dirty="0"/>
-          </a:p>
-        </p:txBody>
-      </p:sp>
-      <p:sp>
-        <p:nvSpPr>
-          <p:cNvPr id="4" name="Foliennummernplatzhalter 3"/>
-          <p:cNvSpPr>
-            <a:spLocks noGrp="1"/>
-          </p:cNvSpPr>
-          <p:nvPr>
-            <p:ph type="sldNum" sz="quarter" idx="10"/>
-          </p:nvPr>
-        </p:nvSpPr>
-        <p:spPr/>
-        <p:txBody>
-          <a:bodyPr/>
-          <a:lstStyle/>
-          <a:p>
-            <a:fld id="{2969AC09-DF60-43F4-96BF-67D4D9A74094}" type="slidenum">
-              <a:rPr lang="de-DE" smtClean="0"/>
-              <a:t>16</a:t>
-            </a:fld>
-            <a:endParaRPr lang="de-DE"/>
-          </a:p>
-        </p:txBody>
-      </p:sp>
-    </p:spTree>
-    <p:extLst>
-      <p:ext uri="{BB962C8B-B14F-4D97-AF65-F5344CB8AC3E}">
-        <p14:creationId xmlns:p14="http://schemas.microsoft.com/office/powerpoint/2010/main" val="2790543334"/>
-      </p:ext>
-    </p:extLst>
-  </p:cSld>
-  <p:clrMapOvr>
-    <a:masterClrMapping/>
-  </p:clrMapOvr>
-</p:notes>
-</file>
-
 <file path=ppt/slideLayouts/slideLayout1.xml><?xml version="1.0" encoding="utf-8"?>
 <p:sldLayout xmlns:a="http://schemas.openxmlformats.org/drawingml/2006/main" xmlns:r="http://schemas.openxmlformats.org/officeDocument/2006/relationships" xmlns:p="http://schemas.openxmlformats.org/presentationml/2006/main" showMasterSp="0" preserve="1">
   <p:cSld name="Titelfolie">
@@ -1602,7 +1686,7 @@
           <p:cNvPr id="15" name="Rechteck 14">
             <a:extLst>
               <a:ext uri="{FF2B5EF4-FFF2-40B4-BE49-F238E27FC236}">
-                <a16:creationId xmlns:a16="http://schemas.microsoft.com/office/drawing/2014/main" xmlns="" id="{F770C3AA-244C-A141-BC22-D074823F4293}"/>
+                <a16:creationId xmlns="" xmlns:a16="http://schemas.microsoft.com/office/drawing/2014/main" id="{F770C3AA-244C-A141-BC22-D074823F4293}"/>
               </a:ext>
             </a:extLst>
           </p:cNvPr>
@@ -1842,7 +1926,7 @@
           <p:cNvPr id="5" name="Grafik 4">
             <a:extLst>
               <a:ext uri="{FF2B5EF4-FFF2-40B4-BE49-F238E27FC236}">
-                <a16:creationId xmlns:a16="http://schemas.microsoft.com/office/drawing/2014/main" xmlns="" id="{C0F785FA-BB6E-6347-A8C6-9846216D4CBB}"/>
+                <a16:creationId xmlns="" xmlns:a16="http://schemas.microsoft.com/office/drawing/2014/main" id="{C0F785FA-BB6E-6347-A8C6-9846216D4CBB}"/>
               </a:ext>
             </a:extLst>
           </p:cNvPr>
@@ -2031,7 +2115,7 @@
           <p:cNvPr id="12" name="Grafik 11" hidden="1">
             <a:extLst>
               <a:ext uri="{FF2B5EF4-FFF2-40B4-BE49-F238E27FC236}">
-                <a16:creationId xmlns:a16="http://schemas.microsoft.com/office/drawing/2014/main" xmlns="" id="{CFC0D4A5-64CF-6D49-98B1-9FF6119E60EC}"/>
+                <a16:creationId xmlns="" xmlns:a16="http://schemas.microsoft.com/office/drawing/2014/main" id="{CFC0D4A5-64CF-6D49-98B1-9FF6119E60EC}"/>
               </a:ext>
             </a:extLst>
           </p:cNvPr>
@@ -2061,7 +2145,7 @@
           <p:cNvPr id="17" name="Grafik 16">
             <a:extLst>
               <a:ext uri="{FF2B5EF4-FFF2-40B4-BE49-F238E27FC236}">
-                <a16:creationId xmlns:a16="http://schemas.microsoft.com/office/drawing/2014/main" xmlns="" id="{22ECE872-F4EF-2A49-BA96-6065BC99D769}"/>
+                <a16:creationId xmlns="" xmlns:a16="http://schemas.microsoft.com/office/drawing/2014/main" id="{22ECE872-F4EF-2A49-BA96-6065BC99D769}"/>
               </a:ext>
             </a:extLst>
           </p:cNvPr>
@@ -2331,7 +2415,7 @@
           <p:cNvPr id="24" name="Bildplatzhalter 23">
             <a:extLst>
               <a:ext uri="{FF2B5EF4-FFF2-40B4-BE49-F238E27FC236}">
-                <a16:creationId xmlns:a16="http://schemas.microsoft.com/office/drawing/2014/main" xmlns="" id="{24A56C48-CA8D-D349-89CC-35C3A65DC4D5}"/>
+                <a16:creationId xmlns="" xmlns:a16="http://schemas.microsoft.com/office/drawing/2014/main" id="{24A56C48-CA8D-D349-89CC-35C3A65DC4D5}"/>
               </a:ext>
             </a:extLst>
           </p:cNvPr>
@@ -2645,7 +2729,7 @@
           <p:cNvPr id="6" name="Textplatzhalter 5">
             <a:extLst>
               <a:ext uri="{FF2B5EF4-FFF2-40B4-BE49-F238E27FC236}">
-                <a16:creationId xmlns:a16="http://schemas.microsoft.com/office/drawing/2014/main" xmlns="" id="{2E77FCEF-52F5-324B-A583-005ABCE0E622}"/>
+                <a16:creationId xmlns="" xmlns:a16="http://schemas.microsoft.com/office/drawing/2014/main" id="{2E77FCEF-52F5-324B-A583-005ABCE0E622}"/>
               </a:ext>
             </a:extLst>
           </p:cNvPr>
@@ -2683,7 +2767,7 @@
           <p:cNvPr id="13" name="Grafik 12">
             <a:extLst>
               <a:ext uri="{FF2B5EF4-FFF2-40B4-BE49-F238E27FC236}">
-                <a16:creationId xmlns:a16="http://schemas.microsoft.com/office/drawing/2014/main" xmlns="" id="{F84F96E3-FAED-E24A-9E01-BBA4824F0E34}"/>
+                <a16:creationId xmlns="" xmlns:a16="http://schemas.microsoft.com/office/drawing/2014/main" id="{F84F96E3-FAED-E24A-9E01-BBA4824F0E34}"/>
               </a:ext>
             </a:extLst>
           </p:cNvPr>
@@ -2854,7 +2938,7 @@
           <p:cNvPr id="6" name="Rechteck 5">
             <a:extLst>
               <a:ext uri="{FF2B5EF4-FFF2-40B4-BE49-F238E27FC236}">
-                <a16:creationId xmlns:a16="http://schemas.microsoft.com/office/drawing/2014/main" xmlns="" id="{2447D286-D9F9-E84F-9173-2C8D2D2068E1}"/>
+                <a16:creationId xmlns="" xmlns:a16="http://schemas.microsoft.com/office/drawing/2014/main" id="{2447D286-D9F9-E84F-9173-2C8D2D2068E1}"/>
               </a:ext>
             </a:extLst>
           </p:cNvPr>
@@ -2921,7 +3005,7 @@
           <p:cNvPr id="10" name="Grafik 9">
             <a:extLst>
               <a:ext uri="{FF2B5EF4-FFF2-40B4-BE49-F238E27FC236}">
-                <a16:creationId xmlns:a16="http://schemas.microsoft.com/office/drawing/2014/main" xmlns="" id="{E4DBCC79-CA26-C240-B119-9127A62CDBA8}"/>
+                <a16:creationId xmlns="" xmlns:a16="http://schemas.microsoft.com/office/drawing/2014/main" id="{E4DBCC79-CA26-C240-B119-9127A62CDBA8}"/>
               </a:ext>
             </a:extLst>
           </p:cNvPr>
@@ -3023,7 +3107,7 @@
           <p:cNvPr id="5" name="Rechteck 4">
             <a:extLst>
               <a:ext uri="{FF2B5EF4-FFF2-40B4-BE49-F238E27FC236}">
-                <a16:creationId xmlns:a16="http://schemas.microsoft.com/office/drawing/2014/main" xmlns="" id="{FD770378-5F2D-DE46-8D66-09007E946AD3}"/>
+                <a16:creationId xmlns="" xmlns:a16="http://schemas.microsoft.com/office/drawing/2014/main" id="{FD770378-5F2D-DE46-8D66-09007E946AD3}"/>
               </a:ext>
             </a:extLst>
           </p:cNvPr>
@@ -3087,7 +3171,7 @@
           <p:cNvPr id="4" name="Grafik 3">
             <a:extLst>
               <a:ext uri="{FF2B5EF4-FFF2-40B4-BE49-F238E27FC236}">
-                <a16:creationId xmlns:a16="http://schemas.microsoft.com/office/drawing/2014/main" xmlns="" id="{4FE30B28-5777-FC40-9C3F-81738D289A6A}"/>
+                <a16:creationId xmlns="" xmlns:a16="http://schemas.microsoft.com/office/drawing/2014/main" id="{4FE30B28-5777-FC40-9C3F-81738D289A6A}"/>
               </a:ext>
             </a:extLst>
           </p:cNvPr>
@@ -4232,7 +4316,7 @@
           <p:cNvPr id="13" name="Grafik 12">
             <a:extLst>
               <a:ext uri="{FF2B5EF4-FFF2-40B4-BE49-F238E27FC236}">
-                <a16:creationId xmlns:a16="http://schemas.microsoft.com/office/drawing/2014/main" xmlns="" id="{2DC3CACD-C7C8-274E-BCD4-043370996A48}"/>
+                <a16:creationId xmlns="" xmlns:a16="http://schemas.microsoft.com/office/drawing/2014/main" id="{2DC3CACD-C7C8-274E-BCD4-043370996A48}"/>
               </a:ext>
             </a:extLst>
           </p:cNvPr>
@@ -4943,7 +5027,7 @@
           <p:cNvPr id="8" name="Gruppieren 7">
             <a:extLst>
               <a:ext uri="{FF2B5EF4-FFF2-40B4-BE49-F238E27FC236}">
-                <a16:creationId xmlns:a16="http://schemas.microsoft.com/office/drawing/2014/main" xmlns="" id="{55DEAA25-08DE-234A-9F7E-6DA95517E4AB}"/>
+                <a16:creationId xmlns="" xmlns:a16="http://schemas.microsoft.com/office/drawing/2014/main" id="{55DEAA25-08DE-234A-9F7E-6DA95517E4AB}"/>
               </a:ext>
             </a:extLst>
           </p:cNvPr>
@@ -4963,7 +5047,7 @@
             <p:cNvPr id="9" name="Rechteck 8">
               <a:extLst>
                 <a:ext uri="{FF2B5EF4-FFF2-40B4-BE49-F238E27FC236}">
-                  <a16:creationId xmlns:a16="http://schemas.microsoft.com/office/drawing/2014/main" xmlns="" id="{CBE4218A-6735-2946-A3C0-E23809B7CEDF}"/>
+                  <a16:creationId xmlns="" xmlns:a16="http://schemas.microsoft.com/office/drawing/2014/main" id="{CBE4218A-6735-2946-A3C0-E23809B7CEDF}"/>
                 </a:ext>
               </a:extLst>
             </p:cNvPr>
@@ -5114,7 +5198,7 @@
             <p:cNvPr id="10" name="Rechteck 9">
               <a:extLst>
                 <a:ext uri="{FF2B5EF4-FFF2-40B4-BE49-F238E27FC236}">
-                  <a16:creationId xmlns:a16="http://schemas.microsoft.com/office/drawing/2014/main" xmlns="" id="{5ECE2600-E242-0A47-A437-E1A9C7F07343}"/>
+                  <a16:creationId xmlns="" xmlns:a16="http://schemas.microsoft.com/office/drawing/2014/main" id="{5ECE2600-E242-0A47-A437-E1A9C7F07343}"/>
                 </a:ext>
               </a:extLst>
             </p:cNvPr>
@@ -5181,7 +5265,7 @@
           <p:cNvPr id="11" name="Gruppieren 10">
             <a:extLst>
               <a:ext uri="{FF2B5EF4-FFF2-40B4-BE49-F238E27FC236}">
-                <a16:creationId xmlns:a16="http://schemas.microsoft.com/office/drawing/2014/main" xmlns="" id="{2A9CBD64-DABE-DB44-8CC9-7ED3D3F42599}"/>
+                <a16:creationId xmlns="" xmlns:a16="http://schemas.microsoft.com/office/drawing/2014/main" id="{2A9CBD64-DABE-DB44-8CC9-7ED3D3F42599}"/>
               </a:ext>
             </a:extLst>
           </p:cNvPr>
@@ -5201,7 +5285,7 @@
             <p:cNvPr id="12" name="Rechteck 11">
               <a:extLst>
                 <a:ext uri="{FF2B5EF4-FFF2-40B4-BE49-F238E27FC236}">
-                  <a16:creationId xmlns:a16="http://schemas.microsoft.com/office/drawing/2014/main" xmlns="" id="{880AB37D-6202-FE47-84F8-2DB9C99F0992}"/>
+                  <a16:creationId xmlns="" xmlns:a16="http://schemas.microsoft.com/office/drawing/2014/main" id="{880AB37D-6202-FE47-84F8-2DB9C99F0992}"/>
                 </a:ext>
               </a:extLst>
             </p:cNvPr>
@@ -5391,7 +5475,7 @@
             <p:cNvPr id="13" name="Rechteck 12">
               <a:extLst>
                 <a:ext uri="{FF2B5EF4-FFF2-40B4-BE49-F238E27FC236}">
-                  <a16:creationId xmlns:a16="http://schemas.microsoft.com/office/drawing/2014/main" xmlns="" id="{6E6D6DF1-8063-C749-A415-29613D3195D5}"/>
+                  <a16:creationId xmlns="" xmlns:a16="http://schemas.microsoft.com/office/drawing/2014/main" id="{6E6D6DF1-8063-C749-A415-29613D3195D5}"/>
                 </a:ext>
               </a:extLst>
             </p:cNvPr>
@@ -5488,7 +5572,7 @@
           <p:cNvPr id="2" name="Titel 1">
             <a:extLst>
               <a:ext uri="{FF2B5EF4-FFF2-40B4-BE49-F238E27FC236}">
-                <a16:creationId xmlns:a16="http://schemas.microsoft.com/office/drawing/2014/main" xmlns="" id="{0E63EF50-EEA4-0D49-A35C-C36F045D035E}"/>
+                <a16:creationId xmlns="" xmlns:a16="http://schemas.microsoft.com/office/drawing/2014/main" id="{0E63EF50-EEA4-0D49-A35C-C36F045D035E}"/>
               </a:ext>
             </a:extLst>
           </p:cNvPr>
@@ -5533,7 +5617,7 @@
           <p:cNvPr id="5" name="Gruppieren 4">
             <a:extLst>
               <a:ext uri="{FF2B5EF4-FFF2-40B4-BE49-F238E27FC236}">
-                <a16:creationId xmlns:a16="http://schemas.microsoft.com/office/drawing/2014/main" xmlns="" id="{82067C57-47CC-BC4A-911D-C058CB8E64C1}"/>
+                <a16:creationId xmlns="" xmlns:a16="http://schemas.microsoft.com/office/drawing/2014/main" id="{82067C57-47CC-BC4A-911D-C058CB8E64C1}"/>
               </a:ext>
             </a:extLst>
           </p:cNvPr>
@@ -5553,7 +5637,7 @@
             <p:cNvPr id="6" name="Rechteck 5">
               <a:extLst>
                 <a:ext uri="{FF2B5EF4-FFF2-40B4-BE49-F238E27FC236}">
-                  <a16:creationId xmlns:a16="http://schemas.microsoft.com/office/drawing/2014/main" xmlns="" id="{1F74AAB6-FEC2-E040-AE2F-389C01E41200}"/>
+                  <a16:creationId xmlns="" xmlns:a16="http://schemas.microsoft.com/office/drawing/2014/main" id="{1F74AAB6-FEC2-E040-AE2F-389C01E41200}"/>
                 </a:ext>
               </a:extLst>
             </p:cNvPr>
@@ -5681,7 +5765,7 @@
             <p:cNvPr id="7" name="Rechteck 6">
               <a:extLst>
                 <a:ext uri="{FF2B5EF4-FFF2-40B4-BE49-F238E27FC236}">
-                  <a16:creationId xmlns:a16="http://schemas.microsoft.com/office/drawing/2014/main" xmlns="" id="{D9A91609-F78E-9C45-BCA7-7DF954BC0A1A}"/>
+                  <a16:creationId xmlns="" xmlns:a16="http://schemas.microsoft.com/office/drawing/2014/main" id="{D9A91609-F78E-9C45-BCA7-7DF954BC0A1A}"/>
                 </a:ext>
               </a:extLst>
             </p:cNvPr>
@@ -5740,7 +5824,7 @@
           <p:cNvPr id="8" name="Gruppieren 7">
             <a:extLst>
               <a:ext uri="{FF2B5EF4-FFF2-40B4-BE49-F238E27FC236}">
-                <a16:creationId xmlns:a16="http://schemas.microsoft.com/office/drawing/2014/main" xmlns="" id="{64401E1E-557D-5D4F-AE09-187A0802411B}"/>
+                <a16:creationId xmlns="" xmlns:a16="http://schemas.microsoft.com/office/drawing/2014/main" id="{64401E1E-557D-5D4F-AE09-187A0802411B}"/>
               </a:ext>
             </a:extLst>
           </p:cNvPr>
@@ -5760,7 +5844,7 @@
             <p:cNvPr id="9" name="Rechteck 8">
               <a:extLst>
                 <a:ext uri="{FF2B5EF4-FFF2-40B4-BE49-F238E27FC236}">
-                  <a16:creationId xmlns:a16="http://schemas.microsoft.com/office/drawing/2014/main" xmlns="" id="{35A0EAB9-4039-6448-AC03-B60DE38901D0}"/>
+                  <a16:creationId xmlns="" xmlns:a16="http://schemas.microsoft.com/office/drawing/2014/main" id="{35A0EAB9-4039-6448-AC03-B60DE38901D0}"/>
                 </a:ext>
               </a:extLst>
             </p:cNvPr>
@@ -5844,7 +5928,7 @@
             <p:cNvPr id="10" name="Rechteck 9">
               <a:extLst>
                 <a:ext uri="{FF2B5EF4-FFF2-40B4-BE49-F238E27FC236}">
-                  <a16:creationId xmlns:a16="http://schemas.microsoft.com/office/drawing/2014/main" xmlns="" id="{FCCEA108-686B-BB4F-95FB-4BCE5EB529F1}"/>
+                  <a16:creationId xmlns="" xmlns:a16="http://schemas.microsoft.com/office/drawing/2014/main" id="{FCCEA108-686B-BB4F-95FB-4BCE5EB529F1}"/>
                 </a:ext>
               </a:extLst>
             </p:cNvPr>
@@ -5903,7 +5987,7 @@
           <p:cNvPr id="11" name="Rechteck 10">
             <a:extLst>
               <a:ext uri="{FF2B5EF4-FFF2-40B4-BE49-F238E27FC236}">
-                <a16:creationId xmlns:a16="http://schemas.microsoft.com/office/drawing/2014/main" xmlns="" id="{96BDAF81-30A4-1E4E-959F-95E9EB7F7C7A}"/>
+                <a16:creationId xmlns="" xmlns:a16="http://schemas.microsoft.com/office/drawing/2014/main" id="{96BDAF81-30A4-1E4E-959F-95E9EB7F7C7A}"/>
               </a:ext>
             </a:extLst>
           </p:cNvPr>
@@ -5970,7 +6054,7 @@
           <p:cNvPr id="12" name="Rechteck 11">
             <a:extLst>
               <a:ext uri="{FF2B5EF4-FFF2-40B4-BE49-F238E27FC236}">
-                <a16:creationId xmlns:a16="http://schemas.microsoft.com/office/drawing/2014/main" xmlns="" id="{E6C50A77-89BD-8744-8E4D-4BE35B73D833}"/>
+                <a16:creationId xmlns="" xmlns:a16="http://schemas.microsoft.com/office/drawing/2014/main" id="{E6C50A77-89BD-8744-8E4D-4BE35B73D833}"/>
               </a:ext>
             </a:extLst>
           </p:cNvPr>
@@ -6037,7 +6121,7 @@
           <p:cNvPr id="13" name="Gruppieren 12">
             <a:extLst>
               <a:ext uri="{FF2B5EF4-FFF2-40B4-BE49-F238E27FC236}">
-                <a16:creationId xmlns:a16="http://schemas.microsoft.com/office/drawing/2014/main" xmlns="" id="{5B6A8D9F-A9F8-264C-B489-24AFD5A8596D}"/>
+                <a16:creationId xmlns="" xmlns:a16="http://schemas.microsoft.com/office/drawing/2014/main" id="{5B6A8D9F-A9F8-264C-B489-24AFD5A8596D}"/>
               </a:ext>
             </a:extLst>
           </p:cNvPr>
@@ -6057,7 +6141,7 @@
             <p:cNvPr id="14" name="Rechteck 13">
               <a:extLst>
                 <a:ext uri="{FF2B5EF4-FFF2-40B4-BE49-F238E27FC236}">
-                  <a16:creationId xmlns:a16="http://schemas.microsoft.com/office/drawing/2014/main" xmlns="" id="{8766CB30-3942-9E46-8CAC-FC33876B35F3}"/>
+                  <a16:creationId xmlns="" xmlns:a16="http://schemas.microsoft.com/office/drawing/2014/main" id="{8766CB30-3942-9E46-8CAC-FC33876B35F3}"/>
                 </a:ext>
               </a:extLst>
             </p:cNvPr>
@@ -6141,7 +6225,7 @@
             <p:cNvPr id="15" name="Rechteck 14">
               <a:extLst>
                 <a:ext uri="{FF2B5EF4-FFF2-40B4-BE49-F238E27FC236}">
-                  <a16:creationId xmlns:a16="http://schemas.microsoft.com/office/drawing/2014/main" xmlns="" id="{79F41613-6C39-9547-8B51-B50E6A35E505}"/>
+                  <a16:creationId xmlns="" xmlns:a16="http://schemas.microsoft.com/office/drawing/2014/main" id="{79F41613-6C39-9547-8B51-B50E6A35E505}"/>
                 </a:ext>
               </a:extLst>
             </p:cNvPr>
@@ -6200,7 +6284,7 @@
           <p:cNvPr id="16" name="Gruppieren 15">
             <a:extLst>
               <a:ext uri="{FF2B5EF4-FFF2-40B4-BE49-F238E27FC236}">
-                <a16:creationId xmlns:a16="http://schemas.microsoft.com/office/drawing/2014/main" xmlns="" id="{3EAAE737-A1E8-BD49-A661-00C0D54A60DD}"/>
+                <a16:creationId xmlns="" xmlns:a16="http://schemas.microsoft.com/office/drawing/2014/main" id="{3EAAE737-A1E8-BD49-A661-00C0D54A60DD}"/>
               </a:ext>
             </a:extLst>
           </p:cNvPr>
@@ -6220,7 +6304,7 @@
             <p:cNvPr id="17" name="Rechteck 16">
               <a:extLst>
                 <a:ext uri="{FF2B5EF4-FFF2-40B4-BE49-F238E27FC236}">
-                  <a16:creationId xmlns:a16="http://schemas.microsoft.com/office/drawing/2014/main" xmlns="" id="{A12CF216-7A5B-B546-8D15-3FFD047539D4}"/>
+                  <a16:creationId xmlns="" xmlns:a16="http://schemas.microsoft.com/office/drawing/2014/main" id="{A12CF216-7A5B-B546-8D15-3FFD047539D4}"/>
                 </a:ext>
               </a:extLst>
             </p:cNvPr>
@@ -6318,7 +6402,7 @@
             <p:cNvPr id="18" name="Rechteck 17">
               <a:extLst>
                 <a:ext uri="{FF2B5EF4-FFF2-40B4-BE49-F238E27FC236}">
-                  <a16:creationId xmlns:a16="http://schemas.microsoft.com/office/drawing/2014/main" xmlns="" id="{91008A0C-F66B-104F-B3C9-118DB994F72D}"/>
+                  <a16:creationId xmlns="" xmlns:a16="http://schemas.microsoft.com/office/drawing/2014/main" id="{91008A0C-F66B-104F-B3C9-118DB994F72D}"/>
                 </a:ext>
               </a:extLst>
             </p:cNvPr>
@@ -6407,7 +6491,7 @@
           <p:cNvPr id="2" name="Titel 1">
             <a:extLst>
               <a:ext uri="{FF2B5EF4-FFF2-40B4-BE49-F238E27FC236}">
-                <a16:creationId xmlns:a16="http://schemas.microsoft.com/office/drawing/2014/main" xmlns="" id="{7BA8FE41-0B04-6748-9CA8-05F0AE81883B}"/>
+                <a16:creationId xmlns="" xmlns:a16="http://schemas.microsoft.com/office/drawing/2014/main" id="{7BA8FE41-0B04-6748-9CA8-05F0AE81883B}"/>
               </a:ext>
             </a:extLst>
           </p:cNvPr>
@@ -6435,7 +6519,7 @@
           <p:cNvPr id="12" name="Gruppieren 11">
             <a:extLst>
               <a:ext uri="{FF2B5EF4-FFF2-40B4-BE49-F238E27FC236}">
-                <a16:creationId xmlns:a16="http://schemas.microsoft.com/office/drawing/2014/main" xmlns="" id="{995F115A-CBCD-7A4D-8C0A-281259A5A3C1}"/>
+                <a16:creationId xmlns="" xmlns:a16="http://schemas.microsoft.com/office/drawing/2014/main" id="{995F115A-CBCD-7A4D-8C0A-281259A5A3C1}"/>
               </a:ext>
             </a:extLst>
           </p:cNvPr>
@@ -6455,7 +6539,7 @@
             <p:cNvPr id="4" name="Gruppieren 3">
               <a:extLst>
                 <a:ext uri="{FF2B5EF4-FFF2-40B4-BE49-F238E27FC236}">
-                  <a16:creationId xmlns:a16="http://schemas.microsoft.com/office/drawing/2014/main" xmlns="" id="{783A73D2-C025-644E-A194-3438D291D352}"/>
+                  <a16:creationId xmlns="" xmlns:a16="http://schemas.microsoft.com/office/drawing/2014/main" id="{783A73D2-C025-644E-A194-3438D291D352}"/>
                 </a:ext>
               </a:extLst>
             </p:cNvPr>
@@ -6475,7 +6559,7 @@
               <p:cNvPr id="5" name="Rechteck 4">
                 <a:extLst>
                   <a:ext uri="{FF2B5EF4-FFF2-40B4-BE49-F238E27FC236}">
-                    <a16:creationId xmlns:a16="http://schemas.microsoft.com/office/drawing/2014/main" xmlns="" id="{4F68B8E9-417E-0141-AE27-E298ED29929C}"/>
+                    <a16:creationId xmlns="" xmlns:a16="http://schemas.microsoft.com/office/drawing/2014/main" id="{4F68B8E9-417E-0141-AE27-E298ED29929C}"/>
                   </a:ext>
                 </a:extLst>
               </p:cNvPr>
@@ -6567,7 +6651,7 @@
               <p:cNvPr id="6" name="Rechteck 5">
                 <a:extLst>
                   <a:ext uri="{FF2B5EF4-FFF2-40B4-BE49-F238E27FC236}">
-                    <a16:creationId xmlns:a16="http://schemas.microsoft.com/office/drawing/2014/main" xmlns="" id="{B2717A64-B61E-B44C-B23D-CB509FB519CA}"/>
+                    <a16:creationId xmlns="" xmlns:a16="http://schemas.microsoft.com/office/drawing/2014/main" id="{B2717A64-B61E-B44C-B23D-CB509FB519CA}"/>
                   </a:ext>
                 </a:extLst>
               </p:cNvPr>
@@ -6626,7 +6710,7 @@
             <p:cNvPr id="7" name="Rechteck 6">
               <a:extLst>
                 <a:ext uri="{FF2B5EF4-FFF2-40B4-BE49-F238E27FC236}">
-                  <a16:creationId xmlns:a16="http://schemas.microsoft.com/office/drawing/2014/main" xmlns="" id="{6F92A16E-30FA-A34D-A87A-AD884881288C}"/>
+                  <a16:creationId xmlns="" xmlns:a16="http://schemas.microsoft.com/office/drawing/2014/main" id="{6F92A16E-30FA-A34D-A87A-AD884881288C}"/>
                 </a:ext>
               </a:extLst>
             </p:cNvPr>
@@ -6686,7 +6770,7 @@
           <p:cNvPr id="13" name="Gruppieren 12">
             <a:extLst>
               <a:ext uri="{FF2B5EF4-FFF2-40B4-BE49-F238E27FC236}">
-                <a16:creationId xmlns:a16="http://schemas.microsoft.com/office/drawing/2014/main" xmlns="" id="{214C6E04-BA76-3048-B247-843530C6F237}"/>
+                <a16:creationId xmlns="" xmlns:a16="http://schemas.microsoft.com/office/drawing/2014/main" id="{214C6E04-BA76-3048-B247-843530C6F237}"/>
               </a:ext>
             </a:extLst>
           </p:cNvPr>
@@ -6706,7 +6790,7 @@
             <p:cNvPr id="14" name="Gruppieren 13">
               <a:extLst>
                 <a:ext uri="{FF2B5EF4-FFF2-40B4-BE49-F238E27FC236}">
-                  <a16:creationId xmlns:a16="http://schemas.microsoft.com/office/drawing/2014/main" xmlns="" id="{CF154C31-9B1A-6844-82C6-BEC64AE64B76}"/>
+                  <a16:creationId xmlns="" xmlns:a16="http://schemas.microsoft.com/office/drawing/2014/main" id="{CF154C31-9B1A-6844-82C6-BEC64AE64B76}"/>
                 </a:ext>
               </a:extLst>
             </p:cNvPr>
@@ -6726,7 +6810,7 @@
               <p:cNvPr id="16" name="Rechteck 15">
                 <a:extLst>
                   <a:ext uri="{FF2B5EF4-FFF2-40B4-BE49-F238E27FC236}">
-                    <a16:creationId xmlns:a16="http://schemas.microsoft.com/office/drawing/2014/main" xmlns="" id="{5D41E86D-96E1-F64F-B645-811FEF9C3566}"/>
+                    <a16:creationId xmlns="" xmlns:a16="http://schemas.microsoft.com/office/drawing/2014/main" id="{5D41E86D-96E1-F64F-B645-811FEF9C3566}"/>
                   </a:ext>
                 </a:extLst>
               </p:cNvPr>
@@ -6857,7 +6941,7 @@
               <p:cNvPr id="17" name="Rechteck 16">
                 <a:extLst>
                   <a:ext uri="{FF2B5EF4-FFF2-40B4-BE49-F238E27FC236}">
-                    <a16:creationId xmlns:a16="http://schemas.microsoft.com/office/drawing/2014/main" xmlns="" id="{829E215D-25C5-FE42-A84B-E10BE5590901}"/>
+                    <a16:creationId xmlns="" xmlns:a16="http://schemas.microsoft.com/office/drawing/2014/main" id="{829E215D-25C5-FE42-A84B-E10BE5590901}"/>
                   </a:ext>
                 </a:extLst>
               </p:cNvPr>
@@ -6916,7 +7000,7 @@
             <p:cNvPr id="15" name="Rechteck 14">
               <a:extLst>
                 <a:ext uri="{FF2B5EF4-FFF2-40B4-BE49-F238E27FC236}">
-                  <a16:creationId xmlns:a16="http://schemas.microsoft.com/office/drawing/2014/main" xmlns="" id="{3D7F9058-E672-2A4D-9BB1-013BCCC5ACE0}"/>
+                  <a16:creationId xmlns="" xmlns:a16="http://schemas.microsoft.com/office/drawing/2014/main" id="{3D7F9058-E672-2A4D-9BB1-013BCCC5ACE0}"/>
                 </a:ext>
               </a:extLst>
             </p:cNvPr>
@@ -6976,7 +7060,7 @@
           <p:cNvPr id="18" name="Gruppieren 17">
             <a:extLst>
               <a:ext uri="{FF2B5EF4-FFF2-40B4-BE49-F238E27FC236}">
-                <a16:creationId xmlns:a16="http://schemas.microsoft.com/office/drawing/2014/main" xmlns="" id="{76C873CF-9A61-9B4A-9A7F-7A0A6A11ECCC}"/>
+                <a16:creationId xmlns="" xmlns:a16="http://schemas.microsoft.com/office/drawing/2014/main" id="{76C873CF-9A61-9B4A-9A7F-7A0A6A11ECCC}"/>
               </a:ext>
             </a:extLst>
           </p:cNvPr>
@@ -6996,7 +7080,7 @@
             <p:cNvPr id="19" name="Gruppieren 18">
               <a:extLst>
                 <a:ext uri="{FF2B5EF4-FFF2-40B4-BE49-F238E27FC236}">
-                  <a16:creationId xmlns:a16="http://schemas.microsoft.com/office/drawing/2014/main" xmlns="" id="{02621200-51DD-6A4C-86C6-6B2A72D512E2}"/>
+                  <a16:creationId xmlns="" xmlns:a16="http://schemas.microsoft.com/office/drawing/2014/main" id="{02621200-51DD-6A4C-86C6-6B2A72D512E2}"/>
                 </a:ext>
               </a:extLst>
             </p:cNvPr>
@@ -7016,7 +7100,7 @@
               <p:cNvPr id="21" name="Rechteck 20">
                 <a:extLst>
                   <a:ext uri="{FF2B5EF4-FFF2-40B4-BE49-F238E27FC236}">
-                    <a16:creationId xmlns:a16="http://schemas.microsoft.com/office/drawing/2014/main" xmlns="" id="{ED0E09EA-1DC6-1249-841E-901E17F3D0B6}"/>
+                    <a16:creationId xmlns="" xmlns:a16="http://schemas.microsoft.com/office/drawing/2014/main" id="{ED0E09EA-1DC6-1249-841E-901E17F3D0B6}"/>
                   </a:ext>
                 </a:extLst>
               </p:cNvPr>
@@ -7105,7 +7189,7 @@
               <p:cNvPr id="22" name="Rechteck 21">
                 <a:extLst>
                   <a:ext uri="{FF2B5EF4-FFF2-40B4-BE49-F238E27FC236}">
-                    <a16:creationId xmlns:a16="http://schemas.microsoft.com/office/drawing/2014/main" xmlns="" id="{753356B5-7EB8-3F4A-96E1-8FF10B332D06}"/>
+                    <a16:creationId xmlns="" xmlns:a16="http://schemas.microsoft.com/office/drawing/2014/main" id="{753356B5-7EB8-3F4A-96E1-8FF10B332D06}"/>
                   </a:ext>
                 </a:extLst>
               </p:cNvPr>
@@ -7164,7 +7248,7 @@
             <p:cNvPr id="20" name="Rechteck 19">
               <a:extLst>
                 <a:ext uri="{FF2B5EF4-FFF2-40B4-BE49-F238E27FC236}">
-                  <a16:creationId xmlns:a16="http://schemas.microsoft.com/office/drawing/2014/main" xmlns="" id="{63DF4C62-579D-3249-9CFF-878DBD32F80A}"/>
+                  <a16:creationId xmlns="" xmlns:a16="http://schemas.microsoft.com/office/drawing/2014/main" id="{63DF4C62-579D-3249-9CFF-878DBD32F80A}"/>
                 </a:ext>
               </a:extLst>
             </p:cNvPr>
@@ -7224,7 +7308,7 @@
           <p:cNvPr id="23" name="Gruppieren 22">
             <a:extLst>
               <a:ext uri="{FF2B5EF4-FFF2-40B4-BE49-F238E27FC236}">
-                <a16:creationId xmlns:a16="http://schemas.microsoft.com/office/drawing/2014/main" xmlns="" id="{8E929239-873F-A040-A4FF-CF41E574A33B}"/>
+                <a16:creationId xmlns="" xmlns:a16="http://schemas.microsoft.com/office/drawing/2014/main" id="{8E929239-873F-A040-A4FF-CF41E574A33B}"/>
               </a:ext>
             </a:extLst>
           </p:cNvPr>
@@ -7244,7 +7328,7 @@
             <p:cNvPr id="24" name="Gruppieren 23">
               <a:extLst>
                 <a:ext uri="{FF2B5EF4-FFF2-40B4-BE49-F238E27FC236}">
-                  <a16:creationId xmlns:a16="http://schemas.microsoft.com/office/drawing/2014/main" xmlns="" id="{F47E6093-9AA6-8F4B-B80B-776943FCB73D}"/>
+                  <a16:creationId xmlns="" xmlns:a16="http://schemas.microsoft.com/office/drawing/2014/main" id="{F47E6093-9AA6-8F4B-B80B-776943FCB73D}"/>
                 </a:ext>
               </a:extLst>
             </p:cNvPr>
@@ -7264,7 +7348,7 @@
               <p:cNvPr id="26" name="Rechteck 25">
                 <a:extLst>
                   <a:ext uri="{FF2B5EF4-FFF2-40B4-BE49-F238E27FC236}">
-                    <a16:creationId xmlns:a16="http://schemas.microsoft.com/office/drawing/2014/main" xmlns="" id="{4059FEBC-2EFF-ED47-98FF-010C8401FADA}"/>
+                    <a16:creationId xmlns="" xmlns:a16="http://schemas.microsoft.com/office/drawing/2014/main" id="{4059FEBC-2EFF-ED47-98FF-010C8401FADA}"/>
                   </a:ext>
                 </a:extLst>
               </p:cNvPr>
@@ -7353,7 +7437,7 @@
               <p:cNvPr id="27" name="Rechteck 26">
                 <a:extLst>
                   <a:ext uri="{FF2B5EF4-FFF2-40B4-BE49-F238E27FC236}">
-                    <a16:creationId xmlns:a16="http://schemas.microsoft.com/office/drawing/2014/main" xmlns="" id="{A6C74FE9-D83D-2346-A400-58BA4229E830}"/>
+                    <a16:creationId xmlns="" xmlns:a16="http://schemas.microsoft.com/office/drawing/2014/main" id="{A6C74FE9-D83D-2346-A400-58BA4229E830}"/>
                   </a:ext>
                 </a:extLst>
               </p:cNvPr>
@@ -7412,7 +7496,7 @@
             <p:cNvPr id="25" name="Rechteck 24">
               <a:extLst>
                 <a:ext uri="{FF2B5EF4-FFF2-40B4-BE49-F238E27FC236}">
-                  <a16:creationId xmlns:a16="http://schemas.microsoft.com/office/drawing/2014/main" xmlns="" id="{1EDE063D-852E-324C-A77E-EFB1A1CCD783}"/>
+                  <a16:creationId xmlns="" xmlns:a16="http://schemas.microsoft.com/office/drawing/2014/main" id="{1EDE063D-852E-324C-A77E-EFB1A1CCD783}"/>
                 </a:ext>
               </a:extLst>
             </p:cNvPr>
@@ -7472,7 +7556,7 @@
           <p:cNvPr id="28" name="Gruppieren 27">
             <a:extLst>
               <a:ext uri="{FF2B5EF4-FFF2-40B4-BE49-F238E27FC236}">
-                <a16:creationId xmlns:a16="http://schemas.microsoft.com/office/drawing/2014/main" xmlns="" id="{076AA3C9-476D-4D45-B8BE-E0951E23CBCF}"/>
+                <a16:creationId xmlns="" xmlns:a16="http://schemas.microsoft.com/office/drawing/2014/main" id="{076AA3C9-476D-4D45-B8BE-E0951E23CBCF}"/>
               </a:ext>
             </a:extLst>
           </p:cNvPr>
@@ -7492,7 +7576,7 @@
             <p:cNvPr id="29" name="Gruppieren 28">
               <a:extLst>
                 <a:ext uri="{FF2B5EF4-FFF2-40B4-BE49-F238E27FC236}">
-                  <a16:creationId xmlns:a16="http://schemas.microsoft.com/office/drawing/2014/main" xmlns="" id="{B404C1CC-6DF7-B648-9CCB-5E2E9AFEB672}"/>
+                  <a16:creationId xmlns="" xmlns:a16="http://schemas.microsoft.com/office/drawing/2014/main" id="{B404C1CC-6DF7-B648-9CCB-5E2E9AFEB672}"/>
                 </a:ext>
               </a:extLst>
             </p:cNvPr>
@@ -7512,7 +7596,7 @@
               <p:cNvPr id="31" name="Rechteck 30">
                 <a:extLst>
                   <a:ext uri="{FF2B5EF4-FFF2-40B4-BE49-F238E27FC236}">
-                    <a16:creationId xmlns:a16="http://schemas.microsoft.com/office/drawing/2014/main" xmlns="" id="{4BDB37D7-D054-A942-8D6D-F9B2EF0F9FF6}"/>
+                    <a16:creationId xmlns="" xmlns:a16="http://schemas.microsoft.com/office/drawing/2014/main" id="{4BDB37D7-D054-A942-8D6D-F9B2EF0F9FF6}"/>
                   </a:ext>
                 </a:extLst>
               </p:cNvPr>
@@ -7576,7 +7660,7 @@
               <p:cNvPr id="32" name="Rechteck 31">
                 <a:extLst>
                   <a:ext uri="{FF2B5EF4-FFF2-40B4-BE49-F238E27FC236}">
-                    <a16:creationId xmlns:a16="http://schemas.microsoft.com/office/drawing/2014/main" xmlns="" id="{3A6CCD76-DF2E-A745-8BA8-2A2DA3CA1050}"/>
+                    <a16:creationId xmlns="" xmlns:a16="http://schemas.microsoft.com/office/drawing/2014/main" id="{3A6CCD76-DF2E-A745-8BA8-2A2DA3CA1050}"/>
                   </a:ext>
                 </a:extLst>
               </p:cNvPr>
@@ -7635,7 +7719,7 @@
             <p:cNvPr id="30" name="Rechteck 29">
               <a:extLst>
                 <a:ext uri="{FF2B5EF4-FFF2-40B4-BE49-F238E27FC236}">
-                  <a16:creationId xmlns:a16="http://schemas.microsoft.com/office/drawing/2014/main" xmlns="" id="{117072ED-37EF-E943-B866-F06DD4235CB3}"/>
+                  <a16:creationId xmlns="" xmlns:a16="http://schemas.microsoft.com/office/drawing/2014/main" id="{117072ED-37EF-E943-B866-F06DD4235CB3}"/>
                 </a:ext>
               </a:extLst>
             </p:cNvPr>
@@ -7725,7 +7809,7 @@
           <p:cNvPr id="2" name="Titel 1">
             <a:extLst>
               <a:ext uri="{FF2B5EF4-FFF2-40B4-BE49-F238E27FC236}">
-                <a16:creationId xmlns:a16="http://schemas.microsoft.com/office/drawing/2014/main" xmlns="" id="{486C50CA-1F3A-EF43-9380-876C137AD8EC}"/>
+                <a16:creationId xmlns="" xmlns:a16="http://schemas.microsoft.com/office/drawing/2014/main" id="{486C50CA-1F3A-EF43-9380-876C137AD8EC}"/>
               </a:ext>
             </a:extLst>
           </p:cNvPr>
@@ -7753,7 +7837,7 @@
           <p:cNvPr id="3" name="Inhaltsplatzhalter 2">
             <a:extLst>
               <a:ext uri="{FF2B5EF4-FFF2-40B4-BE49-F238E27FC236}">
-                <a16:creationId xmlns:a16="http://schemas.microsoft.com/office/drawing/2014/main" xmlns="" id="{ABD8A889-EFEB-F24E-8415-CFB9A520769E}"/>
+                <a16:creationId xmlns="" xmlns:a16="http://schemas.microsoft.com/office/drawing/2014/main" id="{ABD8A889-EFEB-F24E-8415-CFB9A520769E}"/>
               </a:ext>
             </a:extLst>
           </p:cNvPr>
@@ -11701,7 +11785,7 @@
           <p:cNvPr id="12" name="Gruppieren 11">
             <a:extLst>
               <a:ext uri="{FF2B5EF4-FFF2-40B4-BE49-F238E27FC236}">
-                <a16:creationId xmlns:a16="http://schemas.microsoft.com/office/drawing/2014/main" xmlns="" id="{EA0A8815-E75B-6046-B394-2A918B180A1D}"/>
+                <a16:creationId xmlns="" xmlns:a16="http://schemas.microsoft.com/office/drawing/2014/main" id="{EA0A8815-E75B-6046-B394-2A918B180A1D}"/>
               </a:ext>
             </a:extLst>
           </p:cNvPr>
@@ -11721,7 +11805,7 @@
             <p:cNvPr id="13" name="Rechteck 12">
               <a:extLst>
                 <a:ext uri="{FF2B5EF4-FFF2-40B4-BE49-F238E27FC236}">
-                  <a16:creationId xmlns:a16="http://schemas.microsoft.com/office/drawing/2014/main" xmlns="" id="{C6DACD2C-9288-2743-8000-2D2B960374D2}"/>
+                  <a16:creationId xmlns="" xmlns:a16="http://schemas.microsoft.com/office/drawing/2014/main" id="{C6DACD2C-9288-2743-8000-2D2B960374D2}"/>
                 </a:ext>
               </a:extLst>
             </p:cNvPr>
@@ -11813,7 +11897,7 @@
             <p:cNvPr id="14" name="Rechteck 13">
               <a:extLst>
                 <a:ext uri="{FF2B5EF4-FFF2-40B4-BE49-F238E27FC236}">
-                  <a16:creationId xmlns:a16="http://schemas.microsoft.com/office/drawing/2014/main" xmlns="" id="{8A961849-3F67-574C-9B6D-E3BC3038B489}"/>
+                  <a16:creationId xmlns="" xmlns:a16="http://schemas.microsoft.com/office/drawing/2014/main" id="{8A961849-3F67-574C-9B6D-E3BC3038B489}"/>
                 </a:ext>
               </a:extLst>
             </p:cNvPr>
@@ -11872,7 +11956,7 @@
           <p:cNvPr id="15" name="Gruppieren 14">
             <a:extLst>
               <a:ext uri="{FF2B5EF4-FFF2-40B4-BE49-F238E27FC236}">
-                <a16:creationId xmlns:a16="http://schemas.microsoft.com/office/drawing/2014/main" xmlns="" id="{A88F0E40-A3C2-8A49-B01C-D43BDE29765D}"/>
+                <a16:creationId xmlns="" xmlns:a16="http://schemas.microsoft.com/office/drawing/2014/main" id="{A88F0E40-A3C2-8A49-B01C-D43BDE29765D}"/>
               </a:ext>
             </a:extLst>
           </p:cNvPr>
@@ -11892,7 +11976,7 @@
             <p:cNvPr id="16" name="Rechteck 15">
               <a:extLst>
                 <a:ext uri="{FF2B5EF4-FFF2-40B4-BE49-F238E27FC236}">
-                  <a16:creationId xmlns:a16="http://schemas.microsoft.com/office/drawing/2014/main" xmlns="" id="{18E7CC15-3520-4B45-A599-D8A2FCD6071C}"/>
+                  <a16:creationId xmlns="" xmlns:a16="http://schemas.microsoft.com/office/drawing/2014/main" id="{18E7CC15-3520-4B45-A599-D8A2FCD6071C}"/>
                 </a:ext>
               </a:extLst>
             </p:cNvPr>
@@ -12087,7 +12171,7 @@
             <p:cNvPr id="17" name="Rechteck 16">
               <a:extLst>
                 <a:ext uri="{FF2B5EF4-FFF2-40B4-BE49-F238E27FC236}">
-                  <a16:creationId xmlns:a16="http://schemas.microsoft.com/office/drawing/2014/main" xmlns="" id="{9CA4E624-C249-DD44-95E5-805EF9DA78B4}"/>
+                  <a16:creationId xmlns="" xmlns:a16="http://schemas.microsoft.com/office/drawing/2014/main" id="{9CA4E624-C249-DD44-95E5-805EF9DA78B4}"/>
                 </a:ext>
               </a:extLst>
             </p:cNvPr>
@@ -12146,7 +12230,7 @@
           <p:cNvPr id="18" name="Gruppieren 17">
             <a:extLst>
               <a:ext uri="{FF2B5EF4-FFF2-40B4-BE49-F238E27FC236}">
-                <a16:creationId xmlns:a16="http://schemas.microsoft.com/office/drawing/2014/main" xmlns="" id="{14C33807-8E01-ED45-97CC-799667FE8E29}"/>
+                <a16:creationId xmlns="" xmlns:a16="http://schemas.microsoft.com/office/drawing/2014/main" id="{14C33807-8E01-ED45-97CC-799667FE8E29}"/>
               </a:ext>
             </a:extLst>
           </p:cNvPr>
@@ -12166,7 +12250,7 @@
             <p:cNvPr id="19" name="Rechteck 18">
               <a:extLst>
                 <a:ext uri="{FF2B5EF4-FFF2-40B4-BE49-F238E27FC236}">
-                  <a16:creationId xmlns:a16="http://schemas.microsoft.com/office/drawing/2014/main" xmlns="" id="{ADE0619D-3F85-424E-9F9E-D202B0D54706}"/>
+                  <a16:creationId xmlns="" xmlns:a16="http://schemas.microsoft.com/office/drawing/2014/main" id="{ADE0619D-3F85-424E-9F9E-D202B0D54706}"/>
                 </a:ext>
               </a:extLst>
             </p:cNvPr>
@@ -12359,7 +12443,7 @@
             <p:cNvPr id="20" name="Rechteck 19">
               <a:extLst>
                 <a:ext uri="{FF2B5EF4-FFF2-40B4-BE49-F238E27FC236}">
-                  <a16:creationId xmlns:a16="http://schemas.microsoft.com/office/drawing/2014/main" xmlns="" id="{C56BD12A-0269-3F42-B860-ADC924159D2D}"/>
+                  <a16:creationId xmlns="" xmlns:a16="http://schemas.microsoft.com/office/drawing/2014/main" id="{C56BD12A-0269-3F42-B860-ADC924159D2D}"/>
                 </a:ext>
               </a:extLst>
             </p:cNvPr>
@@ -13042,8 +13126,8 @@
         </p:nvSpPr>
         <p:spPr>
           <a:xfrm>
-            <a:off x="7789762" y="1527858"/>
-            <a:ext cx="3553428" cy="914400"/>
+            <a:off x="7789761" y="1527858"/>
+            <a:ext cx="3665637" cy="914400"/>
           </a:xfrm>
           <a:prstGeom prst="rect">
             <a:avLst/>
@@ -13072,14 +13156,23 @@
           <a:bodyPr rtlCol="0" anchor="ctr"/>
           <a:lstStyle/>
           <a:p>
-            <a:pPr algn="ctr"/>
             <a:r>
               <a:rPr lang="de-DE" dirty="0" smtClean="0">
                 <a:solidFill>
                   <a:schemeClr val="tx1"/>
                 </a:solidFill>
               </a:rPr>
-              <a:t>Leihmodul: ist mit hohen Kosten verbunden</a:t>
+              <a:t>PRO: Keine Anpassungen am Rezept</a:t>
+            </a:r>
+          </a:p>
+          <a:p>
+            <a:r>
+              <a:rPr lang="de-DE" dirty="0" smtClean="0">
+                <a:solidFill>
+                  <a:schemeClr val="tx1"/>
+                </a:solidFill>
+              </a:rPr>
+              <a:t>CONTRA: Hohe Kosten</a:t>
             </a:r>
             <a:endParaRPr lang="de-DE" dirty="0">
               <a:solidFill>
@@ -13097,8 +13190,8 @@
         </p:nvSpPr>
         <p:spPr>
           <a:xfrm>
-            <a:off x="7789762" y="2939828"/>
-            <a:ext cx="3553428" cy="914400"/>
+            <a:off x="7789761" y="2939828"/>
+            <a:ext cx="3665637" cy="914400"/>
           </a:xfrm>
           <a:prstGeom prst="rect">
             <a:avLst/>
@@ -13127,14 +13220,23 @@
           <a:bodyPr rtlCol="0" anchor="ctr"/>
           <a:lstStyle/>
           <a:p>
-            <a:pPr algn="ctr"/>
             <a:r>
               <a:rPr lang="de-DE" dirty="0" smtClean="0">
                 <a:solidFill>
                   <a:schemeClr val="tx1"/>
                 </a:solidFill>
               </a:rPr>
-              <a:t>Hoher Energieverbrauch</a:t>
+              <a:t>PRO: Funktioniert, geringe Kosten</a:t>
+            </a:r>
+          </a:p>
+          <a:p>
+            <a:r>
+              <a:rPr lang="de-DE" dirty="0" smtClean="0">
+                <a:solidFill>
+                  <a:schemeClr val="tx1"/>
+                </a:solidFill>
+              </a:rPr>
+              <a:t>CONTRA: Hoher Energieverbrauch</a:t>
             </a:r>
             <a:endParaRPr lang="de-DE" dirty="0">
               <a:solidFill>
@@ -13153,7 +13255,7 @@
         <p:spPr>
           <a:xfrm>
             <a:off x="7789762" y="4351798"/>
-            <a:ext cx="3553428" cy="914400"/>
+            <a:ext cx="3665636" cy="1030430"/>
           </a:xfrm>
           <a:prstGeom prst="rect">
             <a:avLst/>
@@ -13182,14 +13284,23 @@
           <a:bodyPr rtlCol="0" anchor="ctr"/>
           <a:lstStyle/>
           <a:p>
-            <a:pPr algn="ctr"/>
             <a:r>
               <a:rPr lang="de-DE" dirty="0" smtClean="0">
                 <a:solidFill>
                   <a:schemeClr val="tx1"/>
                 </a:solidFill>
               </a:rPr>
-              <a:t>Viele Anpassungen am Rezept nötig</a:t>
+              <a:t>PRO: Geringer Energieverbrauch</a:t>
+            </a:r>
+          </a:p>
+          <a:p>
+            <a:r>
+              <a:rPr lang="de-DE" dirty="0" smtClean="0">
+                <a:solidFill>
+                  <a:schemeClr val="tx1"/>
+                </a:solidFill>
+              </a:rPr>
+              <a:t>CONTRA: Viele Anpassungen am Rezept</a:t>
             </a:r>
             <a:endParaRPr lang="de-DE" dirty="0">
               <a:solidFill>
@@ -13555,6 +13666,195 @@
           </a:fontRef>
         </p:style>
       </p:cxnSp>
+      <p:sp>
+        <p:nvSpPr>
+          <p:cNvPr id="24" name="Rechteck 23">
+            <a:extLst>
+              <a:ext uri="{FF2B5EF4-FFF2-40B4-BE49-F238E27FC236}">
+                <a16:creationId xmlns="" xmlns:a16="http://schemas.microsoft.com/office/drawing/2014/main" id="{FCCEA108-686B-BB4F-95FB-4BCE5EB529F1}"/>
+              </a:ext>
+            </a:extLst>
+          </p:cNvPr>
+          <p:cNvSpPr/>
+          <p:nvPr/>
+        </p:nvSpPr>
+        <p:spPr>
+          <a:xfrm>
+            <a:off x="7911431" y="1338659"/>
+            <a:ext cx="1330106" cy="338027"/>
+          </a:xfrm>
+          <a:prstGeom prst="rect">
+            <a:avLst/>
+          </a:prstGeom>
+          <a:solidFill>
+            <a:schemeClr val="bg1"/>
+          </a:solidFill>
+          <a:ln>
+            <a:noFill/>
+          </a:ln>
+        </p:spPr>
+        <p:style>
+          <a:lnRef idx="2">
+            <a:schemeClr val="accent1">
+              <a:shade val="50000"/>
+            </a:schemeClr>
+          </a:lnRef>
+          <a:fillRef idx="1">
+            <a:schemeClr val="accent1"/>
+          </a:fillRef>
+          <a:effectRef idx="0">
+            <a:schemeClr val="accent1"/>
+          </a:effectRef>
+          <a:fontRef idx="minor">
+            <a:schemeClr val="lt1"/>
+          </a:fontRef>
+        </p:style>
+        <p:txBody>
+          <a:bodyPr rtlCol="0" anchor="ctr"/>
+          <a:lstStyle/>
+          <a:p>
+            <a:r>
+              <a:rPr lang="de-DE" b="1" dirty="0" smtClean="0">
+                <a:solidFill>
+                  <a:schemeClr val="accent4"/>
+                </a:solidFill>
+              </a:rPr>
+              <a:t>Leihmodul</a:t>
+            </a:r>
+            <a:endParaRPr lang="de-DE" b="1" dirty="0">
+              <a:solidFill>
+                <a:schemeClr val="accent4"/>
+              </a:solidFill>
+            </a:endParaRPr>
+          </a:p>
+        </p:txBody>
+      </p:sp>
+      <p:sp>
+        <p:nvSpPr>
+          <p:cNvPr id="25" name="Rechteck 24">
+            <a:extLst>
+              <a:ext uri="{FF2B5EF4-FFF2-40B4-BE49-F238E27FC236}">
+                <a16:creationId xmlns="" xmlns:a16="http://schemas.microsoft.com/office/drawing/2014/main" id="{FCCEA108-686B-BB4F-95FB-4BCE5EB529F1}"/>
+              </a:ext>
+            </a:extLst>
+          </p:cNvPr>
+          <p:cNvSpPr/>
+          <p:nvPr/>
+        </p:nvSpPr>
+        <p:spPr>
+          <a:xfrm>
+            <a:off x="7911431" y="2789136"/>
+            <a:ext cx="1525178" cy="338027"/>
+          </a:xfrm>
+          <a:prstGeom prst="rect">
+            <a:avLst/>
+          </a:prstGeom>
+          <a:solidFill>
+            <a:schemeClr val="bg1"/>
+          </a:solidFill>
+          <a:ln>
+            <a:noFill/>
+          </a:ln>
+        </p:spPr>
+        <p:style>
+          <a:lnRef idx="2">
+            <a:schemeClr val="accent1">
+              <a:shade val="50000"/>
+            </a:schemeClr>
+          </a:lnRef>
+          <a:fillRef idx="1">
+            <a:schemeClr val="accent1"/>
+          </a:fillRef>
+          <a:effectRef idx="0">
+            <a:schemeClr val="accent1"/>
+          </a:effectRef>
+          <a:fontRef idx="minor">
+            <a:schemeClr val="lt1"/>
+          </a:fontRef>
+        </p:style>
+        <p:txBody>
+          <a:bodyPr rtlCol="0" anchor="ctr"/>
+          <a:lstStyle/>
+          <a:p>
+            <a:r>
+              <a:rPr lang="de-DE" b="1" dirty="0" smtClean="0">
+                <a:solidFill>
+                  <a:schemeClr val="accent4"/>
+                </a:solidFill>
+              </a:rPr>
+              <a:t>Alters Modul</a:t>
+            </a:r>
+            <a:endParaRPr lang="de-DE" b="1" dirty="0">
+              <a:solidFill>
+                <a:schemeClr val="accent4"/>
+              </a:solidFill>
+            </a:endParaRPr>
+          </a:p>
+        </p:txBody>
+      </p:sp>
+      <p:sp>
+        <p:nvSpPr>
+          <p:cNvPr id="26" name="Rechteck 25">
+            <a:extLst>
+              <a:ext uri="{FF2B5EF4-FFF2-40B4-BE49-F238E27FC236}">
+                <a16:creationId xmlns="" xmlns:a16="http://schemas.microsoft.com/office/drawing/2014/main" id="{FCCEA108-686B-BB4F-95FB-4BCE5EB529F1}"/>
+              </a:ext>
+            </a:extLst>
+          </p:cNvPr>
+          <p:cNvSpPr/>
+          <p:nvPr/>
+        </p:nvSpPr>
+        <p:spPr>
+          <a:xfrm>
+            <a:off x="7911430" y="4155117"/>
+            <a:ext cx="1622713" cy="338027"/>
+          </a:xfrm>
+          <a:prstGeom prst="rect">
+            <a:avLst/>
+          </a:prstGeom>
+          <a:solidFill>
+            <a:schemeClr val="bg1"/>
+          </a:solidFill>
+          <a:ln>
+            <a:noFill/>
+          </a:ln>
+        </p:spPr>
+        <p:style>
+          <a:lnRef idx="2">
+            <a:schemeClr val="accent1">
+              <a:shade val="50000"/>
+            </a:schemeClr>
+          </a:lnRef>
+          <a:fillRef idx="1">
+            <a:schemeClr val="accent1"/>
+          </a:fillRef>
+          <a:effectRef idx="0">
+            <a:schemeClr val="accent1"/>
+          </a:effectRef>
+          <a:fontRef idx="minor">
+            <a:schemeClr val="lt1"/>
+          </a:fontRef>
+        </p:style>
+        <p:txBody>
+          <a:bodyPr rtlCol="0" anchor="ctr"/>
+          <a:lstStyle/>
+          <a:p>
+            <a:r>
+              <a:rPr lang="de-DE" b="1" dirty="0" smtClean="0">
+                <a:solidFill>
+                  <a:schemeClr val="accent4"/>
+                </a:solidFill>
+              </a:rPr>
+              <a:t>Neues Modul</a:t>
+            </a:r>
+            <a:endParaRPr lang="de-DE" b="1" dirty="0">
+              <a:solidFill>
+                <a:schemeClr val="accent4"/>
+              </a:solidFill>
+            </a:endParaRPr>
+          </a:p>
+        </p:txBody>
+      </p:sp>
     </p:spTree>
     <p:extLst>
       <p:ext uri="{BB962C8B-B14F-4D97-AF65-F5344CB8AC3E}">
@@ -13613,7 +13913,7 @@
           <p:cNvPr id="4" name="Gruppieren 3">
             <a:extLst>
               <a:ext uri="{FF2B5EF4-FFF2-40B4-BE49-F238E27FC236}">
-                <a16:creationId xmlns:a16="http://schemas.microsoft.com/office/drawing/2014/main" xmlns="" id="{64401E1E-557D-5D4F-AE09-187A0802411B}"/>
+                <a16:creationId xmlns="" xmlns:a16="http://schemas.microsoft.com/office/drawing/2014/main" id="{64401E1E-557D-5D4F-AE09-187A0802411B}"/>
               </a:ext>
             </a:extLst>
           </p:cNvPr>
@@ -13633,7 +13933,7 @@
             <p:cNvPr id="5" name="Rechteck 4">
               <a:extLst>
                 <a:ext uri="{FF2B5EF4-FFF2-40B4-BE49-F238E27FC236}">
-                  <a16:creationId xmlns:a16="http://schemas.microsoft.com/office/drawing/2014/main" xmlns="" id="{35A0EAB9-4039-6448-AC03-B60DE38901D0}"/>
+                  <a16:creationId xmlns="" xmlns:a16="http://schemas.microsoft.com/office/drawing/2014/main" id="{35A0EAB9-4039-6448-AC03-B60DE38901D0}"/>
                 </a:ext>
               </a:extLst>
             </p:cNvPr>
@@ -13776,11 +14076,6 @@
                 </a:rPr>
                 <a:t>Ist es ein technisches oder ein organisatorisches Problem?</a:t>
               </a:r>
-              <a:endParaRPr lang="de-DE" dirty="0" smtClean="0">
-                <a:solidFill>
-                  <a:schemeClr val="tx1"/>
-                </a:solidFill>
-              </a:endParaRPr>
             </a:p>
             <a:p>
               <a:pPr marL="285750" indent="-285750">
@@ -13800,7 +14095,7 @@
             <p:cNvPr id="6" name="Rechteck 5">
               <a:extLst>
                 <a:ext uri="{FF2B5EF4-FFF2-40B4-BE49-F238E27FC236}">
-                  <a16:creationId xmlns:a16="http://schemas.microsoft.com/office/drawing/2014/main" xmlns="" id="{FCCEA108-686B-BB4F-95FB-4BCE5EB529F1}"/>
+                  <a16:creationId xmlns="" xmlns:a16="http://schemas.microsoft.com/office/drawing/2014/main" id="{FCCEA108-686B-BB4F-95FB-4BCE5EB529F1}"/>
                 </a:ext>
               </a:extLst>
             </p:cNvPr>
@@ -13864,7 +14159,7 @@
           <p:cNvPr id="7" name="Gruppieren 6">
             <a:extLst>
               <a:ext uri="{FF2B5EF4-FFF2-40B4-BE49-F238E27FC236}">
-                <a16:creationId xmlns:a16="http://schemas.microsoft.com/office/drawing/2014/main" xmlns="" id="{64401E1E-557D-5D4F-AE09-187A0802411B}"/>
+                <a16:creationId xmlns="" xmlns:a16="http://schemas.microsoft.com/office/drawing/2014/main" id="{64401E1E-557D-5D4F-AE09-187A0802411B}"/>
               </a:ext>
             </a:extLst>
           </p:cNvPr>
@@ -13884,7 +14179,7 @@
             <p:cNvPr id="8" name="Rechteck 7">
               <a:extLst>
                 <a:ext uri="{FF2B5EF4-FFF2-40B4-BE49-F238E27FC236}">
-                  <a16:creationId xmlns:a16="http://schemas.microsoft.com/office/drawing/2014/main" xmlns="" id="{35A0EAB9-4039-6448-AC03-B60DE38901D0}"/>
+                  <a16:creationId xmlns="" xmlns:a16="http://schemas.microsoft.com/office/drawing/2014/main" id="{35A0EAB9-4039-6448-AC03-B60DE38901D0}"/>
                 </a:ext>
               </a:extLst>
             </p:cNvPr>
@@ -14020,7 +14315,7 @@
             <p:cNvPr id="9" name="Rechteck 8">
               <a:extLst>
                 <a:ext uri="{FF2B5EF4-FFF2-40B4-BE49-F238E27FC236}">
-                  <a16:creationId xmlns:a16="http://schemas.microsoft.com/office/drawing/2014/main" xmlns="" id="{FCCEA108-686B-BB4F-95FB-4BCE5EB529F1}"/>
+                  <a16:creationId xmlns="" xmlns:a16="http://schemas.microsoft.com/office/drawing/2014/main" id="{FCCEA108-686B-BB4F-95FB-4BCE5EB529F1}"/>
                 </a:ext>
               </a:extLst>
             </p:cNvPr>
@@ -14084,7 +14379,7 @@
           <p:cNvPr id="10" name="Rechteck 9">
             <a:extLst>
               <a:ext uri="{FF2B5EF4-FFF2-40B4-BE49-F238E27FC236}">
-                <a16:creationId xmlns:a16="http://schemas.microsoft.com/office/drawing/2014/main" xmlns="" id="{FCCEA108-686B-BB4F-95FB-4BCE5EB529F1}"/>
+                <a16:creationId xmlns="" xmlns:a16="http://schemas.microsoft.com/office/drawing/2014/main" id="{FCCEA108-686B-BB4F-95FB-4BCE5EB529F1}"/>
               </a:ext>
             </a:extLst>
           </p:cNvPr>
@@ -14185,7 +14480,7 @@
           <p:cNvPr id="13" name="Gruppieren 12">
             <a:extLst>
               <a:ext uri="{FF2B5EF4-FFF2-40B4-BE49-F238E27FC236}">
-                <a16:creationId xmlns:a16="http://schemas.microsoft.com/office/drawing/2014/main" xmlns="" id="{64401E1E-557D-5D4F-AE09-187A0802411B}"/>
+                <a16:creationId xmlns="" xmlns:a16="http://schemas.microsoft.com/office/drawing/2014/main" id="{64401E1E-557D-5D4F-AE09-187A0802411B}"/>
               </a:ext>
             </a:extLst>
           </p:cNvPr>
@@ -14205,7 +14500,7 @@
             <p:cNvPr id="14" name="Rechteck 13">
               <a:extLst>
                 <a:ext uri="{FF2B5EF4-FFF2-40B4-BE49-F238E27FC236}">
-                  <a16:creationId xmlns:a16="http://schemas.microsoft.com/office/drawing/2014/main" xmlns="" id="{35A0EAB9-4039-6448-AC03-B60DE38901D0}"/>
+                  <a16:creationId xmlns="" xmlns:a16="http://schemas.microsoft.com/office/drawing/2014/main" id="{35A0EAB9-4039-6448-AC03-B60DE38901D0}"/>
                 </a:ext>
               </a:extLst>
             </p:cNvPr>
@@ -14335,7 +14630,7 @@
             <p:cNvPr id="15" name="Rechteck 14">
               <a:extLst>
                 <a:ext uri="{FF2B5EF4-FFF2-40B4-BE49-F238E27FC236}">
-                  <a16:creationId xmlns:a16="http://schemas.microsoft.com/office/drawing/2014/main" xmlns="" id="{FCCEA108-686B-BB4F-95FB-4BCE5EB529F1}"/>
+                  <a16:creationId xmlns="" xmlns:a16="http://schemas.microsoft.com/office/drawing/2014/main" id="{FCCEA108-686B-BB4F-95FB-4BCE5EB529F1}"/>
                 </a:ext>
               </a:extLst>
             </p:cNvPr>
@@ -14399,7 +14694,7 @@
           <p:cNvPr id="16" name="Rechteck 15">
             <a:extLst>
               <a:ext uri="{FF2B5EF4-FFF2-40B4-BE49-F238E27FC236}">
-                <a16:creationId xmlns:a16="http://schemas.microsoft.com/office/drawing/2014/main" xmlns="" id="{FCCEA108-686B-BB4F-95FB-4BCE5EB529F1}"/>
+                <a16:creationId xmlns="" xmlns:a16="http://schemas.microsoft.com/office/drawing/2014/main" id="{FCCEA108-686B-BB4F-95FB-4BCE5EB529F1}"/>
               </a:ext>
             </a:extLst>
           </p:cNvPr>
@@ -14462,7 +14757,7 @@
           <p:cNvPr id="18" name="Rechteck 17">
             <a:extLst>
               <a:ext uri="{FF2B5EF4-FFF2-40B4-BE49-F238E27FC236}">
-                <a16:creationId xmlns:a16="http://schemas.microsoft.com/office/drawing/2014/main" xmlns="" id="{FCCEA108-686B-BB4F-95FB-4BCE5EB529F1}"/>
+                <a16:creationId xmlns="" xmlns:a16="http://schemas.microsoft.com/office/drawing/2014/main" id="{FCCEA108-686B-BB4F-95FB-4BCE5EB529F1}"/>
               </a:ext>
             </a:extLst>
           </p:cNvPr>
@@ -14655,7 +14950,7 @@
           <p:cNvPr id="4" name="Gruppieren 3">
             <a:extLst>
               <a:ext uri="{FF2B5EF4-FFF2-40B4-BE49-F238E27FC236}">
-                <a16:creationId xmlns:a16="http://schemas.microsoft.com/office/drawing/2014/main" xmlns="" id="{64401E1E-557D-5D4F-AE09-187A0802411B}"/>
+                <a16:creationId xmlns="" xmlns:a16="http://schemas.microsoft.com/office/drawing/2014/main" id="{64401E1E-557D-5D4F-AE09-187A0802411B}"/>
               </a:ext>
             </a:extLst>
           </p:cNvPr>
@@ -14675,7 +14970,7 @@
             <p:cNvPr id="5" name="Rechteck 4">
               <a:extLst>
                 <a:ext uri="{FF2B5EF4-FFF2-40B4-BE49-F238E27FC236}">
-                  <a16:creationId xmlns:a16="http://schemas.microsoft.com/office/drawing/2014/main" xmlns="" id="{35A0EAB9-4039-6448-AC03-B60DE38901D0}"/>
+                  <a16:creationId xmlns="" xmlns:a16="http://schemas.microsoft.com/office/drawing/2014/main" id="{35A0EAB9-4039-6448-AC03-B60DE38901D0}"/>
                 </a:ext>
               </a:extLst>
             </p:cNvPr>
@@ -14731,7 +15026,7 @@
             <p:cNvPr id="6" name="Rechteck 5">
               <a:extLst>
                 <a:ext uri="{FF2B5EF4-FFF2-40B4-BE49-F238E27FC236}">
-                  <a16:creationId xmlns:a16="http://schemas.microsoft.com/office/drawing/2014/main" xmlns="" id="{FCCEA108-686B-BB4F-95FB-4BCE5EB529F1}"/>
+                  <a16:creationId xmlns="" xmlns:a16="http://schemas.microsoft.com/office/drawing/2014/main" id="{FCCEA108-686B-BB4F-95FB-4BCE5EB529F1}"/>
                 </a:ext>
               </a:extLst>
             </p:cNvPr>
@@ -15067,7 +15362,7 @@
             <p:cNvPr id="7" name="Gruppieren 6">
               <a:extLst>
                 <a:ext uri="{FF2B5EF4-FFF2-40B4-BE49-F238E27FC236}">
-                  <a16:creationId xmlns:a16="http://schemas.microsoft.com/office/drawing/2014/main" xmlns="" id="{64401E1E-557D-5D4F-AE09-187A0802411B}"/>
+                  <a16:creationId xmlns="" xmlns:a16="http://schemas.microsoft.com/office/drawing/2014/main" id="{64401E1E-557D-5D4F-AE09-187A0802411B}"/>
                 </a:ext>
               </a:extLst>
             </p:cNvPr>
@@ -15087,7 +15382,7 @@
               <p:cNvPr id="8" name="Rechteck 7">
                 <a:extLst>
                   <a:ext uri="{FF2B5EF4-FFF2-40B4-BE49-F238E27FC236}">
-                    <a16:creationId xmlns:a16="http://schemas.microsoft.com/office/drawing/2014/main" xmlns="" id="{35A0EAB9-4039-6448-AC03-B60DE38901D0}"/>
+                    <a16:creationId xmlns="" xmlns:a16="http://schemas.microsoft.com/office/drawing/2014/main" id="{35A0EAB9-4039-6448-AC03-B60DE38901D0}"/>
                   </a:ext>
                 </a:extLst>
               </p:cNvPr>
@@ -15143,7 +15438,7 @@
               <p:cNvPr id="9" name="Rechteck 8">
                 <a:extLst>
                   <a:ext uri="{FF2B5EF4-FFF2-40B4-BE49-F238E27FC236}">
-                    <a16:creationId xmlns:a16="http://schemas.microsoft.com/office/drawing/2014/main" xmlns="" id="{FCCEA108-686B-BB4F-95FB-4BCE5EB529F1}"/>
+                    <a16:creationId xmlns="" xmlns:a16="http://schemas.microsoft.com/office/drawing/2014/main" id="{FCCEA108-686B-BB4F-95FB-4BCE5EB529F1}"/>
                   </a:ext>
                 </a:extLst>
               </p:cNvPr>
@@ -15627,7 +15922,7 @@
           <p:cNvPr id="49" name="Gruppieren 48">
             <a:extLst>
               <a:ext uri="{FF2B5EF4-FFF2-40B4-BE49-F238E27FC236}">
-                <a16:creationId xmlns:a16="http://schemas.microsoft.com/office/drawing/2014/main" xmlns="" id="{64401E1E-557D-5D4F-AE09-187A0802411B}"/>
+                <a16:creationId xmlns="" xmlns:a16="http://schemas.microsoft.com/office/drawing/2014/main" id="{64401E1E-557D-5D4F-AE09-187A0802411B}"/>
               </a:ext>
             </a:extLst>
           </p:cNvPr>
@@ -15647,7 +15942,7 @@
             <p:cNvPr id="50" name="Rechteck 49">
               <a:extLst>
                 <a:ext uri="{FF2B5EF4-FFF2-40B4-BE49-F238E27FC236}">
-                  <a16:creationId xmlns:a16="http://schemas.microsoft.com/office/drawing/2014/main" xmlns="" id="{35A0EAB9-4039-6448-AC03-B60DE38901D0}"/>
+                  <a16:creationId xmlns="" xmlns:a16="http://schemas.microsoft.com/office/drawing/2014/main" id="{35A0EAB9-4039-6448-AC03-B60DE38901D0}"/>
                 </a:ext>
               </a:extLst>
             </p:cNvPr>
@@ -15703,7 +15998,7 @@
             <p:cNvPr id="51" name="Rechteck 50">
               <a:extLst>
                 <a:ext uri="{FF2B5EF4-FFF2-40B4-BE49-F238E27FC236}">
-                  <a16:creationId xmlns:a16="http://schemas.microsoft.com/office/drawing/2014/main" xmlns="" id="{FCCEA108-686B-BB4F-95FB-4BCE5EB529F1}"/>
+                  <a16:creationId xmlns="" xmlns:a16="http://schemas.microsoft.com/office/drawing/2014/main" id="{FCCEA108-686B-BB4F-95FB-4BCE5EB529F1}"/>
                 </a:ext>
               </a:extLst>
             </p:cNvPr>
@@ -15942,6 +16237,61 @@
           </a:p>
         </p:txBody>
       </p:sp>
+      <p:sp>
+        <p:nvSpPr>
+          <p:cNvPr id="3" name="Rechteck 2"/>
+          <p:cNvSpPr/>
+          <p:nvPr/>
+        </p:nvSpPr>
+        <p:spPr>
+          <a:xfrm>
+            <a:off x="489962" y="1930878"/>
+            <a:ext cx="914400" cy="265947"/>
+          </a:xfrm>
+          <a:prstGeom prst="rect">
+            <a:avLst/>
+          </a:prstGeom>
+          <a:solidFill>
+            <a:schemeClr val="bg1"/>
+          </a:solidFill>
+        </p:spPr>
+        <p:style>
+          <a:lnRef idx="2">
+            <a:schemeClr val="accent1">
+              <a:shade val="50000"/>
+            </a:schemeClr>
+          </a:lnRef>
+          <a:fillRef idx="1">
+            <a:schemeClr val="accent1"/>
+          </a:fillRef>
+          <a:effectRef idx="0">
+            <a:schemeClr val="accent1"/>
+          </a:effectRef>
+          <a:fontRef idx="minor">
+            <a:schemeClr val="lt1"/>
+          </a:fontRef>
+        </p:style>
+        <p:txBody>
+          <a:bodyPr rtlCol="0" anchor="ctr"/>
+          <a:lstStyle/>
+          <a:p>
+            <a:pPr algn="ctr"/>
+            <a:r>
+              <a:rPr lang="de-DE" b="1" dirty="0" smtClean="0">
+                <a:solidFill>
+                  <a:schemeClr val="accent6"/>
+                </a:solidFill>
+              </a:rPr>
+              <a:t>PFE</a:t>
+            </a:r>
+            <a:endParaRPr lang="de-DE" b="1" dirty="0">
+              <a:solidFill>
+                <a:schemeClr val="accent6"/>
+              </a:solidFill>
+            </a:endParaRPr>
+          </a:p>
+        </p:txBody>
+      </p:sp>
     </p:spTree>
     <p:extLst>
       <p:ext uri="{BB962C8B-B14F-4D97-AF65-F5344CB8AC3E}">
@@ -16157,7 +16507,7 @@
           <p:cNvPr id="9" name="Gruppieren 8">
             <a:extLst>
               <a:ext uri="{FF2B5EF4-FFF2-40B4-BE49-F238E27FC236}">
-                <a16:creationId xmlns:a16="http://schemas.microsoft.com/office/drawing/2014/main" xmlns="" id="{64401E1E-557D-5D4F-AE09-187A0802411B}"/>
+                <a16:creationId xmlns="" xmlns:a16="http://schemas.microsoft.com/office/drawing/2014/main" id="{64401E1E-557D-5D4F-AE09-187A0802411B}"/>
               </a:ext>
             </a:extLst>
           </p:cNvPr>
@@ -16177,7 +16527,7 @@
             <p:cNvPr id="10" name="Rechteck 9">
               <a:extLst>
                 <a:ext uri="{FF2B5EF4-FFF2-40B4-BE49-F238E27FC236}">
-                  <a16:creationId xmlns:a16="http://schemas.microsoft.com/office/drawing/2014/main" xmlns="" id="{35A0EAB9-4039-6448-AC03-B60DE38901D0}"/>
+                  <a16:creationId xmlns="" xmlns:a16="http://schemas.microsoft.com/office/drawing/2014/main" id="{35A0EAB9-4039-6448-AC03-B60DE38901D0}"/>
                 </a:ext>
               </a:extLst>
             </p:cNvPr>
@@ -16297,11 +16647,6 @@
                 </a:rPr>
                 <a:t>Was muss im Rezept verändert werden?</a:t>
               </a:r>
-              <a:endParaRPr lang="de-DE" dirty="0" smtClean="0">
-                <a:solidFill>
-                  <a:schemeClr val="tx1"/>
-                </a:solidFill>
-              </a:endParaRPr>
             </a:p>
             <a:p>
               <a:pPr marL="285750" indent="-285750">
@@ -16371,7 +16716,7 @@
             <p:cNvPr id="11" name="Rechteck 10">
               <a:extLst>
                 <a:ext uri="{FF2B5EF4-FFF2-40B4-BE49-F238E27FC236}">
-                  <a16:creationId xmlns:a16="http://schemas.microsoft.com/office/drawing/2014/main" xmlns="" id="{FCCEA108-686B-BB4F-95FB-4BCE5EB529F1}"/>
+                  <a16:creationId xmlns="" xmlns:a16="http://schemas.microsoft.com/office/drawing/2014/main" id="{FCCEA108-686B-BB4F-95FB-4BCE5EB529F1}"/>
                 </a:ext>
               </a:extLst>
             </p:cNvPr>
@@ -16435,7 +16780,7 @@
           <p:cNvPr id="12" name="Gruppieren 11">
             <a:extLst>
               <a:ext uri="{FF2B5EF4-FFF2-40B4-BE49-F238E27FC236}">
-                <a16:creationId xmlns:a16="http://schemas.microsoft.com/office/drawing/2014/main" xmlns="" id="{64401E1E-557D-5D4F-AE09-187A0802411B}"/>
+                <a16:creationId xmlns="" xmlns:a16="http://schemas.microsoft.com/office/drawing/2014/main" id="{64401E1E-557D-5D4F-AE09-187A0802411B}"/>
               </a:ext>
             </a:extLst>
           </p:cNvPr>
@@ -16455,7 +16800,7 @@
             <p:cNvPr id="13" name="Rechteck 12">
               <a:extLst>
                 <a:ext uri="{FF2B5EF4-FFF2-40B4-BE49-F238E27FC236}">
-                  <a16:creationId xmlns:a16="http://schemas.microsoft.com/office/drawing/2014/main" xmlns="" id="{35A0EAB9-4039-6448-AC03-B60DE38901D0}"/>
+                  <a16:creationId xmlns="" xmlns:a16="http://schemas.microsoft.com/office/drawing/2014/main" id="{35A0EAB9-4039-6448-AC03-B60DE38901D0}"/>
                 </a:ext>
               </a:extLst>
             </p:cNvPr>
@@ -16520,11 +16865,6 @@
                 </a:rPr>
                 <a:t>Wie viel Stillstandzeit verursacht der Modultausch</a:t>
               </a:r>
-              <a:endParaRPr lang="de-DE" dirty="0" smtClean="0">
-                <a:solidFill>
-                  <a:schemeClr val="tx1"/>
-                </a:solidFill>
-              </a:endParaRPr>
             </a:p>
             <a:p>
               <a:pPr marL="285750" indent="-285750">
@@ -16664,7 +17004,7 @@
             <p:cNvPr id="14" name="Rechteck 13">
               <a:extLst>
                 <a:ext uri="{FF2B5EF4-FFF2-40B4-BE49-F238E27FC236}">
-                  <a16:creationId xmlns:a16="http://schemas.microsoft.com/office/drawing/2014/main" xmlns="" id="{FCCEA108-686B-BB4F-95FB-4BCE5EB529F1}"/>
+                  <a16:creationId xmlns="" xmlns:a16="http://schemas.microsoft.com/office/drawing/2014/main" id="{FCCEA108-686B-BB4F-95FB-4BCE5EB529F1}"/>
                 </a:ext>
               </a:extLst>
             </p:cNvPr>
@@ -16789,7 +17129,7 @@
           <p:cNvPr id="7" name="Gruppieren 6">
             <a:extLst>
               <a:ext uri="{FF2B5EF4-FFF2-40B4-BE49-F238E27FC236}">
-                <a16:creationId xmlns:a16="http://schemas.microsoft.com/office/drawing/2014/main" xmlns="" id="{83607870-557A-164A-B22B-C1B49B36656C}"/>
+                <a16:creationId xmlns="" xmlns:a16="http://schemas.microsoft.com/office/drawing/2014/main" id="{83607870-557A-164A-B22B-C1B49B36656C}"/>
               </a:ext>
             </a:extLst>
           </p:cNvPr>
@@ -16809,7 +17149,7 @@
             <p:cNvPr id="8" name="Rechteck 7">
               <a:extLst>
                 <a:ext uri="{FF2B5EF4-FFF2-40B4-BE49-F238E27FC236}">
-                  <a16:creationId xmlns:a16="http://schemas.microsoft.com/office/drawing/2014/main" xmlns="" id="{F1E1E402-969D-194B-AB76-85BAC6C71034}"/>
+                  <a16:creationId xmlns="" xmlns:a16="http://schemas.microsoft.com/office/drawing/2014/main" id="{F1E1E402-969D-194B-AB76-85BAC6C71034}"/>
                 </a:ext>
               </a:extLst>
             </p:cNvPr>
@@ -16893,7 +17233,7 @@
             <p:cNvPr id="9" name="Rechteck 8">
               <a:extLst>
                 <a:ext uri="{FF2B5EF4-FFF2-40B4-BE49-F238E27FC236}">
-                  <a16:creationId xmlns:a16="http://schemas.microsoft.com/office/drawing/2014/main" xmlns="" id="{833772DE-177D-6242-B2B7-89D46A2C0D15}"/>
+                  <a16:creationId xmlns="" xmlns:a16="http://schemas.microsoft.com/office/drawing/2014/main" id="{833772DE-177D-6242-B2B7-89D46A2C0D15}"/>
                 </a:ext>
               </a:extLst>
             </p:cNvPr>
@@ -16984,7 +17324,7 @@
           <p:cNvPr id="11" name="Gruppieren 10">
             <a:extLst>
               <a:ext uri="{FF2B5EF4-FFF2-40B4-BE49-F238E27FC236}">
-                <a16:creationId xmlns:a16="http://schemas.microsoft.com/office/drawing/2014/main" xmlns="" id="{00DD676A-B61C-5D48-BC56-AC4BB52F8528}"/>
+                <a16:creationId xmlns="" xmlns:a16="http://schemas.microsoft.com/office/drawing/2014/main" id="{00DD676A-B61C-5D48-BC56-AC4BB52F8528}"/>
               </a:ext>
             </a:extLst>
           </p:cNvPr>
@@ -17004,7 +17344,7 @@
             <p:cNvPr id="12" name="Rechteck 11">
               <a:extLst>
                 <a:ext uri="{FF2B5EF4-FFF2-40B4-BE49-F238E27FC236}">
-                  <a16:creationId xmlns:a16="http://schemas.microsoft.com/office/drawing/2014/main" xmlns="" id="{201F63B0-4CCA-B640-BD88-BAB407BC2183}"/>
+                  <a16:creationId xmlns="" xmlns:a16="http://schemas.microsoft.com/office/drawing/2014/main" id="{201F63B0-4CCA-B640-BD88-BAB407BC2183}"/>
                 </a:ext>
               </a:extLst>
             </p:cNvPr>
@@ -17088,7 +17428,7 @@
             <p:cNvPr id="13" name="Rechteck 12">
               <a:extLst>
                 <a:ext uri="{FF2B5EF4-FFF2-40B4-BE49-F238E27FC236}">
-                  <a16:creationId xmlns:a16="http://schemas.microsoft.com/office/drawing/2014/main" xmlns="" id="{514C32A1-04E5-494D-AB34-069455276B16}"/>
+                  <a16:creationId xmlns="" xmlns:a16="http://schemas.microsoft.com/office/drawing/2014/main" id="{514C32A1-04E5-494D-AB34-069455276B16}"/>
                 </a:ext>
               </a:extLst>
             </p:cNvPr>
@@ -17155,7 +17495,7 @@
           <p:cNvPr id="14" name="Gruppieren 13">
             <a:extLst>
               <a:ext uri="{FF2B5EF4-FFF2-40B4-BE49-F238E27FC236}">
-                <a16:creationId xmlns:a16="http://schemas.microsoft.com/office/drawing/2014/main" xmlns="" id="{C0CAAA13-C09D-AC4E-991C-1FEB2957F9A9}"/>
+                <a16:creationId xmlns="" xmlns:a16="http://schemas.microsoft.com/office/drawing/2014/main" id="{C0CAAA13-C09D-AC4E-991C-1FEB2957F9A9}"/>
               </a:ext>
             </a:extLst>
           </p:cNvPr>
@@ -17175,7 +17515,7 @@
             <p:cNvPr id="15" name="Rechteck 14">
               <a:extLst>
                 <a:ext uri="{FF2B5EF4-FFF2-40B4-BE49-F238E27FC236}">
-                  <a16:creationId xmlns:a16="http://schemas.microsoft.com/office/drawing/2014/main" xmlns="" id="{71B66402-AE28-034E-B538-DD8098A05FCC}"/>
+                  <a16:creationId xmlns="" xmlns:a16="http://schemas.microsoft.com/office/drawing/2014/main" id="{71B66402-AE28-034E-B538-DD8098A05FCC}"/>
                 </a:ext>
               </a:extLst>
             </p:cNvPr>
@@ -17314,7 +17654,7 @@
             <p:cNvPr id="16" name="Rechteck 15">
               <a:extLst>
                 <a:ext uri="{FF2B5EF4-FFF2-40B4-BE49-F238E27FC236}">
-                  <a16:creationId xmlns:a16="http://schemas.microsoft.com/office/drawing/2014/main" xmlns="" id="{3BF267A1-CAB7-CF4A-B6F4-D9891842B9EE}"/>
+                  <a16:creationId xmlns="" xmlns:a16="http://schemas.microsoft.com/office/drawing/2014/main" id="{3BF267A1-CAB7-CF4A-B6F4-D9891842B9EE}"/>
                 </a:ext>
               </a:extLst>
             </p:cNvPr>
@@ -17373,7 +17713,7 @@
           <p:cNvPr id="20" name="Gewinkelte Verbindung 19">
             <a:extLst>
               <a:ext uri="{FF2B5EF4-FFF2-40B4-BE49-F238E27FC236}">
-                <a16:creationId xmlns:a16="http://schemas.microsoft.com/office/drawing/2014/main" xmlns="" id="{FD336F23-DB98-1342-BB4F-5D218AF61D6F}"/>
+                <a16:creationId xmlns="" xmlns:a16="http://schemas.microsoft.com/office/drawing/2014/main" id="{FD336F23-DB98-1342-BB4F-5D218AF61D6F}"/>
               </a:ext>
             </a:extLst>
           </p:cNvPr>
@@ -17424,7 +17764,7 @@
           <p:cNvPr id="22" name="Gewinkelte Verbindung 21">
             <a:extLst>
               <a:ext uri="{FF2B5EF4-FFF2-40B4-BE49-F238E27FC236}">
-                <a16:creationId xmlns:a16="http://schemas.microsoft.com/office/drawing/2014/main" xmlns="" id="{BBE684D5-0A18-BA4A-8AA1-7553DDC193B9}"/>
+                <a16:creationId xmlns="" xmlns:a16="http://schemas.microsoft.com/office/drawing/2014/main" id="{BBE684D5-0A18-BA4A-8AA1-7553DDC193B9}"/>
               </a:ext>
             </a:extLst>
           </p:cNvPr>

--- a/Dokumente/Präsentationen/2019-01-24_DA_Feldkemper_Treffen_Krzywinski.pptx
+++ b/Dokumente/Präsentationen/2019-01-24_DA_Feldkemper_Treffen_Krzywinski.pptx
@@ -273,7 +273,7 @@
           <a:p>
             <a:fld id="{C6AC6211-610F-44E5-BF19-D3CDF6EDD281}" type="datetimeFigureOut">
               <a:rPr lang="de-DE" smtClean="0"/>
-              <a:t>24.01.2019</a:t>
+              <a:t>25.01.2019</a:t>
             </a:fld>
             <a:endParaRPr lang="de-DE"/>
           </a:p>
@@ -439,7 +439,7 @@
           <a:p>
             <a:fld id="{347435D3-23A6-45D3-8DFA-7317DC1E7A64}" type="datetimeFigureOut">
               <a:rPr lang="de-DE" smtClean="0"/>
-              <a:t>24.01.2019</a:t>
+              <a:t>25.01.2019</a:t>
             </a:fld>
             <a:endParaRPr lang="de-DE"/>
           </a:p>
@@ -1686,7 +1686,7 @@
           <p:cNvPr id="15" name="Rechteck 14">
             <a:extLst>
               <a:ext uri="{FF2B5EF4-FFF2-40B4-BE49-F238E27FC236}">
-                <a16:creationId xmlns="" xmlns:a16="http://schemas.microsoft.com/office/drawing/2014/main" id="{F770C3AA-244C-A141-BC22-D074823F4293}"/>
+                <a16:creationId xmlns:a16="http://schemas.microsoft.com/office/drawing/2014/main" xmlns="" id="{F770C3AA-244C-A141-BC22-D074823F4293}"/>
               </a:ext>
             </a:extLst>
           </p:cNvPr>
@@ -1926,7 +1926,7 @@
           <p:cNvPr id="5" name="Grafik 4">
             <a:extLst>
               <a:ext uri="{FF2B5EF4-FFF2-40B4-BE49-F238E27FC236}">
-                <a16:creationId xmlns="" xmlns:a16="http://schemas.microsoft.com/office/drawing/2014/main" id="{C0F785FA-BB6E-6347-A8C6-9846216D4CBB}"/>
+                <a16:creationId xmlns:a16="http://schemas.microsoft.com/office/drawing/2014/main" xmlns="" id="{C0F785FA-BB6E-6347-A8C6-9846216D4CBB}"/>
               </a:ext>
             </a:extLst>
           </p:cNvPr>
@@ -2115,7 +2115,7 @@
           <p:cNvPr id="12" name="Grafik 11" hidden="1">
             <a:extLst>
               <a:ext uri="{FF2B5EF4-FFF2-40B4-BE49-F238E27FC236}">
-                <a16:creationId xmlns="" xmlns:a16="http://schemas.microsoft.com/office/drawing/2014/main" id="{CFC0D4A5-64CF-6D49-98B1-9FF6119E60EC}"/>
+                <a16:creationId xmlns:a16="http://schemas.microsoft.com/office/drawing/2014/main" xmlns="" id="{CFC0D4A5-64CF-6D49-98B1-9FF6119E60EC}"/>
               </a:ext>
             </a:extLst>
           </p:cNvPr>
@@ -2145,7 +2145,7 @@
           <p:cNvPr id="17" name="Grafik 16">
             <a:extLst>
               <a:ext uri="{FF2B5EF4-FFF2-40B4-BE49-F238E27FC236}">
-                <a16:creationId xmlns="" xmlns:a16="http://schemas.microsoft.com/office/drawing/2014/main" id="{22ECE872-F4EF-2A49-BA96-6065BC99D769}"/>
+                <a16:creationId xmlns:a16="http://schemas.microsoft.com/office/drawing/2014/main" xmlns="" id="{22ECE872-F4EF-2A49-BA96-6065BC99D769}"/>
               </a:ext>
             </a:extLst>
           </p:cNvPr>
@@ -2415,7 +2415,7 @@
           <p:cNvPr id="24" name="Bildplatzhalter 23">
             <a:extLst>
               <a:ext uri="{FF2B5EF4-FFF2-40B4-BE49-F238E27FC236}">
-                <a16:creationId xmlns="" xmlns:a16="http://schemas.microsoft.com/office/drawing/2014/main" id="{24A56C48-CA8D-D349-89CC-35C3A65DC4D5}"/>
+                <a16:creationId xmlns:a16="http://schemas.microsoft.com/office/drawing/2014/main" xmlns="" id="{24A56C48-CA8D-D349-89CC-35C3A65DC4D5}"/>
               </a:ext>
             </a:extLst>
           </p:cNvPr>
@@ -2729,7 +2729,7 @@
           <p:cNvPr id="6" name="Textplatzhalter 5">
             <a:extLst>
               <a:ext uri="{FF2B5EF4-FFF2-40B4-BE49-F238E27FC236}">
-                <a16:creationId xmlns="" xmlns:a16="http://schemas.microsoft.com/office/drawing/2014/main" id="{2E77FCEF-52F5-324B-A583-005ABCE0E622}"/>
+                <a16:creationId xmlns:a16="http://schemas.microsoft.com/office/drawing/2014/main" xmlns="" id="{2E77FCEF-52F5-324B-A583-005ABCE0E622}"/>
               </a:ext>
             </a:extLst>
           </p:cNvPr>
@@ -2767,7 +2767,7 @@
           <p:cNvPr id="13" name="Grafik 12">
             <a:extLst>
               <a:ext uri="{FF2B5EF4-FFF2-40B4-BE49-F238E27FC236}">
-                <a16:creationId xmlns="" xmlns:a16="http://schemas.microsoft.com/office/drawing/2014/main" id="{F84F96E3-FAED-E24A-9E01-BBA4824F0E34}"/>
+                <a16:creationId xmlns:a16="http://schemas.microsoft.com/office/drawing/2014/main" xmlns="" id="{F84F96E3-FAED-E24A-9E01-BBA4824F0E34}"/>
               </a:ext>
             </a:extLst>
           </p:cNvPr>
@@ -2938,7 +2938,7 @@
           <p:cNvPr id="6" name="Rechteck 5">
             <a:extLst>
               <a:ext uri="{FF2B5EF4-FFF2-40B4-BE49-F238E27FC236}">
-                <a16:creationId xmlns="" xmlns:a16="http://schemas.microsoft.com/office/drawing/2014/main" id="{2447D286-D9F9-E84F-9173-2C8D2D2068E1}"/>
+                <a16:creationId xmlns:a16="http://schemas.microsoft.com/office/drawing/2014/main" xmlns="" id="{2447D286-D9F9-E84F-9173-2C8D2D2068E1}"/>
               </a:ext>
             </a:extLst>
           </p:cNvPr>
@@ -3005,7 +3005,7 @@
           <p:cNvPr id="10" name="Grafik 9">
             <a:extLst>
               <a:ext uri="{FF2B5EF4-FFF2-40B4-BE49-F238E27FC236}">
-                <a16:creationId xmlns="" xmlns:a16="http://schemas.microsoft.com/office/drawing/2014/main" id="{E4DBCC79-CA26-C240-B119-9127A62CDBA8}"/>
+                <a16:creationId xmlns:a16="http://schemas.microsoft.com/office/drawing/2014/main" xmlns="" id="{E4DBCC79-CA26-C240-B119-9127A62CDBA8}"/>
               </a:ext>
             </a:extLst>
           </p:cNvPr>
@@ -3107,7 +3107,7 @@
           <p:cNvPr id="5" name="Rechteck 4">
             <a:extLst>
               <a:ext uri="{FF2B5EF4-FFF2-40B4-BE49-F238E27FC236}">
-                <a16:creationId xmlns="" xmlns:a16="http://schemas.microsoft.com/office/drawing/2014/main" id="{FD770378-5F2D-DE46-8D66-09007E946AD3}"/>
+                <a16:creationId xmlns:a16="http://schemas.microsoft.com/office/drawing/2014/main" xmlns="" id="{FD770378-5F2D-DE46-8D66-09007E946AD3}"/>
               </a:ext>
             </a:extLst>
           </p:cNvPr>
@@ -3171,7 +3171,7 @@
           <p:cNvPr id="4" name="Grafik 3">
             <a:extLst>
               <a:ext uri="{FF2B5EF4-FFF2-40B4-BE49-F238E27FC236}">
-                <a16:creationId xmlns="" xmlns:a16="http://schemas.microsoft.com/office/drawing/2014/main" id="{4FE30B28-5777-FC40-9C3F-81738D289A6A}"/>
+                <a16:creationId xmlns:a16="http://schemas.microsoft.com/office/drawing/2014/main" xmlns="" id="{4FE30B28-5777-FC40-9C3F-81738D289A6A}"/>
               </a:ext>
             </a:extLst>
           </p:cNvPr>
@@ -4316,7 +4316,7 @@
           <p:cNvPr id="13" name="Grafik 12">
             <a:extLst>
               <a:ext uri="{FF2B5EF4-FFF2-40B4-BE49-F238E27FC236}">
-                <a16:creationId xmlns="" xmlns:a16="http://schemas.microsoft.com/office/drawing/2014/main" id="{2DC3CACD-C7C8-274E-BCD4-043370996A48}"/>
+                <a16:creationId xmlns:a16="http://schemas.microsoft.com/office/drawing/2014/main" xmlns="" id="{2DC3CACD-C7C8-274E-BCD4-043370996A48}"/>
               </a:ext>
             </a:extLst>
           </p:cNvPr>
@@ -5027,7 +5027,7 @@
           <p:cNvPr id="8" name="Gruppieren 7">
             <a:extLst>
               <a:ext uri="{FF2B5EF4-FFF2-40B4-BE49-F238E27FC236}">
-                <a16:creationId xmlns="" xmlns:a16="http://schemas.microsoft.com/office/drawing/2014/main" id="{55DEAA25-08DE-234A-9F7E-6DA95517E4AB}"/>
+                <a16:creationId xmlns:a16="http://schemas.microsoft.com/office/drawing/2014/main" xmlns="" id="{55DEAA25-08DE-234A-9F7E-6DA95517E4AB}"/>
               </a:ext>
             </a:extLst>
           </p:cNvPr>
@@ -5047,7 +5047,7 @@
             <p:cNvPr id="9" name="Rechteck 8">
               <a:extLst>
                 <a:ext uri="{FF2B5EF4-FFF2-40B4-BE49-F238E27FC236}">
-                  <a16:creationId xmlns="" xmlns:a16="http://schemas.microsoft.com/office/drawing/2014/main" id="{CBE4218A-6735-2946-A3C0-E23809B7CEDF}"/>
+                  <a16:creationId xmlns:a16="http://schemas.microsoft.com/office/drawing/2014/main" xmlns="" id="{CBE4218A-6735-2946-A3C0-E23809B7CEDF}"/>
                 </a:ext>
               </a:extLst>
             </p:cNvPr>
@@ -5198,7 +5198,7 @@
             <p:cNvPr id="10" name="Rechteck 9">
               <a:extLst>
                 <a:ext uri="{FF2B5EF4-FFF2-40B4-BE49-F238E27FC236}">
-                  <a16:creationId xmlns="" xmlns:a16="http://schemas.microsoft.com/office/drawing/2014/main" id="{5ECE2600-E242-0A47-A437-E1A9C7F07343}"/>
+                  <a16:creationId xmlns:a16="http://schemas.microsoft.com/office/drawing/2014/main" xmlns="" id="{5ECE2600-E242-0A47-A437-E1A9C7F07343}"/>
                 </a:ext>
               </a:extLst>
             </p:cNvPr>
@@ -5265,7 +5265,7 @@
           <p:cNvPr id="11" name="Gruppieren 10">
             <a:extLst>
               <a:ext uri="{FF2B5EF4-FFF2-40B4-BE49-F238E27FC236}">
-                <a16:creationId xmlns="" xmlns:a16="http://schemas.microsoft.com/office/drawing/2014/main" id="{2A9CBD64-DABE-DB44-8CC9-7ED3D3F42599}"/>
+                <a16:creationId xmlns:a16="http://schemas.microsoft.com/office/drawing/2014/main" xmlns="" id="{2A9CBD64-DABE-DB44-8CC9-7ED3D3F42599}"/>
               </a:ext>
             </a:extLst>
           </p:cNvPr>
@@ -5285,7 +5285,7 @@
             <p:cNvPr id="12" name="Rechteck 11">
               <a:extLst>
                 <a:ext uri="{FF2B5EF4-FFF2-40B4-BE49-F238E27FC236}">
-                  <a16:creationId xmlns="" xmlns:a16="http://schemas.microsoft.com/office/drawing/2014/main" id="{880AB37D-6202-FE47-84F8-2DB9C99F0992}"/>
+                  <a16:creationId xmlns:a16="http://schemas.microsoft.com/office/drawing/2014/main" xmlns="" id="{880AB37D-6202-FE47-84F8-2DB9C99F0992}"/>
                 </a:ext>
               </a:extLst>
             </p:cNvPr>
@@ -5475,7 +5475,7 @@
             <p:cNvPr id="13" name="Rechteck 12">
               <a:extLst>
                 <a:ext uri="{FF2B5EF4-FFF2-40B4-BE49-F238E27FC236}">
-                  <a16:creationId xmlns="" xmlns:a16="http://schemas.microsoft.com/office/drawing/2014/main" id="{6E6D6DF1-8063-C749-A415-29613D3195D5}"/>
+                  <a16:creationId xmlns:a16="http://schemas.microsoft.com/office/drawing/2014/main" xmlns="" id="{6E6D6DF1-8063-C749-A415-29613D3195D5}"/>
                 </a:ext>
               </a:extLst>
             </p:cNvPr>
@@ -5572,7 +5572,7 @@
           <p:cNvPr id="2" name="Titel 1">
             <a:extLst>
               <a:ext uri="{FF2B5EF4-FFF2-40B4-BE49-F238E27FC236}">
-                <a16:creationId xmlns="" xmlns:a16="http://schemas.microsoft.com/office/drawing/2014/main" id="{0E63EF50-EEA4-0D49-A35C-C36F045D035E}"/>
+                <a16:creationId xmlns:a16="http://schemas.microsoft.com/office/drawing/2014/main" xmlns="" id="{0E63EF50-EEA4-0D49-A35C-C36F045D035E}"/>
               </a:ext>
             </a:extLst>
           </p:cNvPr>
@@ -5617,7 +5617,7 @@
           <p:cNvPr id="5" name="Gruppieren 4">
             <a:extLst>
               <a:ext uri="{FF2B5EF4-FFF2-40B4-BE49-F238E27FC236}">
-                <a16:creationId xmlns="" xmlns:a16="http://schemas.microsoft.com/office/drawing/2014/main" id="{82067C57-47CC-BC4A-911D-C058CB8E64C1}"/>
+                <a16:creationId xmlns:a16="http://schemas.microsoft.com/office/drawing/2014/main" xmlns="" id="{82067C57-47CC-BC4A-911D-C058CB8E64C1}"/>
               </a:ext>
             </a:extLst>
           </p:cNvPr>
@@ -5637,7 +5637,7 @@
             <p:cNvPr id="6" name="Rechteck 5">
               <a:extLst>
                 <a:ext uri="{FF2B5EF4-FFF2-40B4-BE49-F238E27FC236}">
-                  <a16:creationId xmlns="" xmlns:a16="http://schemas.microsoft.com/office/drawing/2014/main" id="{1F74AAB6-FEC2-E040-AE2F-389C01E41200}"/>
+                  <a16:creationId xmlns:a16="http://schemas.microsoft.com/office/drawing/2014/main" xmlns="" id="{1F74AAB6-FEC2-E040-AE2F-389C01E41200}"/>
                 </a:ext>
               </a:extLst>
             </p:cNvPr>
@@ -5765,7 +5765,7 @@
             <p:cNvPr id="7" name="Rechteck 6">
               <a:extLst>
                 <a:ext uri="{FF2B5EF4-FFF2-40B4-BE49-F238E27FC236}">
-                  <a16:creationId xmlns="" xmlns:a16="http://schemas.microsoft.com/office/drawing/2014/main" id="{D9A91609-F78E-9C45-BCA7-7DF954BC0A1A}"/>
+                  <a16:creationId xmlns:a16="http://schemas.microsoft.com/office/drawing/2014/main" xmlns="" id="{D9A91609-F78E-9C45-BCA7-7DF954BC0A1A}"/>
                 </a:ext>
               </a:extLst>
             </p:cNvPr>
@@ -5824,7 +5824,7 @@
           <p:cNvPr id="8" name="Gruppieren 7">
             <a:extLst>
               <a:ext uri="{FF2B5EF4-FFF2-40B4-BE49-F238E27FC236}">
-                <a16:creationId xmlns="" xmlns:a16="http://schemas.microsoft.com/office/drawing/2014/main" id="{64401E1E-557D-5D4F-AE09-187A0802411B}"/>
+                <a16:creationId xmlns:a16="http://schemas.microsoft.com/office/drawing/2014/main" xmlns="" id="{64401E1E-557D-5D4F-AE09-187A0802411B}"/>
               </a:ext>
             </a:extLst>
           </p:cNvPr>
@@ -5844,7 +5844,7 @@
             <p:cNvPr id="9" name="Rechteck 8">
               <a:extLst>
                 <a:ext uri="{FF2B5EF4-FFF2-40B4-BE49-F238E27FC236}">
-                  <a16:creationId xmlns="" xmlns:a16="http://schemas.microsoft.com/office/drawing/2014/main" id="{35A0EAB9-4039-6448-AC03-B60DE38901D0}"/>
+                  <a16:creationId xmlns:a16="http://schemas.microsoft.com/office/drawing/2014/main" xmlns="" id="{35A0EAB9-4039-6448-AC03-B60DE38901D0}"/>
                 </a:ext>
               </a:extLst>
             </p:cNvPr>
@@ -5928,7 +5928,7 @@
             <p:cNvPr id="10" name="Rechteck 9">
               <a:extLst>
                 <a:ext uri="{FF2B5EF4-FFF2-40B4-BE49-F238E27FC236}">
-                  <a16:creationId xmlns="" xmlns:a16="http://schemas.microsoft.com/office/drawing/2014/main" id="{FCCEA108-686B-BB4F-95FB-4BCE5EB529F1}"/>
+                  <a16:creationId xmlns:a16="http://schemas.microsoft.com/office/drawing/2014/main" xmlns="" id="{FCCEA108-686B-BB4F-95FB-4BCE5EB529F1}"/>
                 </a:ext>
               </a:extLst>
             </p:cNvPr>
@@ -5987,7 +5987,7 @@
           <p:cNvPr id="11" name="Rechteck 10">
             <a:extLst>
               <a:ext uri="{FF2B5EF4-FFF2-40B4-BE49-F238E27FC236}">
-                <a16:creationId xmlns="" xmlns:a16="http://schemas.microsoft.com/office/drawing/2014/main" id="{96BDAF81-30A4-1E4E-959F-95E9EB7F7C7A}"/>
+                <a16:creationId xmlns:a16="http://schemas.microsoft.com/office/drawing/2014/main" xmlns="" id="{96BDAF81-30A4-1E4E-959F-95E9EB7F7C7A}"/>
               </a:ext>
             </a:extLst>
           </p:cNvPr>
@@ -6054,7 +6054,7 @@
           <p:cNvPr id="12" name="Rechteck 11">
             <a:extLst>
               <a:ext uri="{FF2B5EF4-FFF2-40B4-BE49-F238E27FC236}">
-                <a16:creationId xmlns="" xmlns:a16="http://schemas.microsoft.com/office/drawing/2014/main" id="{E6C50A77-89BD-8744-8E4D-4BE35B73D833}"/>
+                <a16:creationId xmlns:a16="http://schemas.microsoft.com/office/drawing/2014/main" xmlns="" id="{E6C50A77-89BD-8744-8E4D-4BE35B73D833}"/>
               </a:ext>
             </a:extLst>
           </p:cNvPr>
@@ -6121,7 +6121,7 @@
           <p:cNvPr id="13" name="Gruppieren 12">
             <a:extLst>
               <a:ext uri="{FF2B5EF4-FFF2-40B4-BE49-F238E27FC236}">
-                <a16:creationId xmlns="" xmlns:a16="http://schemas.microsoft.com/office/drawing/2014/main" id="{5B6A8D9F-A9F8-264C-B489-24AFD5A8596D}"/>
+                <a16:creationId xmlns:a16="http://schemas.microsoft.com/office/drawing/2014/main" xmlns="" id="{5B6A8D9F-A9F8-264C-B489-24AFD5A8596D}"/>
               </a:ext>
             </a:extLst>
           </p:cNvPr>
@@ -6141,7 +6141,7 @@
             <p:cNvPr id="14" name="Rechteck 13">
               <a:extLst>
                 <a:ext uri="{FF2B5EF4-FFF2-40B4-BE49-F238E27FC236}">
-                  <a16:creationId xmlns="" xmlns:a16="http://schemas.microsoft.com/office/drawing/2014/main" id="{8766CB30-3942-9E46-8CAC-FC33876B35F3}"/>
+                  <a16:creationId xmlns:a16="http://schemas.microsoft.com/office/drawing/2014/main" xmlns="" id="{8766CB30-3942-9E46-8CAC-FC33876B35F3}"/>
                 </a:ext>
               </a:extLst>
             </p:cNvPr>
@@ -6225,7 +6225,7 @@
             <p:cNvPr id="15" name="Rechteck 14">
               <a:extLst>
                 <a:ext uri="{FF2B5EF4-FFF2-40B4-BE49-F238E27FC236}">
-                  <a16:creationId xmlns="" xmlns:a16="http://schemas.microsoft.com/office/drawing/2014/main" id="{79F41613-6C39-9547-8B51-B50E6A35E505}"/>
+                  <a16:creationId xmlns:a16="http://schemas.microsoft.com/office/drawing/2014/main" xmlns="" id="{79F41613-6C39-9547-8B51-B50E6A35E505}"/>
                 </a:ext>
               </a:extLst>
             </p:cNvPr>
@@ -6284,7 +6284,7 @@
           <p:cNvPr id="16" name="Gruppieren 15">
             <a:extLst>
               <a:ext uri="{FF2B5EF4-FFF2-40B4-BE49-F238E27FC236}">
-                <a16:creationId xmlns="" xmlns:a16="http://schemas.microsoft.com/office/drawing/2014/main" id="{3EAAE737-A1E8-BD49-A661-00C0D54A60DD}"/>
+                <a16:creationId xmlns:a16="http://schemas.microsoft.com/office/drawing/2014/main" xmlns="" id="{3EAAE737-A1E8-BD49-A661-00C0D54A60DD}"/>
               </a:ext>
             </a:extLst>
           </p:cNvPr>
@@ -6304,7 +6304,7 @@
             <p:cNvPr id="17" name="Rechteck 16">
               <a:extLst>
                 <a:ext uri="{FF2B5EF4-FFF2-40B4-BE49-F238E27FC236}">
-                  <a16:creationId xmlns="" xmlns:a16="http://schemas.microsoft.com/office/drawing/2014/main" id="{A12CF216-7A5B-B546-8D15-3FFD047539D4}"/>
+                  <a16:creationId xmlns:a16="http://schemas.microsoft.com/office/drawing/2014/main" xmlns="" id="{A12CF216-7A5B-B546-8D15-3FFD047539D4}"/>
                 </a:ext>
               </a:extLst>
             </p:cNvPr>
@@ -6402,7 +6402,7 @@
             <p:cNvPr id="18" name="Rechteck 17">
               <a:extLst>
                 <a:ext uri="{FF2B5EF4-FFF2-40B4-BE49-F238E27FC236}">
-                  <a16:creationId xmlns="" xmlns:a16="http://schemas.microsoft.com/office/drawing/2014/main" id="{91008A0C-F66B-104F-B3C9-118DB994F72D}"/>
+                  <a16:creationId xmlns:a16="http://schemas.microsoft.com/office/drawing/2014/main" xmlns="" id="{91008A0C-F66B-104F-B3C9-118DB994F72D}"/>
                 </a:ext>
               </a:extLst>
             </p:cNvPr>
@@ -6491,7 +6491,7 @@
           <p:cNvPr id="2" name="Titel 1">
             <a:extLst>
               <a:ext uri="{FF2B5EF4-FFF2-40B4-BE49-F238E27FC236}">
-                <a16:creationId xmlns="" xmlns:a16="http://schemas.microsoft.com/office/drawing/2014/main" id="{7BA8FE41-0B04-6748-9CA8-05F0AE81883B}"/>
+                <a16:creationId xmlns:a16="http://schemas.microsoft.com/office/drawing/2014/main" xmlns="" id="{7BA8FE41-0B04-6748-9CA8-05F0AE81883B}"/>
               </a:ext>
             </a:extLst>
           </p:cNvPr>
@@ -6519,7 +6519,7 @@
           <p:cNvPr id="12" name="Gruppieren 11">
             <a:extLst>
               <a:ext uri="{FF2B5EF4-FFF2-40B4-BE49-F238E27FC236}">
-                <a16:creationId xmlns="" xmlns:a16="http://schemas.microsoft.com/office/drawing/2014/main" id="{995F115A-CBCD-7A4D-8C0A-281259A5A3C1}"/>
+                <a16:creationId xmlns:a16="http://schemas.microsoft.com/office/drawing/2014/main" xmlns="" id="{995F115A-CBCD-7A4D-8C0A-281259A5A3C1}"/>
               </a:ext>
             </a:extLst>
           </p:cNvPr>
@@ -6539,7 +6539,7 @@
             <p:cNvPr id="4" name="Gruppieren 3">
               <a:extLst>
                 <a:ext uri="{FF2B5EF4-FFF2-40B4-BE49-F238E27FC236}">
-                  <a16:creationId xmlns="" xmlns:a16="http://schemas.microsoft.com/office/drawing/2014/main" id="{783A73D2-C025-644E-A194-3438D291D352}"/>
+                  <a16:creationId xmlns:a16="http://schemas.microsoft.com/office/drawing/2014/main" xmlns="" id="{783A73D2-C025-644E-A194-3438D291D352}"/>
                 </a:ext>
               </a:extLst>
             </p:cNvPr>
@@ -6559,7 +6559,7 @@
               <p:cNvPr id="5" name="Rechteck 4">
                 <a:extLst>
                   <a:ext uri="{FF2B5EF4-FFF2-40B4-BE49-F238E27FC236}">
-                    <a16:creationId xmlns="" xmlns:a16="http://schemas.microsoft.com/office/drawing/2014/main" id="{4F68B8E9-417E-0141-AE27-E298ED29929C}"/>
+                    <a16:creationId xmlns:a16="http://schemas.microsoft.com/office/drawing/2014/main" xmlns="" id="{4F68B8E9-417E-0141-AE27-E298ED29929C}"/>
                   </a:ext>
                 </a:extLst>
               </p:cNvPr>
@@ -6651,7 +6651,7 @@
               <p:cNvPr id="6" name="Rechteck 5">
                 <a:extLst>
                   <a:ext uri="{FF2B5EF4-FFF2-40B4-BE49-F238E27FC236}">
-                    <a16:creationId xmlns="" xmlns:a16="http://schemas.microsoft.com/office/drawing/2014/main" id="{B2717A64-B61E-B44C-B23D-CB509FB519CA}"/>
+                    <a16:creationId xmlns:a16="http://schemas.microsoft.com/office/drawing/2014/main" xmlns="" id="{B2717A64-B61E-B44C-B23D-CB509FB519CA}"/>
                   </a:ext>
                 </a:extLst>
               </p:cNvPr>
@@ -6710,7 +6710,7 @@
             <p:cNvPr id="7" name="Rechteck 6">
               <a:extLst>
                 <a:ext uri="{FF2B5EF4-FFF2-40B4-BE49-F238E27FC236}">
-                  <a16:creationId xmlns="" xmlns:a16="http://schemas.microsoft.com/office/drawing/2014/main" id="{6F92A16E-30FA-A34D-A87A-AD884881288C}"/>
+                  <a16:creationId xmlns:a16="http://schemas.microsoft.com/office/drawing/2014/main" xmlns="" id="{6F92A16E-30FA-A34D-A87A-AD884881288C}"/>
                 </a:ext>
               </a:extLst>
             </p:cNvPr>
@@ -6770,7 +6770,7 @@
           <p:cNvPr id="13" name="Gruppieren 12">
             <a:extLst>
               <a:ext uri="{FF2B5EF4-FFF2-40B4-BE49-F238E27FC236}">
-                <a16:creationId xmlns="" xmlns:a16="http://schemas.microsoft.com/office/drawing/2014/main" id="{214C6E04-BA76-3048-B247-843530C6F237}"/>
+                <a16:creationId xmlns:a16="http://schemas.microsoft.com/office/drawing/2014/main" xmlns="" id="{214C6E04-BA76-3048-B247-843530C6F237}"/>
               </a:ext>
             </a:extLst>
           </p:cNvPr>
@@ -6790,7 +6790,7 @@
             <p:cNvPr id="14" name="Gruppieren 13">
               <a:extLst>
                 <a:ext uri="{FF2B5EF4-FFF2-40B4-BE49-F238E27FC236}">
-                  <a16:creationId xmlns="" xmlns:a16="http://schemas.microsoft.com/office/drawing/2014/main" id="{CF154C31-9B1A-6844-82C6-BEC64AE64B76}"/>
+                  <a16:creationId xmlns:a16="http://schemas.microsoft.com/office/drawing/2014/main" xmlns="" id="{CF154C31-9B1A-6844-82C6-BEC64AE64B76}"/>
                 </a:ext>
               </a:extLst>
             </p:cNvPr>
@@ -6810,7 +6810,7 @@
               <p:cNvPr id="16" name="Rechteck 15">
                 <a:extLst>
                   <a:ext uri="{FF2B5EF4-FFF2-40B4-BE49-F238E27FC236}">
-                    <a16:creationId xmlns="" xmlns:a16="http://schemas.microsoft.com/office/drawing/2014/main" id="{5D41E86D-96E1-F64F-B645-811FEF9C3566}"/>
+                    <a16:creationId xmlns:a16="http://schemas.microsoft.com/office/drawing/2014/main" xmlns="" id="{5D41E86D-96E1-F64F-B645-811FEF9C3566}"/>
                   </a:ext>
                 </a:extLst>
               </p:cNvPr>
@@ -6941,7 +6941,7 @@
               <p:cNvPr id="17" name="Rechteck 16">
                 <a:extLst>
                   <a:ext uri="{FF2B5EF4-FFF2-40B4-BE49-F238E27FC236}">
-                    <a16:creationId xmlns="" xmlns:a16="http://schemas.microsoft.com/office/drawing/2014/main" id="{829E215D-25C5-FE42-A84B-E10BE5590901}"/>
+                    <a16:creationId xmlns:a16="http://schemas.microsoft.com/office/drawing/2014/main" xmlns="" id="{829E215D-25C5-FE42-A84B-E10BE5590901}"/>
                   </a:ext>
                 </a:extLst>
               </p:cNvPr>
@@ -7000,7 +7000,7 @@
             <p:cNvPr id="15" name="Rechteck 14">
               <a:extLst>
                 <a:ext uri="{FF2B5EF4-FFF2-40B4-BE49-F238E27FC236}">
-                  <a16:creationId xmlns="" xmlns:a16="http://schemas.microsoft.com/office/drawing/2014/main" id="{3D7F9058-E672-2A4D-9BB1-013BCCC5ACE0}"/>
+                  <a16:creationId xmlns:a16="http://schemas.microsoft.com/office/drawing/2014/main" xmlns="" id="{3D7F9058-E672-2A4D-9BB1-013BCCC5ACE0}"/>
                 </a:ext>
               </a:extLst>
             </p:cNvPr>
@@ -7060,7 +7060,7 @@
           <p:cNvPr id="18" name="Gruppieren 17">
             <a:extLst>
               <a:ext uri="{FF2B5EF4-FFF2-40B4-BE49-F238E27FC236}">
-                <a16:creationId xmlns="" xmlns:a16="http://schemas.microsoft.com/office/drawing/2014/main" id="{76C873CF-9A61-9B4A-9A7F-7A0A6A11ECCC}"/>
+                <a16:creationId xmlns:a16="http://schemas.microsoft.com/office/drawing/2014/main" xmlns="" id="{76C873CF-9A61-9B4A-9A7F-7A0A6A11ECCC}"/>
               </a:ext>
             </a:extLst>
           </p:cNvPr>
@@ -7080,7 +7080,7 @@
             <p:cNvPr id="19" name="Gruppieren 18">
               <a:extLst>
                 <a:ext uri="{FF2B5EF4-FFF2-40B4-BE49-F238E27FC236}">
-                  <a16:creationId xmlns="" xmlns:a16="http://schemas.microsoft.com/office/drawing/2014/main" id="{02621200-51DD-6A4C-86C6-6B2A72D512E2}"/>
+                  <a16:creationId xmlns:a16="http://schemas.microsoft.com/office/drawing/2014/main" xmlns="" id="{02621200-51DD-6A4C-86C6-6B2A72D512E2}"/>
                 </a:ext>
               </a:extLst>
             </p:cNvPr>
@@ -7100,7 +7100,7 @@
               <p:cNvPr id="21" name="Rechteck 20">
                 <a:extLst>
                   <a:ext uri="{FF2B5EF4-FFF2-40B4-BE49-F238E27FC236}">
-                    <a16:creationId xmlns="" xmlns:a16="http://schemas.microsoft.com/office/drawing/2014/main" id="{ED0E09EA-1DC6-1249-841E-901E17F3D0B6}"/>
+                    <a16:creationId xmlns:a16="http://schemas.microsoft.com/office/drawing/2014/main" xmlns="" id="{ED0E09EA-1DC6-1249-841E-901E17F3D0B6}"/>
                   </a:ext>
                 </a:extLst>
               </p:cNvPr>
@@ -7189,7 +7189,7 @@
               <p:cNvPr id="22" name="Rechteck 21">
                 <a:extLst>
                   <a:ext uri="{FF2B5EF4-FFF2-40B4-BE49-F238E27FC236}">
-                    <a16:creationId xmlns="" xmlns:a16="http://schemas.microsoft.com/office/drawing/2014/main" id="{753356B5-7EB8-3F4A-96E1-8FF10B332D06}"/>
+                    <a16:creationId xmlns:a16="http://schemas.microsoft.com/office/drawing/2014/main" xmlns="" id="{753356B5-7EB8-3F4A-96E1-8FF10B332D06}"/>
                   </a:ext>
                 </a:extLst>
               </p:cNvPr>
@@ -7248,7 +7248,7 @@
             <p:cNvPr id="20" name="Rechteck 19">
               <a:extLst>
                 <a:ext uri="{FF2B5EF4-FFF2-40B4-BE49-F238E27FC236}">
-                  <a16:creationId xmlns="" xmlns:a16="http://schemas.microsoft.com/office/drawing/2014/main" id="{63DF4C62-579D-3249-9CFF-878DBD32F80A}"/>
+                  <a16:creationId xmlns:a16="http://schemas.microsoft.com/office/drawing/2014/main" xmlns="" id="{63DF4C62-579D-3249-9CFF-878DBD32F80A}"/>
                 </a:ext>
               </a:extLst>
             </p:cNvPr>
@@ -7308,7 +7308,7 @@
           <p:cNvPr id="23" name="Gruppieren 22">
             <a:extLst>
               <a:ext uri="{FF2B5EF4-FFF2-40B4-BE49-F238E27FC236}">
-                <a16:creationId xmlns="" xmlns:a16="http://schemas.microsoft.com/office/drawing/2014/main" id="{8E929239-873F-A040-A4FF-CF41E574A33B}"/>
+                <a16:creationId xmlns:a16="http://schemas.microsoft.com/office/drawing/2014/main" xmlns="" id="{8E929239-873F-A040-A4FF-CF41E574A33B}"/>
               </a:ext>
             </a:extLst>
           </p:cNvPr>
@@ -7328,7 +7328,7 @@
             <p:cNvPr id="24" name="Gruppieren 23">
               <a:extLst>
                 <a:ext uri="{FF2B5EF4-FFF2-40B4-BE49-F238E27FC236}">
-                  <a16:creationId xmlns="" xmlns:a16="http://schemas.microsoft.com/office/drawing/2014/main" id="{F47E6093-9AA6-8F4B-B80B-776943FCB73D}"/>
+                  <a16:creationId xmlns:a16="http://schemas.microsoft.com/office/drawing/2014/main" xmlns="" id="{F47E6093-9AA6-8F4B-B80B-776943FCB73D}"/>
                 </a:ext>
               </a:extLst>
             </p:cNvPr>
@@ -7348,7 +7348,7 @@
               <p:cNvPr id="26" name="Rechteck 25">
                 <a:extLst>
                   <a:ext uri="{FF2B5EF4-FFF2-40B4-BE49-F238E27FC236}">
-                    <a16:creationId xmlns="" xmlns:a16="http://schemas.microsoft.com/office/drawing/2014/main" id="{4059FEBC-2EFF-ED47-98FF-010C8401FADA}"/>
+                    <a16:creationId xmlns:a16="http://schemas.microsoft.com/office/drawing/2014/main" xmlns="" id="{4059FEBC-2EFF-ED47-98FF-010C8401FADA}"/>
                   </a:ext>
                 </a:extLst>
               </p:cNvPr>
@@ -7437,7 +7437,7 @@
               <p:cNvPr id="27" name="Rechteck 26">
                 <a:extLst>
                   <a:ext uri="{FF2B5EF4-FFF2-40B4-BE49-F238E27FC236}">
-                    <a16:creationId xmlns="" xmlns:a16="http://schemas.microsoft.com/office/drawing/2014/main" id="{A6C74FE9-D83D-2346-A400-58BA4229E830}"/>
+                    <a16:creationId xmlns:a16="http://schemas.microsoft.com/office/drawing/2014/main" xmlns="" id="{A6C74FE9-D83D-2346-A400-58BA4229E830}"/>
                   </a:ext>
                 </a:extLst>
               </p:cNvPr>
@@ -7496,7 +7496,7 @@
             <p:cNvPr id="25" name="Rechteck 24">
               <a:extLst>
                 <a:ext uri="{FF2B5EF4-FFF2-40B4-BE49-F238E27FC236}">
-                  <a16:creationId xmlns="" xmlns:a16="http://schemas.microsoft.com/office/drawing/2014/main" id="{1EDE063D-852E-324C-A77E-EFB1A1CCD783}"/>
+                  <a16:creationId xmlns:a16="http://schemas.microsoft.com/office/drawing/2014/main" xmlns="" id="{1EDE063D-852E-324C-A77E-EFB1A1CCD783}"/>
                 </a:ext>
               </a:extLst>
             </p:cNvPr>
@@ -7556,7 +7556,7 @@
           <p:cNvPr id="28" name="Gruppieren 27">
             <a:extLst>
               <a:ext uri="{FF2B5EF4-FFF2-40B4-BE49-F238E27FC236}">
-                <a16:creationId xmlns="" xmlns:a16="http://schemas.microsoft.com/office/drawing/2014/main" id="{076AA3C9-476D-4D45-B8BE-E0951E23CBCF}"/>
+                <a16:creationId xmlns:a16="http://schemas.microsoft.com/office/drawing/2014/main" xmlns="" id="{076AA3C9-476D-4D45-B8BE-E0951E23CBCF}"/>
               </a:ext>
             </a:extLst>
           </p:cNvPr>
@@ -7576,7 +7576,7 @@
             <p:cNvPr id="29" name="Gruppieren 28">
               <a:extLst>
                 <a:ext uri="{FF2B5EF4-FFF2-40B4-BE49-F238E27FC236}">
-                  <a16:creationId xmlns="" xmlns:a16="http://schemas.microsoft.com/office/drawing/2014/main" id="{B404C1CC-6DF7-B648-9CCB-5E2E9AFEB672}"/>
+                  <a16:creationId xmlns:a16="http://schemas.microsoft.com/office/drawing/2014/main" xmlns="" id="{B404C1CC-6DF7-B648-9CCB-5E2E9AFEB672}"/>
                 </a:ext>
               </a:extLst>
             </p:cNvPr>
@@ -7596,7 +7596,7 @@
               <p:cNvPr id="31" name="Rechteck 30">
                 <a:extLst>
                   <a:ext uri="{FF2B5EF4-FFF2-40B4-BE49-F238E27FC236}">
-                    <a16:creationId xmlns="" xmlns:a16="http://schemas.microsoft.com/office/drawing/2014/main" id="{4BDB37D7-D054-A942-8D6D-F9B2EF0F9FF6}"/>
+                    <a16:creationId xmlns:a16="http://schemas.microsoft.com/office/drawing/2014/main" xmlns="" id="{4BDB37D7-D054-A942-8D6D-F9B2EF0F9FF6}"/>
                   </a:ext>
                 </a:extLst>
               </p:cNvPr>
@@ -7660,7 +7660,7 @@
               <p:cNvPr id="32" name="Rechteck 31">
                 <a:extLst>
                   <a:ext uri="{FF2B5EF4-FFF2-40B4-BE49-F238E27FC236}">
-                    <a16:creationId xmlns="" xmlns:a16="http://schemas.microsoft.com/office/drawing/2014/main" id="{3A6CCD76-DF2E-A745-8BA8-2A2DA3CA1050}"/>
+                    <a16:creationId xmlns:a16="http://schemas.microsoft.com/office/drawing/2014/main" xmlns="" id="{3A6CCD76-DF2E-A745-8BA8-2A2DA3CA1050}"/>
                   </a:ext>
                 </a:extLst>
               </p:cNvPr>
@@ -7719,7 +7719,7 @@
             <p:cNvPr id="30" name="Rechteck 29">
               <a:extLst>
                 <a:ext uri="{FF2B5EF4-FFF2-40B4-BE49-F238E27FC236}">
-                  <a16:creationId xmlns="" xmlns:a16="http://schemas.microsoft.com/office/drawing/2014/main" id="{117072ED-37EF-E943-B866-F06DD4235CB3}"/>
+                  <a16:creationId xmlns:a16="http://schemas.microsoft.com/office/drawing/2014/main" xmlns="" id="{117072ED-37EF-E943-B866-F06DD4235CB3}"/>
                 </a:ext>
               </a:extLst>
             </p:cNvPr>
@@ -7809,7 +7809,7 @@
           <p:cNvPr id="2" name="Titel 1">
             <a:extLst>
               <a:ext uri="{FF2B5EF4-FFF2-40B4-BE49-F238E27FC236}">
-                <a16:creationId xmlns="" xmlns:a16="http://schemas.microsoft.com/office/drawing/2014/main" id="{486C50CA-1F3A-EF43-9380-876C137AD8EC}"/>
+                <a16:creationId xmlns:a16="http://schemas.microsoft.com/office/drawing/2014/main" xmlns="" id="{486C50CA-1F3A-EF43-9380-876C137AD8EC}"/>
               </a:ext>
             </a:extLst>
           </p:cNvPr>
@@ -7837,7 +7837,7 @@
           <p:cNvPr id="3" name="Inhaltsplatzhalter 2">
             <a:extLst>
               <a:ext uri="{FF2B5EF4-FFF2-40B4-BE49-F238E27FC236}">
-                <a16:creationId xmlns="" xmlns:a16="http://schemas.microsoft.com/office/drawing/2014/main" id="{ABD8A889-EFEB-F24E-8415-CFB9A520769E}"/>
+                <a16:creationId xmlns:a16="http://schemas.microsoft.com/office/drawing/2014/main" xmlns="" id="{ABD8A889-EFEB-F24E-8415-CFB9A520769E}"/>
               </a:ext>
             </a:extLst>
           </p:cNvPr>
@@ -11785,7 +11785,7 @@
           <p:cNvPr id="12" name="Gruppieren 11">
             <a:extLst>
               <a:ext uri="{FF2B5EF4-FFF2-40B4-BE49-F238E27FC236}">
-                <a16:creationId xmlns="" xmlns:a16="http://schemas.microsoft.com/office/drawing/2014/main" id="{EA0A8815-E75B-6046-B394-2A918B180A1D}"/>
+                <a16:creationId xmlns:a16="http://schemas.microsoft.com/office/drawing/2014/main" xmlns="" id="{EA0A8815-E75B-6046-B394-2A918B180A1D}"/>
               </a:ext>
             </a:extLst>
           </p:cNvPr>
@@ -11805,7 +11805,7 @@
             <p:cNvPr id="13" name="Rechteck 12">
               <a:extLst>
                 <a:ext uri="{FF2B5EF4-FFF2-40B4-BE49-F238E27FC236}">
-                  <a16:creationId xmlns="" xmlns:a16="http://schemas.microsoft.com/office/drawing/2014/main" id="{C6DACD2C-9288-2743-8000-2D2B960374D2}"/>
+                  <a16:creationId xmlns:a16="http://schemas.microsoft.com/office/drawing/2014/main" xmlns="" id="{C6DACD2C-9288-2743-8000-2D2B960374D2}"/>
                 </a:ext>
               </a:extLst>
             </p:cNvPr>
@@ -11897,7 +11897,7 @@
             <p:cNvPr id="14" name="Rechteck 13">
               <a:extLst>
                 <a:ext uri="{FF2B5EF4-FFF2-40B4-BE49-F238E27FC236}">
-                  <a16:creationId xmlns="" xmlns:a16="http://schemas.microsoft.com/office/drawing/2014/main" id="{8A961849-3F67-574C-9B6D-E3BC3038B489}"/>
+                  <a16:creationId xmlns:a16="http://schemas.microsoft.com/office/drawing/2014/main" xmlns="" id="{8A961849-3F67-574C-9B6D-E3BC3038B489}"/>
                 </a:ext>
               </a:extLst>
             </p:cNvPr>
@@ -11956,7 +11956,7 @@
           <p:cNvPr id="15" name="Gruppieren 14">
             <a:extLst>
               <a:ext uri="{FF2B5EF4-FFF2-40B4-BE49-F238E27FC236}">
-                <a16:creationId xmlns="" xmlns:a16="http://schemas.microsoft.com/office/drawing/2014/main" id="{A88F0E40-A3C2-8A49-B01C-D43BDE29765D}"/>
+                <a16:creationId xmlns:a16="http://schemas.microsoft.com/office/drawing/2014/main" xmlns="" id="{A88F0E40-A3C2-8A49-B01C-D43BDE29765D}"/>
               </a:ext>
             </a:extLst>
           </p:cNvPr>
@@ -11976,7 +11976,7 @@
             <p:cNvPr id="16" name="Rechteck 15">
               <a:extLst>
                 <a:ext uri="{FF2B5EF4-FFF2-40B4-BE49-F238E27FC236}">
-                  <a16:creationId xmlns="" xmlns:a16="http://schemas.microsoft.com/office/drawing/2014/main" id="{18E7CC15-3520-4B45-A599-D8A2FCD6071C}"/>
+                  <a16:creationId xmlns:a16="http://schemas.microsoft.com/office/drawing/2014/main" xmlns="" id="{18E7CC15-3520-4B45-A599-D8A2FCD6071C}"/>
                 </a:ext>
               </a:extLst>
             </p:cNvPr>
@@ -12171,7 +12171,7 @@
             <p:cNvPr id="17" name="Rechteck 16">
               <a:extLst>
                 <a:ext uri="{FF2B5EF4-FFF2-40B4-BE49-F238E27FC236}">
-                  <a16:creationId xmlns="" xmlns:a16="http://schemas.microsoft.com/office/drawing/2014/main" id="{9CA4E624-C249-DD44-95E5-805EF9DA78B4}"/>
+                  <a16:creationId xmlns:a16="http://schemas.microsoft.com/office/drawing/2014/main" xmlns="" id="{9CA4E624-C249-DD44-95E5-805EF9DA78B4}"/>
                 </a:ext>
               </a:extLst>
             </p:cNvPr>
@@ -12230,7 +12230,7 @@
           <p:cNvPr id="18" name="Gruppieren 17">
             <a:extLst>
               <a:ext uri="{FF2B5EF4-FFF2-40B4-BE49-F238E27FC236}">
-                <a16:creationId xmlns="" xmlns:a16="http://schemas.microsoft.com/office/drawing/2014/main" id="{14C33807-8E01-ED45-97CC-799667FE8E29}"/>
+                <a16:creationId xmlns:a16="http://schemas.microsoft.com/office/drawing/2014/main" xmlns="" id="{14C33807-8E01-ED45-97CC-799667FE8E29}"/>
               </a:ext>
             </a:extLst>
           </p:cNvPr>
@@ -12250,7 +12250,7 @@
             <p:cNvPr id="19" name="Rechteck 18">
               <a:extLst>
                 <a:ext uri="{FF2B5EF4-FFF2-40B4-BE49-F238E27FC236}">
-                  <a16:creationId xmlns="" xmlns:a16="http://schemas.microsoft.com/office/drawing/2014/main" id="{ADE0619D-3F85-424E-9F9E-D202B0D54706}"/>
+                  <a16:creationId xmlns:a16="http://schemas.microsoft.com/office/drawing/2014/main" xmlns="" id="{ADE0619D-3F85-424E-9F9E-D202B0D54706}"/>
                 </a:ext>
               </a:extLst>
             </p:cNvPr>
@@ -12443,7 +12443,7 @@
             <p:cNvPr id="20" name="Rechteck 19">
               <a:extLst>
                 <a:ext uri="{FF2B5EF4-FFF2-40B4-BE49-F238E27FC236}">
-                  <a16:creationId xmlns="" xmlns:a16="http://schemas.microsoft.com/office/drawing/2014/main" id="{C56BD12A-0269-3F42-B860-ADC924159D2D}"/>
+                  <a16:creationId xmlns:a16="http://schemas.microsoft.com/office/drawing/2014/main" xmlns="" id="{C56BD12A-0269-3F42-B860-ADC924159D2D}"/>
                 </a:ext>
               </a:extLst>
             </p:cNvPr>
@@ -12908,7 +12908,7 @@
         </p:nvSpPr>
         <p:spPr>
           <a:xfrm>
-            <a:off x="6506901" y="1527858"/>
+            <a:off x="6186203" y="1472493"/>
             <a:ext cx="914400" cy="914400"/>
           </a:xfrm>
           <a:prstGeom prst="rect">
@@ -12979,7 +12979,7 @@
         </p:nvSpPr>
         <p:spPr>
           <a:xfrm>
-            <a:off x="6506901" y="2939828"/>
+            <a:off x="6186203" y="2884463"/>
             <a:ext cx="914400" cy="914400"/>
           </a:xfrm>
           <a:prstGeom prst="rect">
@@ -13055,7 +13055,7 @@
         </p:nvSpPr>
         <p:spPr>
           <a:xfrm>
-            <a:off x="6506901" y="4351798"/>
+            <a:off x="6186203" y="4296433"/>
             <a:ext cx="914400" cy="914400"/>
           </a:xfrm>
           <a:prstGeom prst="rect">
@@ -13115,70 +13115,6 @@
               </a:rPr>
               <a:t>C</a:t>
             </a:r>
-          </a:p>
-        </p:txBody>
-      </p:sp>
-      <p:sp>
-        <p:nvSpPr>
-          <p:cNvPr id="34" name="Rechteck 33"/>
-          <p:cNvSpPr/>
-          <p:nvPr/>
-        </p:nvSpPr>
-        <p:spPr>
-          <a:xfrm>
-            <a:off x="7789761" y="1527858"/>
-            <a:ext cx="3665637" cy="914400"/>
-          </a:xfrm>
-          <a:prstGeom prst="rect">
-            <a:avLst/>
-          </a:prstGeom>
-          <a:solidFill>
-            <a:schemeClr val="bg1"/>
-          </a:solidFill>
-        </p:spPr>
-        <p:style>
-          <a:lnRef idx="2">
-            <a:schemeClr val="accent1">
-              <a:shade val="50000"/>
-            </a:schemeClr>
-          </a:lnRef>
-          <a:fillRef idx="1">
-            <a:schemeClr val="accent1"/>
-          </a:fillRef>
-          <a:effectRef idx="0">
-            <a:schemeClr val="accent1"/>
-          </a:effectRef>
-          <a:fontRef idx="minor">
-            <a:schemeClr val="lt1"/>
-          </a:fontRef>
-        </p:style>
-        <p:txBody>
-          <a:bodyPr rtlCol="0" anchor="ctr"/>
-          <a:lstStyle/>
-          <a:p>
-            <a:r>
-              <a:rPr lang="de-DE" dirty="0" smtClean="0">
-                <a:solidFill>
-                  <a:schemeClr val="tx1"/>
-                </a:solidFill>
-              </a:rPr>
-              <a:t>PRO: Keine Anpassungen am Rezept</a:t>
-            </a:r>
-          </a:p>
-          <a:p>
-            <a:r>
-              <a:rPr lang="de-DE" dirty="0" smtClean="0">
-                <a:solidFill>
-                  <a:schemeClr val="tx1"/>
-                </a:solidFill>
-              </a:rPr>
-              <a:t>CONTRA: Hohe Kosten</a:t>
-            </a:r>
-            <a:endParaRPr lang="de-DE" dirty="0">
-              <a:solidFill>
-                <a:schemeClr val="tx1"/>
-              </a:solidFill>
-            </a:endParaRPr>
           </a:p>
         </p:txBody>
       </p:sp>
@@ -13221,22 +13157,38 @@
           <a:lstStyle/>
           <a:p>
             <a:r>
+              <a:rPr lang="de-DE" b="1" dirty="0" smtClean="0">
+                <a:solidFill>
+                  <a:schemeClr val="tx1"/>
+                </a:solidFill>
+              </a:rPr>
+              <a:t>PRO: </a:t>
+            </a:r>
+            <a:r>
               <a:rPr lang="de-DE" dirty="0" smtClean="0">
                 <a:solidFill>
                   <a:schemeClr val="tx1"/>
                 </a:solidFill>
               </a:rPr>
-              <a:t>PRO: Funktioniert, geringe Kosten</a:t>
+              <a:t>Funktioniert, geringe Kosten</a:t>
             </a:r>
           </a:p>
           <a:p>
+            <a:r>
+              <a:rPr lang="de-DE" b="1" dirty="0" smtClean="0">
+                <a:solidFill>
+                  <a:schemeClr val="tx1"/>
+                </a:solidFill>
+              </a:rPr>
+              <a:t>CONTRA</a:t>
+            </a:r>
             <a:r>
               <a:rPr lang="de-DE" dirty="0" smtClean="0">
                 <a:solidFill>
                   <a:schemeClr val="tx1"/>
                 </a:solidFill>
               </a:rPr>
-              <a:t>CONTRA: Hoher Energieverbrauch</a:t>
+              <a:t>: Hoher Energieverbrauch</a:t>
             </a:r>
             <a:endParaRPr lang="de-DE" dirty="0">
               <a:solidFill>
@@ -13285,22 +13237,38 @@
           <a:lstStyle/>
           <a:p>
             <a:r>
+              <a:rPr lang="de-DE" b="1" dirty="0" smtClean="0">
+                <a:solidFill>
+                  <a:schemeClr val="tx1"/>
+                </a:solidFill>
+              </a:rPr>
+              <a:t>PRO</a:t>
+            </a:r>
+            <a:r>
               <a:rPr lang="de-DE" dirty="0" smtClean="0">
                 <a:solidFill>
                   <a:schemeClr val="tx1"/>
                 </a:solidFill>
               </a:rPr>
-              <a:t>PRO: Geringer Energieverbrauch</a:t>
+              <a:t>: Geringer Energieverbrauch</a:t>
             </a:r>
           </a:p>
           <a:p>
+            <a:r>
+              <a:rPr lang="de-DE" b="1" dirty="0" smtClean="0">
+                <a:solidFill>
+                  <a:schemeClr val="tx1"/>
+                </a:solidFill>
+              </a:rPr>
+              <a:t>CONTRA</a:t>
+            </a:r>
             <a:r>
               <a:rPr lang="de-DE" dirty="0" smtClean="0">
                 <a:solidFill>
                   <a:schemeClr val="tx1"/>
                 </a:solidFill>
               </a:rPr>
-              <a:t>CONTRA: Viele Anpassungen am Rezept</a:t>
+              <a:t>: Viele Anpassungen am Rezept</a:t>
             </a:r>
             <a:endParaRPr lang="de-DE" dirty="0">
               <a:solidFill>
@@ -13320,7 +13288,7 @@
         </p:nvCxnSpPr>
         <p:spPr>
           <a:xfrm rot="10800000" flipV="1">
-            <a:off x="2720051" y="1985057"/>
+            <a:off x="2399353" y="1929692"/>
             <a:ext cx="3786850" cy="2471195"/>
           </a:xfrm>
           <a:prstGeom prst="bentConnector3">
@@ -13358,7 +13326,7 @@
         </p:nvCxnSpPr>
         <p:spPr>
           <a:xfrm rot="10800000" flipV="1">
-            <a:off x="2720051" y="3397027"/>
+            <a:off x="2399353" y="3341662"/>
             <a:ext cx="3786851" cy="1446015"/>
           </a:xfrm>
           <a:prstGeom prst="bentConnector3">
@@ -13398,7 +13366,7 @@
         </p:nvCxnSpPr>
         <p:spPr>
           <a:xfrm rot="10800000" flipV="1">
-            <a:off x="2720051" y="4808998"/>
+            <a:off x="2399353" y="4753633"/>
             <a:ext cx="3786851" cy="491244"/>
           </a:xfrm>
           <a:prstGeom prst="bentConnector3">
@@ -13666,75 +13634,170 @@
           </a:fontRef>
         </p:style>
       </p:cxnSp>
-      <p:sp>
-        <p:nvSpPr>
-          <p:cNvPr id="24" name="Rechteck 23">
-            <a:extLst>
-              <a:ext uri="{FF2B5EF4-FFF2-40B4-BE49-F238E27FC236}">
-                <a16:creationId xmlns="" xmlns:a16="http://schemas.microsoft.com/office/drawing/2014/main" id="{FCCEA108-686B-BB4F-95FB-4BCE5EB529F1}"/>
-              </a:ext>
-            </a:extLst>
-          </p:cNvPr>
-          <p:cNvSpPr/>
+      <p:grpSp>
+        <p:nvGrpSpPr>
+          <p:cNvPr id="3" name="Gruppieren 2"/>
+          <p:cNvGrpSpPr/>
           <p:nvPr/>
-        </p:nvSpPr>
-        <p:spPr>
+        </p:nvGrpSpPr>
+        <p:grpSpPr>
           <a:xfrm>
-            <a:off x="7911431" y="1338659"/>
-            <a:ext cx="1330106" cy="338027"/>
+            <a:off x="7509344" y="1283294"/>
+            <a:ext cx="3804831" cy="1103599"/>
+            <a:chOff x="7789760" y="1338659"/>
+            <a:chExt cx="3804831" cy="1103599"/>
           </a:xfrm>
-          <a:prstGeom prst="rect">
-            <a:avLst/>
-          </a:prstGeom>
-          <a:solidFill>
-            <a:schemeClr val="bg1"/>
-          </a:solidFill>
-          <a:ln>
-            <a:noFill/>
-          </a:ln>
-        </p:spPr>
-        <p:style>
-          <a:lnRef idx="2">
-            <a:schemeClr val="accent1">
-              <a:shade val="50000"/>
-            </a:schemeClr>
-          </a:lnRef>
-          <a:fillRef idx="1">
-            <a:schemeClr val="accent1"/>
-          </a:fillRef>
-          <a:effectRef idx="0">
-            <a:schemeClr val="accent1"/>
-          </a:effectRef>
-          <a:fontRef idx="minor">
-            <a:schemeClr val="lt1"/>
-          </a:fontRef>
-        </p:style>
-        <p:txBody>
-          <a:bodyPr rtlCol="0" anchor="ctr"/>
-          <a:lstStyle/>
-          <a:p>
-            <a:r>
-              <a:rPr lang="de-DE" b="1" dirty="0" smtClean="0">
+        </p:grpSpPr>
+        <p:sp>
+          <p:nvSpPr>
+            <p:cNvPr id="34" name="Rechteck 33"/>
+            <p:cNvSpPr/>
+            <p:nvPr/>
+          </p:nvSpPr>
+          <p:spPr>
+            <a:xfrm>
+              <a:off x="7789760" y="1527858"/>
+              <a:ext cx="3804831" cy="914400"/>
+            </a:xfrm>
+            <a:prstGeom prst="rect">
+              <a:avLst/>
+            </a:prstGeom>
+            <a:solidFill>
+              <a:schemeClr val="bg1"/>
+            </a:solidFill>
+          </p:spPr>
+          <p:style>
+            <a:lnRef idx="2">
+              <a:schemeClr val="accent1">
+                <a:shade val="50000"/>
+              </a:schemeClr>
+            </a:lnRef>
+            <a:fillRef idx="1">
+              <a:schemeClr val="accent1"/>
+            </a:fillRef>
+            <a:effectRef idx="0">
+              <a:schemeClr val="accent1"/>
+            </a:effectRef>
+            <a:fontRef idx="minor">
+              <a:schemeClr val="lt1"/>
+            </a:fontRef>
+          </p:style>
+          <p:txBody>
+            <a:bodyPr rtlCol="0" anchor="ctr"/>
+            <a:lstStyle/>
+            <a:p>
+              <a:r>
+                <a:rPr lang="de-DE" b="1" dirty="0" smtClean="0">
+                  <a:solidFill>
+                    <a:schemeClr val="tx1"/>
+                  </a:solidFill>
+                </a:rPr>
+                <a:t>PRO</a:t>
+              </a:r>
+              <a:r>
+                <a:rPr lang="de-DE" dirty="0" smtClean="0">
+                  <a:solidFill>
+                    <a:schemeClr val="tx1"/>
+                  </a:solidFill>
+                </a:rPr>
+                <a:t>: Keine Anpassungen am Rezept</a:t>
+              </a:r>
+            </a:p>
+            <a:p>
+              <a:r>
+                <a:rPr lang="de-DE" b="1" dirty="0" smtClean="0">
+                  <a:solidFill>
+                    <a:schemeClr val="tx1"/>
+                  </a:solidFill>
+                </a:rPr>
+                <a:t>CONTRA</a:t>
+              </a:r>
+              <a:r>
+                <a:rPr lang="de-DE" dirty="0" smtClean="0">
+                  <a:solidFill>
+                    <a:schemeClr val="tx1"/>
+                  </a:solidFill>
+                </a:rPr>
+                <a:t>: Hohe Kosten</a:t>
+              </a:r>
+              <a:endParaRPr lang="de-DE" dirty="0">
+                <a:solidFill>
+                  <a:schemeClr val="tx1"/>
+                </a:solidFill>
+              </a:endParaRPr>
+            </a:p>
+          </p:txBody>
+        </p:sp>
+        <p:sp>
+          <p:nvSpPr>
+            <p:cNvPr id="24" name="Rechteck 23">
+              <a:extLst>
+                <a:ext uri="{FF2B5EF4-FFF2-40B4-BE49-F238E27FC236}">
+                  <a16:creationId xmlns:a16="http://schemas.microsoft.com/office/drawing/2014/main" xmlns="" id="{FCCEA108-686B-BB4F-95FB-4BCE5EB529F1}"/>
+                </a:ext>
+              </a:extLst>
+            </p:cNvPr>
+            <p:cNvSpPr/>
+            <p:nvPr/>
+          </p:nvSpPr>
+          <p:spPr>
+            <a:xfrm>
+              <a:off x="7911431" y="1338659"/>
+              <a:ext cx="1330106" cy="338027"/>
+            </a:xfrm>
+            <a:prstGeom prst="rect">
+              <a:avLst/>
+            </a:prstGeom>
+            <a:solidFill>
+              <a:schemeClr val="bg1"/>
+            </a:solidFill>
+            <a:ln>
+              <a:noFill/>
+            </a:ln>
+          </p:spPr>
+          <p:style>
+            <a:lnRef idx="2">
+              <a:schemeClr val="accent1">
+                <a:shade val="50000"/>
+              </a:schemeClr>
+            </a:lnRef>
+            <a:fillRef idx="1">
+              <a:schemeClr val="accent1"/>
+            </a:fillRef>
+            <a:effectRef idx="0">
+              <a:schemeClr val="accent1"/>
+            </a:effectRef>
+            <a:fontRef idx="minor">
+              <a:schemeClr val="lt1"/>
+            </a:fontRef>
+          </p:style>
+          <p:txBody>
+            <a:bodyPr rtlCol="0" anchor="ctr"/>
+            <a:lstStyle/>
+            <a:p>
+              <a:r>
+                <a:rPr lang="de-DE" b="1" dirty="0" smtClean="0">
+                  <a:solidFill>
+                    <a:schemeClr val="accent4"/>
+                  </a:solidFill>
+                </a:rPr>
+                <a:t>Leihmodul</a:t>
+              </a:r>
+              <a:endParaRPr lang="de-DE" b="1" dirty="0">
                 <a:solidFill>
                   <a:schemeClr val="accent4"/>
                 </a:solidFill>
-              </a:rPr>
-              <a:t>Leihmodul</a:t>
-            </a:r>
-            <a:endParaRPr lang="de-DE" b="1" dirty="0">
-              <a:solidFill>
-                <a:schemeClr val="accent4"/>
-              </a:solidFill>
-            </a:endParaRPr>
-          </a:p>
-        </p:txBody>
-      </p:sp>
+              </a:endParaRPr>
+            </a:p>
+          </p:txBody>
+        </p:sp>
+      </p:grpSp>
       <p:sp>
         <p:nvSpPr>
           <p:cNvPr id="25" name="Rechteck 24">
             <a:extLst>
               <a:ext uri="{FF2B5EF4-FFF2-40B4-BE49-F238E27FC236}">
-                <a16:creationId xmlns="" xmlns:a16="http://schemas.microsoft.com/office/drawing/2014/main" id="{FCCEA108-686B-BB4F-95FB-4BCE5EB529F1}"/>
+                <a16:creationId xmlns:a16="http://schemas.microsoft.com/office/drawing/2014/main" xmlns="" id="{FCCEA108-686B-BB4F-95FB-4BCE5EB529F1}"/>
               </a:ext>
             </a:extLst>
           </p:cNvPr>
@@ -13782,7 +13845,15 @@
                   <a:schemeClr val="accent4"/>
                 </a:solidFill>
               </a:rPr>
-              <a:t>Alters Modul</a:t>
+              <a:t>Altes </a:t>
+            </a:r>
+            <a:r>
+              <a:rPr lang="de-DE" b="1" dirty="0" smtClean="0">
+                <a:solidFill>
+                  <a:schemeClr val="accent4"/>
+                </a:solidFill>
+              </a:rPr>
+              <a:t>Modul</a:t>
             </a:r>
             <a:endParaRPr lang="de-DE" b="1" dirty="0">
               <a:solidFill>
@@ -13797,7 +13868,7 @@
           <p:cNvPr id="26" name="Rechteck 25">
             <a:extLst>
               <a:ext uri="{FF2B5EF4-FFF2-40B4-BE49-F238E27FC236}">
-                <a16:creationId xmlns="" xmlns:a16="http://schemas.microsoft.com/office/drawing/2014/main" id="{FCCEA108-686B-BB4F-95FB-4BCE5EB529F1}"/>
+                <a16:creationId xmlns:a16="http://schemas.microsoft.com/office/drawing/2014/main" xmlns="" id="{FCCEA108-686B-BB4F-95FB-4BCE5EB529F1}"/>
               </a:ext>
             </a:extLst>
           </p:cNvPr>
@@ -13913,7 +13984,7 @@
           <p:cNvPr id="4" name="Gruppieren 3">
             <a:extLst>
               <a:ext uri="{FF2B5EF4-FFF2-40B4-BE49-F238E27FC236}">
-                <a16:creationId xmlns="" xmlns:a16="http://schemas.microsoft.com/office/drawing/2014/main" id="{64401E1E-557D-5D4F-AE09-187A0802411B}"/>
+                <a16:creationId xmlns:a16="http://schemas.microsoft.com/office/drawing/2014/main" xmlns="" id="{64401E1E-557D-5D4F-AE09-187A0802411B}"/>
               </a:ext>
             </a:extLst>
           </p:cNvPr>
@@ -13933,7 +14004,7 @@
             <p:cNvPr id="5" name="Rechteck 4">
               <a:extLst>
                 <a:ext uri="{FF2B5EF4-FFF2-40B4-BE49-F238E27FC236}">
-                  <a16:creationId xmlns="" xmlns:a16="http://schemas.microsoft.com/office/drawing/2014/main" id="{35A0EAB9-4039-6448-AC03-B60DE38901D0}"/>
+                  <a16:creationId xmlns:a16="http://schemas.microsoft.com/office/drawing/2014/main" xmlns="" id="{35A0EAB9-4039-6448-AC03-B60DE38901D0}"/>
                 </a:ext>
               </a:extLst>
             </p:cNvPr>
@@ -14095,7 +14166,7 @@
             <p:cNvPr id="6" name="Rechteck 5">
               <a:extLst>
                 <a:ext uri="{FF2B5EF4-FFF2-40B4-BE49-F238E27FC236}">
-                  <a16:creationId xmlns="" xmlns:a16="http://schemas.microsoft.com/office/drawing/2014/main" id="{FCCEA108-686B-BB4F-95FB-4BCE5EB529F1}"/>
+                  <a16:creationId xmlns:a16="http://schemas.microsoft.com/office/drawing/2014/main" xmlns="" id="{FCCEA108-686B-BB4F-95FB-4BCE5EB529F1}"/>
                 </a:ext>
               </a:extLst>
             </p:cNvPr>
@@ -14159,7 +14230,7 @@
           <p:cNvPr id="7" name="Gruppieren 6">
             <a:extLst>
               <a:ext uri="{FF2B5EF4-FFF2-40B4-BE49-F238E27FC236}">
-                <a16:creationId xmlns="" xmlns:a16="http://schemas.microsoft.com/office/drawing/2014/main" id="{64401E1E-557D-5D4F-AE09-187A0802411B}"/>
+                <a16:creationId xmlns:a16="http://schemas.microsoft.com/office/drawing/2014/main" xmlns="" id="{64401E1E-557D-5D4F-AE09-187A0802411B}"/>
               </a:ext>
             </a:extLst>
           </p:cNvPr>
@@ -14179,7 +14250,7 @@
             <p:cNvPr id="8" name="Rechteck 7">
               <a:extLst>
                 <a:ext uri="{FF2B5EF4-FFF2-40B4-BE49-F238E27FC236}">
-                  <a16:creationId xmlns="" xmlns:a16="http://schemas.microsoft.com/office/drawing/2014/main" id="{35A0EAB9-4039-6448-AC03-B60DE38901D0}"/>
+                  <a16:creationId xmlns:a16="http://schemas.microsoft.com/office/drawing/2014/main" xmlns="" id="{35A0EAB9-4039-6448-AC03-B60DE38901D0}"/>
                 </a:ext>
               </a:extLst>
             </p:cNvPr>
@@ -14315,7 +14386,7 @@
             <p:cNvPr id="9" name="Rechteck 8">
               <a:extLst>
                 <a:ext uri="{FF2B5EF4-FFF2-40B4-BE49-F238E27FC236}">
-                  <a16:creationId xmlns="" xmlns:a16="http://schemas.microsoft.com/office/drawing/2014/main" id="{FCCEA108-686B-BB4F-95FB-4BCE5EB529F1}"/>
+                  <a16:creationId xmlns:a16="http://schemas.microsoft.com/office/drawing/2014/main" xmlns="" id="{FCCEA108-686B-BB4F-95FB-4BCE5EB529F1}"/>
                 </a:ext>
               </a:extLst>
             </p:cNvPr>
@@ -14379,7 +14450,7 @@
           <p:cNvPr id="10" name="Rechteck 9">
             <a:extLst>
               <a:ext uri="{FF2B5EF4-FFF2-40B4-BE49-F238E27FC236}">
-                <a16:creationId xmlns="" xmlns:a16="http://schemas.microsoft.com/office/drawing/2014/main" id="{FCCEA108-686B-BB4F-95FB-4BCE5EB529F1}"/>
+                <a16:creationId xmlns:a16="http://schemas.microsoft.com/office/drawing/2014/main" xmlns="" id="{FCCEA108-686B-BB4F-95FB-4BCE5EB529F1}"/>
               </a:ext>
             </a:extLst>
           </p:cNvPr>
@@ -14480,7 +14551,7 @@
           <p:cNvPr id="13" name="Gruppieren 12">
             <a:extLst>
               <a:ext uri="{FF2B5EF4-FFF2-40B4-BE49-F238E27FC236}">
-                <a16:creationId xmlns="" xmlns:a16="http://schemas.microsoft.com/office/drawing/2014/main" id="{64401E1E-557D-5D4F-AE09-187A0802411B}"/>
+                <a16:creationId xmlns:a16="http://schemas.microsoft.com/office/drawing/2014/main" xmlns="" id="{64401E1E-557D-5D4F-AE09-187A0802411B}"/>
               </a:ext>
             </a:extLst>
           </p:cNvPr>
@@ -14500,7 +14571,7 @@
             <p:cNvPr id="14" name="Rechteck 13">
               <a:extLst>
                 <a:ext uri="{FF2B5EF4-FFF2-40B4-BE49-F238E27FC236}">
-                  <a16:creationId xmlns="" xmlns:a16="http://schemas.microsoft.com/office/drawing/2014/main" id="{35A0EAB9-4039-6448-AC03-B60DE38901D0}"/>
+                  <a16:creationId xmlns:a16="http://schemas.microsoft.com/office/drawing/2014/main" xmlns="" id="{35A0EAB9-4039-6448-AC03-B60DE38901D0}"/>
                 </a:ext>
               </a:extLst>
             </p:cNvPr>
@@ -14630,7 +14701,7 @@
             <p:cNvPr id="15" name="Rechteck 14">
               <a:extLst>
                 <a:ext uri="{FF2B5EF4-FFF2-40B4-BE49-F238E27FC236}">
-                  <a16:creationId xmlns="" xmlns:a16="http://schemas.microsoft.com/office/drawing/2014/main" id="{FCCEA108-686B-BB4F-95FB-4BCE5EB529F1}"/>
+                  <a16:creationId xmlns:a16="http://schemas.microsoft.com/office/drawing/2014/main" xmlns="" id="{FCCEA108-686B-BB4F-95FB-4BCE5EB529F1}"/>
                 </a:ext>
               </a:extLst>
             </p:cNvPr>
@@ -14694,7 +14765,7 @@
           <p:cNvPr id="16" name="Rechteck 15">
             <a:extLst>
               <a:ext uri="{FF2B5EF4-FFF2-40B4-BE49-F238E27FC236}">
-                <a16:creationId xmlns="" xmlns:a16="http://schemas.microsoft.com/office/drawing/2014/main" id="{FCCEA108-686B-BB4F-95FB-4BCE5EB529F1}"/>
+                <a16:creationId xmlns:a16="http://schemas.microsoft.com/office/drawing/2014/main" xmlns="" id="{FCCEA108-686B-BB4F-95FB-4BCE5EB529F1}"/>
               </a:ext>
             </a:extLst>
           </p:cNvPr>
@@ -14757,7 +14828,7 @@
           <p:cNvPr id="18" name="Rechteck 17">
             <a:extLst>
               <a:ext uri="{FF2B5EF4-FFF2-40B4-BE49-F238E27FC236}">
-                <a16:creationId xmlns="" xmlns:a16="http://schemas.microsoft.com/office/drawing/2014/main" id="{FCCEA108-686B-BB4F-95FB-4BCE5EB529F1}"/>
+                <a16:creationId xmlns:a16="http://schemas.microsoft.com/office/drawing/2014/main" xmlns="" id="{FCCEA108-686B-BB4F-95FB-4BCE5EB529F1}"/>
               </a:ext>
             </a:extLst>
           </p:cNvPr>
@@ -14950,7 +15021,7 @@
           <p:cNvPr id="4" name="Gruppieren 3">
             <a:extLst>
               <a:ext uri="{FF2B5EF4-FFF2-40B4-BE49-F238E27FC236}">
-                <a16:creationId xmlns="" xmlns:a16="http://schemas.microsoft.com/office/drawing/2014/main" id="{64401E1E-557D-5D4F-AE09-187A0802411B}"/>
+                <a16:creationId xmlns:a16="http://schemas.microsoft.com/office/drawing/2014/main" xmlns="" id="{64401E1E-557D-5D4F-AE09-187A0802411B}"/>
               </a:ext>
             </a:extLst>
           </p:cNvPr>
@@ -14970,7 +15041,7 @@
             <p:cNvPr id="5" name="Rechteck 4">
               <a:extLst>
                 <a:ext uri="{FF2B5EF4-FFF2-40B4-BE49-F238E27FC236}">
-                  <a16:creationId xmlns="" xmlns:a16="http://schemas.microsoft.com/office/drawing/2014/main" id="{35A0EAB9-4039-6448-AC03-B60DE38901D0}"/>
+                  <a16:creationId xmlns:a16="http://schemas.microsoft.com/office/drawing/2014/main" xmlns="" id="{35A0EAB9-4039-6448-AC03-B60DE38901D0}"/>
                 </a:ext>
               </a:extLst>
             </p:cNvPr>
@@ -15026,7 +15097,7 @@
             <p:cNvPr id="6" name="Rechteck 5">
               <a:extLst>
                 <a:ext uri="{FF2B5EF4-FFF2-40B4-BE49-F238E27FC236}">
-                  <a16:creationId xmlns="" xmlns:a16="http://schemas.microsoft.com/office/drawing/2014/main" id="{FCCEA108-686B-BB4F-95FB-4BCE5EB529F1}"/>
+                  <a16:creationId xmlns:a16="http://schemas.microsoft.com/office/drawing/2014/main" xmlns="" id="{FCCEA108-686B-BB4F-95FB-4BCE5EB529F1}"/>
                 </a:ext>
               </a:extLst>
             </p:cNvPr>
@@ -15362,7 +15433,7 @@
             <p:cNvPr id="7" name="Gruppieren 6">
               <a:extLst>
                 <a:ext uri="{FF2B5EF4-FFF2-40B4-BE49-F238E27FC236}">
-                  <a16:creationId xmlns="" xmlns:a16="http://schemas.microsoft.com/office/drawing/2014/main" id="{64401E1E-557D-5D4F-AE09-187A0802411B}"/>
+                  <a16:creationId xmlns:a16="http://schemas.microsoft.com/office/drawing/2014/main" xmlns="" id="{64401E1E-557D-5D4F-AE09-187A0802411B}"/>
                 </a:ext>
               </a:extLst>
             </p:cNvPr>
@@ -15382,7 +15453,7 @@
               <p:cNvPr id="8" name="Rechteck 7">
                 <a:extLst>
                   <a:ext uri="{FF2B5EF4-FFF2-40B4-BE49-F238E27FC236}">
-                    <a16:creationId xmlns="" xmlns:a16="http://schemas.microsoft.com/office/drawing/2014/main" id="{35A0EAB9-4039-6448-AC03-B60DE38901D0}"/>
+                    <a16:creationId xmlns:a16="http://schemas.microsoft.com/office/drawing/2014/main" xmlns="" id="{35A0EAB9-4039-6448-AC03-B60DE38901D0}"/>
                   </a:ext>
                 </a:extLst>
               </p:cNvPr>
@@ -15438,7 +15509,7 @@
               <p:cNvPr id="9" name="Rechteck 8">
                 <a:extLst>
                   <a:ext uri="{FF2B5EF4-FFF2-40B4-BE49-F238E27FC236}">
-                    <a16:creationId xmlns="" xmlns:a16="http://schemas.microsoft.com/office/drawing/2014/main" id="{FCCEA108-686B-BB4F-95FB-4BCE5EB529F1}"/>
+                    <a16:creationId xmlns:a16="http://schemas.microsoft.com/office/drawing/2014/main" xmlns="" id="{FCCEA108-686B-BB4F-95FB-4BCE5EB529F1}"/>
                   </a:ext>
                 </a:extLst>
               </p:cNvPr>
@@ -15922,7 +15993,7 @@
           <p:cNvPr id="49" name="Gruppieren 48">
             <a:extLst>
               <a:ext uri="{FF2B5EF4-FFF2-40B4-BE49-F238E27FC236}">
-                <a16:creationId xmlns="" xmlns:a16="http://schemas.microsoft.com/office/drawing/2014/main" id="{64401E1E-557D-5D4F-AE09-187A0802411B}"/>
+                <a16:creationId xmlns:a16="http://schemas.microsoft.com/office/drawing/2014/main" xmlns="" id="{64401E1E-557D-5D4F-AE09-187A0802411B}"/>
               </a:ext>
             </a:extLst>
           </p:cNvPr>
@@ -15942,7 +16013,7 @@
             <p:cNvPr id="50" name="Rechteck 49">
               <a:extLst>
                 <a:ext uri="{FF2B5EF4-FFF2-40B4-BE49-F238E27FC236}">
-                  <a16:creationId xmlns="" xmlns:a16="http://schemas.microsoft.com/office/drawing/2014/main" id="{35A0EAB9-4039-6448-AC03-B60DE38901D0}"/>
+                  <a16:creationId xmlns:a16="http://schemas.microsoft.com/office/drawing/2014/main" xmlns="" id="{35A0EAB9-4039-6448-AC03-B60DE38901D0}"/>
                 </a:ext>
               </a:extLst>
             </p:cNvPr>
@@ -15998,7 +16069,7 @@
             <p:cNvPr id="51" name="Rechteck 50">
               <a:extLst>
                 <a:ext uri="{FF2B5EF4-FFF2-40B4-BE49-F238E27FC236}">
-                  <a16:creationId xmlns="" xmlns:a16="http://schemas.microsoft.com/office/drawing/2014/main" id="{FCCEA108-686B-BB4F-95FB-4BCE5EB529F1}"/>
+                  <a16:creationId xmlns:a16="http://schemas.microsoft.com/office/drawing/2014/main" xmlns="" id="{FCCEA108-686B-BB4F-95FB-4BCE5EB529F1}"/>
                 </a:ext>
               </a:extLst>
             </p:cNvPr>
@@ -16507,7 +16578,7 @@
           <p:cNvPr id="9" name="Gruppieren 8">
             <a:extLst>
               <a:ext uri="{FF2B5EF4-FFF2-40B4-BE49-F238E27FC236}">
-                <a16:creationId xmlns="" xmlns:a16="http://schemas.microsoft.com/office/drawing/2014/main" id="{64401E1E-557D-5D4F-AE09-187A0802411B}"/>
+                <a16:creationId xmlns:a16="http://schemas.microsoft.com/office/drawing/2014/main" xmlns="" id="{64401E1E-557D-5D4F-AE09-187A0802411B}"/>
               </a:ext>
             </a:extLst>
           </p:cNvPr>
@@ -16527,7 +16598,7 @@
             <p:cNvPr id="10" name="Rechteck 9">
               <a:extLst>
                 <a:ext uri="{FF2B5EF4-FFF2-40B4-BE49-F238E27FC236}">
-                  <a16:creationId xmlns="" xmlns:a16="http://schemas.microsoft.com/office/drawing/2014/main" id="{35A0EAB9-4039-6448-AC03-B60DE38901D0}"/>
+                  <a16:creationId xmlns:a16="http://schemas.microsoft.com/office/drawing/2014/main" xmlns="" id="{35A0EAB9-4039-6448-AC03-B60DE38901D0}"/>
                 </a:ext>
               </a:extLst>
             </p:cNvPr>
@@ -16716,7 +16787,7 @@
             <p:cNvPr id="11" name="Rechteck 10">
               <a:extLst>
                 <a:ext uri="{FF2B5EF4-FFF2-40B4-BE49-F238E27FC236}">
-                  <a16:creationId xmlns="" xmlns:a16="http://schemas.microsoft.com/office/drawing/2014/main" id="{FCCEA108-686B-BB4F-95FB-4BCE5EB529F1}"/>
+                  <a16:creationId xmlns:a16="http://schemas.microsoft.com/office/drawing/2014/main" xmlns="" id="{FCCEA108-686B-BB4F-95FB-4BCE5EB529F1}"/>
                 </a:ext>
               </a:extLst>
             </p:cNvPr>
@@ -16780,7 +16851,7 @@
           <p:cNvPr id="12" name="Gruppieren 11">
             <a:extLst>
               <a:ext uri="{FF2B5EF4-FFF2-40B4-BE49-F238E27FC236}">
-                <a16:creationId xmlns="" xmlns:a16="http://schemas.microsoft.com/office/drawing/2014/main" id="{64401E1E-557D-5D4F-AE09-187A0802411B}"/>
+                <a16:creationId xmlns:a16="http://schemas.microsoft.com/office/drawing/2014/main" xmlns="" id="{64401E1E-557D-5D4F-AE09-187A0802411B}"/>
               </a:ext>
             </a:extLst>
           </p:cNvPr>
@@ -16800,7 +16871,7 @@
             <p:cNvPr id="13" name="Rechteck 12">
               <a:extLst>
                 <a:ext uri="{FF2B5EF4-FFF2-40B4-BE49-F238E27FC236}">
-                  <a16:creationId xmlns="" xmlns:a16="http://schemas.microsoft.com/office/drawing/2014/main" id="{35A0EAB9-4039-6448-AC03-B60DE38901D0}"/>
+                  <a16:creationId xmlns:a16="http://schemas.microsoft.com/office/drawing/2014/main" xmlns="" id="{35A0EAB9-4039-6448-AC03-B60DE38901D0}"/>
                 </a:ext>
               </a:extLst>
             </p:cNvPr>
@@ -17004,7 +17075,7 @@
             <p:cNvPr id="14" name="Rechteck 13">
               <a:extLst>
                 <a:ext uri="{FF2B5EF4-FFF2-40B4-BE49-F238E27FC236}">
-                  <a16:creationId xmlns="" xmlns:a16="http://schemas.microsoft.com/office/drawing/2014/main" id="{FCCEA108-686B-BB4F-95FB-4BCE5EB529F1}"/>
+                  <a16:creationId xmlns:a16="http://schemas.microsoft.com/office/drawing/2014/main" xmlns="" id="{FCCEA108-686B-BB4F-95FB-4BCE5EB529F1}"/>
                 </a:ext>
               </a:extLst>
             </p:cNvPr>
@@ -17129,7 +17200,7 @@
           <p:cNvPr id="7" name="Gruppieren 6">
             <a:extLst>
               <a:ext uri="{FF2B5EF4-FFF2-40B4-BE49-F238E27FC236}">
-                <a16:creationId xmlns="" xmlns:a16="http://schemas.microsoft.com/office/drawing/2014/main" id="{83607870-557A-164A-B22B-C1B49B36656C}"/>
+                <a16:creationId xmlns:a16="http://schemas.microsoft.com/office/drawing/2014/main" xmlns="" id="{83607870-557A-164A-B22B-C1B49B36656C}"/>
               </a:ext>
             </a:extLst>
           </p:cNvPr>
@@ -17149,7 +17220,7 @@
             <p:cNvPr id="8" name="Rechteck 7">
               <a:extLst>
                 <a:ext uri="{FF2B5EF4-FFF2-40B4-BE49-F238E27FC236}">
-                  <a16:creationId xmlns="" xmlns:a16="http://schemas.microsoft.com/office/drawing/2014/main" id="{F1E1E402-969D-194B-AB76-85BAC6C71034}"/>
+                  <a16:creationId xmlns:a16="http://schemas.microsoft.com/office/drawing/2014/main" xmlns="" id="{F1E1E402-969D-194B-AB76-85BAC6C71034}"/>
                 </a:ext>
               </a:extLst>
             </p:cNvPr>
@@ -17233,7 +17304,7 @@
             <p:cNvPr id="9" name="Rechteck 8">
               <a:extLst>
                 <a:ext uri="{FF2B5EF4-FFF2-40B4-BE49-F238E27FC236}">
-                  <a16:creationId xmlns="" xmlns:a16="http://schemas.microsoft.com/office/drawing/2014/main" id="{833772DE-177D-6242-B2B7-89D46A2C0D15}"/>
+                  <a16:creationId xmlns:a16="http://schemas.microsoft.com/office/drawing/2014/main" xmlns="" id="{833772DE-177D-6242-B2B7-89D46A2C0D15}"/>
                 </a:ext>
               </a:extLst>
             </p:cNvPr>
@@ -17324,7 +17395,7 @@
           <p:cNvPr id="11" name="Gruppieren 10">
             <a:extLst>
               <a:ext uri="{FF2B5EF4-FFF2-40B4-BE49-F238E27FC236}">
-                <a16:creationId xmlns="" xmlns:a16="http://schemas.microsoft.com/office/drawing/2014/main" id="{00DD676A-B61C-5D48-BC56-AC4BB52F8528}"/>
+                <a16:creationId xmlns:a16="http://schemas.microsoft.com/office/drawing/2014/main" xmlns="" id="{00DD676A-B61C-5D48-BC56-AC4BB52F8528}"/>
               </a:ext>
             </a:extLst>
           </p:cNvPr>
@@ -17344,7 +17415,7 @@
             <p:cNvPr id="12" name="Rechteck 11">
               <a:extLst>
                 <a:ext uri="{FF2B5EF4-FFF2-40B4-BE49-F238E27FC236}">
-                  <a16:creationId xmlns="" xmlns:a16="http://schemas.microsoft.com/office/drawing/2014/main" id="{201F63B0-4CCA-B640-BD88-BAB407BC2183}"/>
+                  <a16:creationId xmlns:a16="http://schemas.microsoft.com/office/drawing/2014/main" xmlns="" id="{201F63B0-4CCA-B640-BD88-BAB407BC2183}"/>
                 </a:ext>
               </a:extLst>
             </p:cNvPr>
@@ -17428,7 +17499,7 @@
             <p:cNvPr id="13" name="Rechteck 12">
               <a:extLst>
                 <a:ext uri="{FF2B5EF4-FFF2-40B4-BE49-F238E27FC236}">
-                  <a16:creationId xmlns="" xmlns:a16="http://schemas.microsoft.com/office/drawing/2014/main" id="{514C32A1-04E5-494D-AB34-069455276B16}"/>
+                  <a16:creationId xmlns:a16="http://schemas.microsoft.com/office/drawing/2014/main" xmlns="" id="{514C32A1-04E5-494D-AB34-069455276B16}"/>
                 </a:ext>
               </a:extLst>
             </p:cNvPr>
@@ -17495,7 +17566,7 @@
           <p:cNvPr id="14" name="Gruppieren 13">
             <a:extLst>
               <a:ext uri="{FF2B5EF4-FFF2-40B4-BE49-F238E27FC236}">
-                <a16:creationId xmlns="" xmlns:a16="http://schemas.microsoft.com/office/drawing/2014/main" id="{C0CAAA13-C09D-AC4E-991C-1FEB2957F9A9}"/>
+                <a16:creationId xmlns:a16="http://schemas.microsoft.com/office/drawing/2014/main" xmlns="" id="{C0CAAA13-C09D-AC4E-991C-1FEB2957F9A9}"/>
               </a:ext>
             </a:extLst>
           </p:cNvPr>
@@ -17515,7 +17586,7 @@
             <p:cNvPr id="15" name="Rechteck 14">
               <a:extLst>
                 <a:ext uri="{FF2B5EF4-FFF2-40B4-BE49-F238E27FC236}">
-                  <a16:creationId xmlns="" xmlns:a16="http://schemas.microsoft.com/office/drawing/2014/main" id="{71B66402-AE28-034E-B538-DD8098A05FCC}"/>
+                  <a16:creationId xmlns:a16="http://schemas.microsoft.com/office/drawing/2014/main" xmlns="" id="{71B66402-AE28-034E-B538-DD8098A05FCC}"/>
                 </a:ext>
               </a:extLst>
             </p:cNvPr>
@@ -17654,7 +17725,7 @@
             <p:cNvPr id="16" name="Rechteck 15">
               <a:extLst>
                 <a:ext uri="{FF2B5EF4-FFF2-40B4-BE49-F238E27FC236}">
-                  <a16:creationId xmlns="" xmlns:a16="http://schemas.microsoft.com/office/drawing/2014/main" id="{3BF267A1-CAB7-CF4A-B6F4-D9891842B9EE}"/>
+                  <a16:creationId xmlns:a16="http://schemas.microsoft.com/office/drawing/2014/main" xmlns="" id="{3BF267A1-CAB7-CF4A-B6F4-D9891842B9EE}"/>
                 </a:ext>
               </a:extLst>
             </p:cNvPr>
@@ -17713,7 +17784,7 @@
           <p:cNvPr id="20" name="Gewinkelte Verbindung 19">
             <a:extLst>
               <a:ext uri="{FF2B5EF4-FFF2-40B4-BE49-F238E27FC236}">
-                <a16:creationId xmlns="" xmlns:a16="http://schemas.microsoft.com/office/drawing/2014/main" id="{FD336F23-DB98-1342-BB4F-5D218AF61D6F}"/>
+                <a16:creationId xmlns:a16="http://schemas.microsoft.com/office/drawing/2014/main" xmlns="" id="{FD336F23-DB98-1342-BB4F-5D218AF61D6F}"/>
               </a:ext>
             </a:extLst>
           </p:cNvPr>
@@ -17764,7 +17835,7 @@
           <p:cNvPr id="22" name="Gewinkelte Verbindung 21">
             <a:extLst>
               <a:ext uri="{FF2B5EF4-FFF2-40B4-BE49-F238E27FC236}">
-                <a16:creationId xmlns="" xmlns:a16="http://schemas.microsoft.com/office/drawing/2014/main" id="{BBE684D5-0A18-BA4A-8AA1-7553DDC193B9}"/>
+                <a16:creationId xmlns:a16="http://schemas.microsoft.com/office/drawing/2014/main" xmlns="" id="{BBE684D5-0A18-BA4A-8AA1-7553DDC193B9}"/>
               </a:ext>
             </a:extLst>
           </p:cNvPr>

--- a/Dokumente/Präsentationen/2019-01-24_DA_Feldkemper_Treffen_Krzywinski.pptx
+++ b/Dokumente/Präsentationen/2019-01-24_DA_Feldkemper_Treffen_Krzywinski.pptx
@@ -33,14 +33,14 @@
   <p:notesSz cx="6858000" cy="9144000"/>
   <p:embeddedFontLst>
     <p:embeddedFont>
-      <p:font typeface="Open Sans" panose="020B0604020202020204" charset="0"/>
+      <p:font typeface="Calibri" panose="020F0502020204030204" pitchFamily="34" charset="0"/>
       <p:regular r:id="rId21"/>
       <p:bold r:id="rId22"/>
       <p:italic r:id="rId23"/>
       <p:boldItalic r:id="rId24"/>
     </p:embeddedFont>
     <p:embeddedFont>
-      <p:font typeface="Calibri" panose="020F0502020204030204" pitchFamily="34" charset="0"/>
+      <p:font typeface="Open Sans" panose="020B0604020202020204" charset="0"/>
       <p:regular r:id="rId25"/>
       <p:bold r:id="rId26"/>
       <p:italic r:id="rId27"/>
@@ -273,7 +273,7 @@
           <a:p>
             <a:fld id="{C6AC6211-610F-44E5-BF19-D3CDF6EDD281}" type="datetimeFigureOut">
               <a:rPr lang="de-DE" smtClean="0"/>
-              <a:t>25.01.2019</a:t>
+              <a:t>01.02.2019</a:t>
             </a:fld>
             <a:endParaRPr lang="de-DE"/>
           </a:p>
@@ -439,7 +439,7 @@
           <a:p>
             <a:fld id="{347435D3-23A6-45D3-8DFA-7317DC1E7A64}" type="datetimeFigureOut">
               <a:rPr lang="de-DE" smtClean="0"/>
-              <a:t>25.01.2019</a:t>
+              <a:t>01.02.2019</a:t>
             </a:fld>
             <a:endParaRPr lang="de-DE"/>
           </a:p>
@@ -1686,7 +1686,7 @@
           <p:cNvPr id="15" name="Rechteck 14">
             <a:extLst>
               <a:ext uri="{FF2B5EF4-FFF2-40B4-BE49-F238E27FC236}">
-                <a16:creationId xmlns:a16="http://schemas.microsoft.com/office/drawing/2014/main" xmlns="" id="{F770C3AA-244C-A141-BC22-D074823F4293}"/>
+                <a16:creationId xmlns="" xmlns:a16="http://schemas.microsoft.com/office/drawing/2014/main" id="{F770C3AA-244C-A141-BC22-D074823F4293}"/>
               </a:ext>
             </a:extLst>
           </p:cNvPr>
@@ -1926,7 +1926,7 @@
           <p:cNvPr id="5" name="Grafik 4">
             <a:extLst>
               <a:ext uri="{FF2B5EF4-FFF2-40B4-BE49-F238E27FC236}">
-                <a16:creationId xmlns:a16="http://schemas.microsoft.com/office/drawing/2014/main" xmlns="" id="{C0F785FA-BB6E-6347-A8C6-9846216D4CBB}"/>
+                <a16:creationId xmlns="" xmlns:a16="http://schemas.microsoft.com/office/drawing/2014/main" id="{C0F785FA-BB6E-6347-A8C6-9846216D4CBB}"/>
               </a:ext>
             </a:extLst>
           </p:cNvPr>
@@ -2115,7 +2115,7 @@
           <p:cNvPr id="12" name="Grafik 11" hidden="1">
             <a:extLst>
               <a:ext uri="{FF2B5EF4-FFF2-40B4-BE49-F238E27FC236}">
-                <a16:creationId xmlns:a16="http://schemas.microsoft.com/office/drawing/2014/main" xmlns="" id="{CFC0D4A5-64CF-6D49-98B1-9FF6119E60EC}"/>
+                <a16:creationId xmlns="" xmlns:a16="http://schemas.microsoft.com/office/drawing/2014/main" id="{CFC0D4A5-64CF-6D49-98B1-9FF6119E60EC}"/>
               </a:ext>
             </a:extLst>
           </p:cNvPr>
@@ -2145,7 +2145,7 @@
           <p:cNvPr id="17" name="Grafik 16">
             <a:extLst>
               <a:ext uri="{FF2B5EF4-FFF2-40B4-BE49-F238E27FC236}">
-                <a16:creationId xmlns:a16="http://schemas.microsoft.com/office/drawing/2014/main" xmlns="" id="{22ECE872-F4EF-2A49-BA96-6065BC99D769}"/>
+                <a16:creationId xmlns="" xmlns:a16="http://schemas.microsoft.com/office/drawing/2014/main" id="{22ECE872-F4EF-2A49-BA96-6065BC99D769}"/>
               </a:ext>
             </a:extLst>
           </p:cNvPr>
@@ -2415,7 +2415,7 @@
           <p:cNvPr id="24" name="Bildplatzhalter 23">
             <a:extLst>
               <a:ext uri="{FF2B5EF4-FFF2-40B4-BE49-F238E27FC236}">
-                <a16:creationId xmlns:a16="http://schemas.microsoft.com/office/drawing/2014/main" xmlns="" id="{24A56C48-CA8D-D349-89CC-35C3A65DC4D5}"/>
+                <a16:creationId xmlns="" xmlns:a16="http://schemas.microsoft.com/office/drawing/2014/main" id="{24A56C48-CA8D-D349-89CC-35C3A65DC4D5}"/>
               </a:ext>
             </a:extLst>
           </p:cNvPr>
@@ -2729,7 +2729,7 @@
           <p:cNvPr id="6" name="Textplatzhalter 5">
             <a:extLst>
               <a:ext uri="{FF2B5EF4-FFF2-40B4-BE49-F238E27FC236}">
-                <a16:creationId xmlns:a16="http://schemas.microsoft.com/office/drawing/2014/main" xmlns="" id="{2E77FCEF-52F5-324B-A583-005ABCE0E622}"/>
+                <a16:creationId xmlns="" xmlns:a16="http://schemas.microsoft.com/office/drawing/2014/main" id="{2E77FCEF-52F5-324B-A583-005ABCE0E622}"/>
               </a:ext>
             </a:extLst>
           </p:cNvPr>
@@ -2767,7 +2767,7 @@
           <p:cNvPr id="13" name="Grafik 12">
             <a:extLst>
               <a:ext uri="{FF2B5EF4-FFF2-40B4-BE49-F238E27FC236}">
-                <a16:creationId xmlns:a16="http://schemas.microsoft.com/office/drawing/2014/main" xmlns="" id="{F84F96E3-FAED-E24A-9E01-BBA4824F0E34}"/>
+                <a16:creationId xmlns="" xmlns:a16="http://schemas.microsoft.com/office/drawing/2014/main" id="{F84F96E3-FAED-E24A-9E01-BBA4824F0E34}"/>
               </a:ext>
             </a:extLst>
           </p:cNvPr>
@@ -2938,7 +2938,7 @@
           <p:cNvPr id="6" name="Rechteck 5">
             <a:extLst>
               <a:ext uri="{FF2B5EF4-FFF2-40B4-BE49-F238E27FC236}">
-                <a16:creationId xmlns:a16="http://schemas.microsoft.com/office/drawing/2014/main" xmlns="" id="{2447D286-D9F9-E84F-9173-2C8D2D2068E1}"/>
+                <a16:creationId xmlns="" xmlns:a16="http://schemas.microsoft.com/office/drawing/2014/main" id="{2447D286-D9F9-E84F-9173-2C8D2D2068E1}"/>
               </a:ext>
             </a:extLst>
           </p:cNvPr>
@@ -3005,7 +3005,7 @@
           <p:cNvPr id="10" name="Grafik 9">
             <a:extLst>
               <a:ext uri="{FF2B5EF4-FFF2-40B4-BE49-F238E27FC236}">
-                <a16:creationId xmlns:a16="http://schemas.microsoft.com/office/drawing/2014/main" xmlns="" id="{E4DBCC79-CA26-C240-B119-9127A62CDBA8}"/>
+                <a16:creationId xmlns="" xmlns:a16="http://schemas.microsoft.com/office/drawing/2014/main" id="{E4DBCC79-CA26-C240-B119-9127A62CDBA8}"/>
               </a:ext>
             </a:extLst>
           </p:cNvPr>
@@ -3107,7 +3107,7 @@
           <p:cNvPr id="5" name="Rechteck 4">
             <a:extLst>
               <a:ext uri="{FF2B5EF4-FFF2-40B4-BE49-F238E27FC236}">
-                <a16:creationId xmlns:a16="http://schemas.microsoft.com/office/drawing/2014/main" xmlns="" id="{FD770378-5F2D-DE46-8D66-09007E946AD3}"/>
+                <a16:creationId xmlns="" xmlns:a16="http://schemas.microsoft.com/office/drawing/2014/main" id="{FD770378-5F2D-DE46-8D66-09007E946AD3}"/>
               </a:ext>
             </a:extLst>
           </p:cNvPr>
@@ -3171,7 +3171,7 @@
           <p:cNvPr id="4" name="Grafik 3">
             <a:extLst>
               <a:ext uri="{FF2B5EF4-FFF2-40B4-BE49-F238E27FC236}">
-                <a16:creationId xmlns:a16="http://schemas.microsoft.com/office/drawing/2014/main" xmlns="" id="{4FE30B28-5777-FC40-9C3F-81738D289A6A}"/>
+                <a16:creationId xmlns="" xmlns:a16="http://schemas.microsoft.com/office/drawing/2014/main" id="{4FE30B28-5777-FC40-9C3F-81738D289A6A}"/>
               </a:ext>
             </a:extLst>
           </p:cNvPr>
@@ -4316,7 +4316,7 @@
           <p:cNvPr id="13" name="Grafik 12">
             <a:extLst>
               <a:ext uri="{FF2B5EF4-FFF2-40B4-BE49-F238E27FC236}">
-                <a16:creationId xmlns:a16="http://schemas.microsoft.com/office/drawing/2014/main" xmlns="" id="{2DC3CACD-C7C8-274E-BCD4-043370996A48}"/>
+                <a16:creationId xmlns="" xmlns:a16="http://schemas.microsoft.com/office/drawing/2014/main" id="{2DC3CACD-C7C8-274E-BCD4-043370996A48}"/>
               </a:ext>
             </a:extLst>
           </p:cNvPr>
@@ -5027,7 +5027,7 @@
           <p:cNvPr id="8" name="Gruppieren 7">
             <a:extLst>
               <a:ext uri="{FF2B5EF4-FFF2-40B4-BE49-F238E27FC236}">
-                <a16:creationId xmlns:a16="http://schemas.microsoft.com/office/drawing/2014/main" xmlns="" id="{55DEAA25-08DE-234A-9F7E-6DA95517E4AB}"/>
+                <a16:creationId xmlns="" xmlns:a16="http://schemas.microsoft.com/office/drawing/2014/main" id="{55DEAA25-08DE-234A-9F7E-6DA95517E4AB}"/>
               </a:ext>
             </a:extLst>
           </p:cNvPr>
@@ -5047,7 +5047,7 @@
             <p:cNvPr id="9" name="Rechteck 8">
               <a:extLst>
                 <a:ext uri="{FF2B5EF4-FFF2-40B4-BE49-F238E27FC236}">
-                  <a16:creationId xmlns:a16="http://schemas.microsoft.com/office/drawing/2014/main" xmlns="" id="{CBE4218A-6735-2946-A3C0-E23809B7CEDF}"/>
+                  <a16:creationId xmlns="" xmlns:a16="http://schemas.microsoft.com/office/drawing/2014/main" id="{CBE4218A-6735-2946-A3C0-E23809B7CEDF}"/>
                 </a:ext>
               </a:extLst>
             </p:cNvPr>
@@ -5198,7 +5198,7 @@
             <p:cNvPr id="10" name="Rechteck 9">
               <a:extLst>
                 <a:ext uri="{FF2B5EF4-FFF2-40B4-BE49-F238E27FC236}">
-                  <a16:creationId xmlns:a16="http://schemas.microsoft.com/office/drawing/2014/main" xmlns="" id="{5ECE2600-E242-0A47-A437-E1A9C7F07343}"/>
+                  <a16:creationId xmlns="" xmlns:a16="http://schemas.microsoft.com/office/drawing/2014/main" id="{5ECE2600-E242-0A47-A437-E1A9C7F07343}"/>
                 </a:ext>
               </a:extLst>
             </p:cNvPr>
@@ -5265,7 +5265,7 @@
           <p:cNvPr id="11" name="Gruppieren 10">
             <a:extLst>
               <a:ext uri="{FF2B5EF4-FFF2-40B4-BE49-F238E27FC236}">
-                <a16:creationId xmlns:a16="http://schemas.microsoft.com/office/drawing/2014/main" xmlns="" id="{2A9CBD64-DABE-DB44-8CC9-7ED3D3F42599}"/>
+                <a16:creationId xmlns="" xmlns:a16="http://schemas.microsoft.com/office/drawing/2014/main" id="{2A9CBD64-DABE-DB44-8CC9-7ED3D3F42599}"/>
               </a:ext>
             </a:extLst>
           </p:cNvPr>
@@ -5285,7 +5285,7 @@
             <p:cNvPr id="12" name="Rechteck 11">
               <a:extLst>
                 <a:ext uri="{FF2B5EF4-FFF2-40B4-BE49-F238E27FC236}">
-                  <a16:creationId xmlns:a16="http://schemas.microsoft.com/office/drawing/2014/main" xmlns="" id="{880AB37D-6202-FE47-84F8-2DB9C99F0992}"/>
+                  <a16:creationId xmlns="" xmlns:a16="http://schemas.microsoft.com/office/drawing/2014/main" id="{880AB37D-6202-FE47-84F8-2DB9C99F0992}"/>
                 </a:ext>
               </a:extLst>
             </p:cNvPr>
@@ -5475,7 +5475,7 @@
             <p:cNvPr id="13" name="Rechteck 12">
               <a:extLst>
                 <a:ext uri="{FF2B5EF4-FFF2-40B4-BE49-F238E27FC236}">
-                  <a16:creationId xmlns:a16="http://schemas.microsoft.com/office/drawing/2014/main" xmlns="" id="{6E6D6DF1-8063-C749-A415-29613D3195D5}"/>
+                  <a16:creationId xmlns="" xmlns:a16="http://schemas.microsoft.com/office/drawing/2014/main" id="{6E6D6DF1-8063-C749-A415-29613D3195D5}"/>
                 </a:ext>
               </a:extLst>
             </p:cNvPr>
@@ -5572,7 +5572,7 @@
           <p:cNvPr id="2" name="Titel 1">
             <a:extLst>
               <a:ext uri="{FF2B5EF4-FFF2-40B4-BE49-F238E27FC236}">
-                <a16:creationId xmlns:a16="http://schemas.microsoft.com/office/drawing/2014/main" xmlns="" id="{0E63EF50-EEA4-0D49-A35C-C36F045D035E}"/>
+                <a16:creationId xmlns="" xmlns:a16="http://schemas.microsoft.com/office/drawing/2014/main" id="{0E63EF50-EEA4-0D49-A35C-C36F045D035E}"/>
               </a:ext>
             </a:extLst>
           </p:cNvPr>
@@ -5617,7 +5617,7 @@
           <p:cNvPr id="5" name="Gruppieren 4">
             <a:extLst>
               <a:ext uri="{FF2B5EF4-FFF2-40B4-BE49-F238E27FC236}">
-                <a16:creationId xmlns:a16="http://schemas.microsoft.com/office/drawing/2014/main" xmlns="" id="{82067C57-47CC-BC4A-911D-C058CB8E64C1}"/>
+                <a16:creationId xmlns="" xmlns:a16="http://schemas.microsoft.com/office/drawing/2014/main" id="{82067C57-47CC-BC4A-911D-C058CB8E64C1}"/>
               </a:ext>
             </a:extLst>
           </p:cNvPr>
@@ -5637,7 +5637,7 @@
             <p:cNvPr id="6" name="Rechteck 5">
               <a:extLst>
                 <a:ext uri="{FF2B5EF4-FFF2-40B4-BE49-F238E27FC236}">
-                  <a16:creationId xmlns:a16="http://schemas.microsoft.com/office/drawing/2014/main" xmlns="" id="{1F74AAB6-FEC2-E040-AE2F-389C01E41200}"/>
+                  <a16:creationId xmlns="" xmlns:a16="http://schemas.microsoft.com/office/drawing/2014/main" id="{1F74AAB6-FEC2-E040-AE2F-389C01E41200}"/>
                 </a:ext>
               </a:extLst>
             </p:cNvPr>
@@ -5765,7 +5765,7 @@
             <p:cNvPr id="7" name="Rechteck 6">
               <a:extLst>
                 <a:ext uri="{FF2B5EF4-FFF2-40B4-BE49-F238E27FC236}">
-                  <a16:creationId xmlns:a16="http://schemas.microsoft.com/office/drawing/2014/main" xmlns="" id="{D9A91609-F78E-9C45-BCA7-7DF954BC0A1A}"/>
+                  <a16:creationId xmlns="" xmlns:a16="http://schemas.microsoft.com/office/drawing/2014/main" id="{D9A91609-F78E-9C45-BCA7-7DF954BC0A1A}"/>
                 </a:ext>
               </a:extLst>
             </p:cNvPr>
@@ -5824,7 +5824,7 @@
           <p:cNvPr id="8" name="Gruppieren 7">
             <a:extLst>
               <a:ext uri="{FF2B5EF4-FFF2-40B4-BE49-F238E27FC236}">
-                <a16:creationId xmlns:a16="http://schemas.microsoft.com/office/drawing/2014/main" xmlns="" id="{64401E1E-557D-5D4F-AE09-187A0802411B}"/>
+                <a16:creationId xmlns="" xmlns:a16="http://schemas.microsoft.com/office/drawing/2014/main" id="{64401E1E-557D-5D4F-AE09-187A0802411B}"/>
               </a:ext>
             </a:extLst>
           </p:cNvPr>
@@ -5844,7 +5844,7 @@
             <p:cNvPr id="9" name="Rechteck 8">
               <a:extLst>
                 <a:ext uri="{FF2B5EF4-FFF2-40B4-BE49-F238E27FC236}">
-                  <a16:creationId xmlns:a16="http://schemas.microsoft.com/office/drawing/2014/main" xmlns="" id="{35A0EAB9-4039-6448-AC03-B60DE38901D0}"/>
+                  <a16:creationId xmlns="" xmlns:a16="http://schemas.microsoft.com/office/drawing/2014/main" id="{35A0EAB9-4039-6448-AC03-B60DE38901D0}"/>
                 </a:ext>
               </a:extLst>
             </p:cNvPr>
@@ -5928,7 +5928,7 @@
             <p:cNvPr id="10" name="Rechteck 9">
               <a:extLst>
                 <a:ext uri="{FF2B5EF4-FFF2-40B4-BE49-F238E27FC236}">
-                  <a16:creationId xmlns:a16="http://schemas.microsoft.com/office/drawing/2014/main" xmlns="" id="{FCCEA108-686B-BB4F-95FB-4BCE5EB529F1}"/>
+                  <a16:creationId xmlns="" xmlns:a16="http://schemas.microsoft.com/office/drawing/2014/main" id="{FCCEA108-686B-BB4F-95FB-4BCE5EB529F1}"/>
                 </a:ext>
               </a:extLst>
             </p:cNvPr>
@@ -5987,7 +5987,7 @@
           <p:cNvPr id="11" name="Rechteck 10">
             <a:extLst>
               <a:ext uri="{FF2B5EF4-FFF2-40B4-BE49-F238E27FC236}">
-                <a16:creationId xmlns:a16="http://schemas.microsoft.com/office/drawing/2014/main" xmlns="" id="{96BDAF81-30A4-1E4E-959F-95E9EB7F7C7A}"/>
+                <a16:creationId xmlns="" xmlns:a16="http://schemas.microsoft.com/office/drawing/2014/main" id="{96BDAF81-30A4-1E4E-959F-95E9EB7F7C7A}"/>
               </a:ext>
             </a:extLst>
           </p:cNvPr>
@@ -6054,7 +6054,7 @@
           <p:cNvPr id="12" name="Rechteck 11">
             <a:extLst>
               <a:ext uri="{FF2B5EF4-FFF2-40B4-BE49-F238E27FC236}">
-                <a16:creationId xmlns:a16="http://schemas.microsoft.com/office/drawing/2014/main" xmlns="" id="{E6C50A77-89BD-8744-8E4D-4BE35B73D833}"/>
+                <a16:creationId xmlns="" xmlns:a16="http://schemas.microsoft.com/office/drawing/2014/main" id="{E6C50A77-89BD-8744-8E4D-4BE35B73D833}"/>
               </a:ext>
             </a:extLst>
           </p:cNvPr>
@@ -6121,7 +6121,7 @@
           <p:cNvPr id="13" name="Gruppieren 12">
             <a:extLst>
               <a:ext uri="{FF2B5EF4-FFF2-40B4-BE49-F238E27FC236}">
-                <a16:creationId xmlns:a16="http://schemas.microsoft.com/office/drawing/2014/main" xmlns="" id="{5B6A8D9F-A9F8-264C-B489-24AFD5A8596D}"/>
+                <a16:creationId xmlns="" xmlns:a16="http://schemas.microsoft.com/office/drawing/2014/main" id="{5B6A8D9F-A9F8-264C-B489-24AFD5A8596D}"/>
               </a:ext>
             </a:extLst>
           </p:cNvPr>
@@ -6141,7 +6141,7 @@
             <p:cNvPr id="14" name="Rechteck 13">
               <a:extLst>
                 <a:ext uri="{FF2B5EF4-FFF2-40B4-BE49-F238E27FC236}">
-                  <a16:creationId xmlns:a16="http://schemas.microsoft.com/office/drawing/2014/main" xmlns="" id="{8766CB30-3942-9E46-8CAC-FC33876B35F3}"/>
+                  <a16:creationId xmlns="" xmlns:a16="http://schemas.microsoft.com/office/drawing/2014/main" id="{8766CB30-3942-9E46-8CAC-FC33876B35F3}"/>
                 </a:ext>
               </a:extLst>
             </p:cNvPr>
@@ -6225,7 +6225,7 @@
             <p:cNvPr id="15" name="Rechteck 14">
               <a:extLst>
                 <a:ext uri="{FF2B5EF4-FFF2-40B4-BE49-F238E27FC236}">
-                  <a16:creationId xmlns:a16="http://schemas.microsoft.com/office/drawing/2014/main" xmlns="" id="{79F41613-6C39-9547-8B51-B50E6A35E505}"/>
+                  <a16:creationId xmlns="" xmlns:a16="http://schemas.microsoft.com/office/drawing/2014/main" id="{79F41613-6C39-9547-8B51-B50E6A35E505}"/>
                 </a:ext>
               </a:extLst>
             </p:cNvPr>
@@ -6284,7 +6284,7 @@
           <p:cNvPr id="16" name="Gruppieren 15">
             <a:extLst>
               <a:ext uri="{FF2B5EF4-FFF2-40B4-BE49-F238E27FC236}">
-                <a16:creationId xmlns:a16="http://schemas.microsoft.com/office/drawing/2014/main" xmlns="" id="{3EAAE737-A1E8-BD49-A661-00C0D54A60DD}"/>
+                <a16:creationId xmlns="" xmlns:a16="http://schemas.microsoft.com/office/drawing/2014/main" id="{3EAAE737-A1E8-BD49-A661-00C0D54A60DD}"/>
               </a:ext>
             </a:extLst>
           </p:cNvPr>
@@ -6304,7 +6304,7 @@
             <p:cNvPr id="17" name="Rechteck 16">
               <a:extLst>
                 <a:ext uri="{FF2B5EF4-FFF2-40B4-BE49-F238E27FC236}">
-                  <a16:creationId xmlns:a16="http://schemas.microsoft.com/office/drawing/2014/main" xmlns="" id="{A12CF216-7A5B-B546-8D15-3FFD047539D4}"/>
+                  <a16:creationId xmlns="" xmlns:a16="http://schemas.microsoft.com/office/drawing/2014/main" id="{A12CF216-7A5B-B546-8D15-3FFD047539D4}"/>
                 </a:ext>
               </a:extLst>
             </p:cNvPr>
@@ -6402,7 +6402,7 @@
             <p:cNvPr id="18" name="Rechteck 17">
               <a:extLst>
                 <a:ext uri="{FF2B5EF4-FFF2-40B4-BE49-F238E27FC236}">
-                  <a16:creationId xmlns:a16="http://schemas.microsoft.com/office/drawing/2014/main" xmlns="" id="{91008A0C-F66B-104F-B3C9-118DB994F72D}"/>
+                  <a16:creationId xmlns="" xmlns:a16="http://schemas.microsoft.com/office/drawing/2014/main" id="{91008A0C-F66B-104F-B3C9-118DB994F72D}"/>
                 </a:ext>
               </a:extLst>
             </p:cNvPr>
@@ -6491,7 +6491,7 @@
           <p:cNvPr id="2" name="Titel 1">
             <a:extLst>
               <a:ext uri="{FF2B5EF4-FFF2-40B4-BE49-F238E27FC236}">
-                <a16:creationId xmlns:a16="http://schemas.microsoft.com/office/drawing/2014/main" xmlns="" id="{7BA8FE41-0B04-6748-9CA8-05F0AE81883B}"/>
+                <a16:creationId xmlns="" xmlns:a16="http://schemas.microsoft.com/office/drawing/2014/main" id="{7BA8FE41-0B04-6748-9CA8-05F0AE81883B}"/>
               </a:ext>
             </a:extLst>
           </p:cNvPr>
@@ -6519,7 +6519,7 @@
           <p:cNvPr id="12" name="Gruppieren 11">
             <a:extLst>
               <a:ext uri="{FF2B5EF4-FFF2-40B4-BE49-F238E27FC236}">
-                <a16:creationId xmlns:a16="http://schemas.microsoft.com/office/drawing/2014/main" xmlns="" id="{995F115A-CBCD-7A4D-8C0A-281259A5A3C1}"/>
+                <a16:creationId xmlns="" xmlns:a16="http://schemas.microsoft.com/office/drawing/2014/main" id="{995F115A-CBCD-7A4D-8C0A-281259A5A3C1}"/>
               </a:ext>
             </a:extLst>
           </p:cNvPr>
@@ -6539,7 +6539,7 @@
             <p:cNvPr id="4" name="Gruppieren 3">
               <a:extLst>
                 <a:ext uri="{FF2B5EF4-FFF2-40B4-BE49-F238E27FC236}">
-                  <a16:creationId xmlns:a16="http://schemas.microsoft.com/office/drawing/2014/main" xmlns="" id="{783A73D2-C025-644E-A194-3438D291D352}"/>
+                  <a16:creationId xmlns="" xmlns:a16="http://schemas.microsoft.com/office/drawing/2014/main" id="{783A73D2-C025-644E-A194-3438D291D352}"/>
                 </a:ext>
               </a:extLst>
             </p:cNvPr>
@@ -6559,7 +6559,7 @@
               <p:cNvPr id="5" name="Rechteck 4">
                 <a:extLst>
                   <a:ext uri="{FF2B5EF4-FFF2-40B4-BE49-F238E27FC236}">
-                    <a16:creationId xmlns:a16="http://schemas.microsoft.com/office/drawing/2014/main" xmlns="" id="{4F68B8E9-417E-0141-AE27-E298ED29929C}"/>
+                    <a16:creationId xmlns="" xmlns:a16="http://schemas.microsoft.com/office/drawing/2014/main" id="{4F68B8E9-417E-0141-AE27-E298ED29929C}"/>
                   </a:ext>
                 </a:extLst>
               </p:cNvPr>
@@ -6651,7 +6651,7 @@
               <p:cNvPr id="6" name="Rechteck 5">
                 <a:extLst>
                   <a:ext uri="{FF2B5EF4-FFF2-40B4-BE49-F238E27FC236}">
-                    <a16:creationId xmlns:a16="http://schemas.microsoft.com/office/drawing/2014/main" xmlns="" id="{B2717A64-B61E-B44C-B23D-CB509FB519CA}"/>
+                    <a16:creationId xmlns="" xmlns:a16="http://schemas.microsoft.com/office/drawing/2014/main" id="{B2717A64-B61E-B44C-B23D-CB509FB519CA}"/>
                   </a:ext>
                 </a:extLst>
               </p:cNvPr>
@@ -6710,7 +6710,7 @@
             <p:cNvPr id="7" name="Rechteck 6">
               <a:extLst>
                 <a:ext uri="{FF2B5EF4-FFF2-40B4-BE49-F238E27FC236}">
-                  <a16:creationId xmlns:a16="http://schemas.microsoft.com/office/drawing/2014/main" xmlns="" id="{6F92A16E-30FA-A34D-A87A-AD884881288C}"/>
+                  <a16:creationId xmlns="" xmlns:a16="http://schemas.microsoft.com/office/drawing/2014/main" id="{6F92A16E-30FA-A34D-A87A-AD884881288C}"/>
                 </a:ext>
               </a:extLst>
             </p:cNvPr>
@@ -6770,7 +6770,7 @@
           <p:cNvPr id="13" name="Gruppieren 12">
             <a:extLst>
               <a:ext uri="{FF2B5EF4-FFF2-40B4-BE49-F238E27FC236}">
-                <a16:creationId xmlns:a16="http://schemas.microsoft.com/office/drawing/2014/main" xmlns="" id="{214C6E04-BA76-3048-B247-843530C6F237}"/>
+                <a16:creationId xmlns="" xmlns:a16="http://schemas.microsoft.com/office/drawing/2014/main" id="{214C6E04-BA76-3048-B247-843530C6F237}"/>
               </a:ext>
             </a:extLst>
           </p:cNvPr>
@@ -6790,7 +6790,7 @@
             <p:cNvPr id="14" name="Gruppieren 13">
               <a:extLst>
                 <a:ext uri="{FF2B5EF4-FFF2-40B4-BE49-F238E27FC236}">
-                  <a16:creationId xmlns:a16="http://schemas.microsoft.com/office/drawing/2014/main" xmlns="" id="{CF154C31-9B1A-6844-82C6-BEC64AE64B76}"/>
+                  <a16:creationId xmlns="" xmlns:a16="http://schemas.microsoft.com/office/drawing/2014/main" id="{CF154C31-9B1A-6844-82C6-BEC64AE64B76}"/>
                 </a:ext>
               </a:extLst>
             </p:cNvPr>
@@ -6810,7 +6810,7 @@
               <p:cNvPr id="16" name="Rechteck 15">
                 <a:extLst>
                   <a:ext uri="{FF2B5EF4-FFF2-40B4-BE49-F238E27FC236}">
-                    <a16:creationId xmlns:a16="http://schemas.microsoft.com/office/drawing/2014/main" xmlns="" id="{5D41E86D-96E1-F64F-B645-811FEF9C3566}"/>
+                    <a16:creationId xmlns="" xmlns:a16="http://schemas.microsoft.com/office/drawing/2014/main" id="{5D41E86D-96E1-F64F-B645-811FEF9C3566}"/>
                   </a:ext>
                 </a:extLst>
               </p:cNvPr>
@@ -6941,7 +6941,7 @@
               <p:cNvPr id="17" name="Rechteck 16">
                 <a:extLst>
                   <a:ext uri="{FF2B5EF4-FFF2-40B4-BE49-F238E27FC236}">
-                    <a16:creationId xmlns:a16="http://schemas.microsoft.com/office/drawing/2014/main" xmlns="" id="{829E215D-25C5-FE42-A84B-E10BE5590901}"/>
+                    <a16:creationId xmlns="" xmlns:a16="http://schemas.microsoft.com/office/drawing/2014/main" id="{829E215D-25C5-FE42-A84B-E10BE5590901}"/>
                   </a:ext>
                 </a:extLst>
               </p:cNvPr>
@@ -7000,7 +7000,7 @@
             <p:cNvPr id="15" name="Rechteck 14">
               <a:extLst>
                 <a:ext uri="{FF2B5EF4-FFF2-40B4-BE49-F238E27FC236}">
-                  <a16:creationId xmlns:a16="http://schemas.microsoft.com/office/drawing/2014/main" xmlns="" id="{3D7F9058-E672-2A4D-9BB1-013BCCC5ACE0}"/>
+                  <a16:creationId xmlns="" xmlns:a16="http://schemas.microsoft.com/office/drawing/2014/main" id="{3D7F9058-E672-2A4D-9BB1-013BCCC5ACE0}"/>
                 </a:ext>
               </a:extLst>
             </p:cNvPr>
@@ -7060,7 +7060,7 @@
           <p:cNvPr id="18" name="Gruppieren 17">
             <a:extLst>
               <a:ext uri="{FF2B5EF4-FFF2-40B4-BE49-F238E27FC236}">
-                <a16:creationId xmlns:a16="http://schemas.microsoft.com/office/drawing/2014/main" xmlns="" id="{76C873CF-9A61-9B4A-9A7F-7A0A6A11ECCC}"/>
+                <a16:creationId xmlns="" xmlns:a16="http://schemas.microsoft.com/office/drawing/2014/main" id="{76C873CF-9A61-9B4A-9A7F-7A0A6A11ECCC}"/>
               </a:ext>
             </a:extLst>
           </p:cNvPr>
@@ -7080,7 +7080,7 @@
             <p:cNvPr id="19" name="Gruppieren 18">
               <a:extLst>
                 <a:ext uri="{FF2B5EF4-FFF2-40B4-BE49-F238E27FC236}">
-                  <a16:creationId xmlns:a16="http://schemas.microsoft.com/office/drawing/2014/main" xmlns="" id="{02621200-51DD-6A4C-86C6-6B2A72D512E2}"/>
+                  <a16:creationId xmlns="" xmlns:a16="http://schemas.microsoft.com/office/drawing/2014/main" id="{02621200-51DD-6A4C-86C6-6B2A72D512E2}"/>
                 </a:ext>
               </a:extLst>
             </p:cNvPr>
@@ -7100,7 +7100,7 @@
               <p:cNvPr id="21" name="Rechteck 20">
                 <a:extLst>
                   <a:ext uri="{FF2B5EF4-FFF2-40B4-BE49-F238E27FC236}">
-                    <a16:creationId xmlns:a16="http://schemas.microsoft.com/office/drawing/2014/main" xmlns="" id="{ED0E09EA-1DC6-1249-841E-901E17F3D0B6}"/>
+                    <a16:creationId xmlns="" xmlns:a16="http://schemas.microsoft.com/office/drawing/2014/main" id="{ED0E09EA-1DC6-1249-841E-901E17F3D0B6}"/>
                   </a:ext>
                 </a:extLst>
               </p:cNvPr>
@@ -7189,7 +7189,7 @@
               <p:cNvPr id="22" name="Rechteck 21">
                 <a:extLst>
                   <a:ext uri="{FF2B5EF4-FFF2-40B4-BE49-F238E27FC236}">
-                    <a16:creationId xmlns:a16="http://schemas.microsoft.com/office/drawing/2014/main" xmlns="" id="{753356B5-7EB8-3F4A-96E1-8FF10B332D06}"/>
+                    <a16:creationId xmlns="" xmlns:a16="http://schemas.microsoft.com/office/drawing/2014/main" id="{753356B5-7EB8-3F4A-96E1-8FF10B332D06}"/>
                   </a:ext>
                 </a:extLst>
               </p:cNvPr>
@@ -7248,7 +7248,7 @@
             <p:cNvPr id="20" name="Rechteck 19">
               <a:extLst>
                 <a:ext uri="{FF2B5EF4-FFF2-40B4-BE49-F238E27FC236}">
-                  <a16:creationId xmlns:a16="http://schemas.microsoft.com/office/drawing/2014/main" xmlns="" id="{63DF4C62-579D-3249-9CFF-878DBD32F80A}"/>
+                  <a16:creationId xmlns="" xmlns:a16="http://schemas.microsoft.com/office/drawing/2014/main" id="{63DF4C62-579D-3249-9CFF-878DBD32F80A}"/>
                 </a:ext>
               </a:extLst>
             </p:cNvPr>
@@ -7308,7 +7308,7 @@
           <p:cNvPr id="23" name="Gruppieren 22">
             <a:extLst>
               <a:ext uri="{FF2B5EF4-FFF2-40B4-BE49-F238E27FC236}">
-                <a16:creationId xmlns:a16="http://schemas.microsoft.com/office/drawing/2014/main" xmlns="" id="{8E929239-873F-A040-A4FF-CF41E574A33B}"/>
+                <a16:creationId xmlns="" xmlns:a16="http://schemas.microsoft.com/office/drawing/2014/main" id="{8E929239-873F-A040-A4FF-CF41E574A33B}"/>
               </a:ext>
             </a:extLst>
           </p:cNvPr>
@@ -7328,7 +7328,7 @@
             <p:cNvPr id="24" name="Gruppieren 23">
               <a:extLst>
                 <a:ext uri="{FF2B5EF4-FFF2-40B4-BE49-F238E27FC236}">
-                  <a16:creationId xmlns:a16="http://schemas.microsoft.com/office/drawing/2014/main" xmlns="" id="{F47E6093-9AA6-8F4B-B80B-776943FCB73D}"/>
+                  <a16:creationId xmlns="" xmlns:a16="http://schemas.microsoft.com/office/drawing/2014/main" id="{F47E6093-9AA6-8F4B-B80B-776943FCB73D}"/>
                 </a:ext>
               </a:extLst>
             </p:cNvPr>
@@ -7348,7 +7348,7 @@
               <p:cNvPr id="26" name="Rechteck 25">
                 <a:extLst>
                   <a:ext uri="{FF2B5EF4-FFF2-40B4-BE49-F238E27FC236}">
-                    <a16:creationId xmlns:a16="http://schemas.microsoft.com/office/drawing/2014/main" xmlns="" id="{4059FEBC-2EFF-ED47-98FF-010C8401FADA}"/>
+                    <a16:creationId xmlns="" xmlns:a16="http://schemas.microsoft.com/office/drawing/2014/main" id="{4059FEBC-2EFF-ED47-98FF-010C8401FADA}"/>
                   </a:ext>
                 </a:extLst>
               </p:cNvPr>
@@ -7437,7 +7437,7 @@
               <p:cNvPr id="27" name="Rechteck 26">
                 <a:extLst>
                   <a:ext uri="{FF2B5EF4-FFF2-40B4-BE49-F238E27FC236}">
-                    <a16:creationId xmlns:a16="http://schemas.microsoft.com/office/drawing/2014/main" xmlns="" id="{A6C74FE9-D83D-2346-A400-58BA4229E830}"/>
+                    <a16:creationId xmlns="" xmlns:a16="http://schemas.microsoft.com/office/drawing/2014/main" id="{A6C74FE9-D83D-2346-A400-58BA4229E830}"/>
                   </a:ext>
                 </a:extLst>
               </p:cNvPr>
@@ -7496,7 +7496,7 @@
             <p:cNvPr id="25" name="Rechteck 24">
               <a:extLst>
                 <a:ext uri="{FF2B5EF4-FFF2-40B4-BE49-F238E27FC236}">
-                  <a16:creationId xmlns:a16="http://schemas.microsoft.com/office/drawing/2014/main" xmlns="" id="{1EDE063D-852E-324C-A77E-EFB1A1CCD783}"/>
+                  <a16:creationId xmlns="" xmlns:a16="http://schemas.microsoft.com/office/drawing/2014/main" id="{1EDE063D-852E-324C-A77E-EFB1A1CCD783}"/>
                 </a:ext>
               </a:extLst>
             </p:cNvPr>
@@ -7556,7 +7556,7 @@
           <p:cNvPr id="28" name="Gruppieren 27">
             <a:extLst>
               <a:ext uri="{FF2B5EF4-FFF2-40B4-BE49-F238E27FC236}">
-                <a16:creationId xmlns:a16="http://schemas.microsoft.com/office/drawing/2014/main" xmlns="" id="{076AA3C9-476D-4D45-B8BE-E0951E23CBCF}"/>
+                <a16:creationId xmlns="" xmlns:a16="http://schemas.microsoft.com/office/drawing/2014/main" id="{076AA3C9-476D-4D45-B8BE-E0951E23CBCF}"/>
               </a:ext>
             </a:extLst>
           </p:cNvPr>
@@ -7576,7 +7576,7 @@
             <p:cNvPr id="29" name="Gruppieren 28">
               <a:extLst>
                 <a:ext uri="{FF2B5EF4-FFF2-40B4-BE49-F238E27FC236}">
-                  <a16:creationId xmlns:a16="http://schemas.microsoft.com/office/drawing/2014/main" xmlns="" id="{B404C1CC-6DF7-B648-9CCB-5E2E9AFEB672}"/>
+                  <a16:creationId xmlns="" xmlns:a16="http://schemas.microsoft.com/office/drawing/2014/main" id="{B404C1CC-6DF7-B648-9CCB-5E2E9AFEB672}"/>
                 </a:ext>
               </a:extLst>
             </p:cNvPr>
@@ -7596,7 +7596,7 @@
               <p:cNvPr id="31" name="Rechteck 30">
                 <a:extLst>
                   <a:ext uri="{FF2B5EF4-FFF2-40B4-BE49-F238E27FC236}">
-                    <a16:creationId xmlns:a16="http://schemas.microsoft.com/office/drawing/2014/main" xmlns="" id="{4BDB37D7-D054-A942-8D6D-F9B2EF0F9FF6}"/>
+                    <a16:creationId xmlns="" xmlns:a16="http://schemas.microsoft.com/office/drawing/2014/main" id="{4BDB37D7-D054-A942-8D6D-F9B2EF0F9FF6}"/>
                   </a:ext>
                 </a:extLst>
               </p:cNvPr>
@@ -7660,7 +7660,7 @@
               <p:cNvPr id="32" name="Rechteck 31">
                 <a:extLst>
                   <a:ext uri="{FF2B5EF4-FFF2-40B4-BE49-F238E27FC236}">
-                    <a16:creationId xmlns:a16="http://schemas.microsoft.com/office/drawing/2014/main" xmlns="" id="{3A6CCD76-DF2E-A745-8BA8-2A2DA3CA1050}"/>
+                    <a16:creationId xmlns="" xmlns:a16="http://schemas.microsoft.com/office/drawing/2014/main" id="{3A6CCD76-DF2E-A745-8BA8-2A2DA3CA1050}"/>
                   </a:ext>
                 </a:extLst>
               </p:cNvPr>
@@ -7719,7 +7719,7 @@
             <p:cNvPr id="30" name="Rechteck 29">
               <a:extLst>
                 <a:ext uri="{FF2B5EF4-FFF2-40B4-BE49-F238E27FC236}">
-                  <a16:creationId xmlns:a16="http://schemas.microsoft.com/office/drawing/2014/main" xmlns="" id="{117072ED-37EF-E943-B866-F06DD4235CB3}"/>
+                  <a16:creationId xmlns="" xmlns:a16="http://schemas.microsoft.com/office/drawing/2014/main" id="{117072ED-37EF-E943-B866-F06DD4235CB3}"/>
                 </a:ext>
               </a:extLst>
             </p:cNvPr>
@@ -7809,7 +7809,7 @@
           <p:cNvPr id="2" name="Titel 1">
             <a:extLst>
               <a:ext uri="{FF2B5EF4-FFF2-40B4-BE49-F238E27FC236}">
-                <a16:creationId xmlns:a16="http://schemas.microsoft.com/office/drawing/2014/main" xmlns="" id="{486C50CA-1F3A-EF43-9380-876C137AD8EC}"/>
+                <a16:creationId xmlns="" xmlns:a16="http://schemas.microsoft.com/office/drawing/2014/main" id="{486C50CA-1F3A-EF43-9380-876C137AD8EC}"/>
               </a:ext>
             </a:extLst>
           </p:cNvPr>
@@ -7837,7 +7837,7 @@
           <p:cNvPr id="3" name="Inhaltsplatzhalter 2">
             <a:extLst>
               <a:ext uri="{FF2B5EF4-FFF2-40B4-BE49-F238E27FC236}">
-                <a16:creationId xmlns:a16="http://schemas.microsoft.com/office/drawing/2014/main" xmlns="" id="{ABD8A889-EFEB-F24E-8415-CFB9A520769E}"/>
+                <a16:creationId xmlns="" xmlns:a16="http://schemas.microsoft.com/office/drawing/2014/main" id="{ABD8A889-EFEB-F24E-8415-CFB9A520769E}"/>
               </a:ext>
             </a:extLst>
           </p:cNvPr>
@@ -11785,7 +11785,7 @@
           <p:cNvPr id="12" name="Gruppieren 11">
             <a:extLst>
               <a:ext uri="{FF2B5EF4-FFF2-40B4-BE49-F238E27FC236}">
-                <a16:creationId xmlns:a16="http://schemas.microsoft.com/office/drawing/2014/main" xmlns="" id="{EA0A8815-E75B-6046-B394-2A918B180A1D}"/>
+                <a16:creationId xmlns="" xmlns:a16="http://schemas.microsoft.com/office/drawing/2014/main" id="{EA0A8815-E75B-6046-B394-2A918B180A1D}"/>
               </a:ext>
             </a:extLst>
           </p:cNvPr>
@@ -11805,7 +11805,7 @@
             <p:cNvPr id="13" name="Rechteck 12">
               <a:extLst>
                 <a:ext uri="{FF2B5EF4-FFF2-40B4-BE49-F238E27FC236}">
-                  <a16:creationId xmlns:a16="http://schemas.microsoft.com/office/drawing/2014/main" xmlns="" id="{C6DACD2C-9288-2743-8000-2D2B960374D2}"/>
+                  <a16:creationId xmlns="" xmlns:a16="http://schemas.microsoft.com/office/drawing/2014/main" id="{C6DACD2C-9288-2743-8000-2D2B960374D2}"/>
                 </a:ext>
               </a:extLst>
             </p:cNvPr>
@@ -11897,7 +11897,7 @@
             <p:cNvPr id="14" name="Rechteck 13">
               <a:extLst>
                 <a:ext uri="{FF2B5EF4-FFF2-40B4-BE49-F238E27FC236}">
-                  <a16:creationId xmlns:a16="http://schemas.microsoft.com/office/drawing/2014/main" xmlns="" id="{8A961849-3F67-574C-9B6D-E3BC3038B489}"/>
+                  <a16:creationId xmlns="" xmlns:a16="http://schemas.microsoft.com/office/drawing/2014/main" id="{8A961849-3F67-574C-9B6D-E3BC3038B489}"/>
                 </a:ext>
               </a:extLst>
             </p:cNvPr>
@@ -11956,7 +11956,7 @@
           <p:cNvPr id="15" name="Gruppieren 14">
             <a:extLst>
               <a:ext uri="{FF2B5EF4-FFF2-40B4-BE49-F238E27FC236}">
-                <a16:creationId xmlns:a16="http://schemas.microsoft.com/office/drawing/2014/main" xmlns="" id="{A88F0E40-A3C2-8A49-B01C-D43BDE29765D}"/>
+                <a16:creationId xmlns="" xmlns:a16="http://schemas.microsoft.com/office/drawing/2014/main" id="{A88F0E40-A3C2-8A49-B01C-D43BDE29765D}"/>
               </a:ext>
             </a:extLst>
           </p:cNvPr>
@@ -11976,7 +11976,7 @@
             <p:cNvPr id="16" name="Rechteck 15">
               <a:extLst>
                 <a:ext uri="{FF2B5EF4-FFF2-40B4-BE49-F238E27FC236}">
-                  <a16:creationId xmlns:a16="http://schemas.microsoft.com/office/drawing/2014/main" xmlns="" id="{18E7CC15-3520-4B45-A599-D8A2FCD6071C}"/>
+                  <a16:creationId xmlns="" xmlns:a16="http://schemas.microsoft.com/office/drawing/2014/main" id="{18E7CC15-3520-4B45-A599-D8A2FCD6071C}"/>
                 </a:ext>
               </a:extLst>
             </p:cNvPr>
@@ -12171,7 +12171,7 @@
             <p:cNvPr id="17" name="Rechteck 16">
               <a:extLst>
                 <a:ext uri="{FF2B5EF4-FFF2-40B4-BE49-F238E27FC236}">
-                  <a16:creationId xmlns:a16="http://schemas.microsoft.com/office/drawing/2014/main" xmlns="" id="{9CA4E624-C249-DD44-95E5-805EF9DA78B4}"/>
+                  <a16:creationId xmlns="" xmlns:a16="http://schemas.microsoft.com/office/drawing/2014/main" id="{9CA4E624-C249-DD44-95E5-805EF9DA78B4}"/>
                 </a:ext>
               </a:extLst>
             </p:cNvPr>
@@ -12230,7 +12230,7 @@
           <p:cNvPr id="18" name="Gruppieren 17">
             <a:extLst>
               <a:ext uri="{FF2B5EF4-FFF2-40B4-BE49-F238E27FC236}">
-                <a16:creationId xmlns:a16="http://schemas.microsoft.com/office/drawing/2014/main" xmlns="" id="{14C33807-8E01-ED45-97CC-799667FE8E29}"/>
+                <a16:creationId xmlns="" xmlns:a16="http://schemas.microsoft.com/office/drawing/2014/main" id="{14C33807-8E01-ED45-97CC-799667FE8E29}"/>
               </a:ext>
             </a:extLst>
           </p:cNvPr>
@@ -12250,7 +12250,7 @@
             <p:cNvPr id="19" name="Rechteck 18">
               <a:extLst>
                 <a:ext uri="{FF2B5EF4-FFF2-40B4-BE49-F238E27FC236}">
-                  <a16:creationId xmlns:a16="http://schemas.microsoft.com/office/drawing/2014/main" xmlns="" id="{ADE0619D-3F85-424E-9F9E-D202B0D54706}"/>
+                  <a16:creationId xmlns="" xmlns:a16="http://schemas.microsoft.com/office/drawing/2014/main" id="{ADE0619D-3F85-424E-9F9E-D202B0D54706}"/>
                 </a:ext>
               </a:extLst>
             </p:cNvPr>
@@ -12443,7 +12443,7 @@
             <p:cNvPr id="20" name="Rechteck 19">
               <a:extLst>
                 <a:ext uri="{FF2B5EF4-FFF2-40B4-BE49-F238E27FC236}">
-                  <a16:creationId xmlns:a16="http://schemas.microsoft.com/office/drawing/2014/main" xmlns="" id="{C56BD12A-0269-3F42-B860-ADC924159D2D}"/>
+                  <a16:creationId xmlns="" xmlns:a16="http://schemas.microsoft.com/office/drawing/2014/main" id="{C56BD12A-0269-3F42-B860-ADC924159D2D}"/>
                 </a:ext>
               </a:extLst>
             </p:cNvPr>
@@ -13733,7 +13733,7 @@
             <p:cNvPr id="24" name="Rechteck 23">
               <a:extLst>
                 <a:ext uri="{FF2B5EF4-FFF2-40B4-BE49-F238E27FC236}">
-                  <a16:creationId xmlns:a16="http://schemas.microsoft.com/office/drawing/2014/main" xmlns="" id="{FCCEA108-686B-BB4F-95FB-4BCE5EB529F1}"/>
+                  <a16:creationId xmlns="" xmlns:a16="http://schemas.microsoft.com/office/drawing/2014/main" id="{FCCEA108-686B-BB4F-95FB-4BCE5EB529F1}"/>
                 </a:ext>
               </a:extLst>
             </p:cNvPr>
@@ -13797,7 +13797,7 @@
           <p:cNvPr id="25" name="Rechteck 24">
             <a:extLst>
               <a:ext uri="{FF2B5EF4-FFF2-40B4-BE49-F238E27FC236}">
-                <a16:creationId xmlns:a16="http://schemas.microsoft.com/office/drawing/2014/main" xmlns="" id="{FCCEA108-686B-BB4F-95FB-4BCE5EB529F1}"/>
+                <a16:creationId xmlns="" xmlns:a16="http://schemas.microsoft.com/office/drawing/2014/main" id="{FCCEA108-686B-BB4F-95FB-4BCE5EB529F1}"/>
               </a:ext>
             </a:extLst>
           </p:cNvPr>
@@ -13845,15 +13845,7 @@
                   <a:schemeClr val="accent4"/>
                 </a:solidFill>
               </a:rPr>
-              <a:t>Altes </a:t>
-            </a:r>
-            <a:r>
-              <a:rPr lang="de-DE" b="1" dirty="0" smtClean="0">
-                <a:solidFill>
-                  <a:schemeClr val="accent4"/>
-                </a:solidFill>
-              </a:rPr>
-              <a:t>Modul</a:t>
+              <a:t>Altes Modul</a:t>
             </a:r>
             <a:endParaRPr lang="de-DE" b="1" dirty="0">
               <a:solidFill>
@@ -13868,7 +13860,7 @@
           <p:cNvPr id="26" name="Rechteck 25">
             <a:extLst>
               <a:ext uri="{FF2B5EF4-FFF2-40B4-BE49-F238E27FC236}">
-                <a16:creationId xmlns:a16="http://schemas.microsoft.com/office/drawing/2014/main" xmlns="" id="{FCCEA108-686B-BB4F-95FB-4BCE5EB529F1}"/>
+                <a16:creationId xmlns="" xmlns:a16="http://schemas.microsoft.com/office/drawing/2014/main" id="{FCCEA108-686B-BB4F-95FB-4BCE5EB529F1}"/>
               </a:ext>
             </a:extLst>
           </p:cNvPr>
@@ -13984,7 +13976,7 @@
           <p:cNvPr id="4" name="Gruppieren 3">
             <a:extLst>
               <a:ext uri="{FF2B5EF4-FFF2-40B4-BE49-F238E27FC236}">
-                <a16:creationId xmlns:a16="http://schemas.microsoft.com/office/drawing/2014/main" xmlns="" id="{64401E1E-557D-5D4F-AE09-187A0802411B}"/>
+                <a16:creationId xmlns="" xmlns:a16="http://schemas.microsoft.com/office/drawing/2014/main" id="{64401E1E-557D-5D4F-AE09-187A0802411B}"/>
               </a:ext>
             </a:extLst>
           </p:cNvPr>
@@ -13994,9 +13986,9 @@
         <p:grpSpPr>
           <a:xfrm>
             <a:off x="874711" y="1199304"/>
-            <a:ext cx="3326899" cy="3812073"/>
+            <a:ext cx="3204000" cy="3812073"/>
             <a:chOff x="1780030" y="1414270"/>
-            <a:chExt cx="3326899" cy="3812073"/>
+            <a:chExt cx="3204000" cy="3812073"/>
           </a:xfrm>
         </p:grpSpPr>
         <p:sp>
@@ -14004,7 +13996,7 @@
             <p:cNvPr id="5" name="Rechteck 4">
               <a:extLst>
                 <a:ext uri="{FF2B5EF4-FFF2-40B4-BE49-F238E27FC236}">
-                  <a16:creationId xmlns:a16="http://schemas.microsoft.com/office/drawing/2014/main" xmlns="" id="{35A0EAB9-4039-6448-AC03-B60DE38901D0}"/>
+                  <a16:creationId xmlns="" xmlns:a16="http://schemas.microsoft.com/office/drawing/2014/main" id="{35A0EAB9-4039-6448-AC03-B60DE38901D0}"/>
                 </a:ext>
               </a:extLst>
             </p:cNvPr>
@@ -14014,7 +14006,7 @@
           <p:spPr>
             <a:xfrm>
               <a:off x="1780030" y="1583286"/>
-              <a:ext cx="3326899" cy="3643057"/>
+              <a:ext cx="3204000" cy="3643057"/>
             </a:xfrm>
             <a:prstGeom prst="rect">
               <a:avLst/>
@@ -14166,7 +14158,7 @@
             <p:cNvPr id="6" name="Rechteck 5">
               <a:extLst>
                 <a:ext uri="{FF2B5EF4-FFF2-40B4-BE49-F238E27FC236}">
-                  <a16:creationId xmlns:a16="http://schemas.microsoft.com/office/drawing/2014/main" xmlns="" id="{FCCEA108-686B-BB4F-95FB-4BCE5EB529F1}"/>
+                  <a16:creationId xmlns="" xmlns:a16="http://schemas.microsoft.com/office/drawing/2014/main" id="{FCCEA108-686B-BB4F-95FB-4BCE5EB529F1}"/>
                 </a:ext>
               </a:extLst>
             </p:cNvPr>
@@ -14230,7 +14222,7 @@
           <p:cNvPr id="7" name="Gruppieren 6">
             <a:extLst>
               <a:ext uri="{FF2B5EF4-FFF2-40B4-BE49-F238E27FC236}">
-                <a16:creationId xmlns:a16="http://schemas.microsoft.com/office/drawing/2014/main" xmlns="" id="{64401E1E-557D-5D4F-AE09-187A0802411B}"/>
+                <a16:creationId xmlns="" xmlns:a16="http://schemas.microsoft.com/office/drawing/2014/main" id="{64401E1E-557D-5D4F-AE09-187A0802411B}"/>
               </a:ext>
             </a:extLst>
           </p:cNvPr>
@@ -14239,8 +14231,8 @@
         </p:nvGrpSpPr>
         <p:grpSpPr>
           <a:xfrm>
-            <a:off x="8229600" y="1199304"/>
-            <a:ext cx="3225799" cy="3812073"/>
+            <a:off x="8229599" y="1199304"/>
+            <a:ext cx="3204000" cy="3812073"/>
             <a:chOff x="1742234" y="1414270"/>
             <a:chExt cx="3225799" cy="3812073"/>
           </a:xfrm>
@@ -14250,7 +14242,7 @@
             <p:cNvPr id="8" name="Rechteck 7">
               <a:extLst>
                 <a:ext uri="{FF2B5EF4-FFF2-40B4-BE49-F238E27FC236}">
-                  <a16:creationId xmlns:a16="http://schemas.microsoft.com/office/drawing/2014/main" xmlns="" id="{35A0EAB9-4039-6448-AC03-B60DE38901D0}"/>
+                  <a16:creationId xmlns="" xmlns:a16="http://schemas.microsoft.com/office/drawing/2014/main" id="{35A0EAB9-4039-6448-AC03-B60DE38901D0}"/>
                 </a:ext>
               </a:extLst>
             </p:cNvPr>
@@ -14386,7 +14378,7 @@
             <p:cNvPr id="9" name="Rechteck 8">
               <a:extLst>
                 <a:ext uri="{FF2B5EF4-FFF2-40B4-BE49-F238E27FC236}">
-                  <a16:creationId xmlns:a16="http://schemas.microsoft.com/office/drawing/2014/main" xmlns="" id="{FCCEA108-686B-BB4F-95FB-4BCE5EB529F1}"/>
+                  <a16:creationId xmlns="" xmlns:a16="http://schemas.microsoft.com/office/drawing/2014/main" id="{FCCEA108-686B-BB4F-95FB-4BCE5EB529F1}"/>
                 </a:ext>
               </a:extLst>
             </p:cNvPr>
@@ -14450,7 +14442,7 @@
           <p:cNvPr id="10" name="Rechteck 9">
             <a:extLst>
               <a:ext uri="{FF2B5EF4-FFF2-40B4-BE49-F238E27FC236}">
-                <a16:creationId xmlns:a16="http://schemas.microsoft.com/office/drawing/2014/main" xmlns="" id="{FCCEA108-686B-BB4F-95FB-4BCE5EB529F1}"/>
+                <a16:creationId xmlns="" xmlns:a16="http://schemas.microsoft.com/office/drawing/2014/main" id="{FCCEA108-686B-BB4F-95FB-4BCE5EB529F1}"/>
               </a:ext>
             </a:extLst>
           </p:cNvPr>
@@ -14551,7 +14543,7 @@
           <p:cNvPr id="13" name="Gruppieren 12">
             <a:extLst>
               <a:ext uri="{FF2B5EF4-FFF2-40B4-BE49-F238E27FC236}">
-                <a16:creationId xmlns:a16="http://schemas.microsoft.com/office/drawing/2014/main" xmlns="" id="{64401E1E-557D-5D4F-AE09-187A0802411B}"/>
+                <a16:creationId xmlns="" xmlns:a16="http://schemas.microsoft.com/office/drawing/2014/main" id="{64401E1E-557D-5D4F-AE09-187A0802411B}"/>
               </a:ext>
             </a:extLst>
           </p:cNvPr>
@@ -14560,10 +14552,10 @@
         </p:nvGrpSpPr>
         <p:grpSpPr>
           <a:xfrm>
-            <a:off x="4621604" y="1199304"/>
-            <a:ext cx="3188002" cy="3812073"/>
+            <a:off x="4552155" y="1199304"/>
+            <a:ext cx="3204000" cy="3812073"/>
             <a:chOff x="1780031" y="1414270"/>
-            <a:chExt cx="3188002" cy="3812073"/>
+            <a:chExt cx="3204000" cy="3812073"/>
           </a:xfrm>
         </p:grpSpPr>
         <p:sp>
@@ -14571,7 +14563,7 @@
             <p:cNvPr id="14" name="Rechteck 13">
               <a:extLst>
                 <a:ext uri="{FF2B5EF4-FFF2-40B4-BE49-F238E27FC236}">
-                  <a16:creationId xmlns:a16="http://schemas.microsoft.com/office/drawing/2014/main" xmlns="" id="{35A0EAB9-4039-6448-AC03-B60DE38901D0}"/>
+                  <a16:creationId xmlns="" xmlns:a16="http://schemas.microsoft.com/office/drawing/2014/main" id="{35A0EAB9-4039-6448-AC03-B60DE38901D0}"/>
                 </a:ext>
               </a:extLst>
             </p:cNvPr>
@@ -14581,7 +14573,7 @@
           <p:spPr>
             <a:xfrm>
               <a:off x="1780031" y="1583287"/>
-              <a:ext cx="3188002" cy="3643056"/>
+              <a:ext cx="3204000" cy="3643056"/>
             </a:xfrm>
             <a:prstGeom prst="rect">
               <a:avLst/>
@@ -14665,10 +14657,6 @@
               </a:endParaRPr>
             </a:p>
             <a:p>
-              <a:pPr marL="285750" indent="-285750">
-                <a:buFont typeface="Arial" panose="020B0604020202020204" pitchFamily="34" charset="0"/>
-                <a:buChar char="•"/>
-              </a:pPr>
               <a:endParaRPr lang="de-DE" dirty="0" smtClean="0">
                 <a:solidFill>
                   <a:schemeClr val="tx1"/>
@@ -14701,7 +14689,7 @@
             <p:cNvPr id="15" name="Rechteck 14">
               <a:extLst>
                 <a:ext uri="{FF2B5EF4-FFF2-40B4-BE49-F238E27FC236}">
-                  <a16:creationId xmlns:a16="http://schemas.microsoft.com/office/drawing/2014/main" xmlns="" id="{FCCEA108-686B-BB4F-95FB-4BCE5EB529F1}"/>
+                  <a16:creationId xmlns="" xmlns:a16="http://schemas.microsoft.com/office/drawing/2014/main" id="{FCCEA108-686B-BB4F-95FB-4BCE5EB529F1}"/>
                 </a:ext>
               </a:extLst>
             </p:cNvPr>
@@ -14765,7 +14753,7 @@
           <p:cNvPr id="16" name="Rechteck 15">
             <a:extLst>
               <a:ext uri="{FF2B5EF4-FFF2-40B4-BE49-F238E27FC236}">
-                <a16:creationId xmlns:a16="http://schemas.microsoft.com/office/drawing/2014/main" xmlns="" id="{FCCEA108-686B-BB4F-95FB-4BCE5EB529F1}"/>
+                <a16:creationId xmlns="" xmlns:a16="http://schemas.microsoft.com/office/drawing/2014/main" id="{FCCEA108-686B-BB4F-95FB-4BCE5EB529F1}"/>
               </a:ext>
             </a:extLst>
           </p:cNvPr>
@@ -14774,7 +14762,7 @@
         </p:nvSpPr>
         <p:spPr>
           <a:xfrm>
-            <a:off x="4982074" y="5180391"/>
+            <a:off x="4966716" y="5180391"/>
             <a:ext cx="2309977" cy="338027"/>
           </a:xfrm>
           <a:prstGeom prst="rect">
@@ -14828,7 +14816,7 @@
           <p:cNvPr id="18" name="Rechteck 17">
             <a:extLst>
               <a:ext uri="{FF2B5EF4-FFF2-40B4-BE49-F238E27FC236}">
-                <a16:creationId xmlns:a16="http://schemas.microsoft.com/office/drawing/2014/main" xmlns="" id="{FCCEA108-686B-BB4F-95FB-4BCE5EB529F1}"/>
+                <a16:creationId xmlns="" xmlns:a16="http://schemas.microsoft.com/office/drawing/2014/main" id="{FCCEA108-686B-BB4F-95FB-4BCE5EB529F1}"/>
               </a:ext>
             </a:extLst>
           </p:cNvPr>
@@ -14837,7 +14825,7 @@
         </p:nvSpPr>
         <p:spPr>
           <a:xfrm>
-            <a:off x="8590069" y="5163777"/>
+            <a:off x="8650477" y="5163777"/>
             <a:ext cx="2865330" cy="577266"/>
           </a:xfrm>
           <a:prstGeom prst="rect">
@@ -14894,7 +14882,7 @@
         </p:nvCxnSpPr>
         <p:spPr>
           <a:xfrm rot="16200000" flipH="1">
-            <a:off x="4706053" y="5073385"/>
+            <a:off x="4690696" y="5073385"/>
             <a:ext cx="338028" cy="214012"/>
           </a:xfrm>
           <a:prstGeom prst="bentConnector2">
@@ -14930,7 +14918,7 @@
         </p:nvCxnSpPr>
         <p:spPr>
           <a:xfrm rot="16200000" flipH="1">
-            <a:off x="8314049" y="5073385"/>
+            <a:off x="8374457" y="5073385"/>
             <a:ext cx="338028" cy="214012"/>
           </a:xfrm>
           <a:prstGeom prst="bentConnector2">
@@ -15021,7 +15009,7 @@
           <p:cNvPr id="4" name="Gruppieren 3">
             <a:extLst>
               <a:ext uri="{FF2B5EF4-FFF2-40B4-BE49-F238E27FC236}">
-                <a16:creationId xmlns:a16="http://schemas.microsoft.com/office/drawing/2014/main" xmlns="" id="{64401E1E-557D-5D4F-AE09-187A0802411B}"/>
+                <a16:creationId xmlns="" xmlns:a16="http://schemas.microsoft.com/office/drawing/2014/main" id="{64401E1E-557D-5D4F-AE09-187A0802411B}"/>
               </a:ext>
             </a:extLst>
           </p:cNvPr>
@@ -15031,9 +15019,9 @@
         <p:grpSpPr>
           <a:xfrm>
             <a:off x="874712" y="1227061"/>
-            <a:ext cx="3558392" cy="3333365"/>
+            <a:ext cx="3558392" cy="3564857"/>
             <a:chOff x="1780031" y="1414270"/>
-            <a:chExt cx="3558392" cy="3333365"/>
+            <a:chExt cx="3558392" cy="3564857"/>
           </a:xfrm>
         </p:grpSpPr>
         <p:sp>
@@ -15041,7 +15029,7 @@
             <p:cNvPr id="5" name="Rechteck 4">
               <a:extLst>
                 <a:ext uri="{FF2B5EF4-FFF2-40B4-BE49-F238E27FC236}">
-                  <a16:creationId xmlns:a16="http://schemas.microsoft.com/office/drawing/2014/main" xmlns="" id="{35A0EAB9-4039-6448-AC03-B60DE38901D0}"/>
+                  <a16:creationId xmlns="" xmlns:a16="http://schemas.microsoft.com/office/drawing/2014/main" id="{35A0EAB9-4039-6448-AC03-B60DE38901D0}"/>
                 </a:ext>
               </a:extLst>
             </p:cNvPr>
@@ -15050,8 +15038,8 @@
           </p:nvSpPr>
           <p:spPr>
             <a:xfrm>
-              <a:off x="1780031" y="1583287"/>
-              <a:ext cx="3558392" cy="3164348"/>
+              <a:off x="1780031" y="1583286"/>
+              <a:ext cx="3558392" cy="3395841"/>
             </a:xfrm>
             <a:prstGeom prst="rect">
               <a:avLst/>
@@ -15097,7 +15085,7 @@
             <p:cNvPr id="6" name="Rechteck 5">
               <a:extLst>
                 <a:ext uri="{FF2B5EF4-FFF2-40B4-BE49-F238E27FC236}">
-                  <a16:creationId xmlns:a16="http://schemas.microsoft.com/office/drawing/2014/main" xmlns="" id="{FCCEA108-686B-BB4F-95FB-4BCE5EB529F1}"/>
+                  <a16:creationId xmlns="" xmlns:a16="http://schemas.microsoft.com/office/drawing/2014/main" id="{FCCEA108-686B-BB4F-95FB-4BCE5EB529F1}"/>
                 </a:ext>
               </a:extLst>
             </p:cNvPr>
@@ -15164,7 +15152,7 @@
         </p:nvSpPr>
         <p:spPr>
           <a:xfrm>
-            <a:off x="1071718" y="2731625"/>
+            <a:off x="1060025" y="3148326"/>
             <a:ext cx="3187765" cy="567160"/>
           </a:xfrm>
           <a:prstGeom prst="rect">
@@ -15224,7 +15212,7 @@
         </p:nvSpPr>
         <p:spPr>
           <a:xfrm>
-            <a:off x="1078237" y="3692324"/>
+            <a:off x="1063285" y="4021334"/>
             <a:ext cx="3181246" cy="567160"/>
           </a:xfrm>
           <a:prstGeom prst="rect">
@@ -15284,8 +15272,8 @@
         </p:nvSpPr>
         <p:spPr>
           <a:xfrm>
-            <a:off x="1078237" y="1766392"/>
-            <a:ext cx="3181245" cy="567160"/>
+            <a:off x="1066545" y="1788314"/>
+            <a:ext cx="3181245" cy="971068"/>
           </a:xfrm>
           <a:prstGeom prst="rect">
             <a:avLst/>
@@ -15347,8 +15335,8 @@
         </p:nvCxnSpPr>
         <p:spPr>
           <a:xfrm flipH="1">
-            <a:off x="2665601" y="2333552"/>
-            <a:ext cx="3259" cy="398073"/>
+            <a:off x="2653908" y="2759382"/>
+            <a:ext cx="3260" cy="388944"/>
           </a:xfrm>
           <a:prstGeom prst="straightConnector1">
             <a:avLst/>
@@ -15386,8 +15374,8 @@
         </p:nvCxnSpPr>
         <p:spPr>
           <a:xfrm>
-            <a:off x="2665601" y="3298785"/>
-            <a:ext cx="3259" cy="393539"/>
+            <a:off x="2653908" y="3715486"/>
+            <a:ext cx="0" cy="305848"/>
           </a:xfrm>
           <a:prstGeom prst="straightConnector1">
             <a:avLst/>
@@ -15433,7 +15421,7 @@
             <p:cNvPr id="7" name="Gruppieren 6">
               <a:extLst>
                 <a:ext uri="{FF2B5EF4-FFF2-40B4-BE49-F238E27FC236}">
-                  <a16:creationId xmlns:a16="http://schemas.microsoft.com/office/drawing/2014/main" xmlns="" id="{64401E1E-557D-5D4F-AE09-187A0802411B}"/>
+                  <a16:creationId xmlns="" xmlns:a16="http://schemas.microsoft.com/office/drawing/2014/main" id="{64401E1E-557D-5D4F-AE09-187A0802411B}"/>
                 </a:ext>
               </a:extLst>
             </p:cNvPr>
@@ -15453,7 +15441,7 @@
               <p:cNvPr id="8" name="Rechteck 7">
                 <a:extLst>
                   <a:ext uri="{FF2B5EF4-FFF2-40B4-BE49-F238E27FC236}">
-                    <a16:creationId xmlns:a16="http://schemas.microsoft.com/office/drawing/2014/main" xmlns="" id="{35A0EAB9-4039-6448-AC03-B60DE38901D0}"/>
+                    <a16:creationId xmlns="" xmlns:a16="http://schemas.microsoft.com/office/drawing/2014/main" id="{35A0EAB9-4039-6448-AC03-B60DE38901D0}"/>
                   </a:ext>
                 </a:extLst>
               </p:cNvPr>
@@ -15509,7 +15497,7 @@
               <p:cNvPr id="9" name="Rechteck 8">
                 <a:extLst>
                   <a:ext uri="{FF2B5EF4-FFF2-40B4-BE49-F238E27FC236}">
-                    <a16:creationId xmlns:a16="http://schemas.microsoft.com/office/drawing/2014/main" xmlns="" id="{FCCEA108-686B-BB4F-95FB-4BCE5EB529F1}"/>
+                    <a16:creationId xmlns="" xmlns:a16="http://schemas.microsoft.com/office/drawing/2014/main" id="{FCCEA108-686B-BB4F-95FB-4BCE5EB529F1}"/>
                   </a:ext>
                 </a:extLst>
               </p:cNvPr>
@@ -15518,8 +15506,8 @@
             </p:nvSpPr>
             <p:spPr>
               <a:xfrm>
-                <a:off x="1977038" y="1414270"/>
-                <a:ext cx="1808448" cy="338027"/>
+                <a:off x="1977037" y="1414270"/>
+                <a:ext cx="1997569" cy="338027"/>
               </a:xfrm>
               <a:prstGeom prst="rect">
                 <a:avLst/>
@@ -15557,7 +15545,7 @@
                       <a:schemeClr val="accent4"/>
                     </a:solidFill>
                   </a:rPr>
-                  <a:t>Problemlösung</a:t>
+                  <a:t>Problemlösungen</a:t>
                 </a:r>
                 <a:endParaRPr lang="de-DE" b="1" dirty="0">
                   <a:solidFill>
@@ -15831,19 +15819,20 @@
         <p:nvCxnSpPr>
           <p:cNvPr id="28" name="Gewinkelte Verbindung 27"/>
           <p:cNvCxnSpPr>
-            <a:stCxn id="5" idx="2"/>
+            <a:stCxn id="11" idx="2"/>
+            <a:endCxn id="17" idx="1"/>
           </p:cNvCxnSpPr>
           <p:nvPr/>
         </p:nvCxnSpPr>
         <p:spPr>
           <a:xfrm rot="5400000" flipH="1" flipV="1">
-            <a:off x="2661711" y="2067780"/>
-            <a:ext cx="2484843" cy="2500450"/>
+            <a:off x="2829181" y="2100045"/>
+            <a:ext cx="2313175" cy="2663723"/>
           </a:xfrm>
           <a:prstGeom prst="bentConnector4">
             <a:avLst>
-              <a:gd name="adj1" fmla="val -22582"/>
-              <a:gd name="adj2" fmla="val 85578"/>
+              <a:gd name="adj1" fmla="val -25395"/>
+              <a:gd name="adj2" fmla="val 79857"/>
             </a:avLst>
           </a:prstGeom>
           <a:ln w="9525">
@@ -15993,7 +15982,7 @@
           <p:cNvPr id="49" name="Gruppieren 48">
             <a:extLst>
               <a:ext uri="{FF2B5EF4-FFF2-40B4-BE49-F238E27FC236}">
-                <a16:creationId xmlns:a16="http://schemas.microsoft.com/office/drawing/2014/main" xmlns="" id="{64401E1E-557D-5D4F-AE09-187A0802411B}"/>
+                <a16:creationId xmlns="" xmlns:a16="http://schemas.microsoft.com/office/drawing/2014/main" id="{64401E1E-557D-5D4F-AE09-187A0802411B}"/>
               </a:ext>
             </a:extLst>
           </p:cNvPr>
@@ -16002,10 +15991,10 @@
         </p:nvGrpSpPr>
         <p:grpSpPr>
           <a:xfrm>
-            <a:off x="9400268" y="1227061"/>
-            <a:ext cx="1984637" cy="3125021"/>
+            <a:off x="9366536" y="1227061"/>
+            <a:ext cx="2018369" cy="3564857"/>
             <a:chOff x="1780031" y="1414270"/>
-            <a:chExt cx="1984637" cy="3125021"/>
+            <a:chExt cx="1984637" cy="3564857"/>
           </a:xfrm>
         </p:grpSpPr>
         <p:sp>
@@ -16013,7 +16002,7 @@
             <p:cNvPr id="50" name="Rechteck 49">
               <a:extLst>
                 <a:ext uri="{FF2B5EF4-FFF2-40B4-BE49-F238E27FC236}">
-                  <a16:creationId xmlns:a16="http://schemas.microsoft.com/office/drawing/2014/main" xmlns="" id="{35A0EAB9-4039-6448-AC03-B60DE38901D0}"/>
+                  <a16:creationId xmlns="" xmlns:a16="http://schemas.microsoft.com/office/drawing/2014/main" id="{35A0EAB9-4039-6448-AC03-B60DE38901D0}"/>
                 </a:ext>
               </a:extLst>
             </p:cNvPr>
@@ -16022,8 +16011,8 @@
           </p:nvSpPr>
           <p:spPr>
             <a:xfrm>
-              <a:off x="1780031" y="1583287"/>
-              <a:ext cx="1984637" cy="2956004"/>
+              <a:off x="1780031" y="1583286"/>
+              <a:ext cx="1984637" cy="3395841"/>
             </a:xfrm>
             <a:prstGeom prst="rect">
               <a:avLst/>
@@ -16069,7 +16058,7 @@
             <p:cNvPr id="51" name="Rechteck 50">
               <a:extLst>
                 <a:ext uri="{FF2B5EF4-FFF2-40B4-BE49-F238E27FC236}">
-                  <a16:creationId xmlns:a16="http://schemas.microsoft.com/office/drawing/2014/main" xmlns="" id="{FCCEA108-686B-BB4F-95FB-4BCE5EB529F1}"/>
+                  <a16:creationId xmlns="" xmlns:a16="http://schemas.microsoft.com/office/drawing/2014/main" id="{FCCEA108-686B-BB4F-95FB-4BCE5EB529F1}"/>
                 </a:ext>
               </a:extLst>
             </p:cNvPr>
@@ -16136,8 +16125,8 @@
         </p:nvSpPr>
         <p:spPr>
           <a:xfrm>
-            <a:off x="9632899" y="1766392"/>
-            <a:ext cx="1548459" cy="567160"/>
+            <a:off x="9566891" y="1791256"/>
+            <a:ext cx="1614467" cy="567160"/>
           </a:xfrm>
           <a:prstGeom prst="rect">
             <a:avLst/>
@@ -16196,8 +16185,8 @@
         </p:nvSpPr>
         <p:spPr>
           <a:xfrm>
-            <a:off x="9632899" y="2646511"/>
-            <a:ext cx="1548459" cy="567160"/>
+            <a:off x="9566891" y="3106778"/>
+            <a:ext cx="1614467" cy="567160"/>
           </a:xfrm>
           <a:prstGeom prst="rect">
             <a:avLst/>
@@ -16256,8 +16245,8 @@
         </p:nvSpPr>
         <p:spPr>
           <a:xfrm>
-            <a:off x="9618356" y="3579460"/>
-            <a:ext cx="1548459" cy="567160"/>
+            <a:off x="9566892" y="4024217"/>
+            <a:ext cx="1614466" cy="567160"/>
           </a:xfrm>
           <a:prstGeom prst="rect">
             <a:avLst/>
@@ -16308,61 +16297,126 @@
           </a:p>
         </p:txBody>
       </p:sp>
-      <p:sp>
-        <p:nvSpPr>
-          <p:cNvPr id="3" name="Rechteck 2"/>
-          <p:cNvSpPr/>
+      <p:cxnSp>
+        <p:nvCxnSpPr>
+          <p:cNvPr id="46" name="Gerade Verbindung mit Pfeil 45"/>
+          <p:cNvCxnSpPr>
+            <a:stCxn id="58" idx="2"/>
+            <a:endCxn id="59" idx="0"/>
+          </p:cNvCxnSpPr>
           <p:nvPr/>
-        </p:nvSpPr>
+        </p:nvCxnSpPr>
         <p:spPr>
           <a:xfrm>
-            <a:off x="489962" y="1930878"/>
-            <a:ext cx="914400" cy="265947"/>
+            <a:off x="10374125" y="2358416"/>
+            <a:ext cx="0" cy="748362"/>
           </a:xfrm>
-          <a:prstGeom prst="rect">
+          <a:prstGeom prst="straightConnector1">
             <a:avLst/>
           </a:prstGeom>
-          <a:solidFill>
-            <a:schemeClr val="bg1"/>
-          </a:solidFill>
+          <a:ln>
+            <a:solidFill>
+              <a:schemeClr val="accent6"/>
+            </a:solidFill>
+            <a:tailEnd type="triangle"/>
+          </a:ln>
         </p:spPr>
         <p:style>
-          <a:lnRef idx="2">
-            <a:schemeClr val="accent1">
-              <a:shade val="50000"/>
-            </a:schemeClr>
+          <a:lnRef idx="1">
+            <a:schemeClr val="accent1"/>
           </a:lnRef>
-          <a:fillRef idx="1">
+          <a:fillRef idx="0">
             <a:schemeClr val="accent1"/>
           </a:fillRef>
           <a:effectRef idx="0">
             <a:schemeClr val="accent1"/>
           </a:effectRef>
           <a:fontRef idx="minor">
-            <a:schemeClr val="lt1"/>
+            <a:schemeClr val="tx1"/>
           </a:fontRef>
         </p:style>
-        <p:txBody>
-          <a:bodyPr rtlCol="0" anchor="ctr"/>
-          <a:lstStyle/>
-          <a:p>
-            <a:pPr algn="ctr"/>
-            <a:r>
-              <a:rPr lang="de-DE" b="1" dirty="0" smtClean="0">
-                <a:solidFill>
-                  <a:schemeClr val="accent6"/>
-                </a:solidFill>
-              </a:rPr>
-              <a:t>PFE</a:t>
-            </a:r>
-            <a:endParaRPr lang="de-DE" b="1" dirty="0">
-              <a:solidFill>
-                <a:schemeClr val="accent6"/>
-              </a:solidFill>
-            </a:endParaRPr>
-          </a:p>
-        </p:txBody>
-      </p:sp>
+      </p:cxnSp>
+      <p:cxnSp>
+        <p:nvCxnSpPr>
+          <p:cNvPr id="52" name="Gerade Verbindung mit Pfeil 51"/>
+          <p:cNvCxnSpPr>
+            <a:stCxn id="59" idx="2"/>
+            <a:endCxn id="60" idx="0"/>
+          </p:cNvCxnSpPr>
+          <p:nvPr/>
+        </p:nvCxnSpPr>
+        <p:spPr>
+          <a:xfrm>
+            <a:off x="10374125" y="3673938"/>
+            <a:ext cx="0" cy="350279"/>
+          </a:xfrm>
+          <a:prstGeom prst="straightConnector1">
+            <a:avLst/>
+          </a:prstGeom>
+          <a:ln>
+            <a:solidFill>
+              <a:schemeClr val="accent6"/>
+            </a:solidFill>
+            <a:tailEnd type="triangle"/>
+          </a:ln>
+        </p:spPr>
+        <p:style>
+          <a:lnRef idx="1">
+            <a:schemeClr val="accent1"/>
+          </a:lnRef>
+          <a:fillRef idx="0">
+            <a:schemeClr val="accent1"/>
+          </a:fillRef>
+          <a:effectRef idx="0">
+            <a:schemeClr val="accent1"/>
+          </a:effectRef>
+          <a:fontRef idx="minor">
+            <a:schemeClr val="tx1"/>
+          </a:fontRef>
+        </p:style>
+      </p:cxnSp>
+      <p:cxnSp>
+        <p:nvCxnSpPr>
+          <p:cNvPr id="53" name="Gewinkelte Verbindung 52"/>
+          <p:cNvCxnSpPr>
+            <a:stCxn id="20" idx="2"/>
+            <a:endCxn id="58" idx="1"/>
+          </p:cNvCxnSpPr>
+          <p:nvPr/>
+        </p:nvCxnSpPr>
+        <p:spPr>
+          <a:xfrm rot="5400000" flipH="1" flipV="1">
+            <a:off x="6980743" y="2002346"/>
+            <a:ext cx="2513658" cy="2658638"/>
+          </a:xfrm>
+          <a:prstGeom prst="bentConnector4">
+            <a:avLst>
+              <a:gd name="adj1" fmla="val -23830"/>
+              <a:gd name="adj2" fmla="val 79914"/>
+            </a:avLst>
+          </a:prstGeom>
+          <a:ln w="9525">
+            <a:solidFill>
+              <a:schemeClr val="tx2"/>
+            </a:solidFill>
+            <a:tailEnd type="triangle"/>
+          </a:ln>
+        </p:spPr>
+        <p:style>
+          <a:lnRef idx="1">
+            <a:schemeClr val="accent1"/>
+          </a:lnRef>
+          <a:fillRef idx="0">
+            <a:schemeClr val="accent1"/>
+          </a:fillRef>
+          <a:effectRef idx="0">
+            <a:schemeClr val="accent1"/>
+          </a:effectRef>
+          <a:fontRef idx="minor">
+            <a:schemeClr val="tx1"/>
+          </a:fontRef>
+        </p:style>
+      </p:cxnSp>
     </p:spTree>
     <p:extLst>
       <p:ext uri="{BB962C8B-B14F-4D97-AF65-F5344CB8AC3E}">
@@ -16495,6 +16549,61 @@
               <a:t>Wie kann man komplexe Zusammenhänge sinnvoll aufbereiten?</a:t>
             </a:r>
             <a:endParaRPr lang="de-DE" dirty="0"/>
+          </a:p>
+        </p:txBody>
+      </p:sp>
+      <p:sp>
+        <p:nvSpPr>
+          <p:cNvPr id="4" name="Rechteck 3"/>
+          <p:cNvSpPr/>
+          <p:nvPr/>
+        </p:nvSpPr>
+        <p:spPr>
+          <a:xfrm>
+            <a:off x="8661688" y="5021318"/>
+            <a:ext cx="914400" cy="265947"/>
+          </a:xfrm>
+          <a:prstGeom prst="rect">
+            <a:avLst/>
+          </a:prstGeom>
+          <a:solidFill>
+            <a:schemeClr val="bg1"/>
+          </a:solidFill>
+        </p:spPr>
+        <p:style>
+          <a:lnRef idx="2">
+            <a:schemeClr val="accent1">
+              <a:shade val="50000"/>
+            </a:schemeClr>
+          </a:lnRef>
+          <a:fillRef idx="1">
+            <a:schemeClr val="accent1"/>
+          </a:fillRef>
+          <a:effectRef idx="0">
+            <a:schemeClr val="accent1"/>
+          </a:effectRef>
+          <a:fontRef idx="minor">
+            <a:schemeClr val="lt1"/>
+          </a:fontRef>
+        </p:style>
+        <p:txBody>
+          <a:bodyPr rtlCol="0" anchor="ctr"/>
+          <a:lstStyle/>
+          <a:p>
+            <a:pPr algn="ctr"/>
+            <a:r>
+              <a:rPr lang="de-DE" b="1" dirty="0" smtClean="0">
+                <a:solidFill>
+                  <a:schemeClr val="accent6"/>
+                </a:solidFill>
+              </a:rPr>
+              <a:t>PFE</a:t>
+            </a:r>
+            <a:endParaRPr lang="de-DE" b="1" dirty="0">
+              <a:solidFill>
+                <a:schemeClr val="accent6"/>
+              </a:solidFill>
+            </a:endParaRPr>
           </a:p>
         </p:txBody>
       </p:sp>
@@ -16578,7 +16687,7 @@
           <p:cNvPr id="9" name="Gruppieren 8">
             <a:extLst>
               <a:ext uri="{FF2B5EF4-FFF2-40B4-BE49-F238E27FC236}">
-                <a16:creationId xmlns:a16="http://schemas.microsoft.com/office/drawing/2014/main" xmlns="" id="{64401E1E-557D-5D4F-AE09-187A0802411B}"/>
+                <a16:creationId xmlns="" xmlns:a16="http://schemas.microsoft.com/office/drawing/2014/main" id="{64401E1E-557D-5D4F-AE09-187A0802411B}"/>
               </a:ext>
             </a:extLst>
           </p:cNvPr>
@@ -16598,7 +16707,7 @@
             <p:cNvPr id="10" name="Rechteck 9">
               <a:extLst>
                 <a:ext uri="{FF2B5EF4-FFF2-40B4-BE49-F238E27FC236}">
-                  <a16:creationId xmlns:a16="http://schemas.microsoft.com/office/drawing/2014/main" xmlns="" id="{35A0EAB9-4039-6448-AC03-B60DE38901D0}"/>
+                  <a16:creationId xmlns="" xmlns:a16="http://schemas.microsoft.com/office/drawing/2014/main" id="{35A0EAB9-4039-6448-AC03-B60DE38901D0}"/>
                 </a:ext>
               </a:extLst>
             </p:cNvPr>
@@ -16787,7 +16896,7 @@
             <p:cNvPr id="11" name="Rechteck 10">
               <a:extLst>
                 <a:ext uri="{FF2B5EF4-FFF2-40B4-BE49-F238E27FC236}">
-                  <a16:creationId xmlns:a16="http://schemas.microsoft.com/office/drawing/2014/main" xmlns="" id="{FCCEA108-686B-BB4F-95FB-4BCE5EB529F1}"/>
+                  <a16:creationId xmlns="" xmlns:a16="http://schemas.microsoft.com/office/drawing/2014/main" id="{FCCEA108-686B-BB4F-95FB-4BCE5EB529F1}"/>
                 </a:ext>
               </a:extLst>
             </p:cNvPr>
@@ -16851,7 +16960,7 @@
           <p:cNvPr id="12" name="Gruppieren 11">
             <a:extLst>
               <a:ext uri="{FF2B5EF4-FFF2-40B4-BE49-F238E27FC236}">
-                <a16:creationId xmlns:a16="http://schemas.microsoft.com/office/drawing/2014/main" xmlns="" id="{64401E1E-557D-5D4F-AE09-187A0802411B}"/>
+                <a16:creationId xmlns="" xmlns:a16="http://schemas.microsoft.com/office/drawing/2014/main" id="{64401E1E-557D-5D4F-AE09-187A0802411B}"/>
               </a:ext>
             </a:extLst>
           </p:cNvPr>
@@ -16871,7 +16980,7 @@
             <p:cNvPr id="13" name="Rechteck 12">
               <a:extLst>
                 <a:ext uri="{FF2B5EF4-FFF2-40B4-BE49-F238E27FC236}">
-                  <a16:creationId xmlns:a16="http://schemas.microsoft.com/office/drawing/2014/main" xmlns="" id="{35A0EAB9-4039-6448-AC03-B60DE38901D0}"/>
+                  <a16:creationId xmlns="" xmlns:a16="http://schemas.microsoft.com/office/drawing/2014/main" id="{35A0EAB9-4039-6448-AC03-B60DE38901D0}"/>
                 </a:ext>
               </a:extLst>
             </p:cNvPr>
@@ -17075,7 +17184,7 @@
             <p:cNvPr id="14" name="Rechteck 13">
               <a:extLst>
                 <a:ext uri="{FF2B5EF4-FFF2-40B4-BE49-F238E27FC236}">
-                  <a16:creationId xmlns:a16="http://schemas.microsoft.com/office/drawing/2014/main" xmlns="" id="{FCCEA108-686B-BB4F-95FB-4BCE5EB529F1}"/>
+                  <a16:creationId xmlns="" xmlns:a16="http://schemas.microsoft.com/office/drawing/2014/main" id="{FCCEA108-686B-BB4F-95FB-4BCE5EB529F1}"/>
                 </a:ext>
               </a:extLst>
             </p:cNvPr>
@@ -17200,7 +17309,7 @@
           <p:cNvPr id="7" name="Gruppieren 6">
             <a:extLst>
               <a:ext uri="{FF2B5EF4-FFF2-40B4-BE49-F238E27FC236}">
-                <a16:creationId xmlns:a16="http://schemas.microsoft.com/office/drawing/2014/main" xmlns="" id="{83607870-557A-164A-B22B-C1B49B36656C}"/>
+                <a16:creationId xmlns="" xmlns:a16="http://schemas.microsoft.com/office/drawing/2014/main" id="{83607870-557A-164A-B22B-C1B49B36656C}"/>
               </a:ext>
             </a:extLst>
           </p:cNvPr>
@@ -17220,7 +17329,7 @@
             <p:cNvPr id="8" name="Rechteck 7">
               <a:extLst>
                 <a:ext uri="{FF2B5EF4-FFF2-40B4-BE49-F238E27FC236}">
-                  <a16:creationId xmlns:a16="http://schemas.microsoft.com/office/drawing/2014/main" xmlns="" id="{F1E1E402-969D-194B-AB76-85BAC6C71034}"/>
+                  <a16:creationId xmlns="" xmlns:a16="http://schemas.microsoft.com/office/drawing/2014/main" id="{F1E1E402-969D-194B-AB76-85BAC6C71034}"/>
                 </a:ext>
               </a:extLst>
             </p:cNvPr>
@@ -17304,7 +17413,7 @@
             <p:cNvPr id="9" name="Rechteck 8">
               <a:extLst>
                 <a:ext uri="{FF2B5EF4-FFF2-40B4-BE49-F238E27FC236}">
-                  <a16:creationId xmlns:a16="http://schemas.microsoft.com/office/drawing/2014/main" xmlns="" id="{833772DE-177D-6242-B2B7-89D46A2C0D15}"/>
+                  <a16:creationId xmlns="" xmlns:a16="http://schemas.microsoft.com/office/drawing/2014/main" id="{833772DE-177D-6242-B2B7-89D46A2C0D15}"/>
                 </a:ext>
               </a:extLst>
             </p:cNvPr>
@@ -17395,7 +17504,7 @@
           <p:cNvPr id="11" name="Gruppieren 10">
             <a:extLst>
               <a:ext uri="{FF2B5EF4-FFF2-40B4-BE49-F238E27FC236}">
-                <a16:creationId xmlns:a16="http://schemas.microsoft.com/office/drawing/2014/main" xmlns="" id="{00DD676A-B61C-5D48-BC56-AC4BB52F8528}"/>
+                <a16:creationId xmlns="" xmlns:a16="http://schemas.microsoft.com/office/drawing/2014/main" id="{00DD676A-B61C-5D48-BC56-AC4BB52F8528}"/>
               </a:ext>
             </a:extLst>
           </p:cNvPr>
@@ -17415,7 +17524,7 @@
             <p:cNvPr id="12" name="Rechteck 11">
               <a:extLst>
                 <a:ext uri="{FF2B5EF4-FFF2-40B4-BE49-F238E27FC236}">
-                  <a16:creationId xmlns:a16="http://schemas.microsoft.com/office/drawing/2014/main" xmlns="" id="{201F63B0-4CCA-B640-BD88-BAB407BC2183}"/>
+                  <a16:creationId xmlns="" xmlns:a16="http://schemas.microsoft.com/office/drawing/2014/main" id="{201F63B0-4CCA-B640-BD88-BAB407BC2183}"/>
                 </a:ext>
               </a:extLst>
             </p:cNvPr>
@@ -17499,7 +17608,7 @@
             <p:cNvPr id="13" name="Rechteck 12">
               <a:extLst>
                 <a:ext uri="{FF2B5EF4-FFF2-40B4-BE49-F238E27FC236}">
-                  <a16:creationId xmlns:a16="http://schemas.microsoft.com/office/drawing/2014/main" xmlns="" id="{514C32A1-04E5-494D-AB34-069455276B16}"/>
+                  <a16:creationId xmlns="" xmlns:a16="http://schemas.microsoft.com/office/drawing/2014/main" id="{514C32A1-04E5-494D-AB34-069455276B16}"/>
                 </a:ext>
               </a:extLst>
             </p:cNvPr>
@@ -17566,7 +17675,7 @@
           <p:cNvPr id="14" name="Gruppieren 13">
             <a:extLst>
               <a:ext uri="{FF2B5EF4-FFF2-40B4-BE49-F238E27FC236}">
-                <a16:creationId xmlns:a16="http://schemas.microsoft.com/office/drawing/2014/main" xmlns="" id="{C0CAAA13-C09D-AC4E-991C-1FEB2957F9A9}"/>
+                <a16:creationId xmlns="" xmlns:a16="http://schemas.microsoft.com/office/drawing/2014/main" id="{C0CAAA13-C09D-AC4E-991C-1FEB2957F9A9}"/>
               </a:ext>
             </a:extLst>
           </p:cNvPr>
@@ -17586,7 +17695,7 @@
             <p:cNvPr id="15" name="Rechteck 14">
               <a:extLst>
                 <a:ext uri="{FF2B5EF4-FFF2-40B4-BE49-F238E27FC236}">
-                  <a16:creationId xmlns:a16="http://schemas.microsoft.com/office/drawing/2014/main" xmlns="" id="{71B66402-AE28-034E-B538-DD8098A05FCC}"/>
+                  <a16:creationId xmlns="" xmlns:a16="http://schemas.microsoft.com/office/drawing/2014/main" id="{71B66402-AE28-034E-B538-DD8098A05FCC}"/>
                 </a:ext>
               </a:extLst>
             </p:cNvPr>
@@ -17725,7 +17834,7 @@
             <p:cNvPr id="16" name="Rechteck 15">
               <a:extLst>
                 <a:ext uri="{FF2B5EF4-FFF2-40B4-BE49-F238E27FC236}">
-                  <a16:creationId xmlns:a16="http://schemas.microsoft.com/office/drawing/2014/main" xmlns="" id="{3BF267A1-CAB7-CF4A-B6F4-D9891842B9EE}"/>
+                  <a16:creationId xmlns="" xmlns:a16="http://schemas.microsoft.com/office/drawing/2014/main" id="{3BF267A1-CAB7-CF4A-B6F4-D9891842B9EE}"/>
                 </a:ext>
               </a:extLst>
             </p:cNvPr>
@@ -17784,7 +17893,7 @@
           <p:cNvPr id="20" name="Gewinkelte Verbindung 19">
             <a:extLst>
               <a:ext uri="{FF2B5EF4-FFF2-40B4-BE49-F238E27FC236}">
-                <a16:creationId xmlns:a16="http://schemas.microsoft.com/office/drawing/2014/main" xmlns="" id="{FD336F23-DB98-1342-BB4F-5D218AF61D6F}"/>
+                <a16:creationId xmlns="" xmlns:a16="http://schemas.microsoft.com/office/drawing/2014/main" id="{FD336F23-DB98-1342-BB4F-5D218AF61D6F}"/>
               </a:ext>
             </a:extLst>
           </p:cNvPr>
@@ -17835,7 +17944,7 @@
           <p:cNvPr id="22" name="Gewinkelte Verbindung 21">
             <a:extLst>
               <a:ext uri="{FF2B5EF4-FFF2-40B4-BE49-F238E27FC236}">
-                <a16:creationId xmlns:a16="http://schemas.microsoft.com/office/drawing/2014/main" xmlns="" id="{BBE684D5-0A18-BA4A-8AA1-7553DDC193B9}"/>
+                <a16:creationId xmlns="" xmlns:a16="http://schemas.microsoft.com/office/drawing/2014/main" id="{BBE684D5-0A18-BA4A-8AA1-7553DDC193B9}"/>
               </a:ext>
             </a:extLst>
           </p:cNvPr>

--- a/Dokumente/Präsentationen/2019-01-24_DA_Feldkemper_Treffen_Krzywinski.pptx
+++ b/Dokumente/Präsentationen/2019-01-24_DA_Feldkemper_Treffen_Krzywinski.pptx
@@ -34,14 +34,14 @@
   <p:notesSz cx="6858000" cy="9144000"/>
   <p:embeddedFontLst>
     <p:embeddedFont>
-      <p:font typeface="Open Sans" panose="020B0604020202020204" charset="0"/>
+      <p:font typeface="Calibri" panose="020F0502020204030204" pitchFamily="34" charset="0"/>
       <p:regular r:id="rId22"/>
       <p:bold r:id="rId23"/>
       <p:italic r:id="rId24"/>
       <p:boldItalic r:id="rId25"/>
     </p:embeddedFont>
     <p:embeddedFont>
-      <p:font typeface="Calibri" panose="020F0502020204030204" pitchFamily="34" charset="0"/>
+      <p:font typeface="Open Sans" panose="020B0606030504020204" pitchFamily="34" charset="0"/>
       <p:regular r:id="rId26"/>
       <p:bold r:id="rId27"/>
       <p:italic r:id="rId28"/>
@@ -275,7 +275,7 @@
           <a:p>
             <a:fld id="{C6AC6211-610F-44E5-BF19-D3CDF6EDD281}" type="datetimeFigureOut">
               <a:rPr lang="de-DE" smtClean="0"/>
-              <a:t>04.03.2019</a:t>
+              <a:t>30.04.19</a:t>
             </a:fld>
             <a:endParaRPr lang="de-DE"/>
           </a:p>
@@ -441,7 +441,7 @@
           <a:p>
             <a:fld id="{347435D3-23A6-45D3-8DFA-7317DC1E7A64}" type="datetimeFigureOut">
               <a:rPr lang="de-DE" smtClean="0"/>
-              <a:t>04.03.2019</a:t>
+              <a:t>30.04.19</a:t>
             </a:fld>
             <a:endParaRPr lang="de-DE"/>
           </a:p>
@@ -1688,7 +1688,7 @@
           <p:cNvPr id="15" name="Rechteck 14">
             <a:extLst>
               <a:ext uri="{FF2B5EF4-FFF2-40B4-BE49-F238E27FC236}">
-                <a16:creationId xmlns:a16="http://schemas.microsoft.com/office/drawing/2014/main" xmlns="" id="{F770C3AA-244C-A141-BC22-D074823F4293}"/>
+                <a16:creationId xmlns:a16="http://schemas.microsoft.com/office/drawing/2014/main" id="{F770C3AA-244C-A141-BC22-D074823F4293}"/>
               </a:ext>
             </a:extLst>
           </p:cNvPr>
@@ -1928,7 +1928,7 @@
           <p:cNvPr id="5" name="Grafik 4">
             <a:extLst>
               <a:ext uri="{FF2B5EF4-FFF2-40B4-BE49-F238E27FC236}">
-                <a16:creationId xmlns:a16="http://schemas.microsoft.com/office/drawing/2014/main" xmlns="" id="{C0F785FA-BB6E-6347-A8C6-9846216D4CBB}"/>
+                <a16:creationId xmlns:a16="http://schemas.microsoft.com/office/drawing/2014/main" id="{C0F785FA-BB6E-6347-A8C6-9846216D4CBB}"/>
               </a:ext>
             </a:extLst>
           </p:cNvPr>
@@ -2117,7 +2117,7 @@
           <p:cNvPr id="12" name="Grafik 11" hidden="1">
             <a:extLst>
               <a:ext uri="{FF2B5EF4-FFF2-40B4-BE49-F238E27FC236}">
-                <a16:creationId xmlns:a16="http://schemas.microsoft.com/office/drawing/2014/main" xmlns="" id="{CFC0D4A5-64CF-6D49-98B1-9FF6119E60EC}"/>
+                <a16:creationId xmlns:a16="http://schemas.microsoft.com/office/drawing/2014/main" id="{CFC0D4A5-64CF-6D49-98B1-9FF6119E60EC}"/>
               </a:ext>
             </a:extLst>
           </p:cNvPr>
@@ -2147,7 +2147,7 @@
           <p:cNvPr id="17" name="Grafik 16">
             <a:extLst>
               <a:ext uri="{FF2B5EF4-FFF2-40B4-BE49-F238E27FC236}">
-                <a16:creationId xmlns:a16="http://schemas.microsoft.com/office/drawing/2014/main" xmlns="" id="{22ECE872-F4EF-2A49-BA96-6065BC99D769}"/>
+                <a16:creationId xmlns:a16="http://schemas.microsoft.com/office/drawing/2014/main" id="{22ECE872-F4EF-2A49-BA96-6065BC99D769}"/>
               </a:ext>
             </a:extLst>
           </p:cNvPr>
@@ -2417,7 +2417,7 @@
           <p:cNvPr id="24" name="Bildplatzhalter 23">
             <a:extLst>
               <a:ext uri="{FF2B5EF4-FFF2-40B4-BE49-F238E27FC236}">
-                <a16:creationId xmlns:a16="http://schemas.microsoft.com/office/drawing/2014/main" xmlns="" id="{24A56C48-CA8D-D349-89CC-35C3A65DC4D5}"/>
+                <a16:creationId xmlns:a16="http://schemas.microsoft.com/office/drawing/2014/main" id="{24A56C48-CA8D-D349-89CC-35C3A65DC4D5}"/>
               </a:ext>
             </a:extLst>
           </p:cNvPr>
@@ -2731,7 +2731,7 @@
           <p:cNvPr id="6" name="Textplatzhalter 5">
             <a:extLst>
               <a:ext uri="{FF2B5EF4-FFF2-40B4-BE49-F238E27FC236}">
-                <a16:creationId xmlns:a16="http://schemas.microsoft.com/office/drawing/2014/main" xmlns="" id="{2E77FCEF-52F5-324B-A583-005ABCE0E622}"/>
+                <a16:creationId xmlns:a16="http://schemas.microsoft.com/office/drawing/2014/main" id="{2E77FCEF-52F5-324B-A583-005ABCE0E622}"/>
               </a:ext>
             </a:extLst>
           </p:cNvPr>
@@ -2769,7 +2769,7 @@
           <p:cNvPr id="13" name="Grafik 12">
             <a:extLst>
               <a:ext uri="{FF2B5EF4-FFF2-40B4-BE49-F238E27FC236}">
-                <a16:creationId xmlns:a16="http://schemas.microsoft.com/office/drawing/2014/main" xmlns="" id="{F84F96E3-FAED-E24A-9E01-BBA4824F0E34}"/>
+                <a16:creationId xmlns:a16="http://schemas.microsoft.com/office/drawing/2014/main" id="{F84F96E3-FAED-E24A-9E01-BBA4824F0E34}"/>
               </a:ext>
             </a:extLst>
           </p:cNvPr>
@@ -2940,7 +2940,7 @@
           <p:cNvPr id="6" name="Rechteck 5">
             <a:extLst>
               <a:ext uri="{FF2B5EF4-FFF2-40B4-BE49-F238E27FC236}">
-                <a16:creationId xmlns:a16="http://schemas.microsoft.com/office/drawing/2014/main" xmlns="" id="{2447D286-D9F9-E84F-9173-2C8D2D2068E1}"/>
+                <a16:creationId xmlns:a16="http://schemas.microsoft.com/office/drawing/2014/main" id="{2447D286-D9F9-E84F-9173-2C8D2D2068E1}"/>
               </a:ext>
             </a:extLst>
           </p:cNvPr>
@@ -3007,7 +3007,7 @@
           <p:cNvPr id="10" name="Grafik 9">
             <a:extLst>
               <a:ext uri="{FF2B5EF4-FFF2-40B4-BE49-F238E27FC236}">
-                <a16:creationId xmlns:a16="http://schemas.microsoft.com/office/drawing/2014/main" xmlns="" id="{E4DBCC79-CA26-C240-B119-9127A62CDBA8}"/>
+                <a16:creationId xmlns:a16="http://schemas.microsoft.com/office/drawing/2014/main" id="{E4DBCC79-CA26-C240-B119-9127A62CDBA8}"/>
               </a:ext>
             </a:extLst>
           </p:cNvPr>
@@ -3109,7 +3109,7 @@
           <p:cNvPr id="5" name="Rechteck 4">
             <a:extLst>
               <a:ext uri="{FF2B5EF4-FFF2-40B4-BE49-F238E27FC236}">
-                <a16:creationId xmlns:a16="http://schemas.microsoft.com/office/drawing/2014/main" xmlns="" id="{FD770378-5F2D-DE46-8D66-09007E946AD3}"/>
+                <a16:creationId xmlns:a16="http://schemas.microsoft.com/office/drawing/2014/main" id="{FD770378-5F2D-DE46-8D66-09007E946AD3}"/>
               </a:ext>
             </a:extLst>
           </p:cNvPr>
@@ -3173,7 +3173,7 @@
           <p:cNvPr id="4" name="Grafik 3">
             <a:extLst>
               <a:ext uri="{FF2B5EF4-FFF2-40B4-BE49-F238E27FC236}">
-                <a16:creationId xmlns:a16="http://schemas.microsoft.com/office/drawing/2014/main" xmlns="" id="{4FE30B28-5777-FC40-9C3F-81738D289A6A}"/>
+                <a16:creationId xmlns:a16="http://schemas.microsoft.com/office/drawing/2014/main" id="{4FE30B28-5777-FC40-9C3F-81738D289A6A}"/>
               </a:ext>
             </a:extLst>
           </p:cNvPr>
@@ -4044,18 +4044,7 @@
                 <a:ea typeface="Open Sans" panose="020B0606030504020204" pitchFamily="34" charset="0"/>
                 <a:cs typeface="Open Sans" panose="020B0606030504020204" pitchFamily="34" charset="0"/>
               </a:rPr>
-              <a:t> // </a:t>
-            </a:r>
-            <a:r>
-              <a:rPr lang="de-DE" sz="800" baseline="0" dirty="0" smtClean="0">
-                <a:solidFill>
-                  <a:schemeClr val="bg2"/>
-                </a:solidFill>
-                <a:latin typeface="Open Sans" panose="020B0606030504020204" pitchFamily="34" charset="0"/>
-                <a:ea typeface="Open Sans" panose="020B0606030504020204" pitchFamily="34" charset="0"/>
-                <a:cs typeface="Open Sans" panose="020B0606030504020204" pitchFamily="34" charset="0"/>
-              </a:rPr>
-              <a:t>07.01.2019</a:t>
+              <a:t> // 07.01.2019</a:t>
             </a:r>
             <a:endParaRPr lang="de-DE" sz="800" dirty="0">
               <a:solidFill>
@@ -4144,17 +4133,6 @@
               <a:tabLst/>
               <a:defRPr/>
             </a:pPr>
-            <a:r>
-              <a:rPr lang="de-DE" sz="800" dirty="0">
-                <a:solidFill>
-                  <a:schemeClr val="bg2"/>
-                </a:solidFill>
-                <a:latin typeface="Open Sans" panose="020B0606030504020204" pitchFamily="34" charset="0"/>
-                <a:ea typeface="Open Sans" panose="020B0606030504020204" pitchFamily="34" charset="0"/>
-                <a:cs typeface="Open Sans" panose="020B0606030504020204" pitchFamily="34" charset="0"/>
-              </a:rPr>
-              <a:t/>
-            </a:r>
             <a:br>
               <a:rPr lang="de-DE" sz="800" dirty="0">
                 <a:solidFill>
@@ -4318,7 +4296,7 @@
           <p:cNvPr id="13" name="Grafik 12">
             <a:extLst>
               <a:ext uri="{FF2B5EF4-FFF2-40B4-BE49-F238E27FC236}">
-                <a16:creationId xmlns:a16="http://schemas.microsoft.com/office/drawing/2014/main" xmlns="" id="{2DC3CACD-C7C8-274E-BCD4-043370996A48}"/>
+                <a16:creationId xmlns:a16="http://schemas.microsoft.com/office/drawing/2014/main" id="{2DC3CACD-C7C8-274E-BCD4-043370996A48}"/>
               </a:ext>
             </a:extLst>
           </p:cNvPr>
@@ -6151,7 +6129,7 @@
           <p:cNvPr id="8" name="Gruppieren 7">
             <a:extLst>
               <a:ext uri="{FF2B5EF4-FFF2-40B4-BE49-F238E27FC236}">
-                <a16:creationId xmlns:a16="http://schemas.microsoft.com/office/drawing/2014/main" xmlns="" id="{55DEAA25-08DE-234A-9F7E-6DA95517E4AB}"/>
+                <a16:creationId xmlns:a16="http://schemas.microsoft.com/office/drawing/2014/main" id="{55DEAA25-08DE-234A-9F7E-6DA95517E4AB}"/>
               </a:ext>
             </a:extLst>
           </p:cNvPr>
@@ -6171,7 +6149,7 @@
             <p:cNvPr id="9" name="Rechteck 8">
               <a:extLst>
                 <a:ext uri="{FF2B5EF4-FFF2-40B4-BE49-F238E27FC236}">
-                  <a16:creationId xmlns:a16="http://schemas.microsoft.com/office/drawing/2014/main" xmlns="" id="{CBE4218A-6735-2946-A3C0-E23809B7CEDF}"/>
+                  <a16:creationId xmlns:a16="http://schemas.microsoft.com/office/drawing/2014/main" id="{CBE4218A-6735-2946-A3C0-E23809B7CEDF}"/>
                 </a:ext>
               </a:extLst>
             </p:cNvPr>
@@ -6322,7 +6300,7 @@
             <p:cNvPr id="10" name="Rechteck 9">
               <a:extLst>
                 <a:ext uri="{FF2B5EF4-FFF2-40B4-BE49-F238E27FC236}">
-                  <a16:creationId xmlns:a16="http://schemas.microsoft.com/office/drawing/2014/main" xmlns="" id="{5ECE2600-E242-0A47-A437-E1A9C7F07343}"/>
+                  <a16:creationId xmlns:a16="http://schemas.microsoft.com/office/drawing/2014/main" id="{5ECE2600-E242-0A47-A437-E1A9C7F07343}"/>
                 </a:ext>
               </a:extLst>
             </p:cNvPr>
@@ -6389,7 +6367,7 @@
           <p:cNvPr id="11" name="Gruppieren 10">
             <a:extLst>
               <a:ext uri="{FF2B5EF4-FFF2-40B4-BE49-F238E27FC236}">
-                <a16:creationId xmlns:a16="http://schemas.microsoft.com/office/drawing/2014/main" xmlns="" id="{2A9CBD64-DABE-DB44-8CC9-7ED3D3F42599}"/>
+                <a16:creationId xmlns:a16="http://schemas.microsoft.com/office/drawing/2014/main" id="{2A9CBD64-DABE-DB44-8CC9-7ED3D3F42599}"/>
               </a:ext>
             </a:extLst>
           </p:cNvPr>
@@ -6409,7 +6387,7 @@
             <p:cNvPr id="12" name="Rechteck 11">
               <a:extLst>
                 <a:ext uri="{FF2B5EF4-FFF2-40B4-BE49-F238E27FC236}">
-                  <a16:creationId xmlns:a16="http://schemas.microsoft.com/office/drawing/2014/main" xmlns="" id="{880AB37D-6202-FE47-84F8-2DB9C99F0992}"/>
+                  <a16:creationId xmlns:a16="http://schemas.microsoft.com/office/drawing/2014/main" id="{880AB37D-6202-FE47-84F8-2DB9C99F0992}"/>
                 </a:ext>
               </a:extLst>
             </p:cNvPr>
@@ -6599,7 +6577,7 @@
             <p:cNvPr id="13" name="Rechteck 12">
               <a:extLst>
                 <a:ext uri="{FF2B5EF4-FFF2-40B4-BE49-F238E27FC236}">
-                  <a16:creationId xmlns:a16="http://schemas.microsoft.com/office/drawing/2014/main" xmlns="" id="{6E6D6DF1-8063-C749-A415-29613D3195D5}"/>
+                  <a16:creationId xmlns:a16="http://schemas.microsoft.com/office/drawing/2014/main" id="{6E6D6DF1-8063-C749-A415-29613D3195D5}"/>
                 </a:ext>
               </a:extLst>
             </p:cNvPr>
@@ -6642,7 +6620,7 @@
             <a:lstStyle/>
             <a:p>
               <a:r>
-                <a:rPr lang="de-DE" sz="2000" b="1" dirty="0" smtClean="0">
+                <a:rPr lang="de-DE" sz="2000" b="1" dirty="0">
                   <a:solidFill>
                     <a:schemeClr val="accent4"/>
                   </a:solidFill>
@@ -6696,7 +6674,7 @@
           <p:cNvPr id="2" name="Titel 1">
             <a:extLst>
               <a:ext uri="{FF2B5EF4-FFF2-40B4-BE49-F238E27FC236}">
-                <a16:creationId xmlns:a16="http://schemas.microsoft.com/office/drawing/2014/main" xmlns="" id="{0E63EF50-EEA4-0D49-A35C-C36F045D035E}"/>
+                <a16:creationId xmlns:a16="http://schemas.microsoft.com/office/drawing/2014/main" id="{0E63EF50-EEA4-0D49-A35C-C36F045D035E}"/>
               </a:ext>
             </a:extLst>
           </p:cNvPr>
@@ -6741,7 +6719,7 @@
           <p:cNvPr id="5" name="Gruppieren 4">
             <a:extLst>
               <a:ext uri="{FF2B5EF4-FFF2-40B4-BE49-F238E27FC236}">
-                <a16:creationId xmlns:a16="http://schemas.microsoft.com/office/drawing/2014/main" xmlns="" id="{82067C57-47CC-BC4A-911D-C058CB8E64C1}"/>
+                <a16:creationId xmlns:a16="http://schemas.microsoft.com/office/drawing/2014/main" id="{82067C57-47CC-BC4A-911D-C058CB8E64C1}"/>
               </a:ext>
             </a:extLst>
           </p:cNvPr>
@@ -6761,7 +6739,7 @@
             <p:cNvPr id="6" name="Rechteck 5">
               <a:extLst>
                 <a:ext uri="{FF2B5EF4-FFF2-40B4-BE49-F238E27FC236}">
-                  <a16:creationId xmlns:a16="http://schemas.microsoft.com/office/drawing/2014/main" xmlns="" id="{1F74AAB6-FEC2-E040-AE2F-389C01E41200}"/>
+                  <a16:creationId xmlns:a16="http://schemas.microsoft.com/office/drawing/2014/main" id="{1F74AAB6-FEC2-E040-AE2F-389C01E41200}"/>
                 </a:ext>
               </a:extLst>
             </p:cNvPr>
@@ -6889,7 +6867,7 @@
             <p:cNvPr id="7" name="Rechteck 6">
               <a:extLst>
                 <a:ext uri="{FF2B5EF4-FFF2-40B4-BE49-F238E27FC236}">
-                  <a16:creationId xmlns:a16="http://schemas.microsoft.com/office/drawing/2014/main" xmlns="" id="{D9A91609-F78E-9C45-BCA7-7DF954BC0A1A}"/>
+                  <a16:creationId xmlns:a16="http://schemas.microsoft.com/office/drawing/2014/main" id="{D9A91609-F78E-9C45-BCA7-7DF954BC0A1A}"/>
                 </a:ext>
               </a:extLst>
             </p:cNvPr>
@@ -6948,7 +6926,7 @@
           <p:cNvPr id="8" name="Gruppieren 7">
             <a:extLst>
               <a:ext uri="{FF2B5EF4-FFF2-40B4-BE49-F238E27FC236}">
-                <a16:creationId xmlns:a16="http://schemas.microsoft.com/office/drawing/2014/main" xmlns="" id="{64401E1E-557D-5D4F-AE09-187A0802411B}"/>
+                <a16:creationId xmlns:a16="http://schemas.microsoft.com/office/drawing/2014/main" id="{64401E1E-557D-5D4F-AE09-187A0802411B}"/>
               </a:ext>
             </a:extLst>
           </p:cNvPr>
@@ -6968,7 +6946,7 @@
             <p:cNvPr id="9" name="Rechteck 8">
               <a:extLst>
                 <a:ext uri="{FF2B5EF4-FFF2-40B4-BE49-F238E27FC236}">
-                  <a16:creationId xmlns:a16="http://schemas.microsoft.com/office/drawing/2014/main" xmlns="" id="{35A0EAB9-4039-6448-AC03-B60DE38901D0}"/>
+                  <a16:creationId xmlns:a16="http://schemas.microsoft.com/office/drawing/2014/main" id="{35A0EAB9-4039-6448-AC03-B60DE38901D0}"/>
                 </a:ext>
               </a:extLst>
             </p:cNvPr>
@@ -7052,7 +7030,7 @@
             <p:cNvPr id="10" name="Rechteck 9">
               <a:extLst>
                 <a:ext uri="{FF2B5EF4-FFF2-40B4-BE49-F238E27FC236}">
-                  <a16:creationId xmlns:a16="http://schemas.microsoft.com/office/drawing/2014/main" xmlns="" id="{FCCEA108-686B-BB4F-95FB-4BCE5EB529F1}"/>
+                  <a16:creationId xmlns:a16="http://schemas.microsoft.com/office/drawing/2014/main" id="{FCCEA108-686B-BB4F-95FB-4BCE5EB529F1}"/>
                 </a:ext>
               </a:extLst>
             </p:cNvPr>
@@ -7111,7 +7089,7 @@
           <p:cNvPr id="11" name="Rechteck 10">
             <a:extLst>
               <a:ext uri="{FF2B5EF4-FFF2-40B4-BE49-F238E27FC236}">
-                <a16:creationId xmlns:a16="http://schemas.microsoft.com/office/drawing/2014/main" xmlns="" id="{96BDAF81-30A4-1E4E-959F-95E9EB7F7C7A}"/>
+                <a16:creationId xmlns:a16="http://schemas.microsoft.com/office/drawing/2014/main" id="{96BDAF81-30A4-1E4E-959F-95E9EB7F7C7A}"/>
               </a:ext>
             </a:extLst>
           </p:cNvPr>
@@ -7178,7 +7156,7 @@
           <p:cNvPr id="12" name="Rechteck 11">
             <a:extLst>
               <a:ext uri="{FF2B5EF4-FFF2-40B4-BE49-F238E27FC236}">
-                <a16:creationId xmlns:a16="http://schemas.microsoft.com/office/drawing/2014/main" xmlns="" id="{E6C50A77-89BD-8744-8E4D-4BE35B73D833}"/>
+                <a16:creationId xmlns:a16="http://schemas.microsoft.com/office/drawing/2014/main" id="{E6C50A77-89BD-8744-8E4D-4BE35B73D833}"/>
               </a:ext>
             </a:extLst>
           </p:cNvPr>
@@ -7245,7 +7223,7 @@
           <p:cNvPr id="13" name="Gruppieren 12">
             <a:extLst>
               <a:ext uri="{FF2B5EF4-FFF2-40B4-BE49-F238E27FC236}">
-                <a16:creationId xmlns:a16="http://schemas.microsoft.com/office/drawing/2014/main" xmlns="" id="{5B6A8D9F-A9F8-264C-B489-24AFD5A8596D}"/>
+                <a16:creationId xmlns:a16="http://schemas.microsoft.com/office/drawing/2014/main" id="{5B6A8D9F-A9F8-264C-B489-24AFD5A8596D}"/>
               </a:ext>
             </a:extLst>
           </p:cNvPr>
@@ -7265,7 +7243,7 @@
             <p:cNvPr id="14" name="Rechteck 13">
               <a:extLst>
                 <a:ext uri="{FF2B5EF4-FFF2-40B4-BE49-F238E27FC236}">
-                  <a16:creationId xmlns:a16="http://schemas.microsoft.com/office/drawing/2014/main" xmlns="" id="{8766CB30-3942-9E46-8CAC-FC33876B35F3}"/>
+                  <a16:creationId xmlns:a16="http://schemas.microsoft.com/office/drawing/2014/main" id="{8766CB30-3942-9E46-8CAC-FC33876B35F3}"/>
                 </a:ext>
               </a:extLst>
             </p:cNvPr>
@@ -7349,7 +7327,7 @@
             <p:cNvPr id="15" name="Rechteck 14">
               <a:extLst>
                 <a:ext uri="{FF2B5EF4-FFF2-40B4-BE49-F238E27FC236}">
-                  <a16:creationId xmlns:a16="http://schemas.microsoft.com/office/drawing/2014/main" xmlns="" id="{79F41613-6C39-9547-8B51-B50E6A35E505}"/>
+                  <a16:creationId xmlns:a16="http://schemas.microsoft.com/office/drawing/2014/main" id="{79F41613-6C39-9547-8B51-B50E6A35E505}"/>
                 </a:ext>
               </a:extLst>
             </p:cNvPr>
@@ -7408,7 +7386,7 @@
           <p:cNvPr id="16" name="Gruppieren 15">
             <a:extLst>
               <a:ext uri="{FF2B5EF4-FFF2-40B4-BE49-F238E27FC236}">
-                <a16:creationId xmlns:a16="http://schemas.microsoft.com/office/drawing/2014/main" xmlns="" id="{3EAAE737-A1E8-BD49-A661-00C0D54A60DD}"/>
+                <a16:creationId xmlns:a16="http://schemas.microsoft.com/office/drawing/2014/main" id="{3EAAE737-A1E8-BD49-A661-00C0D54A60DD}"/>
               </a:ext>
             </a:extLst>
           </p:cNvPr>
@@ -7428,7 +7406,7 @@
             <p:cNvPr id="17" name="Rechteck 16">
               <a:extLst>
                 <a:ext uri="{FF2B5EF4-FFF2-40B4-BE49-F238E27FC236}">
-                  <a16:creationId xmlns:a16="http://schemas.microsoft.com/office/drawing/2014/main" xmlns="" id="{A12CF216-7A5B-B546-8D15-3FFD047539D4}"/>
+                  <a16:creationId xmlns:a16="http://schemas.microsoft.com/office/drawing/2014/main" id="{A12CF216-7A5B-B546-8D15-3FFD047539D4}"/>
                 </a:ext>
               </a:extLst>
             </p:cNvPr>
@@ -7526,7 +7504,7 @@
             <p:cNvPr id="18" name="Rechteck 17">
               <a:extLst>
                 <a:ext uri="{FF2B5EF4-FFF2-40B4-BE49-F238E27FC236}">
-                  <a16:creationId xmlns:a16="http://schemas.microsoft.com/office/drawing/2014/main" xmlns="" id="{91008A0C-F66B-104F-B3C9-118DB994F72D}"/>
+                  <a16:creationId xmlns:a16="http://schemas.microsoft.com/office/drawing/2014/main" id="{91008A0C-F66B-104F-B3C9-118DB994F72D}"/>
                 </a:ext>
               </a:extLst>
             </p:cNvPr>
@@ -7615,7 +7593,7 @@
           <p:cNvPr id="2" name="Titel 1">
             <a:extLst>
               <a:ext uri="{FF2B5EF4-FFF2-40B4-BE49-F238E27FC236}">
-                <a16:creationId xmlns:a16="http://schemas.microsoft.com/office/drawing/2014/main" xmlns="" id="{7BA8FE41-0B04-6748-9CA8-05F0AE81883B}"/>
+                <a16:creationId xmlns:a16="http://schemas.microsoft.com/office/drawing/2014/main" id="{7BA8FE41-0B04-6748-9CA8-05F0AE81883B}"/>
               </a:ext>
             </a:extLst>
           </p:cNvPr>
@@ -7643,7 +7621,7 @@
           <p:cNvPr id="12" name="Gruppieren 11">
             <a:extLst>
               <a:ext uri="{FF2B5EF4-FFF2-40B4-BE49-F238E27FC236}">
-                <a16:creationId xmlns:a16="http://schemas.microsoft.com/office/drawing/2014/main" xmlns="" id="{995F115A-CBCD-7A4D-8C0A-281259A5A3C1}"/>
+                <a16:creationId xmlns:a16="http://schemas.microsoft.com/office/drawing/2014/main" id="{995F115A-CBCD-7A4D-8C0A-281259A5A3C1}"/>
               </a:ext>
             </a:extLst>
           </p:cNvPr>
@@ -7663,7 +7641,7 @@
             <p:cNvPr id="4" name="Gruppieren 3">
               <a:extLst>
                 <a:ext uri="{FF2B5EF4-FFF2-40B4-BE49-F238E27FC236}">
-                  <a16:creationId xmlns:a16="http://schemas.microsoft.com/office/drawing/2014/main" xmlns="" id="{783A73D2-C025-644E-A194-3438D291D352}"/>
+                  <a16:creationId xmlns:a16="http://schemas.microsoft.com/office/drawing/2014/main" id="{783A73D2-C025-644E-A194-3438D291D352}"/>
                 </a:ext>
               </a:extLst>
             </p:cNvPr>
@@ -7683,7 +7661,7 @@
               <p:cNvPr id="5" name="Rechteck 4">
                 <a:extLst>
                   <a:ext uri="{FF2B5EF4-FFF2-40B4-BE49-F238E27FC236}">
-                    <a16:creationId xmlns:a16="http://schemas.microsoft.com/office/drawing/2014/main" xmlns="" id="{4F68B8E9-417E-0141-AE27-E298ED29929C}"/>
+                    <a16:creationId xmlns:a16="http://schemas.microsoft.com/office/drawing/2014/main" id="{4F68B8E9-417E-0141-AE27-E298ED29929C}"/>
                   </a:ext>
                 </a:extLst>
               </p:cNvPr>
@@ -7775,7 +7753,7 @@
               <p:cNvPr id="6" name="Rechteck 5">
                 <a:extLst>
                   <a:ext uri="{FF2B5EF4-FFF2-40B4-BE49-F238E27FC236}">
-                    <a16:creationId xmlns:a16="http://schemas.microsoft.com/office/drawing/2014/main" xmlns="" id="{B2717A64-B61E-B44C-B23D-CB509FB519CA}"/>
+                    <a16:creationId xmlns:a16="http://schemas.microsoft.com/office/drawing/2014/main" id="{B2717A64-B61E-B44C-B23D-CB509FB519CA}"/>
                   </a:ext>
                 </a:extLst>
               </p:cNvPr>
@@ -7834,7 +7812,7 @@
             <p:cNvPr id="7" name="Rechteck 6">
               <a:extLst>
                 <a:ext uri="{FF2B5EF4-FFF2-40B4-BE49-F238E27FC236}">
-                  <a16:creationId xmlns:a16="http://schemas.microsoft.com/office/drawing/2014/main" xmlns="" id="{6F92A16E-30FA-A34D-A87A-AD884881288C}"/>
+                  <a16:creationId xmlns:a16="http://schemas.microsoft.com/office/drawing/2014/main" id="{6F92A16E-30FA-A34D-A87A-AD884881288C}"/>
                 </a:ext>
               </a:extLst>
             </p:cNvPr>
@@ -7894,7 +7872,7 @@
           <p:cNvPr id="13" name="Gruppieren 12">
             <a:extLst>
               <a:ext uri="{FF2B5EF4-FFF2-40B4-BE49-F238E27FC236}">
-                <a16:creationId xmlns:a16="http://schemas.microsoft.com/office/drawing/2014/main" xmlns="" id="{214C6E04-BA76-3048-B247-843530C6F237}"/>
+                <a16:creationId xmlns:a16="http://schemas.microsoft.com/office/drawing/2014/main" id="{214C6E04-BA76-3048-B247-843530C6F237}"/>
               </a:ext>
             </a:extLst>
           </p:cNvPr>
@@ -7914,7 +7892,7 @@
             <p:cNvPr id="14" name="Gruppieren 13">
               <a:extLst>
                 <a:ext uri="{FF2B5EF4-FFF2-40B4-BE49-F238E27FC236}">
-                  <a16:creationId xmlns:a16="http://schemas.microsoft.com/office/drawing/2014/main" xmlns="" id="{CF154C31-9B1A-6844-82C6-BEC64AE64B76}"/>
+                  <a16:creationId xmlns:a16="http://schemas.microsoft.com/office/drawing/2014/main" id="{CF154C31-9B1A-6844-82C6-BEC64AE64B76}"/>
                 </a:ext>
               </a:extLst>
             </p:cNvPr>
@@ -7934,7 +7912,7 @@
               <p:cNvPr id="16" name="Rechteck 15">
                 <a:extLst>
                   <a:ext uri="{FF2B5EF4-FFF2-40B4-BE49-F238E27FC236}">
-                    <a16:creationId xmlns:a16="http://schemas.microsoft.com/office/drawing/2014/main" xmlns="" id="{5D41E86D-96E1-F64F-B645-811FEF9C3566}"/>
+                    <a16:creationId xmlns:a16="http://schemas.microsoft.com/office/drawing/2014/main" id="{5D41E86D-96E1-F64F-B645-811FEF9C3566}"/>
                   </a:ext>
                 </a:extLst>
               </p:cNvPr>
@@ -8065,7 +8043,7 @@
               <p:cNvPr id="17" name="Rechteck 16">
                 <a:extLst>
                   <a:ext uri="{FF2B5EF4-FFF2-40B4-BE49-F238E27FC236}">
-                    <a16:creationId xmlns:a16="http://schemas.microsoft.com/office/drawing/2014/main" xmlns="" id="{829E215D-25C5-FE42-A84B-E10BE5590901}"/>
+                    <a16:creationId xmlns:a16="http://schemas.microsoft.com/office/drawing/2014/main" id="{829E215D-25C5-FE42-A84B-E10BE5590901}"/>
                   </a:ext>
                 </a:extLst>
               </p:cNvPr>
@@ -8124,7 +8102,7 @@
             <p:cNvPr id="15" name="Rechteck 14">
               <a:extLst>
                 <a:ext uri="{FF2B5EF4-FFF2-40B4-BE49-F238E27FC236}">
-                  <a16:creationId xmlns:a16="http://schemas.microsoft.com/office/drawing/2014/main" xmlns="" id="{3D7F9058-E672-2A4D-9BB1-013BCCC5ACE0}"/>
+                  <a16:creationId xmlns:a16="http://schemas.microsoft.com/office/drawing/2014/main" id="{3D7F9058-E672-2A4D-9BB1-013BCCC5ACE0}"/>
                 </a:ext>
               </a:extLst>
             </p:cNvPr>
@@ -8184,7 +8162,7 @@
           <p:cNvPr id="18" name="Gruppieren 17">
             <a:extLst>
               <a:ext uri="{FF2B5EF4-FFF2-40B4-BE49-F238E27FC236}">
-                <a16:creationId xmlns:a16="http://schemas.microsoft.com/office/drawing/2014/main" xmlns="" id="{76C873CF-9A61-9B4A-9A7F-7A0A6A11ECCC}"/>
+                <a16:creationId xmlns:a16="http://schemas.microsoft.com/office/drawing/2014/main" id="{76C873CF-9A61-9B4A-9A7F-7A0A6A11ECCC}"/>
               </a:ext>
             </a:extLst>
           </p:cNvPr>
@@ -8204,7 +8182,7 @@
             <p:cNvPr id="19" name="Gruppieren 18">
               <a:extLst>
                 <a:ext uri="{FF2B5EF4-FFF2-40B4-BE49-F238E27FC236}">
-                  <a16:creationId xmlns:a16="http://schemas.microsoft.com/office/drawing/2014/main" xmlns="" id="{02621200-51DD-6A4C-86C6-6B2A72D512E2}"/>
+                  <a16:creationId xmlns:a16="http://schemas.microsoft.com/office/drawing/2014/main" id="{02621200-51DD-6A4C-86C6-6B2A72D512E2}"/>
                 </a:ext>
               </a:extLst>
             </p:cNvPr>
@@ -8224,7 +8202,7 @@
               <p:cNvPr id="21" name="Rechteck 20">
                 <a:extLst>
                   <a:ext uri="{FF2B5EF4-FFF2-40B4-BE49-F238E27FC236}">
-                    <a16:creationId xmlns:a16="http://schemas.microsoft.com/office/drawing/2014/main" xmlns="" id="{ED0E09EA-1DC6-1249-841E-901E17F3D0B6}"/>
+                    <a16:creationId xmlns:a16="http://schemas.microsoft.com/office/drawing/2014/main" id="{ED0E09EA-1DC6-1249-841E-901E17F3D0B6}"/>
                   </a:ext>
                 </a:extLst>
               </p:cNvPr>
@@ -8313,7 +8291,7 @@
               <p:cNvPr id="22" name="Rechteck 21">
                 <a:extLst>
                   <a:ext uri="{FF2B5EF4-FFF2-40B4-BE49-F238E27FC236}">
-                    <a16:creationId xmlns:a16="http://schemas.microsoft.com/office/drawing/2014/main" xmlns="" id="{753356B5-7EB8-3F4A-96E1-8FF10B332D06}"/>
+                    <a16:creationId xmlns:a16="http://schemas.microsoft.com/office/drawing/2014/main" id="{753356B5-7EB8-3F4A-96E1-8FF10B332D06}"/>
                   </a:ext>
                 </a:extLst>
               </p:cNvPr>
@@ -8372,7 +8350,7 @@
             <p:cNvPr id="20" name="Rechteck 19">
               <a:extLst>
                 <a:ext uri="{FF2B5EF4-FFF2-40B4-BE49-F238E27FC236}">
-                  <a16:creationId xmlns:a16="http://schemas.microsoft.com/office/drawing/2014/main" xmlns="" id="{63DF4C62-579D-3249-9CFF-878DBD32F80A}"/>
+                  <a16:creationId xmlns:a16="http://schemas.microsoft.com/office/drawing/2014/main" id="{63DF4C62-579D-3249-9CFF-878DBD32F80A}"/>
                 </a:ext>
               </a:extLst>
             </p:cNvPr>
@@ -8432,7 +8410,7 @@
           <p:cNvPr id="23" name="Gruppieren 22">
             <a:extLst>
               <a:ext uri="{FF2B5EF4-FFF2-40B4-BE49-F238E27FC236}">
-                <a16:creationId xmlns:a16="http://schemas.microsoft.com/office/drawing/2014/main" xmlns="" id="{8E929239-873F-A040-A4FF-CF41E574A33B}"/>
+                <a16:creationId xmlns:a16="http://schemas.microsoft.com/office/drawing/2014/main" id="{8E929239-873F-A040-A4FF-CF41E574A33B}"/>
               </a:ext>
             </a:extLst>
           </p:cNvPr>
@@ -8452,7 +8430,7 @@
             <p:cNvPr id="24" name="Gruppieren 23">
               <a:extLst>
                 <a:ext uri="{FF2B5EF4-FFF2-40B4-BE49-F238E27FC236}">
-                  <a16:creationId xmlns:a16="http://schemas.microsoft.com/office/drawing/2014/main" xmlns="" id="{F47E6093-9AA6-8F4B-B80B-776943FCB73D}"/>
+                  <a16:creationId xmlns:a16="http://schemas.microsoft.com/office/drawing/2014/main" id="{F47E6093-9AA6-8F4B-B80B-776943FCB73D}"/>
                 </a:ext>
               </a:extLst>
             </p:cNvPr>
@@ -8472,7 +8450,7 @@
               <p:cNvPr id="26" name="Rechteck 25">
                 <a:extLst>
                   <a:ext uri="{FF2B5EF4-FFF2-40B4-BE49-F238E27FC236}">
-                    <a16:creationId xmlns:a16="http://schemas.microsoft.com/office/drawing/2014/main" xmlns="" id="{4059FEBC-2EFF-ED47-98FF-010C8401FADA}"/>
+                    <a16:creationId xmlns:a16="http://schemas.microsoft.com/office/drawing/2014/main" id="{4059FEBC-2EFF-ED47-98FF-010C8401FADA}"/>
                   </a:ext>
                 </a:extLst>
               </p:cNvPr>
@@ -8561,7 +8539,7 @@
               <p:cNvPr id="27" name="Rechteck 26">
                 <a:extLst>
                   <a:ext uri="{FF2B5EF4-FFF2-40B4-BE49-F238E27FC236}">
-                    <a16:creationId xmlns:a16="http://schemas.microsoft.com/office/drawing/2014/main" xmlns="" id="{A6C74FE9-D83D-2346-A400-58BA4229E830}"/>
+                    <a16:creationId xmlns:a16="http://schemas.microsoft.com/office/drawing/2014/main" id="{A6C74FE9-D83D-2346-A400-58BA4229E830}"/>
                   </a:ext>
                 </a:extLst>
               </p:cNvPr>
@@ -8620,7 +8598,7 @@
             <p:cNvPr id="25" name="Rechteck 24">
               <a:extLst>
                 <a:ext uri="{FF2B5EF4-FFF2-40B4-BE49-F238E27FC236}">
-                  <a16:creationId xmlns:a16="http://schemas.microsoft.com/office/drawing/2014/main" xmlns="" id="{1EDE063D-852E-324C-A77E-EFB1A1CCD783}"/>
+                  <a16:creationId xmlns:a16="http://schemas.microsoft.com/office/drawing/2014/main" id="{1EDE063D-852E-324C-A77E-EFB1A1CCD783}"/>
                 </a:ext>
               </a:extLst>
             </p:cNvPr>
@@ -8680,7 +8658,7 @@
           <p:cNvPr id="28" name="Gruppieren 27">
             <a:extLst>
               <a:ext uri="{FF2B5EF4-FFF2-40B4-BE49-F238E27FC236}">
-                <a16:creationId xmlns:a16="http://schemas.microsoft.com/office/drawing/2014/main" xmlns="" id="{076AA3C9-476D-4D45-B8BE-E0951E23CBCF}"/>
+                <a16:creationId xmlns:a16="http://schemas.microsoft.com/office/drawing/2014/main" id="{076AA3C9-476D-4D45-B8BE-E0951E23CBCF}"/>
               </a:ext>
             </a:extLst>
           </p:cNvPr>
@@ -8700,7 +8678,7 @@
             <p:cNvPr id="29" name="Gruppieren 28">
               <a:extLst>
                 <a:ext uri="{FF2B5EF4-FFF2-40B4-BE49-F238E27FC236}">
-                  <a16:creationId xmlns:a16="http://schemas.microsoft.com/office/drawing/2014/main" xmlns="" id="{B404C1CC-6DF7-B648-9CCB-5E2E9AFEB672}"/>
+                  <a16:creationId xmlns:a16="http://schemas.microsoft.com/office/drawing/2014/main" id="{B404C1CC-6DF7-B648-9CCB-5E2E9AFEB672}"/>
                 </a:ext>
               </a:extLst>
             </p:cNvPr>
@@ -8720,7 +8698,7 @@
               <p:cNvPr id="31" name="Rechteck 30">
                 <a:extLst>
                   <a:ext uri="{FF2B5EF4-FFF2-40B4-BE49-F238E27FC236}">
-                    <a16:creationId xmlns:a16="http://schemas.microsoft.com/office/drawing/2014/main" xmlns="" id="{4BDB37D7-D054-A942-8D6D-F9B2EF0F9FF6}"/>
+                    <a16:creationId xmlns:a16="http://schemas.microsoft.com/office/drawing/2014/main" id="{4BDB37D7-D054-A942-8D6D-F9B2EF0F9FF6}"/>
                   </a:ext>
                 </a:extLst>
               </p:cNvPr>
@@ -8784,7 +8762,7 @@
               <p:cNvPr id="32" name="Rechteck 31">
                 <a:extLst>
                   <a:ext uri="{FF2B5EF4-FFF2-40B4-BE49-F238E27FC236}">
-                    <a16:creationId xmlns:a16="http://schemas.microsoft.com/office/drawing/2014/main" xmlns="" id="{3A6CCD76-DF2E-A745-8BA8-2A2DA3CA1050}"/>
+                    <a16:creationId xmlns:a16="http://schemas.microsoft.com/office/drawing/2014/main" id="{3A6CCD76-DF2E-A745-8BA8-2A2DA3CA1050}"/>
                   </a:ext>
                 </a:extLst>
               </p:cNvPr>
@@ -8843,7 +8821,7 @@
             <p:cNvPr id="30" name="Rechteck 29">
               <a:extLst>
                 <a:ext uri="{FF2B5EF4-FFF2-40B4-BE49-F238E27FC236}">
-                  <a16:creationId xmlns:a16="http://schemas.microsoft.com/office/drawing/2014/main" xmlns="" id="{117072ED-37EF-E943-B866-F06DD4235CB3}"/>
+                  <a16:creationId xmlns:a16="http://schemas.microsoft.com/office/drawing/2014/main" id="{117072ED-37EF-E943-B866-F06DD4235CB3}"/>
                 </a:ext>
               </a:extLst>
             </p:cNvPr>
@@ -8933,7 +8911,7 @@
           <p:cNvPr id="2" name="Titel 1">
             <a:extLst>
               <a:ext uri="{FF2B5EF4-FFF2-40B4-BE49-F238E27FC236}">
-                <a16:creationId xmlns:a16="http://schemas.microsoft.com/office/drawing/2014/main" xmlns="" id="{486C50CA-1F3A-EF43-9380-876C137AD8EC}"/>
+                <a16:creationId xmlns:a16="http://schemas.microsoft.com/office/drawing/2014/main" id="{486C50CA-1F3A-EF43-9380-876C137AD8EC}"/>
               </a:ext>
             </a:extLst>
           </p:cNvPr>
@@ -8961,7 +8939,7 @@
           <p:cNvPr id="3" name="Inhaltsplatzhalter 2">
             <a:extLst>
               <a:ext uri="{FF2B5EF4-FFF2-40B4-BE49-F238E27FC236}">
-                <a16:creationId xmlns:a16="http://schemas.microsoft.com/office/drawing/2014/main" xmlns="" id="{ABD8A889-EFEB-F24E-8415-CFB9A520769E}"/>
+                <a16:creationId xmlns:a16="http://schemas.microsoft.com/office/drawing/2014/main" id="{ABD8A889-EFEB-F24E-8415-CFB9A520769E}"/>
               </a:ext>
             </a:extLst>
           </p:cNvPr>
@@ -9110,23 +9088,15 @@
             </a:r>
             <a:r>
               <a:rPr lang="de-DE" dirty="0"/>
-              <a:t>1-2</a:t>
-            </a:r>
-            <a:r>
-              <a:rPr lang="de-DE" dirty="0" smtClean="0"/>
-              <a:t>. </a:t>
-            </a:r>
-            <a:r>
-              <a:rPr lang="de-DE" dirty="0" err="1" smtClean="0"/>
+              <a:t>1-2. </a:t>
+            </a:r>
+            <a:r>
+              <a:rPr lang="de-DE" dirty="0" err="1"/>
               <a:t>January</a:t>
             </a:r>
             <a:r>
-              <a:rPr lang="de-DE" dirty="0" smtClean="0"/>
-              <a:t> </a:t>
-            </a:r>
-            <a:r>
               <a:rPr lang="de-DE" dirty="0"/>
-              <a:t>(2013), S. 24– 31. </a:t>
+              <a:t> (2013), S. 24– 31. </a:t>
             </a:r>
           </a:p>
           <a:p>
@@ -9274,49 +9244,13 @@
           <a:p>
             <a:r>
               <a:rPr lang="de-DE" dirty="0"/>
-              <a:t>[6</a:t>
-            </a:r>
-            <a:r>
-              <a:rPr lang="de-DE" dirty="0" smtClean="0"/>
-              <a:t>] </a:t>
-            </a:r>
-            <a:r>
-              <a:rPr lang="de-DE" dirty="0"/>
-              <a:t>Dietrich Dörner. „Denken , Problemlösen und Intelligenz“. </a:t>
-            </a:r>
-            <a:r>
-              <a:rPr lang="de-DE" dirty="0" smtClean="0"/>
-              <a:t>In: </a:t>
-            </a:r>
-            <a:r>
-              <a:rPr lang="de-DE" dirty="0"/>
-              <a:t>Psychologische </a:t>
-            </a:r>
-            <a:r>
-              <a:rPr lang="de-DE" dirty="0" smtClean="0"/>
-              <a:t>Rundschau</a:t>
-            </a:r>
-            <a:r>
-              <a:rPr lang="de-DE" dirty="0"/>
-              <a:t> </a:t>
-            </a:r>
-            <a:r>
-              <a:rPr lang="de-DE" dirty="0" smtClean="0"/>
-              <a:t>XXXV.1 (1984), S. 10–20.</a:t>
+              <a:t>[6] Dietrich Dörner. „Denken , Problemlösen und Intelligenz“. In: Psychologische Rundschau XXXV.1 (1984), S. 10–20.</a:t>
             </a:r>
           </a:p>
           <a:p>
             <a:r>
-              <a:rPr lang="de-DE" dirty="0" smtClean="0"/>
-              <a:t>[</a:t>
-            </a:r>
-            <a:r>
               <a:rPr lang="de-DE" dirty="0"/>
-              <a:t>7</a:t>
-            </a:r>
-            <a:r>
-              <a:rPr lang="de-DE" dirty="0" smtClean="0"/>
-              <a:t>] </a:t>
+              <a:t>[7] </a:t>
             </a:r>
             <a:r>
               <a:rPr lang="en-US" dirty="0"/>
@@ -9328,31 +9262,19 @@
             </a:r>
             <a:r>
               <a:rPr lang="en-US" dirty="0"/>
-              <a:t>. „User Experience (UX) Towards an experiential</a:t>
-            </a:r>
-            <a:r>
-              <a:rPr lang="en-US" dirty="0" smtClean="0"/>
-              <a:t>“. </a:t>
-            </a:r>
-            <a:r>
-              <a:rPr lang="de-DE" dirty="0" smtClean="0"/>
+              <a:t>. „User Experience (UX) Towards an experiential“. </a:t>
+            </a:r>
+            <a:r>
+              <a:rPr lang="de-DE" dirty="0"/>
               <a:t>In: </a:t>
             </a:r>
             <a:r>
               <a:rPr lang="en-US" dirty="0"/>
-              <a:t>ACM International Conference Proceeding Series </a:t>
-            </a:r>
-            <a:r>
-              <a:rPr lang="en-US" dirty="0" smtClean="0"/>
-              <a:t>339 </a:t>
-            </a:r>
-            <a:r>
-              <a:rPr lang="de-DE" dirty="0" smtClean="0"/>
-              <a:t>(2008</a:t>
+              <a:t>ACM International Conference Proceeding Series 339 </a:t>
             </a:r>
             <a:r>
               <a:rPr lang="de-DE" dirty="0"/>
-              <a:t>), S. 11–15.</a:t>
+              <a:t>(2008), S. 11–15.</a:t>
             </a:r>
           </a:p>
           <a:p>
@@ -12909,7 +12831,7 @@
           <p:cNvPr id="12" name="Gruppieren 11">
             <a:extLst>
               <a:ext uri="{FF2B5EF4-FFF2-40B4-BE49-F238E27FC236}">
-                <a16:creationId xmlns:a16="http://schemas.microsoft.com/office/drawing/2014/main" xmlns="" id="{EA0A8815-E75B-6046-B394-2A918B180A1D}"/>
+                <a16:creationId xmlns:a16="http://schemas.microsoft.com/office/drawing/2014/main" id="{EA0A8815-E75B-6046-B394-2A918B180A1D}"/>
               </a:ext>
             </a:extLst>
           </p:cNvPr>
@@ -12929,7 +12851,7 @@
             <p:cNvPr id="13" name="Rechteck 12">
               <a:extLst>
                 <a:ext uri="{FF2B5EF4-FFF2-40B4-BE49-F238E27FC236}">
-                  <a16:creationId xmlns:a16="http://schemas.microsoft.com/office/drawing/2014/main" xmlns="" id="{C6DACD2C-9288-2743-8000-2D2B960374D2}"/>
+                  <a16:creationId xmlns:a16="http://schemas.microsoft.com/office/drawing/2014/main" id="{C6DACD2C-9288-2743-8000-2D2B960374D2}"/>
                 </a:ext>
               </a:extLst>
             </p:cNvPr>
@@ -13021,7 +12943,7 @@
             <p:cNvPr id="14" name="Rechteck 13">
               <a:extLst>
                 <a:ext uri="{FF2B5EF4-FFF2-40B4-BE49-F238E27FC236}">
-                  <a16:creationId xmlns:a16="http://schemas.microsoft.com/office/drawing/2014/main" xmlns="" id="{8A961849-3F67-574C-9B6D-E3BC3038B489}"/>
+                  <a16:creationId xmlns:a16="http://schemas.microsoft.com/office/drawing/2014/main" id="{8A961849-3F67-574C-9B6D-E3BC3038B489}"/>
                 </a:ext>
               </a:extLst>
             </p:cNvPr>
@@ -13080,7 +13002,7 @@
           <p:cNvPr id="15" name="Gruppieren 14">
             <a:extLst>
               <a:ext uri="{FF2B5EF4-FFF2-40B4-BE49-F238E27FC236}">
-                <a16:creationId xmlns:a16="http://schemas.microsoft.com/office/drawing/2014/main" xmlns="" id="{A88F0E40-A3C2-8A49-B01C-D43BDE29765D}"/>
+                <a16:creationId xmlns:a16="http://schemas.microsoft.com/office/drawing/2014/main" id="{A88F0E40-A3C2-8A49-B01C-D43BDE29765D}"/>
               </a:ext>
             </a:extLst>
           </p:cNvPr>
@@ -13100,7 +13022,7 @@
             <p:cNvPr id="16" name="Rechteck 15">
               <a:extLst>
                 <a:ext uri="{FF2B5EF4-FFF2-40B4-BE49-F238E27FC236}">
-                  <a16:creationId xmlns:a16="http://schemas.microsoft.com/office/drawing/2014/main" xmlns="" id="{18E7CC15-3520-4B45-A599-D8A2FCD6071C}"/>
+                  <a16:creationId xmlns:a16="http://schemas.microsoft.com/office/drawing/2014/main" id="{18E7CC15-3520-4B45-A599-D8A2FCD6071C}"/>
                 </a:ext>
               </a:extLst>
             </p:cNvPr>
@@ -13295,7 +13217,7 @@
             <p:cNvPr id="17" name="Rechteck 16">
               <a:extLst>
                 <a:ext uri="{FF2B5EF4-FFF2-40B4-BE49-F238E27FC236}">
-                  <a16:creationId xmlns:a16="http://schemas.microsoft.com/office/drawing/2014/main" xmlns="" id="{9CA4E624-C249-DD44-95E5-805EF9DA78B4}"/>
+                  <a16:creationId xmlns:a16="http://schemas.microsoft.com/office/drawing/2014/main" id="{9CA4E624-C249-DD44-95E5-805EF9DA78B4}"/>
                 </a:ext>
               </a:extLst>
             </p:cNvPr>
@@ -13354,7 +13276,7 @@
           <p:cNvPr id="18" name="Gruppieren 17">
             <a:extLst>
               <a:ext uri="{FF2B5EF4-FFF2-40B4-BE49-F238E27FC236}">
-                <a16:creationId xmlns:a16="http://schemas.microsoft.com/office/drawing/2014/main" xmlns="" id="{14C33807-8E01-ED45-97CC-799667FE8E29}"/>
+                <a16:creationId xmlns:a16="http://schemas.microsoft.com/office/drawing/2014/main" id="{14C33807-8E01-ED45-97CC-799667FE8E29}"/>
               </a:ext>
             </a:extLst>
           </p:cNvPr>
@@ -13374,7 +13296,7 @@
             <p:cNvPr id="19" name="Rechteck 18">
               <a:extLst>
                 <a:ext uri="{FF2B5EF4-FFF2-40B4-BE49-F238E27FC236}">
-                  <a16:creationId xmlns:a16="http://schemas.microsoft.com/office/drawing/2014/main" xmlns="" id="{ADE0619D-3F85-424E-9F9E-D202B0D54706}"/>
+                  <a16:creationId xmlns:a16="http://schemas.microsoft.com/office/drawing/2014/main" id="{ADE0619D-3F85-424E-9F9E-D202B0D54706}"/>
                 </a:ext>
               </a:extLst>
             </p:cNvPr>
@@ -13567,7 +13489,7 @@
             <p:cNvPr id="20" name="Rechteck 19">
               <a:extLst>
                 <a:ext uri="{FF2B5EF4-FFF2-40B4-BE49-F238E27FC236}">
-                  <a16:creationId xmlns:a16="http://schemas.microsoft.com/office/drawing/2014/main" xmlns="" id="{C56BD12A-0269-3F42-B860-ADC924159D2D}"/>
+                  <a16:creationId xmlns:a16="http://schemas.microsoft.com/office/drawing/2014/main" id="{C56BD12A-0269-3F42-B860-ADC924159D2D}"/>
                 </a:ext>
               </a:extLst>
             </p:cNvPr>
@@ -13667,14 +13589,13 @@
           <a:lstStyle/>
           <a:p>
             <a:r>
-              <a:rPr lang="de-DE" dirty="0" err="1" smtClean="0"/>
+              <a:rPr lang="de-DE" dirty="0" err="1"/>
               <a:t>Use</a:t>
             </a:r>
             <a:r>
-              <a:rPr lang="de-DE" dirty="0" smtClean="0"/>
+              <a:rPr lang="de-DE" dirty="0"/>
               <a:t> Case</a:t>
             </a:r>
-            <a:endParaRPr lang="de-DE" dirty="0"/>
           </a:p>
         </p:txBody>
       </p:sp>
@@ -13723,18 +13644,13 @@
           <a:p>
             <a:pPr algn="ctr"/>
             <a:r>
-              <a:rPr lang="de-DE" sz="1600" dirty="0" smtClean="0">
+              <a:rPr lang="de-DE" sz="1600" dirty="0">
                 <a:solidFill>
                   <a:schemeClr val="tx1"/>
                 </a:solidFill>
               </a:rPr>
               <a:t>Dose</a:t>
             </a:r>
-            <a:endParaRPr lang="de-DE" sz="1600" dirty="0">
-              <a:solidFill>
-                <a:schemeClr val="tx1"/>
-              </a:solidFill>
-            </a:endParaRPr>
           </a:p>
         </p:txBody>
       </p:sp>
@@ -13783,7 +13699,7 @@
           <a:p>
             <a:pPr algn="ctr"/>
             <a:r>
-              <a:rPr lang="de-DE" sz="1600" dirty="0" err="1" smtClean="0">
+              <a:rPr lang="de-DE" sz="1600" dirty="0" err="1">
                 <a:solidFill>
                   <a:schemeClr val="tx1"/>
                 </a:solidFill>
@@ -13843,7 +13759,7 @@
           <a:p>
             <a:pPr algn="ctr"/>
             <a:r>
-              <a:rPr lang="de-DE" sz="1600" dirty="0" err="1" smtClean="0">
+              <a:rPr lang="de-DE" sz="1600" dirty="0" err="1">
                 <a:solidFill>
                   <a:schemeClr val="tx1"/>
                 </a:solidFill>
@@ -14069,14 +13985,14 @@
           <a:p>
             <a:pPr algn="ctr"/>
             <a:r>
-              <a:rPr lang="de-DE" sz="1600" dirty="0" err="1" smtClean="0">
+              <a:rPr lang="de-DE" sz="1600" dirty="0" err="1">
                 <a:solidFill>
                   <a:schemeClr val="tx1"/>
                 </a:solidFill>
               </a:rPr>
               <a:t>Temper</a:t>
             </a:r>
-            <a:endParaRPr lang="de-DE" sz="1600" dirty="0" smtClean="0">
+            <a:endParaRPr lang="de-DE" sz="1600" dirty="0">
               <a:solidFill>
                 <a:schemeClr val="tx1"/>
               </a:solidFill>
@@ -14140,14 +14056,14 @@
           <a:p>
             <a:pPr algn="ctr"/>
             <a:r>
-              <a:rPr lang="de-DE" sz="1600" dirty="0" err="1" smtClean="0">
+              <a:rPr lang="de-DE" sz="1600" dirty="0" err="1">
                 <a:solidFill>
                   <a:schemeClr val="tx1"/>
                 </a:solidFill>
               </a:rPr>
               <a:t>Temper</a:t>
             </a:r>
-            <a:endParaRPr lang="de-DE" sz="1600" dirty="0" smtClean="0">
+            <a:endParaRPr lang="de-DE" sz="1600" dirty="0">
               <a:solidFill>
                 <a:schemeClr val="tx1"/>
               </a:solidFill>
@@ -14156,18 +14072,13 @@
           <a:p>
             <a:pPr algn="ctr"/>
             <a:r>
-              <a:rPr lang="de-DE" sz="1600" dirty="0" smtClean="0">
+              <a:rPr lang="de-DE" sz="1600" dirty="0">
                 <a:solidFill>
                   <a:schemeClr val="tx1"/>
                 </a:solidFill>
               </a:rPr>
               <a:t>B</a:t>
             </a:r>
-            <a:endParaRPr lang="de-DE" sz="1600" dirty="0">
-              <a:solidFill>
-                <a:schemeClr val="tx1"/>
-              </a:solidFill>
-            </a:endParaRPr>
           </a:p>
         </p:txBody>
       </p:sp>
@@ -14216,14 +14127,14 @@
           <a:p>
             <a:pPr algn="ctr"/>
             <a:r>
-              <a:rPr lang="de-DE" sz="1600" dirty="0" err="1" smtClean="0">
+              <a:rPr lang="de-DE" sz="1600" dirty="0" err="1">
                 <a:solidFill>
                   <a:schemeClr val="tx1"/>
                 </a:solidFill>
               </a:rPr>
               <a:t>Temper</a:t>
             </a:r>
-            <a:endParaRPr lang="de-DE" sz="1600" dirty="0" smtClean="0">
+            <a:endParaRPr lang="de-DE" sz="1600" dirty="0">
               <a:solidFill>
                 <a:schemeClr val="tx1"/>
               </a:solidFill>
@@ -14281,7 +14192,7 @@
           <a:lstStyle/>
           <a:p>
             <a:r>
-              <a:rPr lang="de-DE" b="1" dirty="0" smtClean="0">
+              <a:rPr lang="de-DE" b="1" dirty="0">
                 <a:solidFill>
                   <a:schemeClr val="tx1"/>
                 </a:solidFill>
@@ -14289,7 +14200,7 @@
               <a:t>PRO: </a:t>
             </a:r>
             <a:r>
-              <a:rPr lang="de-DE" dirty="0" smtClean="0">
+              <a:rPr lang="de-DE" dirty="0">
                 <a:solidFill>
                   <a:schemeClr val="tx1"/>
                 </a:solidFill>
@@ -14299,7 +14210,7 @@
           </a:p>
           <a:p>
             <a:r>
-              <a:rPr lang="de-DE" b="1" dirty="0" smtClean="0">
+              <a:rPr lang="de-DE" b="1" dirty="0">
                 <a:solidFill>
                   <a:schemeClr val="tx1"/>
                 </a:solidFill>
@@ -14307,18 +14218,13 @@
               <a:t>CONTRA</a:t>
             </a:r>
             <a:r>
-              <a:rPr lang="de-DE" dirty="0" smtClean="0">
+              <a:rPr lang="de-DE" dirty="0">
                 <a:solidFill>
                   <a:schemeClr val="tx1"/>
                 </a:solidFill>
               </a:rPr>
               <a:t>: Hoher Energieverbrauch</a:t>
             </a:r>
-            <a:endParaRPr lang="de-DE" dirty="0">
-              <a:solidFill>
-                <a:schemeClr val="tx1"/>
-              </a:solidFill>
-            </a:endParaRPr>
           </a:p>
         </p:txBody>
       </p:sp>
@@ -14361,7 +14267,7 @@
           <a:lstStyle/>
           <a:p>
             <a:r>
-              <a:rPr lang="de-DE" b="1" dirty="0" smtClean="0">
+              <a:rPr lang="de-DE" b="1" dirty="0">
                 <a:solidFill>
                   <a:schemeClr val="tx1"/>
                 </a:solidFill>
@@ -14369,7 +14275,7 @@
               <a:t>PRO</a:t>
             </a:r>
             <a:r>
-              <a:rPr lang="de-DE" dirty="0" smtClean="0">
+              <a:rPr lang="de-DE" dirty="0">
                 <a:solidFill>
                   <a:schemeClr val="tx1"/>
                 </a:solidFill>
@@ -14379,7 +14285,7 @@
           </a:p>
           <a:p>
             <a:r>
-              <a:rPr lang="de-DE" b="1" dirty="0" smtClean="0">
+              <a:rPr lang="de-DE" b="1" dirty="0">
                 <a:solidFill>
                   <a:schemeClr val="tx1"/>
                 </a:solidFill>
@@ -14387,18 +14293,13 @@
               <a:t>CONTRA</a:t>
             </a:r>
             <a:r>
-              <a:rPr lang="de-DE" dirty="0" smtClean="0">
+              <a:rPr lang="de-DE" dirty="0">
                 <a:solidFill>
                   <a:schemeClr val="tx1"/>
                 </a:solidFill>
               </a:rPr>
               <a:t>: Viele Anpassungen am Rezept</a:t>
             </a:r>
-            <a:endParaRPr lang="de-DE" dirty="0">
-              <a:solidFill>
-                <a:schemeClr val="tx1"/>
-              </a:solidFill>
-            </a:endParaRPr>
           </a:p>
         </p:txBody>
       </p:sp>
@@ -14561,18 +14462,13 @@
           <a:p>
             <a:pPr algn="ctr"/>
             <a:r>
-              <a:rPr lang="de-DE" sz="2400" dirty="0" smtClean="0">
+              <a:rPr lang="de-DE" sz="2400" dirty="0">
                 <a:solidFill>
                   <a:schemeClr val="tx1"/>
                 </a:solidFill>
               </a:rPr>
               <a:t>?</a:t>
             </a:r>
-            <a:endParaRPr lang="de-DE" sz="2400" dirty="0">
-              <a:solidFill>
-                <a:schemeClr val="tx1"/>
-              </a:solidFill>
-            </a:endParaRPr>
           </a:p>
         </p:txBody>
       </p:sp>
@@ -14617,18 +14513,13 @@
           <a:p>
             <a:pPr algn="ctr"/>
             <a:r>
-              <a:rPr lang="de-DE" sz="2400" dirty="0" smtClean="0">
+              <a:rPr lang="de-DE" sz="2400" dirty="0">
                 <a:solidFill>
                   <a:schemeClr val="tx1"/>
                 </a:solidFill>
               </a:rPr>
               <a:t>?</a:t>
             </a:r>
-            <a:endParaRPr lang="de-DE" sz="2400" dirty="0">
-              <a:solidFill>
-                <a:schemeClr val="tx1"/>
-              </a:solidFill>
-            </a:endParaRPr>
           </a:p>
         </p:txBody>
       </p:sp>
@@ -14673,18 +14564,13 @@
           <a:p>
             <a:pPr algn="ctr"/>
             <a:r>
-              <a:rPr lang="de-DE" sz="2400" dirty="0" smtClean="0">
+              <a:rPr lang="de-DE" sz="2400" dirty="0">
                 <a:solidFill>
                   <a:schemeClr val="tx1"/>
                 </a:solidFill>
               </a:rPr>
               <a:t>?</a:t>
             </a:r>
-            <a:endParaRPr lang="de-DE" sz="2400" dirty="0">
-              <a:solidFill>
-                <a:schemeClr val="tx1"/>
-              </a:solidFill>
-            </a:endParaRPr>
           </a:p>
         </p:txBody>
       </p:sp>
@@ -14811,7 +14697,7 @@
             <a:lstStyle/>
             <a:p>
               <a:r>
-                <a:rPr lang="de-DE" b="1" dirty="0" smtClean="0">
+                <a:rPr lang="de-DE" b="1" dirty="0">
                   <a:solidFill>
                     <a:schemeClr val="tx1"/>
                   </a:solidFill>
@@ -14819,7 +14705,7 @@
                 <a:t>PRO</a:t>
               </a:r>
               <a:r>
-                <a:rPr lang="de-DE" dirty="0" smtClean="0">
+                <a:rPr lang="de-DE" dirty="0">
                   <a:solidFill>
                     <a:schemeClr val="tx1"/>
                   </a:solidFill>
@@ -14829,7 +14715,7 @@
             </a:p>
             <a:p>
               <a:r>
-                <a:rPr lang="de-DE" b="1" dirty="0" smtClean="0">
+                <a:rPr lang="de-DE" b="1" dirty="0">
                   <a:solidFill>
                     <a:schemeClr val="tx1"/>
                   </a:solidFill>
@@ -14837,18 +14723,13 @@
                 <a:t>CONTRA</a:t>
               </a:r>
               <a:r>
-                <a:rPr lang="de-DE" dirty="0" smtClean="0">
+                <a:rPr lang="de-DE" dirty="0">
                   <a:solidFill>
                     <a:schemeClr val="tx1"/>
                   </a:solidFill>
                 </a:rPr>
                 <a:t>: Hohe Kosten</a:t>
               </a:r>
-              <a:endParaRPr lang="de-DE" dirty="0">
-                <a:solidFill>
-                  <a:schemeClr val="tx1"/>
-                </a:solidFill>
-              </a:endParaRPr>
             </a:p>
           </p:txBody>
         </p:sp>
@@ -14857,7 +14738,7 @@
             <p:cNvPr id="24" name="Rechteck 23">
               <a:extLst>
                 <a:ext uri="{FF2B5EF4-FFF2-40B4-BE49-F238E27FC236}">
-                  <a16:creationId xmlns:a16="http://schemas.microsoft.com/office/drawing/2014/main" xmlns="" id="{FCCEA108-686B-BB4F-95FB-4BCE5EB529F1}"/>
+                  <a16:creationId xmlns:a16="http://schemas.microsoft.com/office/drawing/2014/main" id="{FCCEA108-686B-BB4F-95FB-4BCE5EB529F1}"/>
                 </a:ext>
               </a:extLst>
             </p:cNvPr>
@@ -14900,18 +14781,13 @@
             <a:lstStyle/>
             <a:p>
               <a:r>
-                <a:rPr lang="de-DE" b="1" dirty="0" smtClean="0">
+                <a:rPr lang="de-DE" b="1" dirty="0">
                   <a:solidFill>
                     <a:schemeClr val="accent4"/>
                   </a:solidFill>
                 </a:rPr>
                 <a:t>Leihmodul</a:t>
               </a:r>
-              <a:endParaRPr lang="de-DE" b="1" dirty="0">
-                <a:solidFill>
-                  <a:schemeClr val="accent4"/>
-                </a:solidFill>
-              </a:endParaRPr>
             </a:p>
           </p:txBody>
         </p:sp>
@@ -14921,7 +14797,7 @@
           <p:cNvPr id="25" name="Rechteck 24">
             <a:extLst>
               <a:ext uri="{FF2B5EF4-FFF2-40B4-BE49-F238E27FC236}">
-                <a16:creationId xmlns:a16="http://schemas.microsoft.com/office/drawing/2014/main" xmlns="" id="{FCCEA108-686B-BB4F-95FB-4BCE5EB529F1}"/>
+                <a16:creationId xmlns:a16="http://schemas.microsoft.com/office/drawing/2014/main" id="{FCCEA108-686B-BB4F-95FB-4BCE5EB529F1}"/>
               </a:ext>
             </a:extLst>
           </p:cNvPr>
@@ -14964,18 +14840,13 @@
           <a:lstStyle/>
           <a:p>
             <a:r>
-              <a:rPr lang="de-DE" b="1" dirty="0" smtClean="0">
+              <a:rPr lang="de-DE" b="1" dirty="0">
                 <a:solidFill>
                   <a:schemeClr val="accent4"/>
                 </a:solidFill>
               </a:rPr>
               <a:t>Altes Modul</a:t>
             </a:r>
-            <a:endParaRPr lang="de-DE" b="1" dirty="0">
-              <a:solidFill>
-                <a:schemeClr val="accent4"/>
-              </a:solidFill>
-            </a:endParaRPr>
           </a:p>
         </p:txBody>
       </p:sp>
@@ -14984,7 +14855,7 @@
           <p:cNvPr id="26" name="Rechteck 25">
             <a:extLst>
               <a:ext uri="{FF2B5EF4-FFF2-40B4-BE49-F238E27FC236}">
-                <a16:creationId xmlns:a16="http://schemas.microsoft.com/office/drawing/2014/main" xmlns="" id="{FCCEA108-686B-BB4F-95FB-4BCE5EB529F1}"/>
+                <a16:creationId xmlns:a16="http://schemas.microsoft.com/office/drawing/2014/main" id="{FCCEA108-686B-BB4F-95FB-4BCE5EB529F1}"/>
               </a:ext>
             </a:extLst>
           </p:cNvPr>
@@ -15027,18 +14898,13 @@
           <a:lstStyle/>
           <a:p>
             <a:r>
-              <a:rPr lang="de-DE" b="1" dirty="0" smtClean="0">
+              <a:rPr lang="de-DE" b="1" dirty="0">
                 <a:solidFill>
                   <a:schemeClr val="accent4"/>
                 </a:solidFill>
               </a:rPr>
               <a:t>Neues Modul</a:t>
             </a:r>
-            <a:endParaRPr lang="de-DE" b="1" dirty="0">
-              <a:solidFill>
-                <a:schemeClr val="accent4"/>
-              </a:solidFill>
-            </a:endParaRPr>
           </a:p>
         </p:txBody>
       </p:sp>
@@ -15088,10 +14954,13 @@
           <a:lstStyle/>
           <a:p>
             <a:r>
-              <a:rPr lang="de-DE" dirty="0" smtClean="0"/>
+              <a:rPr lang="de-DE" dirty="0">
+                <a:solidFill>
+                  <a:srgbClr val="000000"/>
+                </a:solidFill>
+              </a:rPr>
               <a:t>Nutzer unterstützen</a:t>
             </a:r>
-            <a:endParaRPr lang="de-DE" dirty="0"/>
           </a:p>
         </p:txBody>
       </p:sp>
@@ -15100,7 +14969,7 @@
           <p:cNvPr id="4" name="Gruppieren 3">
             <a:extLst>
               <a:ext uri="{FF2B5EF4-FFF2-40B4-BE49-F238E27FC236}">
-                <a16:creationId xmlns:a16="http://schemas.microsoft.com/office/drawing/2014/main" xmlns="" id="{64401E1E-557D-5D4F-AE09-187A0802411B}"/>
+                <a16:creationId xmlns:a16="http://schemas.microsoft.com/office/drawing/2014/main" id="{64401E1E-557D-5D4F-AE09-187A0802411B}"/>
               </a:ext>
             </a:extLst>
           </p:cNvPr>
@@ -15120,7 +14989,7 @@
             <p:cNvPr id="5" name="Rechteck 4">
               <a:extLst>
                 <a:ext uri="{FF2B5EF4-FFF2-40B4-BE49-F238E27FC236}">
-                  <a16:creationId xmlns:a16="http://schemas.microsoft.com/office/drawing/2014/main" xmlns="" id="{35A0EAB9-4039-6448-AC03-B60DE38901D0}"/>
+                  <a16:creationId xmlns:a16="http://schemas.microsoft.com/office/drawing/2014/main" id="{35A0EAB9-4039-6448-AC03-B60DE38901D0}"/>
                 </a:ext>
               </a:extLst>
             </p:cNvPr>
@@ -15138,6 +15007,11 @@
             <a:solidFill>
               <a:schemeClr val="bg1"/>
             </a:solidFill>
+            <a:ln>
+              <a:solidFill>
+                <a:srgbClr val="000000"/>
+              </a:solidFill>
+            </a:ln>
           </p:spPr>
           <p:style>
             <a:lnRef idx="2">
@@ -15164,9 +15038,9 @@
                 <a:buChar char="•"/>
               </a:pPr>
               <a:r>
-                <a:rPr lang="de-DE" dirty="0" smtClean="0">
+                <a:rPr lang="de-DE" dirty="0">
                   <a:solidFill>
-                    <a:schemeClr val="tx1"/>
+                    <a:srgbClr val="000000"/>
                   </a:solidFill>
                 </a:rPr>
                 <a:t>Zeitdruck</a:t>
@@ -15178,9 +15052,9 @@
                 <a:buChar char="•"/>
               </a:pPr>
               <a:r>
-                <a:rPr lang="de-DE" dirty="0" smtClean="0">
+                <a:rPr lang="de-DE" dirty="0">
                   <a:solidFill>
-                    <a:schemeClr val="tx1"/>
+                    <a:srgbClr val="000000"/>
                   </a:solidFill>
                 </a:rPr>
                 <a:t>Bis wann muss das Problem gelöst sein?</a:t>
@@ -15191,9 +15065,9 @@
                 <a:buFont typeface="Arial" panose="020B0604020202020204" pitchFamily="34" charset="0"/>
                 <a:buChar char="•"/>
               </a:pPr>
-              <a:endParaRPr lang="de-DE" dirty="0" smtClean="0">
+              <a:endParaRPr lang="de-DE" dirty="0">
                 <a:solidFill>
-                  <a:schemeClr val="tx1"/>
+                  <a:srgbClr val="000000"/>
                 </a:solidFill>
               </a:endParaRPr>
             </a:p>
@@ -15203,9 +15077,9 @@
                 <a:buChar char="•"/>
               </a:pPr>
               <a:r>
-                <a:rPr lang="de-DE" dirty="0" smtClean="0">
+                <a:rPr lang="de-DE" dirty="0">
                   <a:solidFill>
-                    <a:schemeClr val="tx1"/>
+                    <a:srgbClr val="000000"/>
                   </a:solidFill>
                 </a:rPr>
                 <a:t>Komplexität</a:t>
@@ -15217,9 +15091,9 @@
                 <a:buChar char="•"/>
               </a:pPr>
               <a:r>
-                <a:rPr lang="de-DE" dirty="0" smtClean="0">
+                <a:rPr lang="de-DE" dirty="0">
                   <a:solidFill>
-                    <a:schemeClr val="tx1"/>
+                    <a:srgbClr val="000000"/>
                   </a:solidFill>
                 </a:rPr>
                 <a:t>Ist das Problem einfach oder schwer zu lösen?</a:t>
@@ -15230,9 +15104,9 @@
                 <a:buFont typeface="Arial" panose="020B0604020202020204" pitchFamily="34" charset="0"/>
                 <a:buChar char="•"/>
               </a:pPr>
-              <a:endParaRPr lang="de-DE" dirty="0" smtClean="0">
+              <a:endParaRPr lang="de-DE" dirty="0">
                 <a:solidFill>
-                  <a:schemeClr val="tx1"/>
+                  <a:srgbClr val="000000"/>
                 </a:solidFill>
               </a:endParaRPr>
             </a:p>
@@ -15242,9 +15116,9 @@
                 <a:buChar char="•"/>
               </a:pPr>
               <a:r>
-                <a:rPr lang="de-DE" dirty="0" smtClean="0">
+                <a:rPr lang="de-DE" dirty="0">
                   <a:solidFill>
-                    <a:schemeClr val="tx1"/>
+                    <a:srgbClr val="000000"/>
                   </a:solidFill>
                 </a:rPr>
                 <a:t>Bereich</a:t>
@@ -15256,9 +15130,9 @@
                 <a:buChar char="•"/>
               </a:pPr>
               <a:r>
-                <a:rPr lang="de-DE" dirty="0" smtClean="0">
+                <a:rPr lang="de-DE" dirty="0">
                   <a:solidFill>
-                    <a:schemeClr val="tx1"/>
+                    <a:srgbClr val="000000"/>
                   </a:solidFill>
                 </a:rPr>
                 <a:t>Ist es ein technisches oder ein organisatorisches Problem?</a:t>
@@ -15271,7 +15145,7 @@
               </a:pPr>
               <a:endParaRPr lang="de-DE" dirty="0">
                 <a:solidFill>
-                  <a:schemeClr val="tx1"/>
+                  <a:srgbClr val="000000"/>
                 </a:solidFill>
               </a:endParaRPr>
             </a:p>
@@ -15282,7 +15156,7 @@
             <p:cNvPr id="6" name="Rechteck 5">
               <a:extLst>
                 <a:ext uri="{FF2B5EF4-FFF2-40B4-BE49-F238E27FC236}">
-                  <a16:creationId xmlns:a16="http://schemas.microsoft.com/office/drawing/2014/main" xmlns="" id="{FCCEA108-686B-BB4F-95FB-4BCE5EB529F1}"/>
+                  <a16:creationId xmlns:a16="http://schemas.microsoft.com/office/drawing/2014/main" id="{FCCEA108-686B-BB4F-95FB-4BCE5EB529F1}"/>
                 </a:ext>
               </a:extLst>
             </p:cNvPr>
@@ -15325,18 +15199,13 @@
             <a:lstStyle/>
             <a:p>
               <a:r>
-                <a:rPr lang="de-DE" b="1" dirty="0" smtClean="0">
+                <a:rPr lang="de-DE" b="1" dirty="0">
                   <a:solidFill>
-                    <a:schemeClr val="accent4"/>
+                    <a:srgbClr val="000000"/>
                   </a:solidFill>
                 </a:rPr>
                 <a:t>Probleme unterscheiden</a:t>
               </a:r>
-              <a:endParaRPr lang="de-DE" b="1" dirty="0">
-                <a:solidFill>
-                  <a:schemeClr val="accent4"/>
-                </a:solidFill>
-              </a:endParaRPr>
             </a:p>
           </p:txBody>
         </p:sp>
@@ -15346,7 +15215,7 @@
           <p:cNvPr id="7" name="Gruppieren 6">
             <a:extLst>
               <a:ext uri="{FF2B5EF4-FFF2-40B4-BE49-F238E27FC236}">
-                <a16:creationId xmlns:a16="http://schemas.microsoft.com/office/drawing/2014/main" xmlns="" id="{64401E1E-557D-5D4F-AE09-187A0802411B}"/>
+                <a16:creationId xmlns:a16="http://schemas.microsoft.com/office/drawing/2014/main" id="{64401E1E-557D-5D4F-AE09-187A0802411B}"/>
               </a:ext>
             </a:extLst>
           </p:cNvPr>
@@ -15366,7 +15235,7 @@
             <p:cNvPr id="8" name="Rechteck 7">
               <a:extLst>
                 <a:ext uri="{FF2B5EF4-FFF2-40B4-BE49-F238E27FC236}">
-                  <a16:creationId xmlns:a16="http://schemas.microsoft.com/office/drawing/2014/main" xmlns="" id="{35A0EAB9-4039-6448-AC03-B60DE38901D0}"/>
+                  <a16:creationId xmlns:a16="http://schemas.microsoft.com/office/drawing/2014/main" id="{35A0EAB9-4039-6448-AC03-B60DE38901D0}"/>
                 </a:ext>
               </a:extLst>
             </p:cNvPr>
@@ -15384,6 +15253,11 @@
             <a:solidFill>
               <a:schemeClr val="bg1"/>
             </a:solidFill>
+            <a:ln>
+              <a:solidFill>
+                <a:srgbClr val="000000"/>
+              </a:solidFill>
+            </a:ln>
           </p:spPr>
           <p:style>
             <a:lnRef idx="2">
@@ -15410,48 +15284,12 @@
                 <a:buChar char="•"/>
               </a:pPr>
               <a:r>
-                <a:rPr lang="de-DE" dirty="0" smtClean="0">
+                <a:rPr lang="de-DE" dirty="0">
                   <a:solidFill>
-                    <a:schemeClr val="tx1"/>
+                    <a:srgbClr val="000000"/>
                   </a:solidFill>
                 </a:rPr>
                 <a:t>Menschen nicht unterfordern</a:t>
-              </a:r>
-            </a:p>
-            <a:p>
-              <a:pPr marL="285750" indent="-285750">
-                <a:buFont typeface="Arial" panose="020B0604020202020204" pitchFamily="34" charset="0"/>
-                <a:buChar char="•"/>
-              </a:pPr>
-              <a:endParaRPr lang="de-DE" dirty="0" smtClean="0">
-                <a:solidFill>
-                  <a:schemeClr val="tx1"/>
-                </a:solidFill>
-              </a:endParaRPr>
-            </a:p>
-            <a:p>
-              <a:pPr marL="285750" indent="-285750">
-                <a:buFont typeface="Arial" panose="020B0604020202020204" pitchFamily="34" charset="0"/>
-                <a:buChar char="•"/>
-              </a:pPr>
-              <a:endParaRPr lang="de-DE" dirty="0" smtClean="0">
-                <a:solidFill>
-                  <a:schemeClr val="tx1"/>
-                </a:solidFill>
-              </a:endParaRPr>
-            </a:p>
-            <a:p>
-              <a:pPr marL="285750" indent="-285750">
-                <a:buFont typeface="Arial" panose="020B0604020202020204" pitchFamily="34" charset="0"/>
-                <a:buChar char="•"/>
-              </a:pPr>
-              <a:r>
-                <a:rPr lang="de-DE" dirty="0" smtClean="0">
-                  <a:solidFill>
-                    <a:schemeClr val="tx1"/>
-                  </a:solidFill>
-                </a:rPr>
-                <a:t>Menschen nicht überfordern</a:t>
               </a:r>
             </a:p>
             <a:p>
@@ -15461,7 +15299,7 @@
               </a:pPr>
               <a:endParaRPr lang="de-DE" dirty="0">
                 <a:solidFill>
-                  <a:schemeClr val="tx1"/>
+                  <a:srgbClr val="000000"/>
                 </a:solidFill>
               </a:endParaRPr>
             </a:p>
@@ -15470,9 +15308,9 @@
                 <a:buFont typeface="Arial" panose="020B0604020202020204" pitchFamily="34" charset="0"/>
                 <a:buChar char="•"/>
               </a:pPr>
-              <a:endParaRPr lang="de-DE" dirty="0" smtClean="0">
+              <a:endParaRPr lang="de-DE" dirty="0">
                 <a:solidFill>
-                  <a:schemeClr val="tx1"/>
+                  <a:srgbClr val="000000"/>
                 </a:solidFill>
               </a:endParaRPr>
             </a:p>
@@ -15482,18 +15320,49 @@
                 <a:buChar char="•"/>
               </a:pPr>
               <a:r>
-                <a:rPr lang="de-DE" dirty="0" smtClean="0">
+                <a:rPr lang="de-DE" dirty="0">
                   <a:solidFill>
-                    <a:schemeClr val="tx1"/>
+                    <a:srgbClr val="000000"/>
+                  </a:solidFill>
+                </a:rPr>
+                <a:t>Menschen nicht überfordern</a:t>
+              </a:r>
+            </a:p>
+            <a:p>
+              <a:pPr marL="285750" indent="-285750">
+                <a:buFont typeface="Arial" panose="020B0604020202020204" pitchFamily="34" charset="0"/>
+                <a:buChar char="•"/>
+              </a:pPr>
+              <a:endParaRPr lang="de-DE" dirty="0">
+                <a:solidFill>
+                  <a:srgbClr val="000000"/>
+                </a:solidFill>
+              </a:endParaRPr>
+            </a:p>
+            <a:p>
+              <a:pPr marL="285750" indent="-285750">
+                <a:buFont typeface="Arial" panose="020B0604020202020204" pitchFamily="34" charset="0"/>
+                <a:buChar char="•"/>
+              </a:pPr>
+              <a:endParaRPr lang="de-DE" dirty="0">
+                <a:solidFill>
+                  <a:srgbClr val="000000"/>
+                </a:solidFill>
+              </a:endParaRPr>
+            </a:p>
+            <a:p>
+              <a:pPr marL="285750" indent="-285750">
+                <a:buFont typeface="Arial" panose="020B0604020202020204" pitchFamily="34" charset="0"/>
+                <a:buChar char="•"/>
+              </a:pPr>
+              <a:r>
+                <a:rPr lang="de-DE" dirty="0">
+                  <a:solidFill>
+                    <a:srgbClr val="000000"/>
                   </a:solidFill>
                 </a:rPr>
                 <a:t>Lösungen vergleichen können</a:t>
               </a:r>
-              <a:endParaRPr lang="de-DE" dirty="0">
-                <a:solidFill>
-                  <a:schemeClr val="tx1"/>
-                </a:solidFill>
-              </a:endParaRPr>
             </a:p>
           </p:txBody>
         </p:sp>
@@ -15502,7 +15371,7 @@
             <p:cNvPr id="9" name="Rechteck 8">
               <a:extLst>
                 <a:ext uri="{FF2B5EF4-FFF2-40B4-BE49-F238E27FC236}">
-                  <a16:creationId xmlns:a16="http://schemas.microsoft.com/office/drawing/2014/main" xmlns="" id="{FCCEA108-686B-BB4F-95FB-4BCE5EB529F1}"/>
+                  <a16:creationId xmlns:a16="http://schemas.microsoft.com/office/drawing/2014/main" id="{FCCEA108-686B-BB4F-95FB-4BCE5EB529F1}"/>
                 </a:ext>
               </a:extLst>
             </p:cNvPr>
@@ -15545,18 +15414,13 @@
             <a:lstStyle/>
             <a:p>
               <a:r>
-                <a:rPr lang="de-DE" b="1" dirty="0" smtClean="0">
+                <a:rPr lang="de-DE" b="1" dirty="0">
                   <a:solidFill>
-                    <a:schemeClr val="accent4"/>
+                    <a:srgbClr val="000000"/>
                   </a:solidFill>
                 </a:rPr>
                 <a:t>User Experience</a:t>
               </a:r>
-              <a:endParaRPr lang="de-DE" b="1" dirty="0">
-                <a:solidFill>
-                  <a:schemeClr val="accent4"/>
-                </a:solidFill>
-              </a:endParaRPr>
             </a:p>
           </p:txBody>
         </p:sp>
@@ -15566,7 +15430,7 @@
           <p:cNvPr id="10" name="Rechteck 9">
             <a:extLst>
               <a:ext uri="{FF2B5EF4-FFF2-40B4-BE49-F238E27FC236}">
-                <a16:creationId xmlns:a16="http://schemas.microsoft.com/office/drawing/2014/main" xmlns="" id="{FCCEA108-686B-BB4F-95FB-4BCE5EB529F1}"/>
+                <a16:creationId xmlns:a16="http://schemas.microsoft.com/office/drawing/2014/main" id="{FCCEA108-686B-BB4F-95FB-4BCE5EB529F1}"/>
               </a:ext>
             </a:extLst>
           </p:cNvPr>
@@ -15609,18 +15473,13 @@
           <a:lstStyle/>
           <a:p>
             <a:r>
-              <a:rPr lang="de-DE" b="1" dirty="0" smtClean="0">
+              <a:rPr lang="de-DE" b="1" dirty="0">
                 <a:solidFill>
-                  <a:schemeClr val="accent4"/>
+                  <a:srgbClr val="000000"/>
                 </a:solidFill>
               </a:rPr>
               <a:t>Informationen anpassen</a:t>
             </a:r>
-            <a:endParaRPr lang="de-DE" b="1" dirty="0">
-              <a:solidFill>
-                <a:schemeClr val="accent4"/>
-              </a:solidFill>
-            </a:endParaRPr>
           </a:p>
         </p:txBody>
       </p:sp>
@@ -15642,7 +15501,7 @@
           </a:prstGeom>
           <a:ln w="38100">
             <a:solidFill>
-              <a:schemeClr val="tx1"/>
+              <a:srgbClr val="000000"/>
             </a:solidFill>
             <a:tailEnd type="triangle"/>
           </a:ln>
@@ -15667,7 +15526,7 @@
           <p:cNvPr id="13" name="Gruppieren 12">
             <a:extLst>
               <a:ext uri="{FF2B5EF4-FFF2-40B4-BE49-F238E27FC236}">
-                <a16:creationId xmlns:a16="http://schemas.microsoft.com/office/drawing/2014/main" xmlns="" id="{64401E1E-557D-5D4F-AE09-187A0802411B}"/>
+                <a16:creationId xmlns:a16="http://schemas.microsoft.com/office/drawing/2014/main" id="{64401E1E-557D-5D4F-AE09-187A0802411B}"/>
               </a:ext>
             </a:extLst>
           </p:cNvPr>
@@ -15687,7 +15546,7 @@
             <p:cNvPr id="14" name="Rechteck 13">
               <a:extLst>
                 <a:ext uri="{FF2B5EF4-FFF2-40B4-BE49-F238E27FC236}">
-                  <a16:creationId xmlns:a16="http://schemas.microsoft.com/office/drawing/2014/main" xmlns="" id="{35A0EAB9-4039-6448-AC03-B60DE38901D0}"/>
+                  <a16:creationId xmlns:a16="http://schemas.microsoft.com/office/drawing/2014/main" id="{35A0EAB9-4039-6448-AC03-B60DE38901D0}"/>
                 </a:ext>
               </a:extLst>
             </p:cNvPr>
@@ -15705,6 +15564,11 @@
             <a:solidFill>
               <a:schemeClr val="bg1"/>
             </a:solidFill>
+            <a:ln>
+              <a:solidFill>
+                <a:srgbClr val="000000"/>
+              </a:solidFill>
+            </a:ln>
           </p:spPr>
           <p:style>
             <a:lnRef idx="2">
@@ -15731,9 +15595,9 @@
                 <a:buChar char="•"/>
               </a:pPr>
               <a:r>
-                <a:rPr lang="de-DE" dirty="0" smtClean="0">
+                <a:rPr lang="de-DE" dirty="0">
                   <a:solidFill>
-                    <a:schemeClr val="tx1"/>
+                    <a:srgbClr val="000000"/>
                   </a:solidFill>
                 </a:rPr>
                 <a:t>Automatisierungsgrad anpassen</a:t>
@@ -15746,7 +15610,7 @@
               </a:pPr>
               <a:endParaRPr lang="de-DE" dirty="0">
                 <a:solidFill>
-                  <a:schemeClr val="tx1"/>
+                  <a:srgbClr val="000000"/>
                 </a:solidFill>
               </a:endParaRPr>
             </a:p>
@@ -15755,9 +15619,9 @@
                 <a:buFont typeface="Arial" panose="020B0604020202020204" pitchFamily="34" charset="0"/>
                 <a:buChar char="•"/>
               </a:pPr>
-              <a:endParaRPr lang="de-DE" dirty="0" smtClean="0">
+              <a:endParaRPr lang="de-DE" dirty="0">
                 <a:solidFill>
-                  <a:schemeClr val="tx1"/>
+                  <a:srgbClr val="000000"/>
                 </a:solidFill>
               </a:endParaRPr>
             </a:p>
@@ -15767,23 +15631,18 @@
                 <a:buChar char="•"/>
               </a:pPr>
               <a:r>
-                <a:rPr lang="de-DE" dirty="0" smtClean="0">
+                <a:rPr lang="de-DE" dirty="0">
                   <a:solidFill>
-                    <a:schemeClr val="tx1"/>
+                    <a:srgbClr val="000000"/>
                   </a:solidFill>
                 </a:rPr>
                 <a:t>Informationen und Zusammenhänge sinnvoll darstellen</a:t>
               </a:r>
+            </a:p>
+            <a:p>
               <a:endParaRPr lang="de-DE" dirty="0">
                 <a:solidFill>
-                  <a:schemeClr val="tx1"/>
-                </a:solidFill>
-              </a:endParaRPr>
-            </a:p>
-            <a:p>
-              <a:endParaRPr lang="de-DE" dirty="0" smtClean="0">
-                <a:solidFill>
-                  <a:schemeClr val="tx1"/>
+                  <a:srgbClr val="000000"/>
                 </a:solidFill>
               </a:endParaRPr>
             </a:p>
@@ -15793,18 +15652,13 @@
                 <a:buChar char="•"/>
               </a:pPr>
               <a:r>
-                <a:rPr lang="de-DE" dirty="0" smtClean="0">
+                <a:rPr lang="de-DE" dirty="0">
                   <a:solidFill>
-                    <a:schemeClr val="tx1"/>
+                    <a:srgbClr val="000000"/>
                   </a:solidFill>
                 </a:rPr>
                 <a:t>Die richtigen Informationen darstellen</a:t>
               </a:r>
-              <a:endParaRPr lang="de-DE" dirty="0">
-                <a:solidFill>
-                  <a:schemeClr val="tx1"/>
-                </a:solidFill>
-              </a:endParaRPr>
             </a:p>
           </p:txBody>
         </p:sp>
@@ -15813,7 +15667,7 @@
             <p:cNvPr id="15" name="Rechteck 14">
               <a:extLst>
                 <a:ext uri="{FF2B5EF4-FFF2-40B4-BE49-F238E27FC236}">
-                  <a16:creationId xmlns:a16="http://schemas.microsoft.com/office/drawing/2014/main" xmlns="" id="{FCCEA108-686B-BB4F-95FB-4BCE5EB529F1}"/>
+                  <a16:creationId xmlns:a16="http://schemas.microsoft.com/office/drawing/2014/main" id="{FCCEA108-686B-BB4F-95FB-4BCE5EB529F1}"/>
                 </a:ext>
               </a:extLst>
             </p:cNvPr>
@@ -15856,18 +15710,13 @@
             <a:lstStyle/>
             <a:p>
               <a:r>
-                <a:rPr lang="de-DE" b="1" dirty="0" smtClean="0">
+                <a:rPr lang="de-DE" b="1" dirty="0">
                   <a:solidFill>
-                    <a:schemeClr val="accent4"/>
+                    <a:srgbClr val="000000"/>
                   </a:solidFill>
                 </a:rPr>
                 <a:t>Problemlösungen</a:t>
               </a:r>
-              <a:endParaRPr lang="de-DE" b="1" dirty="0">
-                <a:solidFill>
-                  <a:schemeClr val="accent4"/>
-                </a:solidFill>
-              </a:endParaRPr>
             </a:p>
           </p:txBody>
         </p:sp>
@@ -15877,7 +15726,7 @@
           <p:cNvPr id="16" name="Rechteck 15">
             <a:extLst>
               <a:ext uri="{FF2B5EF4-FFF2-40B4-BE49-F238E27FC236}">
-                <a16:creationId xmlns:a16="http://schemas.microsoft.com/office/drawing/2014/main" xmlns="" id="{FCCEA108-686B-BB4F-95FB-4BCE5EB529F1}"/>
+                <a16:creationId xmlns:a16="http://schemas.microsoft.com/office/drawing/2014/main" id="{FCCEA108-686B-BB4F-95FB-4BCE5EB529F1}"/>
               </a:ext>
             </a:extLst>
           </p:cNvPr>
@@ -15920,18 +15769,13 @@
           <a:lstStyle/>
           <a:p>
             <a:r>
-              <a:rPr lang="de-DE" b="1" dirty="0" smtClean="0">
+              <a:rPr lang="de-DE" b="1" dirty="0">
                 <a:solidFill>
-                  <a:schemeClr val="accent4"/>
+                  <a:srgbClr val="000000"/>
                 </a:solidFill>
               </a:rPr>
               <a:t>Lösungen darstellen</a:t>
             </a:r>
-            <a:endParaRPr lang="de-DE" b="1" dirty="0">
-              <a:solidFill>
-                <a:schemeClr val="accent4"/>
-              </a:solidFill>
-            </a:endParaRPr>
           </a:p>
         </p:txBody>
       </p:sp>
@@ -15940,7 +15784,7 @@
           <p:cNvPr id="18" name="Rechteck 17">
             <a:extLst>
               <a:ext uri="{FF2B5EF4-FFF2-40B4-BE49-F238E27FC236}">
-                <a16:creationId xmlns:a16="http://schemas.microsoft.com/office/drawing/2014/main" xmlns="" id="{FCCEA108-686B-BB4F-95FB-4BCE5EB529F1}"/>
+                <a16:creationId xmlns:a16="http://schemas.microsoft.com/office/drawing/2014/main" id="{FCCEA108-686B-BB4F-95FB-4BCE5EB529F1}"/>
               </a:ext>
             </a:extLst>
           </p:cNvPr>
@@ -15983,18 +15827,13 @@
           <a:lstStyle/>
           <a:p>
             <a:r>
-              <a:rPr lang="de-DE" b="1" dirty="0" smtClean="0">
+              <a:rPr lang="de-DE" b="1" dirty="0">
                 <a:solidFill>
-                  <a:schemeClr val="accent4"/>
+                  <a:srgbClr val="000000"/>
                 </a:solidFill>
               </a:rPr>
               <a:t>Entscheidungen unterstützen</a:t>
             </a:r>
-            <a:endParaRPr lang="de-DE" b="1" dirty="0">
-              <a:solidFill>
-                <a:schemeClr val="accent4"/>
-              </a:solidFill>
-            </a:endParaRPr>
           </a:p>
         </p:txBody>
       </p:sp>
@@ -16014,7 +15853,7 @@
           </a:prstGeom>
           <a:ln w="38100">
             <a:solidFill>
-              <a:schemeClr val="tx1"/>
+              <a:srgbClr val="000000"/>
             </a:solidFill>
             <a:tailEnd type="triangle"/>
           </a:ln>
@@ -16050,7 +15889,7 @@
           </a:prstGeom>
           <a:ln w="38100">
             <a:solidFill>
-              <a:schemeClr val="tx1"/>
+              <a:srgbClr val="000000"/>
             </a:solidFill>
             <a:tailEnd type="triangle"/>
           </a:ln>
@@ -16121,10 +15960,9 @@
           <a:lstStyle/>
           <a:p>
             <a:r>
-              <a:rPr lang="de-DE" dirty="0" smtClean="0"/>
+              <a:rPr lang="de-DE" dirty="0"/>
               <a:t>Konzeptidee</a:t>
             </a:r>
-            <a:endParaRPr lang="de-DE" dirty="0"/>
           </a:p>
         </p:txBody>
       </p:sp>
@@ -16133,7 +15971,7 @@
           <p:cNvPr id="4" name="Gruppieren 3">
             <a:extLst>
               <a:ext uri="{FF2B5EF4-FFF2-40B4-BE49-F238E27FC236}">
-                <a16:creationId xmlns:a16="http://schemas.microsoft.com/office/drawing/2014/main" xmlns="" id="{64401E1E-557D-5D4F-AE09-187A0802411B}"/>
+                <a16:creationId xmlns:a16="http://schemas.microsoft.com/office/drawing/2014/main" id="{64401E1E-557D-5D4F-AE09-187A0802411B}"/>
               </a:ext>
             </a:extLst>
           </p:cNvPr>
@@ -16153,7 +15991,7 @@
             <p:cNvPr id="5" name="Rechteck 4">
               <a:extLst>
                 <a:ext uri="{FF2B5EF4-FFF2-40B4-BE49-F238E27FC236}">
-                  <a16:creationId xmlns:a16="http://schemas.microsoft.com/office/drawing/2014/main" xmlns="" id="{35A0EAB9-4039-6448-AC03-B60DE38901D0}"/>
+                  <a16:creationId xmlns:a16="http://schemas.microsoft.com/office/drawing/2014/main" id="{35A0EAB9-4039-6448-AC03-B60DE38901D0}"/>
                 </a:ext>
               </a:extLst>
             </p:cNvPr>
@@ -16209,7 +16047,7 @@
             <p:cNvPr id="6" name="Rechteck 5">
               <a:extLst>
                 <a:ext uri="{FF2B5EF4-FFF2-40B4-BE49-F238E27FC236}">
-                  <a16:creationId xmlns:a16="http://schemas.microsoft.com/office/drawing/2014/main" xmlns="" id="{FCCEA108-686B-BB4F-95FB-4BCE5EB529F1}"/>
+                  <a16:creationId xmlns:a16="http://schemas.microsoft.com/office/drawing/2014/main" id="{FCCEA108-686B-BB4F-95FB-4BCE5EB529F1}"/>
                 </a:ext>
               </a:extLst>
             </p:cNvPr>
@@ -16252,18 +16090,13 @@
             <a:lstStyle/>
             <a:p>
               <a:r>
-                <a:rPr lang="de-DE" b="1" dirty="0" smtClean="0">
+                <a:rPr lang="de-DE" b="1" dirty="0">
                   <a:solidFill>
                     <a:schemeClr val="accent4"/>
                   </a:solidFill>
                 </a:rPr>
                 <a:t>Problemidentifikation</a:t>
               </a:r>
-              <a:endParaRPr lang="de-DE" b="1" dirty="0">
-                <a:solidFill>
-                  <a:schemeClr val="accent4"/>
-                </a:solidFill>
-              </a:endParaRPr>
             </a:p>
           </p:txBody>
         </p:sp>
@@ -16313,18 +16146,13 @@
           <a:p>
             <a:pPr algn="ctr"/>
             <a:r>
-              <a:rPr lang="de-DE" dirty="0" smtClean="0">
+              <a:rPr lang="de-DE" dirty="0">
                 <a:solidFill>
                   <a:schemeClr val="tx1"/>
                 </a:solidFill>
               </a:rPr>
               <a:t>Beschreibung des Problems</a:t>
             </a:r>
-            <a:endParaRPr lang="de-DE" dirty="0">
-              <a:solidFill>
-                <a:schemeClr val="tx1"/>
-              </a:solidFill>
-            </a:endParaRPr>
           </a:p>
         </p:txBody>
       </p:sp>
@@ -16373,18 +16201,13 @@
           <a:p>
             <a:pPr algn="ctr"/>
             <a:r>
-              <a:rPr lang="de-DE" dirty="0" smtClean="0">
+              <a:rPr lang="de-DE" dirty="0">
                 <a:solidFill>
                   <a:schemeClr val="tx1"/>
                 </a:solidFill>
               </a:rPr>
               <a:t>Definition des Ziels</a:t>
             </a:r>
-            <a:endParaRPr lang="de-DE" dirty="0">
-              <a:solidFill>
-                <a:schemeClr val="tx1"/>
-              </a:solidFill>
-            </a:endParaRPr>
           </a:p>
         </p:txBody>
       </p:sp>
@@ -16433,18 +16256,13 @@
           <a:p>
             <a:pPr algn="ctr"/>
             <a:r>
-              <a:rPr lang="de-DE" dirty="0" smtClean="0">
+              <a:rPr lang="de-DE" dirty="0">
                 <a:solidFill>
                   <a:schemeClr val="tx1"/>
                 </a:solidFill>
               </a:rPr>
               <a:t>Informationen über den aktuellen Status</a:t>
             </a:r>
-            <a:endParaRPr lang="de-DE" dirty="0">
-              <a:solidFill>
-                <a:schemeClr val="tx1"/>
-              </a:solidFill>
-            </a:endParaRPr>
           </a:p>
         </p:txBody>
       </p:sp>
@@ -16545,7 +16363,7 @@
             <p:cNvPr id="7" name="Gruppieren 6">
               <a:extLst>
                 <a:ext uri="{FF2B5EF4-FFF2-40B4-BE49-F238E27FC236}">
-                  <a16:creationId xmlns:a16="http://schemas.microsoft.com/office/drawing/2014/main" xmlns="" id="{64401E1E-557D-5D4F-AE09-187A0802411B}"/>
+                  <a16:creationId xmlns:a16="http://schemas.microsoft.com/office/drawing/2014/main" id="{64401E1E-557D-5D4F-AE09-187A0802411B}"/>
                 </a:ext>
               </a:extLst>
             </p:cNvPr>
@@ -16565,7 +16383,7 @@
               <p:cNvPr id="8" name="Rechteck 7">
                 <a:extLst>
                   <a:ext uri="{FF2B5EF4-FFF2-40B4-BE49-F238E27FC236}">
-                    <a16:creationId xmlns:a16="http://schemas.microsoft.com/office/drawing/2014/main" xmlns="" id="{35A0EAB9-4039-6448-AC03-B60DE38901D0}"/>
+                    <a16:creationId xmlns:a16="http://schemas.microsoft.com/office/drawing/2014/main" id="{35A0EAB9-4039-6448-AC03-B60DE38901D0}"/>
                   </a:ext>
                 </a:extLst>
               </p:cNvPr>
@@ -16621,7 +16439,7 @@
               <p:cNvPr id="9" name="Rechteck 8">
                 <a:extLst>
                   <a:ext uri="{FF2B5EF4-FFF2-40B4-BE49-F238E27FC236}">
-                    <a16:creationId xmlns:a16="http://schemas.microsoft.com/office/drawing/2014/main" xmlns="" id="{FCCEA108-686B-BB4F-95FB-4BCE5EB529F1}"/>
+                    <a16:creationId xmlns:a16="http://schemas.microsoft.com/office/drawing/2014/main" id="{FCCEA108-686B-BB4F-95FB-4BCE5EB529F1}"/>
                   </a:ext>
                 </a:extLst>
               </p:cNvPr>
@@ -16664,18 +16482,13 @@
               <a:lstStyle/>
               <a:p>
                 <a:r>
-                  <a:rPr lang="de-DE" b="1" dirty="0" smtClean="0">
+                  <a:rPr lang="de-DE" b="1" dirty="0">
                     <a:solidFill>
                       <a:schemeClr val="accent4"/>
                     </a:solidFill>
                   </a:rPr>
                   <a:t>Problemlösungen</a:t>
                 </a:r>
-                <a:endParaRPr lang="de-DE" b="1" dirty="0">
-                  <a:solidFill>
-                    <a:schemeClr val="accent4"/>
-                  </a:solidFill>
-                </a:endParaRPr>
               </a:p>
             </p:txBody>
           </p:sp>
@@ -16725,18 +16538,13 @@
             <a:p>
               <a:pPr algn="ctr"/>
               <a:r>
-                <a:rPr lang="de-DE" dirty="0" smtClean="0">
+                <a:rPr lang="de-DE" dirty="0">
                   <a:solidFill>
                     <a:schemeClr val="tx1"/>
                   </a:solidFill>
                 </a:rPr>
                 <a:t>Lösungen vorschlagen</a:t>
               </a:r>
-              <a:endParaRPr lang="de-DE" dirty="0">
-                <a:solidFill>
-                  <a:schemeClr val="tx1"/>
-                </a:solidFill>
-              </a:endParaRPr>
             </a:p>
           </p:txBody>
         </p:sp>
@@ -16785,18 +16593,13 @@
             <a:p>
               <a:pPr algn="ctr"/>
               <a:r>
-                <a:rPr lang="de-DE" dirty="0" smtClean="0">
+                <a:rPr lang="de-DE" dirty="0">
                   <a:solidFill>
                     <a:schemeClr val="tx1"/>
                   </a:solidFill>
                 </a:rPr>
                 <a:t>Lösungen vergleichen</a:t>
               </a:r>
-              <a:endParaRPr lang="de-DE" dirty="0">
-                <a:solidFill>
-                  <a:schemeClr val="tx1"/>
-                </a:solidFill>
-              </a:endParaRPr>
             </a:p>
           </p:txBody>
         </p:sp>
@@ -16845,18 +16648,13 @@
             <a:p>
               <a:pPr algn="ctr"/>
               <a:r>
-                <a:rPr lang="de-DE" dirty="0" smtClean="0">
+                <a:rPr lang="de-DE" dirty="0">
                   <a:solidFill>
                     <a:schemeClr val="tx1"/>
                   </a:solidFill>
                 </a:rPr>
                 <a:t>Lösungen bewerten</a:t>
               </a:r>
-              <a:endParaRPr lang="de-DE" dirty="0">
-                <a:solidFill>
-                  <a:schemeClr val="tx1"/>
-                </a:solidFill>
-              </a:endParaRPr>
             </a:p>
           </p:txBody>
         </p:sp>
@@ -17026,18 +16824,13 @@
           <a:p>
             <a:pPr algn="ctr"/>
             <a:r>
-              <a:rPr lang="de-DE" dirty="0" smtClean="0">
+              <a:rPr lang="de-DE" dirty="0">
                 <a:solidFill>
                   <a:schemeClr val="tx1"/>
                 </a:solidFill>
               </a:rPr>
               <a:t>System</a:t>
             </a:r>
-            <a:endParaRPr lang="de-DE" dirty="0">
-              <a:solidFill>
-                <a:schemeClr val="tx1"/>
-              </a:solidFill>
-            </a:endParaRPr>
           </a:p>
         </p:txBody>
       </p:sp>
@@ -17086,18 +16879,13 @@
           <a:p>
             <a:pPr algn="ctr"/>
             <a:r>
-              <a:rPr lang="de-DE" dirty="0" smtClean="0">
+              <a:rPr lang="de-DE" dirty="0">
                 <a:solidFill>
                   <a:schemeClr val="tx1"/>
                 </a:solidFill>
               </a:rPr>
               <a:t>Nutzer</a:t>
             </a:r>
-            <a:endParaRPr lang="de-DE" dirty="0">
-              <a:solidFill>
-                <a:schemeClr val="tx1"/>
-              </a:solidFill>
-            </a:endParaRPr>
           </a:p>
         </p:txBody>
       </p:sp>
@@ -17106,7 +16894,7 @@
           <p:cNvPr id="49" name="Gruppieren 48">
             <a:extLst>
               <a:ext uri="{FF2B5EF4-FFF2-40B4-BE49-F238E27FC236}">
-                <a16:creationId xmlns:a16="http://schemas.microsoft.com/office/drawing/2014/main" xmlns="" id="{64401E1E-557D-5D4F-AE09-187A0802411B}"/>
+                <a16:creationId xmlns:a16="http://schemas.microsoft.com/office/drawing/2014/main" id="{64401E1E-557D-5D4F-AE09-187A0802411B}"/>
               </a:ext>
             </a:extLst>
           </p:cNvPr>
@@ -17126,7 +16914,7 @@
             <p:cNvPr id="50" name="Rechteck 49">
               <a:extLst>
                 <a:ext uri="{FF2B5EF4-FFF2-40B4-BE49-F238E27FC236}">
-                  <a16:creationId xmlns:a16="http://schemas.microsoft.com/office/drawing/2014/main" xmlns="" id="{35A0EAB9-4039-6448-AC03-B60DE38901D0}"/>
+                  <a16:creationId xmlns:a16="http://schemas.microsoft.com/office/drawing/2014/main" id="{35A0EAB9-4039-6448-AC03-B60DE38901D0}"/>
                 </a:ext>
               </a:extLst>
             </p:cNvPr>
@@ -17182,7 +16970,7 @@
             <p:cNvPr id="51" name="Rechteck 50">
               <a:extLst>
                 <a:ext uri="{FF2B5EF4-FFF2-40B4-BE49-F238E27FC236}">
-                  <a16:creationId xmlns:a16="http://schemas.microsoft.com/office/drawing/2014/main" xmlns="" id="{FCCEA108-686B-BB4F-95FB-4BCE5EB529F1}"/>
+                  <a16:creationId xmlns:a16="http://schemas.microsoft.com/office/drawing/2014/main" id="{FCCEA108-686B-BB4F-95FB-4BCE5EB529F1}"/>
                 </a:ext>
               </a:extLst>
             </p:cNvPr>
@@ -17225,18 +17013,13 @@
             <a:lstStyle/>
             <a:p>
               <a:r>
-                <a:rPr lang="de-DE" b="1" dirty="0" smtClean="0">
+                <a:rPr lang="de-DE" b="1" dirty="0">
                   <a:solidFill>
                     <a:schemeClr val="accent4"/>
                   </a:solidFill>
                 </a:rPr>
                 <a:t>Entscheiden</a:t>
               </a:r>
-              <a:endParaRPr lang="de-DE" b="1" dirty="0">
-                <a:solidFill>
-                  <a:schemeClr val="accent4"/>
-                </a:solidFill>
-              </a:endParaRPr>
             </a:p>
           </p:txBody>
         </p:sp>
@@ -17286,18 +17069,13 @@
           <a:p>
             <a:pPr algn="ctr"/>
             <a:r>
-              <a:rPr lang="de-DE" dirty="0" smtClean="0">
+              <a:rPr lang="de-DE" dirty="0">
                 <a:solidFill>
                   <a:schemeClr val="tx1"/>
                 </a:solidFill>
               </a:rPr>
               <a:t>Kriterien festlegen</a:t>
             </a:r>
-            <a:endParaRPr lang="de-DE" dirty="0">
-              <a:solidFill>
-                <a:schemeClr val="tx1"/>
-              </a:solidFill>
-            </a:endParaRPr>
           </a:p>
         </p:txBody>
       </p:sp>
@@ -17346,18 +17124,13 @@
           <a:p>
             <a:pPr algn="ctr"/>
             <a:r>
-              <a:rPr lang="de-DE" dirty="0" smtClean="0">
+              <a:rPr lang="de-DE" dirty="0">
                 <a:solidFill>
                   <a:schemeClr val="tx1"/>
                 </a:solidFill>
               </a:rPr>
               <a:t>Lösungen filtern</a:t>
             </a:r>
-            <a:endParaRPr lang="de-DE" dirty="0">
-              <a:solidFill>
-                <a:schemeClr val="tx1"/>
-              </a:solidFill>
-            </a:endParaRPr>
           </a:p>
         </p:txBody>
       </p:sp>
@@ -17406,18 +17179,13 @@
           <a:p>
             <a:pPr algn="ctr"/>
             <a:r>
-              <a:rPr lang="de-DE" dirty="0" smtClean="0">
+              <a:rPr lang="de-DE" dirty="0">
                 <a:solidFill>
                   <a:schemeClr val="tx1"/>
                 </a:solidFill>
               </a:rPr>
               <a:t>Lösung auswählen</a:t>
             </a:r>
-            <a:endParaRPr lang="de-DE" dirty="0">
-              <a:solidFill>
-                <a:schemeClr val="tx1"/>
-              </a:solidFill>
-            </a:endParaRPr>
           </a:p>
         </p:txBody>
       </p:sp>
@@ -17592,10 +17360,13 @@
           <a:lstStyle/>
           <a:p>
             <a:r>
-              <a:rPr lang="de-DE" dirty="0" smtClean="0"/>
+              <a:rPr lang="de-DE" dirty="0">
+                <a:solidFill>
+                  <a:srgbClr val="000000"/>
+                </a:solidFill>
+              </a:rPr>
               <a:t>Konzeptidee</a:t>
             </a:r>
-            <a:endParaRPr lang="de-DE" dirty="0"/>
           </a:p>
         </p:txBody>
       </p:sp>
@@ -17604,7 +17375,7 @@
           <p:cNvPr id="4" name="Gruppieren 3">
             <a:extLst>
               <a:ext uri="{FF2B5EF4-FFF2-40B4-BE49-F238E27FC236}">
-                <a16:creationId xmlns:a16="http://schemas.microsoft.com/office/drawing/2014/main" xmlns="" id="{64401E1E-557D-5D4F-AE09-187A0802411B}"/>
+                <a16:creationId xmlns:a16="http://schemas.microsoft.com/office/drawing/2014/main" id="{64401E1E-557D-5D4F-AE09-187A0802411B}"/>
               </a:ext>
             </a:extLst>
           </p:cNvPr>
@@ -17624,7 +17395,7 @@
             <p:cNvPr id="5" name="Rechteck 4">
               <a:extLst>
                 <a:ext uri="{FF2B5EF4-FFF2-40B4-BE49-F238E27FC236}">
-                  <a16:creationId xmlns:a16="http://schemas.microsoft.com/office/drawing/2014/main" xmlns="" id="{35A0EAB9-4039-6448-AC03-B60DE38901D0}"/>
+                  <a16:creationId xmlns:a16="http://schemas.microsoft.com/office/drawing/2014/main" id="{35A0EAB9-4039-6448-AC03-B60DE38901D0}"/>
                 </a:ext>
               </a:extLst>
             </p:cNvPr>
@@ -17642,6 +17413,11 @@
             <a:solidFill>
               <a:schemeClr val="bg1"/>
             </a:solidFill>
+            <a:ln>
+              <a:solidFill>
+                <a:srgbClr val="000000"/>
+              </a:solidFill>
+            </a:ln>
           </p:spPr>
           <p:style>
             <a:lnRef idx="2">
@@ -17669,7 +17445,7 @@
               </a:pPr>
               <a:endParaRPr lang="de-DE" dirty="0">
                 <a:solidFill>
-                  <a:schemeClr val="tx1"/>
+                  <a:srgbClr val="000000"/>
                 </a:solidFill>
               </a:endParaRPr>
             </a:p>
@@ -17680,7 +17456,7 @@
             <p:cNvPr id="6" name="Rechteck 5">
               <a:extLst>
                 <a:ext uri="{FF2B5EF4-FFF2-40B4-BE49-F238E27FC236}">
-                  <a16:creationId xmlns:a16="http://schemas.microsoft.com/office/drawing/2014/main" xmlns="" id="{FCCEA108-686B-BB4F-95FB-4BCE5EB529F1}"/>
+                  <a16:creationId xmlns:a16="http://schemas.microsoft.com/office/drawing/2014/main" id="{FCCEA108-686B-BB4F-95FB-4BCE5EB529F1}"/>
                 </a:ext>
               </a:extLst>
             </p:cNvPr>
@@ -17723,18 +17499,13 @@
             <a:lstStyle/>
             <a:p>
               <a:r>
-                <a:rPr lang="de-DE" b="1" dirty="0" smtClean="0">
+                <a:rPr lang="de-DE" b="1" dirty="0">
                   <a:solidFill>
-                    <a:schemeClr val="accent4"/>
+                    <a:srgbClr val="000000"/>
                   </a:solidFill>
                 </a:rPr>
                 <a:t>Problemidentifikation</a:t>
               </a:r>
-              <a:endParaRPr lang="de-DE" b="1" dirty="0">
-                <a:solidFill>
-                  <a:schemeClr val="accent4"/>
-                </a:solidFill>
-              </a:endParaRPr>
             </a:p>
           </p:txBody>
         </p:sp>
@@ -17758,7 +17529,7 @@
           </a:solidFill>
           <a:ln>
             <a:solidFill>
-              <a:schemeClr val="accent6"/>
+              <a:srgbClr val="000000"/>
             </a:solidFill>
           </a:ln>
         </p:spPr>
@@ -17784,18 +17555,13 @@
           <a:p>
             <a:pPr algn="ctr"/>
             <a:r>
-              <a:rPr lang="de-DE" dirty="0" smtClean="0">
+              <a:rPr lang="de-DE" dirty="0">
                 <a:solidFill>
-                  <a:schemeClr val="tx1"/>
+                  <a:srgbClr val="000000"/>
                 </a:solidFill>
               </a:rPr>
               <a:t>Beschreibung des Problems</a:t>
             </a:r>
-            <a:endParaRPr lang="de-DE" dirty="0">
-              <a:solidFill>
-                <a:schemeClr val="tx1"/>
-              </a:solidFill>
-            </a:endParaRPr>
           </a:p>
         </p:txBody>
       </p:sp>
@@ -17818,7 +17584,7 @@
           </a:solidFill>
           <a:ln>
             <a:solidFill>
-              <a:schemeClr val="accent6"/>
+              <a:srgbClr val="000000"/>
             </a:solidFill>
           </a:ln>
         </p:spPr>
@@ -17844,18 +17610,13 @@
           <a:p>
             <a:pPr algn="ctr"/>
             <a:r>
-              <a:rPr lang="de-DE" dirty="0" smtClean="0">
+              <a:rPr lang="de-DE" dirty="0">
                 <a:solidFill>
-                  <a:schemeClr val="tx1"/>
+                  <a:srgbClr val="000000"/>
                 </a:solidFill>
               </a:rPr>
               <a:t>Definition des Ziels</a:t>
             </a:r>
-            <a:endParaRPr lang="de-DE" dirty="0">
-              <a:solidFill>
-                <a:schemeClr val="tx1"/>
-              </a:solidFill>
-            </a:endParaRPr>
           </a:p>
         </p:txBody>
       </p:sp>
@@ -17878,7 +17639,7 @@
           </a:solidFill>
           <a:ln>
             <a:solidFill>
-              <a:schemeClr val="accent6"/>
+              <a:srgbClr val="000000"/>
             </a:solidFill>
           </a:ln>
         </p:spPr>
@@ -17904,18 +17665,13 @@
           <a:p>
             <a:pPr algn="ctr"/>
             <a:r>
-              <a:rPr lang="de-DE" dirty="0" smtClean="0">
+              <a:rPr lang="de-DE" dirty="0">
                 <a:solidFill>
-                  <a:schemeClr val="tx1"/>
+                  <a:srgbClr val="000000"/>
                 </a:solidFill>
               </a:rPr>
               <a:t>Informationen über den aktuellen Status</a:t>
             </a:r>
-            <a:endParaRPr lang="de-DE" dirty="0">
-              <a:solidFill>
-                <a:schemeClr val="tx1"/>
-              </a:solidFill>
-            </a:endParaRPr>
           </a:p>
         </p:txBody>
       </p:sp>
@@ -17938,7 +17694,7 @@
           </a:prstGeom>
           <a:ln w="12700">
             <a:solidFill>
-              <a:schemeClr val="accent6"/>
+              <a:srgbClr val="000000"/>
             </a:solidFill>
             <a:tailEnd type="triangle"/>
           </a:ln>
@@ -17977,7 +17733,7 @@
           </a:prstGeom>
           <a:ln w="12700">
             <a:solidFill>
-              <a:schemeClr val="accent6"/>
+              <a:srgbClr val="000000"/>
             </a:solidFill>
             <a:tailEnd type="triangle"/>
           </a:ln>
@@ -18016,7 +17772,7 @@
             <p:cNvPr id="7" name="Gruppieren 6">
               <a:extLst>
                 <a:ext uri="{FF2B5EF4-FFF2-40B4-BE49-F238E27FC236}">
-                  <a16:creationId xmlns:a16="http://schemas.microsoft.com/office/drawing/2014/main" xmlns="" id="{64401E1E-557D-5D4F-AE09-187A0802411B}"/>
+                  <a16:creationId xmlns:a16="http://schemas.microsoft.com/office/drawing/2014/main" id="{64401E1E-557D-5D4F-AE09-187A0802411B}"/>
                 </a:ext>
               </a:extLst>
             </p:cNvPr>
@@ -18036,7 +17792,7 @@
               <p:cNvPr id="8" name="Rechteck 7">
                 <a:extLst>
                   <a:ext uri="{FF2B5EF4-FFF2-40B4-BE49-F238E27FC236}">
-                    <a16:creationId xmlns:a16="http://schemas.microsoft.com/office/drawing/2014/main" xmlns="" id="{35A0EAB9-4039-6448-AC03-B60DE38901D0}"/>
+                    <a16:creationId xmlns:a16="http://schemas.microsoft.com/office/drawing/2014/main" id="{35A0EAB9-4039-6448-AC03-B60DE38901D0}"/>
                   </a:ext>
                 </a:extLst>
               </p:cNvPr>
@@ -18054,6 +17810,11 @@
               <a:solidFill>
                 <a:schemeClr val="bg1"/>
               </a:solidFill>
+              <a:ln>
+                <a:solidFill>
+                  <a:srgbClr val="000000"/>
+                </a:solidFill>
+              </a:ln>
             </p:spPr>
             <p:style>
               <a:lnRef idx="2">
@@ -18081,7 +17842,7 @@
                 </a:pPr>
                 <a:endParaRPr lang="de-DE" dirty="0">
                   <a:solidFill>
-                    <a:schemeClr val="tx1"/>
+                    <a:srgbClr val="000000"/>
                   </a:solidFill>
                 </a:endParaRPr>
               </a:p>
@@ -18092,7 +17853,7 @@
               <p:cNvPr id="9" name="Rechteck 8">
                 <a:extLst>
                   <a:ext uri="{FF2B5EF4-FFF2-40B4-BE49-F238E27FC236}">
-                    <a16:creationId xmlns:a16="http://schemas.microsoft.com/office/drawing/2014/main" xmlns="" id="{FCCEA108-686B-BB4F-95FB-4BCE5EB529F1}"/>
+                    <a16:creationId xmlns:a16="http://schemas.microsoft.com/office/drawing/2014/main" id="{FCCEA108-686B-BB4F-95FB-4BCE5EB529F1}"/>
                   </a:ext>
                 </a:extLst>
               </p:cNvPr>
@@ -18135,18 +17896,13 @@
               <a:lstStyle/>
               <a:p>
                 <a:r>
-                  <a:rPr lang="de-DE" b="1" dirty="0" smtClean="0">
+                  <a:rPr lang="de-DE" b="1" dirty="0">
                     <a:solidFill>
-                      <a:schemeClr val="accent4"/>
+                      <a:srgbClr val="000000"/>
                     </a:solidFill>
                   </a:rPr>
                   <a:t>Problemlösungen</a:t>
                 </a:r>
-                <a:endParaRPr lang="de-DE" b="1" dirty="0">
-                  <a:solidFill>
-                    <a:schemeClr val="accent4"/>
-                  </a:solidFill>
-                </a:endParaRPr>
               </a:p>
             </p:txBody>
           </p:sp>
@@ -18170,7 +17926,7 @@
             </a:solidFill>
             <a:ln>
               <a:solidFill>
-                <a:schemeClr val="accent6"/>
+                <a:srgbClr val="000000"/>
               </a:solidFill>
             </a:ln>
           </p:spPr>
@@ -18196,18 +17952,13 @@
             <a:p>
               <a:pPr algn="ctr"/>
               <a:r>
-                <a:rPr lang="de-DE" dirty="0" smtClean="0">
+                <a:rPr lang="de-DE" dirty="0">
                   <a:solidFill>
-                    <a:schemeClr val="tx1"/>
+                    <a:srgbClr val="000000"/>
                   </a:solidFill>
                 </a:rPr>
                 <a:t>Lösungen vorschlagen</a:t>
               </a:r>
-              <a:endParaRPr lang="de-DE" dirty="0">
-                <a:solidFill>
-                  <a:schemeClr val="tx1"/>
-                </a:solidFill>
-              </a:endParaRPr>
             </a:p>
           </p:txBody>
         </p:sp>
@@ -18230,7 +17981,7 @@
             </a:solidFill>
             <a:ln>
               <a:solidFill>
-                <a:schemeClr val="accent6"/>
+                <a:srgbClr val="000000"/>
               </a:solidFill>
             </a:ln>
           </p:spPr>
@@ -18256,18 +18007,13 @@
             <a:p>
               <a:pPr algn="ctr"/>
               <a:r>
-                <a:rPr lang="de-DE" dirty="0" smtClean="0">
+                <a:rPr lang="de-DE" dirty="0">
                   <a:solidFill>
-                    <a:schemeClr val="tx1"/>
+                    <a:srgbClr val="000000"/>
                   </a:solidFill>
                 </a:rPr>
                 <a:t>Lösungen vergleichen</a:t>
               </a:r>
-              <a:endParaRPr lang="de-DE" dirty="0">
-                <a:solidFill>
-                  <a:schemeClr val="tx1"/>
-                </a:solidFill>
-              </a:endParaRPr>
             </a:p>
           </p:txBody>
         </p:sp>
@@ -18291,7 +18037,7 @@
           </a:prstGeom>
           <a:ln>
             <a:solidFill>
-              <a:schemeClr val="accent6"/>
+              <a:srgbClr val="000000"/>
             </a:solidFill>
             <a:tailEnd type="triangle"/>
           </a:ln>
@@ -18332,7 +18078,7 @@
           </a:prstGeom>
           <a:ln w="9525">
             <a:solidFill>
-              <a:schemeClr val="tx2"/>
+              <a:srgbClr val="000000"/>
             </a:solidFill>
             <a:tailEnd type="triangle"/>
           </a:ln>
@@ -18371,7 +18117,7 @@
           </a:solidFill>
           <a:ln>
             <a:solidFill>
-              <a:schemeClr val="accent6"/>
+              <a:srgbClr val="000000"/>
             </a:solidFill>
           </a:ln>
         </p:spPr>
@@ -18397,18 +18143,13 @@
           <a:p>
             <a:pPr algn="ctr"/>
             <a:r>
-              <a:rPr lang="de-DE" dirty="0" smtClean="0">
+              <a:rPr lang="de-DE" dirty="0">
                 <a:solidFill>
-                  <a:schemeClr val="tx1"/>
+                  <a:srgbClr val="000000"/>
                 </a:solidFill>
               </a:rPr>
               <a:t>System</a:t>
             </a:r>
-            <a:endParaRPr lang="de-DE" dirty="0">
-              <a:solidFill>
-                <a:schemeClr val="tx1"/>
-              </a:solidFill>
-            </a:endParaRPr>
           </a:p>
         </p:txBody>
       </p:sp>
@@ -18431,7 +18172,7 @@
           </a:solidFill>
           <a:ln>
             <a:solidFill>
-              <a:schemeClr val="accent6"/>
+              <a:srgbClr val="000000"/>
             </a:solidFill>
           </a:ln>
         </p:spPr>
@@ -18457,18 +18198,13 @@
           <a:p>
             <a:pPr algn="ctr"/>
             <a:r>
-              <a:rPr lang="de-DE" dirty="0" smtClean="0">
+              <a:rPr lang="de-DE" dirty="0">
                 <a:solidFill>
-                  <a:schemeClr val="tx1"/>
+                  <a:srgbClr val="000000"/>
                 </a:solidFill>
               </a:rPr>
               <a:t>Nutzer</a:t>
             </a:r>
-            <a:endParaRPr lang="de-DE" dirty="0">
-              <a:solidFill>
-                <a:schemeClr val="tx1"/>
-              </a:solidFill>
-            </a:endParaRPr>
           </a:p>
         </p:txBody>
       </p:sp>
@@ -18491,7 +18227,7 @@
             <p:cNvPr id="74" name="Rechteck 73">
               <a:extLst>
                 <a:ext uri="{FF2B5EF4-FFF2-40B4-BE49-F238E27FC236}">
-                  <a16:creationId xmlns:a16="http://schemas.microsoft.com/office/drawing/2014/main" xmlns="" id="{35A0EAB9-4039-6448-AC03-B60DE38901D0}"/>
+                  <a16:creationId xmlns:a16="http://schemas.microsoft.com/office/drawing/2014/main" id="{35A0EAB9-4039-6448-AC03-B60DE38901D0}"/>
                 </a:ext>
               </a:extLst>
             </p:cNvPr>
@@ -18509,6 +18245,11 @@
             <a:solidFill>
               <a:schemeClr val="bg1"/>
             </a:solidFill>
+            <a:ln>
+              <a:solidFill>
+                <a:srgbClr val="000000"/>
+              </a:solidFill>
+            </a:ln>
           </p:spPr>
           <p:style>
             <a:lnRef idx="2">
@@ -18536,7 +18277,7 @@
               </a:pPr>
               <a:endParaRPr lang="de-DE" dirty="0">
                 <a:solidFill>
-                  <a:schemeClr val="tx1"/>
+                  <a:srgbClr val="000000"/>
                 </a:solidFill>
               </a:endParaRPr>
             </a:p>
@@ -18547,7 +18288,7 @@
             <p:cNvPr id="75" name="Rechteck 74">
               <a:extLst>
                 <a:ext uri="{FF2B5EF4-FFF2-40B4-BE49-F238E27FC236}">
-                  <a16:creationId xmlns:a16="http://schemas.microsoft.com/office/drawing/2014/main" xmlns="" id="{FCCEA108-686B-BB4F-95FB-4BCE5EB529F1}"/>
+                  <a16:creationId xmlns:a16="http://schemas.microsoft.com/office/drawing/2014/main" id="{FCCEA108-686B-BB4F-95FB-4BCE5EB529F1}"/>
                 </a:ext>
               </a:extLst>
             </p:cNvPr>
@@ -18590,18 +18331,13 @@
             <a:lstStyle/>
             <a:p>
               <a:r>
-                <a:rPr lang="de-DE" b="1" dirty="0" smtClean="0">
+                <a:rPr lang="de-DE" b="1" dirty="0">
                   <a:solidFill>
-                    <a:schemeClr val="accent4"/>
+                    <a:srgbClr val="000000"/>
                   </a:solidFill>
                 </a:rPr>
                 <a:t>Entscheiden</a:t>
               </a:r>
-              <a:endParaRPr lang="de-DE" b="1" dirty="0">
-                <a:solidFill>
-                  <a:schemeClr val="accent4"/>
-                </a:solidFill>
-              </a:endParaRPr>
             </a:p>
           </p:txBody>
         </p:sp>
@@ -18625,7 +18361,7 @@
           </a:solidFill>
           <a:ln>
             <a:solidFill>
-              <a:schemeClr val="accent6"/>
+              <a:srgbClr val="000000"/>
             </a:solidFill>
           </a:ln>
         </p:spPr>
@@ -18651,18 +18387,13 @@
           <a:p>
             <a:pPr algn="ctr"/>
             <a:r>
-              <a:rPr lang="de-DE" dirty="0" smtClean="0">
+              <a:rPr lang="de-DE" dirty="0">
                 <a:solidFill>
-                  <a:schemeClr val="tx1"/>
+                  <a:srgbClr val="000000"/>
                 </a:solidFill>
               </a:rPr>
               <a:t>Lösung auswählen</a:t>
             </a:r>
-            <a:endParaRPr lang="de-DE" dirty="0">
-              <a:solidFill>
-                <a:schemeClr val="tx1"/>
-              </a:solidFill>
-            </a:endParaRPr>
           </a:p>
         </p:txBody>
       </p:sp>
@@ -18685,7 +18416,7 @@
           </a:prstGeom>
           <a:ln>
             <a:solidFill>
-              <a:schemeClr val="tx2"/>
+              <a:srgbClr val="000000"/>
             </a:solidFill>
             <a:tailEnd type="triangle"/>
           </a:ln>
@@ -18751,10 +18482,9 @@
           <a:lstStyle/>
           <a:p>
             <a:r>
-              <a:rPr lang="de-DE" dirty="0" smtClean="0"/>
+              <a:rPr lang="de-DE" dirty="0"/>
               <a:t>Fragen</a:t>
             </a:r>
-            <a:endParaRPr lang="de-DE" dirty="0"/>
           </a:p>
         </p:txBody>
       </p:sp>
@@ -18778,14 +18508,14 @@
               <a:buChar char="•"/>
             </a:pPr>
             <a:r>
-              <a:rPr lang="de-DE" dirty="0" smtClean="0"/>
+              <a:rPr lang="de-DE" dirty="0"/>
               <a:t>Wie kann ich den Nutzer noch stärker in den Fokus rücken?</a:t>
             </a:r>
           </a:p>
           <a:p>
             <a:pPr marL="681692" lvl="1" indent="-285750"/>
             <a:r>
-              <a:rPr lang="de-DE" dirty="0" smtClean="0"/>
+              <a:rPr lang="de-DE" dirty="0"/>
               <a:t>Ihn persönlich unterstützen (Vorwissen, persönliche Motivation)</a:t>
             </a:r>
           </a:p>
@@ -18799,25 +18529,8 @@
               <a:buChar char="•"/>
             </a:pPr>
             <a:r>
-              <a:rPr lang="de-DE" dirty="0" smtClean="0"/>
+              <a:rPr lang="de-DE" dirty="0"/>
               <a:t>Wie wird aus einer einfachen Nutzeroberfläche ein Erlebnis?</a:t>
-            </a:r>
-          </a:p>
-          <a:p>
-            <a:pPr marL="285750" indent="-285750">
-              <a:buFont typeface="Arial" panose="020B0604020202020204" pitchFamily="34" charset="0"/>
-              <a:buChar char="•"/>
-            </a:pPr>
-            <a:endParaRPr lang="de-DE" dirty="0" smtClean="0"/>
-          </a:p>
-          <a:p>
-            <a:pPr marL="285750" indent="-285750">
-              <a:buFont typeface="Arial" panose="020B0604020202020204" pitchFamily="34" charset="0"/>
-              <a:buChar char="•"/>
-            </a:pPr>
-            <a:r>
-              <a:rPr lang="de-DE" dirty="0" smtClean="0"/>
-              <a:t>Wie kann der Lerneffekt unterstützt werden?</a:t>
             </a:r>
           </a:p>
           <a:p>
@@ -18833,10 +18546,26 @@
               <a:buChar char="•"/>
             </a:pPr>
             <a:r>
-              <a:rPr lang="de-DE" dirty="0" smtClean="0"/>
+              <a:rPr lang="de-DE" dirty="0"/>
+              <a:t>Wie kann der Lerneffekt unterstützt werden?</a:t>
+            </a:r>
+          </a:p>
+          <a:p>
+            <a:pPr marL="285750" indent="-285750">
+              <a:buFont typeface="Arial" panose="020B0604020202020204" pitchFamily="34" charset="0"/>
+              <a:buChar char="•"/>
+            </a:pPr>
+            <a:endParaRPr lang="de-DE" dirty="0"/>
+          </a:p>
+          <a:p>
+            <a:pPr marL="285750" indent="-285750">
+              <a:buFont typeface="Arial" panose="020B0604020202020204" pitchFamily="34" charset="0"/>
+              <a:buChar char="•"/>
+            </a:pPr>
+            <a:r>
+              <a:rPr lang="de-DE" dirty="0"/>
               <a:t>Wie kann man komplexe Zusammenhänge sinnvoll aufbereiten?</a:t>
             </a:r>
-            <a:endParaRPr lang="de-DE" dirty="0"/>
           </a:p>
         </p:txBody>
       </p:sp>
@@ -18880,18 +18609,13 @@
           <a:p>
             <a:pPr algn="ctr"/>
             <a:r>
-              <a:rPr lang="de-DE" b="1" dirty="0" smtClean="0">
+              <a:rPr lang="de-DE" b="1" dirty="0">
                 <a:solidFill>
                   <a:schemeClr val="accent6"/>
                 </a:solidFill>
               </a:rPr>
               <a:t>PFE</a:t>
             </a:r>
-            <a:endParaRPr lang="de-DE" b="1" dirty="0">
-              <a:solidFill>
-                <a:schemeClr val="accent6"/>
-              </a:solidFill>
-            </a:endParaRPr>
           </a:p>
         </p:txBody>
       </p:sp>
@@ -18941,10 +18665,9 @@
           <a:lstStyle/>
           <a:p>
             <a:r>
-              <a:rPr lang="de-DE" dirty="0" smtClean="0"/>
+              <a:rPr lang="de-DE" dirty="0"/>
               <a:t>Analyse</a:t>
             </a:r>
-            <a:endParaRPr lang="de-DE" dirty="0"/>
           </a:p>
         </p:txBody>
       </p:sp>
@@ -18975,7 +18698,7 @@
           <p:cNvPr id="9" name="Gruppieren 8">
             <a:extLst>
               <a:ext uri="{FF2B5EF4-FFF2-40B4-BE49-F238E27FC236}">
-                <a16:creationId xmlns:a16="http://schemas.microsoft.com/office/drawing/2014/main" xmlns="" id="{64401E1E-557D-5D4F-AE09-187A0802411B}"/>
+                <a16:creationId xmlns:a16="http://schemas.microsoft.com/office/drawing/2014/main" id="{64401E1E-557D-5D4F-AE09-187A0802411B}"/>
               </a:ext>
             </a:extLst>
           </p:cNvPr>
@@ -18995,7 +18718,7 @@
             <p:cNvPr id="10" name="Rechteck 9">
               <a:extLst>
                 <a:ext uri="{FF2B5EF4-FFF2-40B4-BE49-F238E27FC236}">
-                  <a16:creationId xmlns:a16="http://schemas.microsoft.com/office/drawing/2014/main" xmlns="" id="{35A0EAB9-4039-6448-AC03-B60DE38901D0}"/>
+                  <a16:creationId xmlns:a16="http://schemas.microsoft.com/office/drawing/2014/main" id="{35A0EAB9-4039-6448-AC03-B60DE38901D0}"/>
                 </a:ext>
               </a:extLst>
             </p:cNvPr>
@@ -19039,14 +18762,14 @@
                 <a:buChar char="•"/>
               </a:pPr>
               <a:r>
-                <a:rPr lang="de-DE" dirty="0" err="1" smtClean="0">
+                <a:rPr lang="de-DE" dirty="0" err="1">
                   <a:solidFill>
                     <a:schemeClr val="tx1"/>
                   </a:solidFill>
                 </a:rPr>
                 <a:t>Abmaße</a:t>
               </a:r>
-              <a:endParaRPr lang="de-DE" dirty="0" smtClean="0">
+              <a:endParaRPr lang="de-DE" dirty="0">
                 <a:solidFill>
                   <a:schemeClr val="tx1"/>
                 </a:solidFill>
@@ -19057,7 +18780,7 @@
                 <a:buFont typeface="Arial" panose="020B0604020202020204" pitchFamily="34" charset="0"/>
                 <a:buChar char="•"/>
               </a:pPr>
-              <a:endParaRPr lang="de-DE" dirty="0" smtClean="0">
+              <a:endParaRPr lang="de-DE" dirty="0">
                 <a:solidFill>
                   <a:schemeClr val="tx1"/>
                 </a:solidFill>
@@ -19069,7 +18792,7 @@
                 <a:buChar char="•"/>
               </a:pPr>
               <a:r>
-                <a:rPr lang="de-DE" dirty="0" smtClean="0">
+                <a:rPr lang="de-DE" dirty="0">
                   <a:solidFill>
                     <a:schemeClr val="tx1"/>
                   </a:solidFill>
@@ -19082,7 +18805,7 @@
                 <a:buFont typeface="Arial" panose="020B0604020202020204" pitchFamily="34" charset="0"/>
                 <a:buChar char="•"/>
               </a:pPr>
-              <a:endParaRPr lang="de-DE" dirty="0" smtClean="0">
+              <a:endParaRPr lang="de-DE" dirty="0">
                 <a:solidFill>
                   <a:schemeClr val="tx1"/>
                 </a:solidFill>
@@ -19094,7 +18817,7 @@
                 <a:buChar char="•"/>
               </a:pPr>
               <a:r>
-                <a:rPr lang="de-DE" dirty="0" smtClean="0">
+                <a:rPr lang="de-DE" dirty="0">
                   <a:solidFill>
                     <a:schemeClr val="tx1"/>
                   </a:solidFill>
@@ -19108,7 +18831,7 @@
                 <a:buChar char="•"/>
               </a:pPr>
               <a:r>
-                <a:rPr lang="de-DE" dirty="0" smtClean="0">
+                <a:rPr lang="de-DE" dirty="0">
                   <a:solidFill>
                     <a:schemeClr val="tx1"/>
                   </a:solidFill>
@@ -19122,7 +18845,7 @@
                 <a:buChar char="•"/>
               </a:pPr>
               <a:r>
-                <a:rPr lang="de-DE" dirty="0" smtClean="0">
+                <a:rPr lang="de-DE" dirty="0">
                   <a:solidFill>
                     <a:schemeClr val="tx1"/>
                   </a:solidFill>
@@ -19136,7 +18859,7 @@
                 <a:buChar char="•"/>
               </a:pPr>
               <a:r>
-                <a:rPr lang="de-DE" dirty="0" smtClean="0">
+                <a:rPr lang="de-DE" dirty="0">
                   <a:solidFill>
                     <a:schemeClr val="tx1"/>
                   </a:solidFill>
@@ -19150,7 +18873,7 @@
                 <a:buChar char="•"/>
               </a:pPr>
               <a:r>
-                <a:rPr lang="de-DE" dirty="0" smtClean="0">
+                <a:rPr lang="de-DE" dirty="0">
                   <a:solidFill>
                     <a:schemeClr val="tx1"/>
                   </a:solidFill>
@@ -19164,18 +18887,13 @@
                 <a:buChar char="•"/>
               </a:pPr>
               <a:r>
-                <a:rPr lang="de-DE" dirty="0" smtClean="0">
+                <a:rPr lang="de-DE" dirty="0">
                   <a:solidFill>
                     <a:schemeClr val="tx1"/>
                   </a:solidFill>
                 </a:rPr>
                 <a:t>Welche Auswirkungen haben Anpassungen der Parameter auf den Prozess?</a:t>
               </a:r>
-              <a:endParaRPr lang="de-DE" dirty="0">
-                <a:solidFill>
-                  <a:schemeClr val="tx1"/>
-                </a:solidFill>
-              </a:endParaRPr>
             </a:p>
           </p:txBody>
         </p:sp>
@@ -19184,7 +18902,7 @@
             <p:cNvPr id="11" name="Rechteck 10">
               <a:extLst>
                 <a:ext uri="{FF2B5EF4-FFF2-40B4-BE49-F238E27FC236}">
-                  <a16:creationId xmlns:a16="http://schemas.microsoft.com/office/drawing/2014/main" xmlns="" id="{FCCEA108-686B-BB4F-95FB-4BCE5EB529F1}"/>
+                  <a16:creationId xmlns:a16="http://schemas.microsoft.com/office/drawing/2014/main" id="{FCCEA108-686B-BB4F-95FB-4BCE5EB529F1}"/>
                 </a:ext>
               </a:extLst>
             </p:cNvPr>
@@ -19227,18 +18945,13 @@
             <a:lstStyle/>
             <a:p>
               <a:r>
-                <a:rPr lang="de-DE" b="1" dirty="0" smtClean="0">
+                <a:rPr lang="de-DE" b="1" dirty="0">
                   <a:solidFill>
                     <a:schemeClr val="accent4"/>
                   </a:solidFill>
                 </a:rPr>
                 <a:t>Modulare Anlage</a:t>
               </a:r>
-              <a:endParaRPr lang="de-DE" b="1" dirty="0">
-                <a:solidFill>
-                  <a:schemeClr val="accent4"/>
-                </a:solidFill>
-              </a:endParaRPr>
             </a:p>
           </p:txBody>
         </p:sp>
@@ -19248,7 +18961,7 @@
           <p:cNvPr id="12" name="Gruppieren 11">
             <a:extLst>
               <a:ext uri="{FF2B5EF4-FFF2-40B4-BE49-F238E27FC236}">
-                <a16:creationId xmlns:a16="http://schemas.microsoft.com/office/drawing/2014/main" xmlns="" id="{64401E1E-557D-5D4F-AE09-187A0802411B}"/>
+                <a16:creationId xmlns:a16="http://schemas.microsoft.com/office/drawing/2014/main" id="{64401E1E-557D-5D4F-AE09-187A0802411B}"/>
               </a:ext>
             </a:extLst>
           </p:cNvPr>
@@ -19268,7 +18981,7 @@
             <p:cNvPr id="13" name="Rechteck 12">
               <a:extLst>
                 <a:ext uri="{FF2B5EF4-FFF2-40B4-BE49-F238E27FC236}">
-                  <a16:creationId xmlns:a16="http://schemas.microsoft.com/office/drawing/2014/main" xmlns="" id="{35A0EAB9-4039-6448-AC03-B60DE38901D0}"/>
+                  <a16:creationId xmlns:a16="http://schemas.microsoft.com/office/drawing/2014/main" id="{35A0EAB9-4039-6448-AC03-B60DE38901D0}"/>
                 </a:ext>
               </a:extLst>
             </p:cNvPr>
@@ -19312,7 +19025,7 @@
                 <a:buChar char="•"/>
               </a:pPr>
               <a:r>
-                <a:rPr lang="de-DE" dirty="0" smtClean="0">
+                <a:rPr lang="de-DE" dirty="0">
                   <a:solidFill>
                     <a:schemeClr val="tx1"/>
                   </a:solidFill>
@@ -19326,7 +19039,7 @@
                 <a:buChar char="•"/>
               </a:pPr>
               <a:r>
-                <a:rPr lang="de-DE" dirty="0" smtClean="0">
+                <a:rPr lang="de-DE" dirty="0">
                   <a:solidFill>
                     <a:schemeClr val="tx1"/>
                   </a:solidFill>
@@ -19340,7 +19053,7 @@
                 <a:buChar char="•"/>
               </a:pPr>
               <a:r>
-                <a:rPr lang="de-DE" dirty="0" smtClean="0">
+                <a:rPr lang="de-DE" dirty="0">
                   <a:solidFill>
                     <a:schemeClr val="tx1"/>
                   </a:solidFill>
@@ -19354,7 +19067,7 @@
                 <a:buChar char="•"/>
               </a:pPr>
               <a:r>
-                <a:rPr lang="de-DE" dirty="0" smtClean="0">
+                <a:rPr lang="de-DE" dirty="0">
                   <a:solidFill>
                     <a:schemeClr val="tx1"/>
                   </a:solidFill>
@@ -19368,7 +19081,7 @@
                 <a:buChar char="•"/>
               </a:pPr>
               <a:r>
-                <a:rPr lang="de-DE" dirty="0" smtClean="0">
+                <a:rPr lang="de-DE" dirty="0">
                   <a:solidFill>
                     <a:schemeClr val="tx1"/>
                   </a:solidFill>
@@ -19382,7 +19095,7 @@
                 <a:buChar char="•"/>
               </a:pPr>
               <a:r>
-                <a:rPr lang="de-DE" dirty="0" smtClean="0">
+                <a:rPr lang="de-DE" dirty="0">
                   <a:solidFill>
                     <a:schemeClr val="tx1"/>
                   </a:solidFill>
@@ -19396,7 +19109,7 @@
                 <a:buChar char="•"/>
               </a:pPr>
               <a:r>
-                <a:rPr lang="de-DE" dirty="0" smtClean="0">
+                <a:rPr lang="de-DE" dirty="0">
                   <a:solidFill>
                     <a:schemeClr val="tx1"/>
                   </a:solidFill>
@@ -19410,7 +19123,7 @@
                 <a:buChar char="•"/>
               </a:pPr>
               <a:r>
-                <a:rPr lang="de-DE" dirty="0" smtClean="0">
+                <a:rPr lang="de-DE" dirty="0">
                   <a:solidFill>
                     <a:schemeClr val="tx1"/>
                   </a:solidFill>
@@ -19424,7 +19137,7 @@
                 <a:buChar char="•"/>
               </a:pPr>
               <a:r>
-                <a:rPr lang="de-DE" dirty="0" smtClean="0">
+                <a:rPr lang="de-DE" dirty="0">
                   <a:solidFill>
                     <a:schemeClr val="tx1"/>
                   </a:solidFill>
@@ -19438,7 +19151,7 @@
                 <a:buChar char="•"/>
               </a:pPr>
               <a:r>
-                <a:rPr lang="de-DE" dirty="0" smtClean="0">
+                <a:rPr lang="de-DE" dirty="0">
                   <a:solidFill>
                     <a:schemeClr val="tx1"/>
                   </a:solidFill>
@@ -19452,18 +19165,13 @@
                 <a:buChar char="•"/>
               </a:pPr>
               <a:r>
-                <a:rPr lang="de-DE" dirty="0" smtClean="0">
+                <a:rPr lang="de-DE" dirty="0">
                   <a:solidFill>
                     <a:schemeClr val="tx1"/>
                   </a:solidFill>
                 </a:rPr>
                 <a:t>Wie hoch ist der Energieverbrauch des Moduls?</a:t>
               </a:r>
-              <a:endParaRPr lang="de-DE" dirty="0">
-                <a:solidFill>
-                  <a:schemeClr val="tx1"/>
-                </a:solidFill>
-              </a:endParaRPr>
             </a:p>
           </p:txBody>
         </p:sp>
@@ -19472,7 +19180,7 @@
             <p:cNvPr id="14" name="Rechteck 13">
               <a:extLst>
                 <a:ext uri="{FF2B5EF4-FFF2-40B4-BE49-F238E27FC236}">
-                  <a16:creationId xmlns:a16="http://schemas.microsoft.com/office/drawing/2014/main" xmlns="" id="{FCCEA108-686B-BB4F-95FB-4BCE5EB529F1}"/>
+                  <a16:creationId xmlns:a16="http://schemas.microsoft.com/office/drawing/2014/main" id="{FCCEA108-686B-BB4F-95FB-4BCE5EB529F1}"/>
                 </a:ext>
               </a:extLst>
             </p:cNvPr>
@@ -19515,18 +19223,13 @@
             <a:lstStyle/>
             <a:p>
               <a:r>
-                <a:rPr lang="de-DE" b="1" dirty="0" smtClean="0">
+                <a:rPr lang="de-DE" b="1" dirty="0">
                   <a:solidFill>
                     <a:schemeClr val="accent4"/>
                   </a:solidFill>
                 </a:rPr>
                 <a:t>Unternehmen</a:t>
               </a:r>
-              <a:endParaRPr lang="de-DE" b="1" dirty="0">
-                <a:solidFill>
-                  <a:schemeClr val="accent4"/>
-                </a:solidFill>
-              </a:endParaRPr>
             </a:p>
           </p:txBody>
         </p:sp>
@@ -19597,7 +19300,7 @@
           <p:cNvPr id="7" name="Gruppieren 6">
             <a:extLst>
               <a:ext uri="{FF2B5EF4-FFF2-40B4-BE49-F238E27FC236}">
-                <a16:creationId xmlns:a16="http://schemas.microsoft.com/office/drawing/2014/main" xmlns="" id="{83607870-557A-164A-B22B-C1B49B36656C}"/>
+                <a16:creationId xmlns:a16="http://schemas.microsoft.com/office/drawing/2014/main" id="{83607870-557A-164A-B22B-C1B49B36656C}"/>
               </a:ext>
             </a:extLst>
           </p:cNvPr>
@@ -19617,7 +19320,7 @@
             <p:cNvPr id="8" name="Rechteck 7">
               <a:extLst>
                 <a:ext uri="{FF2B5EF4-FFF2-40B4-BE49-F238E27FC236}">
-                  <a16:creationId xmlns:a16="http://schemas.microsoft.com/office/drawing/2014/main" xmlns="" id="{F1E1E402-969D-194B-AB76-85BAC6C71034}"/>
+                  <a16:creationId xmlns:a16="http://schemas.microsoft.com/office/drawing/2014/main" id="{F1E1E402-969D-194B-AB76-85BAC6C71034}"/>
                 </a:ext>
               </a:extLst>
             </p:cNvPr>
@@ -19701,7 +19404,7 @@
             <p:cNvPr id="9" name="Rechteck 8">
               <a:extLst>
                 <a:ext uri="{FF2B5EF4-FFF2-40B4-BE49-F238E27FC236}">
-                  <a16:creationId xmlns:a16="http://schemas.microsoft.com/office/drawing/2014/main" xmlns="" id="{833772DE-177D-6242-B2B7-89D46A2C0D15}"/>
+                  <a16:creationId xmlns:a16="http://schemas.microsoft.com/office/drawing/2014/main" id="{833772DE-177D-6242-B2B7-89D46A2C0D15}"/>
                 </a:ext>
               </a:extLst>
             </p:cNvPr>
@@ -19792,7 +19495,7 @@
           <p:cNvPr id="11" name="Gruppieren 10">
             <a:extLst>
               <a:ext uri="{FF2B5EF4-FFF2-40B4-BE49-F238E27FC236}">
-                <a16:creationId xmlns:a16="http://schemas.microsoft.com/office/drawing/2014/main" xmlns="" id="{00DD676A-B61C-5D48-BC56-AC4BB52F8528}"/>
+                <a16:creationId xmlns:a16="http://schemas.microsoft.com/office/drawing/2014/main" id="{00DD676A-B61C-5D48-BC56-AC4BB52F8528}"/>
               </a:ext>
             </a:extLst>
           </p:cNvPr>
@@ -19812,7 +19515,7 @@
             <p:cNvPr id="12" name="Rechteck 11">
               <a:extLst>
                 <a:ext uri="{FF2B5EF4-FFF2-40B4-BE49-F238E27FC236}">
-                  <a16:creationId xmlns:a16="http://schemas.microsoft.com/office/drawing/2014/main" xmlns="" id="{201F63B0-4CCA-B640-BD88-BAB407BC2183}"/>
+                  <a16:creationId xmlns:a16="http://schemas.microsoft.com/office/drawing/2014/main" id="{201F63B0-4CCA-B640-BD88-BAB407BC2183}"/>
                 </a:ext>
               </a:extLst>
             </p:cNvPr>
@@ -19896,7 +19599,7 @@
             <p:cNvPr id="13" name="Rechteck 12">
               <a:extLst>
                 <a:ext uri="{FF2B5EF4-FFF2-40B4-BE49-F238E27FC236}">
-                  <a16:creationId xmlns:a16="http://schemas.microsoft.com/office/drawing/2014/main" xmlns="" id="{514C32A1-04E5-494D-AB34-069455276B16}"/>
+                  <a16:creationId xmlns:a16="http://schemas.microsoft.com/office/drawing/2014/main" id="{514C32A1-04E5-494D-AB34-069455276B16}"/>
                 </a:ext>
               </a:extLst>
             </p:cNvPr>
@@ -19963,7 +19666,7 @@
           <p:cNvPr id="14" name="Gruppieren 13">
             <a:extLst>
               <a:ext uri="{FF2B5EF4-FFF2-40B4-BE49-F238E27FC236}">
-                <a16:creationId xmlns:a16="http://schemas.microsoft.com/office/drawing/2014/main" xmlns="" id="{C0CAAA13-C09D-AC4E-991C-1FEB2957F9A9}"/>
+                <a16:creationId xmlns:a16="http://schemas.microsoft.com/office/drawing/2014/main" id="{C0CAAA13-C09D-AC4E-991C-1FEB2957F9A9}"/>
               </a:ext>
             </a:extLst>
           </p:cNvPr>
@@ -19983,7 +19686,7 @@
             <p:cNvPr id="15" name="Rechteck 14">
               <a:extLst>
                 <a:ext uri="{FF2B5EF4-FFF2-40B4-BE49-F238E27FC236}">
-                  <a16:creationId xmlns:a16="http://schemas.microsoft.com/office/drawing/2014/main" xmlns="" id="{71B66402-AE28-034E-B538-DD8098A05FCC}"/>
+                  <a16:creationId xmlns:a16="http://schemas.microsoft.com/office/drawing/2014/main" id="{71B66402-AE28-034E-B538-DD8098A05FCC}"/>
                 </a:ext>
               </a:extLst>
             </p:cNvPr>
@@ -20122,7 +19825,7 @@
             <p:cNvPr id="16" name="Rechteck 15">
               <a:extLst>
                 <a:ext uri="{FF2B5EF4-FFF2-40B4-BE49-F238E27FC236}">
-                  <a16:creationId xmlns:a16="http://schemas.microsoft.com/office/drawing/2014/main" xmlns="" id="{3BF267A1-CAB7-CF4A-B6F4-D9891842B9EE}"/>
+                  <a16:creationId xmlns:a16="http://schemas.microsoft.com/office/drawing/2014/main" id="{3BF267A1-CAB7-CF4A-B6F4-D9891842B9EE}"/>
                 </a:ext>
               </a:extLst>
             </p:cNvPr>
@@ -20181,7 +19884,7 @@
           <p:cNvPr id="20" name="Gewinkelte Verbindung 19">
             <a:extLst>
               <a:ext uri="{FF2B5EF4-FFF2-40B4-BE49-F238E27FC236}">
-                <a16:creationId xmlns:a16="http://schemas.microsoft.com/office/drawing/2014/main" xmlns="" id="{FD336F23-DB98-1342-BB4F-5D218AF61D6F}"/>
+                <a16:creationId xmlns:a16="http://schemas.microsoft.com/office/drawing/2014/main" id="{FD336F23-DB98-1342-BB4F-5D218AF61D6F}"/>
               </a:ext>
             </a:extLst>
           </p:cNvPr>
@@ -20232,7 +19935,7 @@
           <p:cNvPr id="22" name="Gewinkelte Verbindung 21">
             <a:extLst>
               <a:ext uri="{FF2B5EF4-FFF2-40B4-BE49-F238E27FC236}">
-                <a16:creationId xmlns:a16="http://schemas.microsoft.com/office/drawing/2014/main" xmlns="" id="{BBE684D5-0A18-BA4A-8AA1-7553DDC193B9}"/>
+                <a16:creationId xmlns:a16="http://schemas.microsoft.com/office/drawing/2014/main" id="{BBE684D5-0A18-BA4A-8AA1-7553DDC193B9}"/>
               </a:ext>
             </a:extLst>
           </p:cNvPr>
